--- a/Өгөгдлийн нууцлал,.pptx
+++ b/Өгөгдлийн нууцлал,.pptx
@@ -2,21 +2,38 @@
 <file path=ppt/presentation.xml><?xml version="1.0" encoding="utf-8"?>
 <p:presentation xmlns:a="http://schemas.openxmlformats.org/drawingml/2006/main" xmlns:r="http://schemas.openxmlformats.org/officeDocument/2006/relationships" xmlns:p="http://schemas.openxmlformats.org/presentationml/2006/main" saveSubsetFonts="1">
   <p:sldMasterIdLst>
-    <p:sldMasterId id="2147483672" r:id="rId1"/>
+    <p:sldMasterId id="2147483762" r:id="rId1"/>
   </p:sldMasterIdLst>
   <p:sldIdLst>
     <p:sldId id="256" r:id="rId2"/>
-    <p:sldId id="257" r:id="rId3"/>
-    <p:sldId id="258" r:id="rId4"/>
-    <p:sldId id="259" r:id="rId5"/>
-    <p:sldId id="260" r:id="rId6"/>
-    <p:sldId id="264" r:id="rId7"/>
-    <p:sldId id="265" r:id="rId8"/>
-    <p:sldId id="266" r:id="rId9"/>
-    <p:sldId id="267" r:id="rId10"/>
-    <p:sldId id="261" r:id="rId11"/>
-    <p:sldId id="262" r:id="rId12"/>
-    <p:sldId id="263" r:id="rId13"/>
+    <p:sldId id="285" r:id="rId3"/>
+    <p:sldId id="257" r:id="rId4"/>
+    <p:sldId id="258" r:id="rId5"/>
+    <p:sldId id="259" r:id="rId6"/>
+    <p:sldId id="260" r:id="rId7"/>
+    <p:sldId id="264" r:id="rId8"/>
+    <p:sldId id="265" r:id="rId9"/>
+    <p:sldId id="274" r:id="rId10"/>
+    <p:sldId id="266" r:id="rId11"/>
+    <p:sldId id="267" r:id="rId12"/>
+    <p:sldId id="283" r:id="rId13"/>
+    <p:sldId id="284" r:id="rId14"/>
+    <p:sldId id="261" r:id="rId15"/>
+    <p:sldId id="262" r:id="rId16"/>
+    <p:sldId id="268" r:id="rId17"/>
+    <p:sldId id="280" r:id="rId18"/>
+    <p:sldId id="269" r:id="rId19"/>
+    <p:sldId id="275" r:id="rId20"/>
+    <p:sldId id="276" r:id="rId21"/>
+    <p:sldId id="278" r:id="rId22"/>
+    <p:sldId id="270" r:id="rId23"/>
+    <p:sldId id="281" r:id="rId24"/>
+    <p:sldId id="271" r:id="rId25"/>
+    <p:sldId id="277" r:id="rId26"/>
+    <p:sldId id="272" r:id="rId27"/>
+    <p:sldId id="279" r:id="rId28"/>
+    <p:sldId id="263" r:id="rId29"/>
+    <p:sldId id="273" r:id="rId30"/>
   </p:sldIdLst>
   <p:sldSz cx="12192000" cy="6858000"/>
   <p:notesSz cx="6858000" cy="9144000"/>
@@ -454,7 +471,7 @@
           <a:p>
             <a:fld id="{CA9FA7F6-2FAF-40CB-94AF-60D557887C87}" type="datetimeFigureOut">
               <a:rPr lang="en-US" smtClean="0"/>
-              <a:t>4/12/2016</a:t>
+              <a:t>5/3/2016</a:t>
             </a:fld>
             <a:endParaRPr lang="en-US"/>
           </a:p>
@@ -545,7 +562,7 @@
     </p:spTree>
     <p:extLst>
       <p:ext uri="{BB962C8B-B14F-4D97-AF65-F5344CB8AC3E}">
-        <p14:creationId xmlns:p14="http://schemas.microsoft.com/office/powerpoint/2010/main" val="3091662544"/>
+        <p14:creationId xmlns:p14="http://schemas.microsoft.com/office/powerpoint/2010/main" val="3297020690"/>
       </p:ext>
     </p:extLst>
   </p:cSld>
@@ -778,7 +795,7 @@
           <a:p>
             <a:fld id="{CA9FA7F6-2FAF-40CB-94AF-60D557887C87}" type="datetimeFigureOut">
               <a:rPr lang="en-US" smtClean="0"/>
-              <a:t>4/12/2016</a:t>
+              <a:t>5/3/2016</a:t>
             </a:fld>
             <a:endParaRPr lang="en-US"/>
           </a:p>
@@ -829,7 +846,7 @@
     </p:spTree>
     <p:extLst>
       <p:ext uri="{BB962C8B-B14F-4D97-AF65-F5344CB8AC3E}">
-        <p14:creationId xmlns:p14="http://schemas.microsoft.com/office/powerpoint/2010/main" val="1025798155"/>
+        <p14:creationId xmlns:p14="http://schemas.microsoft.com/office/powerpoint/2010/main" val="900459706"/>
       </p:ext>
     </p:extLst>
   </p:cSld>
@@ -1026,7 +1043,7 @@
           <a:p>
             <a:fld id="{CA9FA7F6-2FAF-40CB-94AF-60D557887C87}" type="datetimeFigureOut">
               <a:rPr lang="en-US" smtClean="0"/>
-              <a:t>4/12/2016</a:t>
+              <a:t>5/3/2016</a:t>
             </a:fld>
             <a:endParaRPr lang="en-US"/>
           </a:p>
@@ -1108,7 +1125,7 @@
     </p:spTree>
     <p:extLst>
       <p:ext uri="{BB962C8B-B14F-4D97-AF65-F5344CB8AC3E}">
-        <p14:creationId xmlns:p14="http://schemas.microsoft.com/office/powerpoint/2010/main" val="2122239661"/>
+        <p14:creationId xmlns:p14="http://schemas.microsoft.com/office/powerpoint/2010/main" val="816935650"/>
       </p:ext>
     </p:extLst>
   </p:cSld>
@@ -1365,7 +1382,7 @@
           <a:p>
             <a:fld id="{CA9FA7F6-2FAF-40CB-94AF-60D557887C87}" type="datetimeFigureOut">
               <a:rPr lang="en-US" smtClean="0"/>
-              <a:t>4/12/2016</a:t>
+              <a:t>5/3/2016</a:t>
             </a:fld>
             <a:endParaRPr lang="en-US"/>
           </a:p>
@@ -1515,7 +1532,7 @@
     </p:spTree>
     <p:extLst>
       <p:ext uri="{BB962C8B-B14F-4D97-AF65-F5344CB8AC3E}">
-        <p14:creationId xmlns:p14="http://schemas.microsoft.com/office/powerpoint/2010/main" val="3894744383"/>
+        <p14:creationId xmlns:p14="http://schemas.microsoft.com/office/powerpoint/2010/main" val="3215192361"/>
       </p:ext>
     </p:extLst>
   </p:cSld>
@@ -1712,7 +1729,7 @@
           <a:p>
             <a:fld id="{CA9FA7F6-2FAF-40CB-94AF-60D557887C87}" type="datetimeFigureOut">
               <a:rPr lang="en-US" smtClean="0"/>
-              <a:t>4/12/2016</a:t>
+              <a:t>5/3/2016</a:t>
             </a:fld>
             <a:endParaRPr lang="en-US"/>
           </a:p>
@@ -1763,7 +1780,7 @@
     </p:spTree>
     <p:extLst>
       <p:ext uri="{BB962C8B-B14F-4D97-AF65-F5344CB8AC3E}">
-        <p14:creationId xmlns:p14="http://schemas.microsoft.com/office/powerpoint/2010/main" val="2965466907"/>
+        <p14:creationId xmlns:p14="http://schemas.microsoft.com/office/powerpoint/2010/main" val="335421324"/>
       </p:ext>
     </p:extLst>
   </p:cSld>
@@ -2086,7 +2103,7 @@
           <a:p>
             <a:fld id="{CA9FA7F6-2FAF-40CB-94AF-60D557887C87}" type="datetimeFigureOut">
               <a:rPr lang="en-US" smtClean="0"/>
-              <a:t>4/12/2016</a:t>
+              <a:t>5/3/2016</a:t>
             </a:fld>
             <a:endParaRPr lang="en-US"/>
           </a:p>
@@ -2236,7 +2253,7 @@
     </p:spTree>
     <p:extLst>
       <p:ext uri="{BB962C8B-B14F-4D97-AF65-F5344CB8AC3E}">
-        <p14:creationId xmlns:p14="http://schemas.microsoft.com/office/powerpoint/2010/main" val="4290359476"/>
+        <p14:creationId xmlns:p14="http://schemas.microsoft.com/office/powerpoint/2010/main" val="3440233280"/>
       </p:ext>
     </p:extLst>
   </p:cSld>
@@ -2556,7 +2573,7 @@
           <a:p>
             <a:fld id="{CA9FA7F6-2FAF-40CB-94AF-60D557887C87}" type="datetimeFigureOut">
               <a:rPr lang="en-US" smtClean="0"/>
-              <a:t>4/12/2016</a:t>
+              <a:t>5/3/2016</a:t>
             </a:fld>
             <a:endParaRPr lang="en-US"/>
           </a:p>
@@ -2638,7 +2655,7 @@
     </p:spTree>
     <p:extLst>
       <p:ext uri="{BB962C8B-B14F-4D97-AF65-F5344CB8AC3E}">
-        <p14:creationId xmlns:p14="http://schemas.microsoft.com/office/powerpoint/2010/main" val="1838267360"/>
+        <p14:creationId xmlns:p14="http://schemas.microsoft.com/office/powerpoint/2010/main" val="788379316"/>
       </p:ext>
     </p:extLst>
   </p:cSld>
@@ -2761,7 +2778,7 @@
           <a:p>
             <a:fld id="{CA9FA7F6-2FAF-40CB-94AF-60D557887C87}" type="datetimeFigureOut">
               <a:rPr lang="en-US" smtClean="0"/>
-              <a:t>4/12/2016</a:t>
+              <a:t>5/3/2016</a:t>
             </a:fld>
             <a:endParaRPr lang="en-US"/>
           </a:p>
@@ -2843,7 +2860,7 @@
     </p:spTree>
     <p:extLst>
       <p:ext uri="{BB962C8B-B14F-4D97-AF65-F5344CB8AC3E}">
-        <p14:creationId xmlns:p14="http://schemas.microsoft.com/office/powerpoint/2010/main" val="1352940"/>
+        <p14:creationId xmlns:p14="http://schemas.microsoft.com/office/powerpoint/2010/main" val="2628292520"/>
       </p:ext>
     </p:extLst>
   </p:cSld>
@@ -2972,7 +2989,7 @@
           <a:p>
             <a:fld id="{CA9FA7F6-2FAF-40CB-94AF-60D557887C87}" type="datetimeFigureOut">
               <a:rPr lang="en-US" smtClean="0"/>
-              <a:t>4/12/2016</a:t>
+              <a:t>5/3/2016</a:t>
             </a:fld>
             <a:endParaRPr lang="en-US"/>
           </a:p>
@@ -3054,7 +3071,7 @@
     </p:spTree>
     <p:extLst>
       <p:ext uri="{BB962C8B-B14F-4D97-AF65-F5344CB8AC3E}">
-        <p14:creationId xmlns:p14="http://schemas.microsoft.com/office/powerpoint/2010/main" val="1852439053"/>
+        <p14:creationId xmlns:p14="http://schemas.microsoft.com/office/powerpoint/2010/main" val="948525324"/>
       </p:ext>
     </p:extLst>
   </p:cSld>
@@ -3204,7 +3221,7 @@
           <a:p>
             <a:fld id="{CA9FA7F6-2FAF-40CB-94AF-60D557887C87}" type="datetimeFigureOut">
               <a:rPr lang="en-US" smtClean="0"/>
-              <a:t>4/12/2016</a:t>
+              <a:t>5/3/2016</a:t>
             </a:fld>
             <a:endParaRPr lang="en-US"/>
           </a:p>
@@ -3255,7 +3272,7 @@
     </p:spTree>
     <p:extLst>
       <p:ext uri="{BB962C8B-B14F-4D97-AF65-F5344CB8AC3E}">
-        <p14:creationId xmlns:p14="http://schemas.microsoft.com/office/powerpoint/2010/main" val="3341015178"/>
+        <p14:creationId xmlns:p14="http://schemas.microsoft.com/office/powerpoint/2010/main" val="404640858"/>
       </p:ext>
     </p:extLst>
   </p:cSld>
@@ -3452,7 +3469,7 @@
           <a:p>
             <a:fld id="{CA9FA7F6-2FAF-40CB-94AF-60D557887C87}" type="datetimeFigureOut">
               <a:rPr lang="en-US" smtClean="0"/>
-              <a:t>4/12/2016</a:t>
+              <a:t>5/3/2016</a:t>
             </a:fld>
             <a:endParaRPr lang="en-US"/>
           </a:p>
@@ -3534,7 +3551,7 @@
     </p:spTree>
     <p:extLst>
       <p:ext uri="{BB962C8B-B14F-4D97-AF65-F5344CB8AC3E}">
-        <p14:creationId xmlns:p14="http://schemas.microsoft.com/office/powerpoint/2010/main" val="2518579498"/>
+        <p14:creationId xmlns:p14="http://schemas.microsoft.com/office/powerpoint/2010/main" val="650859508"/>
       </p:ext>
     </p:extLst>
   </p:cSld>
@@ -3750,7 +3767,7 @@
           <a:p>
             <a:fld id="{CA9FA7F6-2FAF-40CB-94AF-60D557887C87}" type="datetimeFigureOut">
               <a:rPr lang="en-US" smtClean="0"/>
-              <a:t>4/12/2016</a:t>
+              <a:t>5/3/2016</a:t>
             </a:fld>
             <a:endParaRPr lang="en-US"/>
           </a:p>
@@ -3801,7 +3818,7 @@
     </p:spTree>
     <p:extLst>
       <p:ext uri="{BB962C8B-B14F-4D97-AF65-F5344CB8AC3E}">
-        <p14:creationId xmlns:p14="http://schemas.microsoft.com/office/powerpoint/2010/main" val="72007268"/>
+        <p14:creationId xmlns:p14="http://schemas.microsoft.com/office/powerpoint/2010/main" val="3184680662"/>
       </p:ext>
     </p:extLst>
   </p:cSld>
@@ -4144,7 +4161,7 @@
           <a:p>
             <a:fld id="{CA9FA7F6-2FAF-40CB-94AF-60D557887C87}" type="datetimeFigureOut">
               <a:rPr lang="en-US" smtClean="0"/>
-              <a:t>4/12/2016</a:t>
+              <a:t>5/3/2016</a:t>
             </a:fld>
             <a:endParaRPr lang="en-US"/>
           </a:p>
@@ -4226,7 +4243,7 @@
     </p:spTree>
     <p:extLst>
       <p:ext uri="{BB962C8B-B14F-4D97-AF65-F5344CB8AC3E}">
-        <p14:creationId xmlns:p14="http://schemas.microsoft.com/office/powerpoint/2010/main" val="299470941"/>
+        <p14:creationId xmlns:p14="http://schemas.microsoft.com/office/powerpoint/2010/main" val="1705592375"/>
       </p:ext>
     </p:extLst>
   </p:cSld>
@@ -4293,7 +4310,7 @@
           <a:p>
             <a:fld id="{CA9FA7F6-2FAF-40CB-94AF-60D557887C87}" type="datetimeFigureOut">
               <a:rPr lang="en-US" smtClean="0"/>
-              <a:t>4/12/2016</a:t>
+              <a:t>5/3/2016</a:t>
             </a:fld>
             <a:endParaRPr lang="en-US"/>
           </a:p>
@@ -4375,7 +4392,7 @@
     </p:spTree>
     <p:extLst>
       <p:ext uri="{BB962C8B-B14F-4D97-AF65-F5344CB8AC3E}">
-        <p14:creationId xmlns:p14="http://schemas.microsoft.com/office/powerpoint/2010/main" val="278422970"/>
+        <p14:creationId xmlns:p14="http://schemas.microsoft.com/office/powerpoint/2010/main" val="2273543620"/>
       </p:ext>
     </p:extLst>
   </p:cSld>
@@ -4419,7 +4436,7 @@
           <a:p>
             <a:fld id="{CA9FA7F6-2FAF-40CB-94AF-60D557887C87}" type="datetimeFigureOut">
               <a:rPr lang="en-US" smtClean="0"/>
-              <a:t>4/12/2016</a:t>
+              <a:t>5/3/2016</a:t>
             </a:fld>
             <a:endParaRPr lang="en-US"/>
           </a:p>
@@ -4470,7 +4487,7 @@
     </p:spTree>
     <p:extLst>
       <p:ext uri="{BB962C8B-B14F-4D97-AF65-F5344CB8AC3E}">
-        <p14:creationId xmlns:p14="http://schemas.microsoft.com/office/powerpoint/2010/main" val="3291076335"/>
+        <p14:creationId xmlns:p14="http://schemas.microsoft.com/office/powerpoint/2010/main" val="1007556931"/>
       </p:ext>
     </p:extLst>
   </p:cSld>
@@ -4674,7 +4691,7 @@
           <a:p>
             <a:fld id="{CA9FA7F6-2FAF-40CB-94AF-60D557887C87}" type="datetimeFigureOut">
               <a:rPr lang="en-US" smtClean="0"/>
-              <a:t>4/12/2016</a:t>
+              <a:t>5/3/2016</a:t>
             </a:fld>
             <a:endParaRPr lang="en-US"/>
           </a:p>
@@ -4756,7 +4773,7 @@
     </p:spTree>
     <p:extLst>
       <p:ext uri="{BB962C8B-B14F-4D97-AF65-F5344CB8AC3E}">
-        <p14:creationId xmlns:p14="http://schemas.microsoft.com/office/powerpoint/2010/main" val="1404158270"/>
+        <p14:creationId xmlns:p14="http://schemas.microsoft.com/office/powerpoint/2010/main" val="3376131644"/>
       </p:ext>
     </p:extLst>
   </p:cSld>
@@ -4989,7 +5006,7 @@
           <a:p>
             <a:fld id="{CA9FA7F6-2FAF-40CB-94AF-60D557887C87}" type="datetimeFigureOut">
               <a:rPr lang="en-US" smtClean="0"/>
-              <a:t>4/12/2016</a:t>
+              <a:t>5/3/2016</a:t>
             </a:fld>
             <a:endParaRPr lang="en-US"/>
           </a:p>
@@ -5040,7 +5057,7 @@
     </p:spTree>
     <p:extLst>
       <p:ext uri="{BB962C8B-B14F-4D97-AF65-F5344CB8AC3E}">
-        <p14:creationId xmlns:p14="http://schemas.microsoft.com/office/powerpoint/2010/main" val="3779967730"/>
+        <p14:creationId xmlns:p14="http://schemas.microsoft.com/office/powerpoint/2010/main" val="4201725857"/>
       </p:ext>
     </p:extLst>
   </p:cSld>
@@ -5340,7 +5357,7 @@
           <a:p>
             <a:fld id="{CA9FA7F6-2FAF-40CB-94AF-60D557887C87}" type="datetimeFigureOut">
               <a:rPr lang="en-US" smtClean="0"/>
-              <a:t>4/12/2016</a:t>
+              <a:t>5/3/2016</a:t>
             </a:fld>
             <a:endParaRPr lang="en-US"/>
           </a:p>
@@ -5427,29 +5444,29 @@
     </p:spTree>
     <p:extLst>
       <p:ext uri="{BB962C8B-B14F-4D97-AF65-F5344CB8AC3E}">
-        <p14:creationId xmlns:p14="http://schemas.microsoft.com/office/powerpoint/2010/main" val="2216201966"/>
+        <p14:creationId xmlns:p14="http://schemas.microsoft.com/office/powerpoint/2010/main" val="3458437465"/>
       </p:ext>
     </p:extLst>
   </p:cSld>
   <p:clrMap bg1="lt1" tx1="dk1" bg2="lt2" tx2="dk2" accent1="accent1" accent2="accent2" accent3="accent3" accent4="accent4" accent5="accent5" accent6="accent6" hlink="hlink" folHlink="folHlink"/>
   <p:sldLayoutIdLst>
-    <p:sldLayoutId id="2147483673" r:id="rId1"/>
-    <p:sldLayoutId id="2147483674" r:id="rId2"/>
-    <p:sldLayoutId id="2147483675" r:id="rId3"/>
-    <p:sldLayoutId id="2147483676" r:id="rId4"/>
-    <p:sldLayoutId id="2147483677" r:id="rId5"/>
-    <p:sldLayoutId id="2147483678" r:id="rId6"/>
-    <p:sldLayoutId id="2147483679" r:id="rId7"/>
-    <p:sldLayoutId id="2147483680" r:id="rId8"/>
-    <p:sldLayoutId id="2147483681" r:id="rId9"/>
-    <p:sldLayoutId id="2147483682" r:id="rId10"/>
-    <p:sldLayoutId id="2147483683" r:id="rId11"/>
-    <p:sldLayoutId id="2147483684" r:id="rId12"/>
-    <p:sldLayoutId id="2147483685" r:id="rId13"/>
-    <p:sldLayoutId id="2147483686" r:id="rId14"/>
-    <p:sldLayoutId id="2147483687" r:id="rId15"/>
-    <p:sldLayoutId id="2147483688" r:id="rId16"/>
-    <p:sldLayoutId id="2147483689" r:id="rId17"/>
+    <p:sldLayoutId id="2147483763" r:id="rId1"/>
+    <p:sldLayoutId id="2147483764" r:id="rId2"/>
+    <p:sldLayoutId id="2147483765" r:id="rId3"/>
+    <p:sldLayoutId id="2147483766" r:id="rId4"/>
+    <p:sldLayoutId id="2147483767" r:id="rId5"/>
+    <p:sldLayoutId id="2147483768" r:id="rId6"/>
+    <p:sldLayoutId id="2147483769" r:id="rId7"/>
+    <p:sldLayoutId id="2147483770" r:id="rId8"/>
+    <p:sldLayoutId id="2147483771" r:id="rId9"/>
+    <p:sldLayoutId id="2147483772" r:id="rId10"/>
+    <p:sldLayoutId id="2147483773" r:id="rId11"/>
+    <p:sldLayoutId id="2147483774" r:id="rId12"/>
+    <p:sldLayoutId id="2147483775" r:id="rId13"/>
+    <p:sldLayoutId id="2147483776" r:id="rId14"/>
+    <p:sldLayoutId id="2147483777" r:id="rId15"/>
+    <p:sldLayoutId id="2147483778" r:id="rId16"/>
+    <p:sldLayoutId id="2147483779" r:id="rId17"/>
   </p:sldLayoutIdLst>
   <p:txStyles>
     <p:titleStyle>
@@ -5899,10 +5916,16 @@
           <a:lstStyle/>
           <a:p>
             <a:r>
-              <a:rPr lang="mn-MN" dirty="0" smtClean="0"/>
+              <a:rPr lang="mn-MN" dirty="0" smtClean="0">
+                <a:latin typeface="Arial" panose="020B0604020202020204" pitchFamily="34" charset="0"/>
+                <a:cs typeface="Arial" panose="020B0604020202020204" pitchFamily="34" charset="0"/>
+              </a:rPr>
               <a:t>Өгөгдлийн нууцлал, 			аюулгүй байдал</a:t>
             </a:r>
-            <a:endParaRPr lang="en-US" dirty="0"/>
+            <a:endParaRPr lang="en-US" dirty="0">
+              <a:latin typeface="Arial" panose="020B0604020202020204" pitchFamily="34" charset="0"/>
+              <a:cs typeface="Arial" panose="020B0604020202020204" pitchFamily="34" charset="0"/>
+            </a:endParaRPr>
           </a:p>
         </p:txBody>
       </p:sp>
@@ -5945,6 +5968,13 @@
   <p:clrMapOvr>
     <a:masterClrMapping/>
   </p:clrMapOvr>
+  <p:timing>
+    <p:tnLst>
+      <p:par>
+        <p:cTn id="1" dur="indefinite" restart="never" nodeType="tmRoot"/>
+      </p:par>
+    </p:tnLst>
+  </p:timing>
 </p:sld>
 </file>
 
@@ -5984,19 +6014,22 @@
           <a:p>
             <a:r>
               <a:rPr lang="mn-MN" dirty="0">
-                <a:latin typeface="Times New Roman" panose="02020603050405020304" pitchFamily="18" charset="0"/>
-                <a:cs typeface="Times New Roman" panose="02020603050405020304" pitchFamily="18" charset="0"/>
-              </a:rPr>
-              <a:t>Технологийн </a:t>
+                <a:latin typeface="Arial" panose="020B0604020202020204" pitchFamily="34" charset="0"/>
+                <a:cs typeface="Arial" panose="020B0604020202020204" pitchFamily="34" charset="0"/>
+              </a:rPr>
+              <a:t>Криптограф гэж юу вэ</a:t>
             </a:r>
             <a:r>
               <a:rPr lang="mn-MN" dirty="0" smtClean="0">
-                <a:latin typeface="Times New Roman" panose="02020603050405020304" pitchFamily="18" charset="0"/>
-                <a:cs typeface="Times New Roman" panose="02020603050405020304" pitchFamily="18" charset="0"/>
-              </a:rPr>
-              <a:t>судалгаа</a:t>
-            </a:r>
-            <a:endParaRPr lang="en-US" dirty="0"/>
+                <a:latin typeface="Arial" panose="020B0604020202020204" pitchFamily="34" charset="0"/>
+                <a:cs typeface="Arial" panose="020B0604020202020204" pitchFamily="34" charset="0"/>
+              </a:rPr>
+              <a:t>?</a:t>
+            </a:r>
+            <a:endParaRPr lang="en-US" dirty="0">
+              <a:latin typeface="Arial" panose="020B0604020202020204" pitchFamily="34" charset="0"/>
+              <a:cs typeface="Arial" panose="020B0604020202020204" pitchFamily="34" charset="0"/>
+            </a:endParaRPr>
           </a:p>
         </p:txBody>
       </p:sp>
@@ -6014,6 +6047,20 @@
         <p:txBody>
           <a:bodyPr/>
           <a:lstStyle/>
+          <a:p>
+            <a:pPr algn="just"/>
+            <a:r>
+              <a:rPr lang="mn-MN" dirty="0">
+                <a:latin typeface="Arial" panose="020B0604020202020204" pitchFamily="34" charset="0"/>
+                <a:cs typeface="Arial" panose="020B0604020202020204" pitchFamily="34" charset="0"/>
+              </a:rPr>
+              <a:t>Криптограф гэдэг нь өгөгдлийн аюулгүй байдлыг хангах үүднээс өгөгдлийг  нууцлах, өгөгдлийн бүрэн бүтэн байдал, түүний үнэн зөв өөрчлөлтгүй байдлыг хангах, зөвшөөрөлгүй хэрэглээнээс сэргийлэх зорилгоор өгөгдлийг кодлох нэгэн төрлийн шинжлэх ухааны салбар юм</a:t>
+            </a:r>
+            <a:endParaRPr lang="en-US" dirty="0">
+              <a:latin typeface="Arial" panose="020B0604020202020204" pitchFamily="34" charset="0"/>
+              <a:cs typeface="Arial" panose="020B0604020202020204" pitchFamily="34" charset="0"/>
+            </a:endParaRPr>
+          </a:p>
           <a:p>
             <a:endParaRPr lang="en-US" dirty="0"/>
           </a:p>
@@ -6022,13 +6069,20 @@
     </p:spTree>
     <p:extLst>
       <p:ext uri="{BB962C8B-B14F-4D97-AF65-F5344CB8AC3E}">
-        <p14:creationId xmlns:p14="http://schemas.microsoft.com/office/powerpoint/2010/main" val="2166555399"/>
+        <p14:creationId xmlns:p14="http://schemas.microsoft.com/office/powerpoint/2010/main" val="3965535574"/>
       </p:ext>
     </p:extLst>
   </p:cSld>
   <p:clrMapOvr>
     <a:masterClrMapping/>
   </p:clrMapOvr>
+  <p:timing>
+    <p:tnLst>
+      <p:par>
+        <p:cTn id="1" dur="indefinite" restart="never" nodeType="tmRoot"/>
+      </p:par>
+    </p:tnLst>
+  </p:timing>
 </p:sld>
 </file>
 
@@ -6067,20 +6121,30 @@
           <a:lstStyle/>
           <a:p>
             <a:r>
+              <a:rPr lang="en-US" dirty="0">
+                <a:latin typeface="Arial" panose="020B0604020202020204" pitchFamily="34" charset="0"/>
+                <a:cs typeface="Arial" panose="020B0604020202020204" pitchFamily="34" charset="0"/>
+              </a:rPr>
+              <a:t>SQL Injection </a:t>
+            </a:r>
+            <a:r>
               <a:rPr lang="mn-MN" dirty="0">
-                <a:latin typeface="Times New Roman" panose="02020603050405020304" pitchFamily="18" charset="0"/>
-                <a:cs typeface="Times New Roman" panose="02020603050405020304" pitchFamily="18" charset="0"/>
-              </a:rPr>
-              <a:t>Системийн шинжилгээ </a:t>
+                <a:latin typeface="Arial" panose="020B0604020202020204" pitchFamily="34" charset="0"/>
+                <a:cs typeface="Arial" panose="020B0604020202020204" pitchFamily="34" charset="0"/>
+              </a:rPr>
+              <a:t>гэж юу вэ</a:t>
             </a:r>
             <a:r>
               <a:rPr lang="mn-MN" dirty="0" smtClean="0">
-                <a:latin typeface="Times New Roman" panose="02020603050405020304" pitchFamily="18" charset="0"/>
-                <a:cs typeface="Times New Roman" panose="02020603050405020304" pitchFamily="18" charset="0"/>
-              </a:rPr>
-              <a:t>зохиомж</a:t>
-            </a:r>
-            <a:endParaRPr lang="en-US" dirty="0"/>
+                <a:latin typeface="Arial" panose="020B0604020202020204" pitchFamily="34" charset="0"/>
+                <a:cs typeface="Arial" panose="020B0604020202020204" pitchFamily="34" charset="0"/>
+              </a:rPr>
+              <a:t>?</a:t>
+            </a:r>
+            <a:endParaRPr lang="en-US" dirty="0">
+              <a:latin typeface="Arial" panose="020B0604020202020204" pitchFamily="34" charset="0"/>
+              <a:cs typeface="Arial" panose="020B0604020202020204" pitchFamily="34" charset="0"/>
+            </a:endParaRPr>
           </a:p>
         </p:txBody>
       </p:sp>
@@ -6099,20 +6163,307 @@
           <a:bodyPr/>
           <a:lstStyle/>
           <a:p>
-            <a:endParaRPr lang="en-US" dirty="0"/>
+            <a:pPr algn="just"/>
+            <a:r>
+              <a:rPr lang="en-US" dirty="0">
+                <a:latin typeface="Arial" panose="020B0604020202020204" pitchFamily="34" charset="0"/>
+                <a:cs typeface="Arial" panose="020B0604020202020204" pitchFamily="34" charset="0"/>
+              </a:rPr>
+              <a:t>SQL injection </a:t>
+            </a:r>
+            <a:r>
+              <a:rPr lang="en-US" dirty="0" err="1">
+                <a:latin typeface="Arial" panose="020B0604020202020204" pitchFamily="34" charset="0"/>
+                <a:cs typeface="Arial" panose="020B0604020202020204" pitchFamily="34" charset="0"/>
+              </a:rPr>
+              <a:t>бол</a:t>
+            </a:r>
+            <a:r>
+              <a:rPr lang="en-US" dirty="0">
+                <a:latin typeface="Arial" panose="020B0604020202020204" pitchFamily="34" charset="0"/>
+                <a:cs typeface="Arial" panose="020B0604020202020204" pitchFamily="34" charset="0"/>
+              </a:rPr>
+              <a:t> </a:t>
+            </a:r>
+            <a:r>
+              <a:rPr lang="en-US" dirty="0" err="1">
+                <a:latin typeface="Arial" panose="020B0604020202020204" pitchFamily="34" charset="0"/>
+                <a:cs typeface="Arial" panose="020B0604020202020204" pitchFamily="34" charset="0"/>
+              </a:rPr>
+              <a:t>програм</a:t>
+            </a:r>
+            <a:r>
+              <a:rPr lang="en-US" dirty="0">
+                <a:latin typeface="Arial" panose="020B0604020202020204" pitchFamily="34" charset="0"/>
+                <a:cs typeface="Arial" panose="020B0604020202020204" pitchFamily="34" charset="0"/>
+              </a:rPr>
+              <a:t> </a:t>
+            </a:r>
+            <a:r>
+              <a:rPr lang="en-US" dirty="0" err="1">
+                <a:latin typeface="Arial" panose="020B0604020202020204" pitchFamily="34" charset="0"/>
+                <a:cs typeface="Arial" panose="020B0604020202020204" pitchFamily="34" charset="0"/>
+              </a:rPr>
+              <a:t>болон</a:t>
+            </a:r>
+            <a:r>
+              <a:rPr lang="en-US" dirty="0">
+                <a:latin typeface="Arial" panose="020B0604020202020204" pitchFamily="34" charset="0"/>
+                <a:cs typeface="Arial" panose="020B0604020202020204" pitchFamily="34" charset="0"/>
+              </a:rPr>
+              <a:t> </a:t>
+            </a:r>
+            <a:r>
+              <a:rPr lang="en-US" dirty="0" err="1">
+                <a:latin typeface="Arial" panose="020B0604020202020204" pitchFamily="34" charset="0"/>
+                <a:cs typeface="Arial" panose="020B0604020202020204" pitchFamily="34" charset="0"/>
+              </a:rPr>
+              <a:t>вэбийг</a:t>
+            </a:r>
+            <a:r>
+              <a:rPr lang="en-US" dirty="0">
+                <a:latin typeface="Arial" panose="020B0604020202020204" pitchFamily="34" charset="0"/>
+                <a:cs typeface="Arial" panose="020B0604020202020204" pitchFamily="34" charset="0"/>
+              </a:rPr>
+              <a:t> </a:t>
+            </a:r>
+            <a:r>
+              <a:rPr lang="en-US" dirty="0" err="1">
+                <a:latin typeface="Arial" panose="020B0604020202020204" pitchFamily="34" charset="0"/>
+                <a:cs typeface="Arial" panose="020B0604020202020204" pitchFamily="34" charset="0"/>
+              </a:rPr>
+              <a:t>өгөгдлийн</a:t>
+            </a:r>
+            <a:r>
+              <a:rPr lang="en-US" dirty="0">
+                <a:latin typeface="Arial" panose="020B0604020202020204" pitchFamily="34" charset="0"/>
+                <a:cs typeface="Arial" panose="020B0604020202020204" pitchFamily="34" charset="0"/>
+              </a:rPr>
+              <a:t> </a:t>
+            </a:r>
+            <a:r>
+              <a:rPr lang="en-US" dirty="0" err="1">
+                <a:latin typeface="Arial" panose="020B0604020202020204" pitchFamily="34" charset="0"/>
+                <a:cs typeface="Arial" panose="020B0604020202020204" pitchFamily="34" charset="0"/>
+              </a:rPr>
+              <a:t>сантай</a:t>
+            </a:r>
+            <a:r>
+              <a:rPr lang="en-US" dirty="0">
+                <a:latin typeface="Arial" panose="020B0604020202020204" pitchFamily="34" charset="0"/>
+                <a:cs typeface="Arial" panose="020B0604020202020204" pitchFamily="34" charset="0"/>
+              </a:rPr>
+              <a:t> </a:t>
+            </a:r>
+            <a:r>
+              <a:rPr lang="en-US" dirty="0" err="1">
+                <a:latin typeface="Arial" panose="020B0604020202020204" pitchFamily="34" charset="0"/>
+                <a:cs typeface="Arial" panose="020B0604020202020204" pitchFamily="34" charset="0"/>
+              </a:rPr>
+              <a:t>холбогдох</a:t>
+            </a:r>
+            <a:r>
+              <a:rPr lang="en-US" dirty="0">
+                <a:latin typeface="Arial" panose="020B0604020202020204" pitchFamily="34" charset="0"/>
+                <a:cs typeface="Arial" panose="020B0604020202020204" pitchFamily="34" charset="0"/>
+              </a:rPr>
+              <a:t> </a:t>
+            </a:r>
+            <a:r>
+              <a:rPr lang="en-US" dirty="0" err="1">
+                <a:latin typeface="Arial" panose="020B0604020202020204" pitchFamily="34" charset="0"/>
+                <a:cs typeface="Arial" panose="020B0604020202020204" pitchFamily="34" charset="0"/>
+              </a:rPr>
+              <a:t>үед</a:t>
+            </a:r>
+            <a:r>
+              <a:rPr lang="en-US" dirty="0">
+                <a:latin typeface="Arial" panose="020B0604020202020204" pitchFamily="34" charset="0"/>
+                <a:cs typeface="Arial" panose="020B0604020202020204" pitchFamily="34" charset="0"/>
+              </a:rPr>
+              <a:t> </a:t>
+            </a:r>
+            <a:r>
+              <a:rPr lang="en-US" dirty="0" err="1">
+                <a:latin typeface="Arial" panose="020B0604020202020204" pitchFamily="34" charset="0"/>
+                <a:cs typeface="Arial" panose="020B0604020202020204" pitchFamily="34" charset="0"/>
+              </a:rPr>
+              <a:t>гардаг</a:t>
+            </a:r>
+            <a:r>
+              <a:rPr lang="en-US" dirty="0">
+                <a:latin typeface="Arial" panose="020B0604020202020204" pitchFamily="34" charset="0"/>
+                <a:cs typeface="Arial" panose="020B0604020202020204" pitchFamily="34" charset="0"/>
+              </a:rPr>
+              <a:t> </a:t>
+            </a:r>
+            <a:r>
+              <a:rPr lang="en-US" dirty="0" err="1">
+                <a:latin typeface="Arial" panose="020B0604020202020204" pitchFamily="34" charset="0"/>
+                <a:cs typeface="Arial" panose="020B0604020202020204" pitchFamily="34" charset="0"/>
+              </a:rPr>
+              <a:t>хамгаалалтын</a:t>
+            </a:r>
+            <a:r>
+              <a:rPr lang="en-US" dirty="0">
+                <a:latin typeface="Arial" panose="020B0604020202020204" pitchFamily="34" charset="0"/>
+                <a:cs typeface="Arial" panose="020B0604020202020204" pitchFamily="34" charset="0"/>
+              </a:rPr>
+              <a:t> </a:t>
+            </a:r>
+            <a:r>
+              <a:rPr lang="en-US" dirty="0" err="1">
+                <a:latin typeface="Arial" panose="020B0604020202020204" pitchFamily="34" charset="0"/>
+                <a:cs typeface="Arial" panose="020B0604020202020204" pitchFamily="34" charset="0"/>
+              </a:rPr>
+              <a:t>сул</a:t>
+            </a:r>
+            <a:r>
+              <a:rPr lang="en-US" dirty="0">
+                <a:latin typeface="Arial" panose="020B0604020202020204" pitchFamily="34" charset="0"/>
+                <a:cs typeface="Arial" panose="020B0604020202020204" pitchFamily="34" charset="0"/>
+              </a:rPr>
+              <a:t> </a:t>
+            </a:r>
+            <a:r>
+              <a:rPr lang="en-US" dirty="0" err="1">
+                <a:latin typeface="Arial" panose="020B0604020202020204" pitchFamily="34" charset="0"/>
+                <a:cs typeface="Arial" panose="020B0604020202020204" pitchFamily="34" charset="0"/>
+              </a:rPr>
+              <a:t>талыг</a:t>
+            </a:r>
+            <a:r>
+              <a:rPr lang="en-US" dirty="0">
+                <a:latin typeface="Arial" panose="020B0604020202020204" pitchFamily="34" charset="0"/>
+                <a:cs typeface="Arial" panose="020B0604020202020204" pitchFamily="34" charset="0"/>
+              </a:rPr>
+              <a:t> </a:t>
+            </a:r>
+            <a:r>
+              <a:rPr lang="en-US" dirty="0" err="1">
+                <a:latin typeface="Arial" panose="020B0604020202020204" pitchFamily="34" charset="0"/>
+                <a:cs typeface="Arial" panose="020B0604020202020204" pitchFamily="34" charset="0"/>
+              </a:rPr>
+              <a:t>ашиглан</a:t>
+            </a:r>
+            <a:r>
+              <a:rPr lang="en-US" dirty="0">
+                <a:latin typeface="Arial" panose="020B0604020202020204" pitchFamily="34" charset="0"/>
+                <a:cs typeface="Arial" panose="020B0604020202020204" pitchFamily="34" charset="0"/>
+              </a:rPr>
+              <a:t> </a:t>
+            </a:r>
+            <a:r>
+              <a:rPr lang="en-US" dirty="0" err="1">
+                <a:latin typeface="Arial" panose="020B0604020202020204" pitchFamily="34" charset="0"/>
+                <a:cs typeface="Arial" panose="020B0604020202020204" pitchFamily="34" charset="0"/>
+              </a:rPr>
+              <a:t>програм</a:t>
+            </a:r>
+            <a:r>
+              <a:rPr lang="en-US" dirty="0">
+                <a:latin typeface="Arial" panose="020B0604020202020204" pitchFamily="34" charset="0"/>
+                <a:cs typeface="Arial" panose="020B0604020202020204" pitchFamily="34" charset="0"/>
+              </a:rPr>
+              <a:t> </a:t>
+            </a:r>
+            <a:r>
+              <a:rPr lang="mn-MN" dirty="0">
+                <a:latin typeface="Arial" panose="020B0604020202020204" pitchFamily="34" charset="0"/>
+                <a:cs typeface="Arial" panose="020B0604020202020204" pitchFamily="34" charset="0"/>
+              </a:rPr>
+              <a:t>болон</a:t>
+            </a:r>
+            <a:r>
+              <a:rPr lang="en-US" dirty="0">
+                <a:latin typeface="Arial" panose="020B0604020202020204" pitchFamily="34" charset="0"/>
+                <a:cs typeface="Arial" panose="020B0604020202020204" pitchFamily="34" charset="0"/>
+              </a:rPr>
+              <a:t> </a:t>
+            </a:r>
+            <a:r>
+              <a:rPr lang="en-US" dirty="0" err="1">
+                <a:latin typeface="Arial" panose="020B0604020202020204" pitchFamily="34" charset="0"/>
+                <a:cs typeface="Arial" panose="020B0604020202020204" pitchFamily="34" charset="0"/>
+              </a:rPr>
+              <a:t>вэб</a:t>
+            </a:r>
+            <a:r>
+              <a:rPr lang="mn-MN" dirty="0">
+                <a:latin typeface="Arial" panose="020B0604020202020204" pitchFamily="34" charset="0"/>
+                <a:cs typeface="Arial" panose="020B0604020202020204" pitchFamily="34" charset="0"/>
+              </a:rPr>
+              <a:t> сайтад</a:t>
+            </a:r>
+            <a:r>
+              <a:rPr lang="en-US" dirty="0">
+                <a:latin typeface="Arial" panose="020B0604020202020204" pitchFamily="34" charset="0"/>
+                <a:cs typeface="Arial" panose="020B0604020202020204" pitchFamily="34" charset="0"/>
+              </a:rPr>
+              <a:t> </a:t>
+            </a:r>
+            <a:r>
+              <a:rPr lang="en-US" dirty="0" err="1">
+                <a:latin typeface="Arial" panose="020B0604020202020204" pitchFamily="34" charset="0"/>
+                <a:cs typeface="Arial" panose="020B0604020202020204" pitchFamily="34" charset="0"/>
+              </a:rPr>
+              <a:t>халдах</a:t>
+            </a:r>
+            <a:r>
+              <a:rPr lang="en-US" dirty="0">
+                <a:latin typeface="Arial" panose="020B0604020202020204" pitchFamily="34" charset="0"/>
+                <a:cs typeface="Arial" panose="020B0604020202020204" pitchFamily="34" charset="0"/>
+              </a:rPr>
+              <a:t> </a:t>
+            </a:r>
+            <a:r>
+              <a:rPr lang="en-US" dirty="0" err="1">
+                <a:latin typeface="Arial" panose="020B0604020202020204" pitchFamily="34" charset="0"/>
+                <a:cs typeface="Arial" panose="020B0604020202020204" pitchFamily="34" charset="0"/>
+              </a:rPr>
+              <a:t>арга</a:t>
+            </a:r>
+            <a:r>
+              <a:rPr lang="en-US" dirty="0">
+                <a:latin typeface="Arial" panose="020B0604020202020204" pitchFamily="34" charset="0"/>
+                <a:cs typeface="Arial" panose="020B0604020202020204" pitchFamily="34" charset="0"/>
+              </a:rPr>
+              <a:t> </a:t>
+            </a:r>
+            <a:r>
+              <a:rPr lang="en-US" dirty="0" err="1">
+                <a:latin typeface="Arial" panose="020B0604020202020204" pitchFamily="34" charset="0"/>
+                <a:cs typeface="Arial" panose="020B0604020202020204" pitchFamily="34" charset="0"/>
+              </a:rPr>
+              <a:t>юм</a:t>
+            </a:r>
+            <a:r>
+              <a:rPr lang="en-US" dirty="0">
+                <a:latin typeface="Arial" panose="020B0604020202020204" pitchFamily="34" charset="0"/>
+                <a:cs typeface="Arial" panose="020B0604020202020204" pitchFamily="34" charset="0"/>
+              </a:rPr>
+              <a:t>.</a:t>
+            </a:r>
           </a:p>
         </p:txBody>
       </p:sp>
     </p:spTree>
     <p:extLst>
       <p:ext uri="{BB962C8B-B14F-4D97-AF65-F5344CB8AC3E}">
-        <p14:creationId xmlns:p14="http://schemas.microsoft.com/office/powerpoint/2010/main" val="2031346902"/>
+        <p14:creationId xmlns:p14="http://schemas.microsoft.com/office/powerpoint/2010/main" val="1473520475"/>
       </p:ext>
     </p:extLst>
   </p:cSld>
   <p:clrMapOvr>
     <a:masterClrMapping/>
   </p:clrMapOvr>
+  <p:timing>
+    <p:tnLst>
+      <p:par>
+        <p:cTn id="1" dur="indefinite" restart="never" nodeType="tmRoot"/>
+      </p:par>
+    </p:tnLst>
+  </p:timing>
 </p:sld>
 </file>
 
@@ -6145,51 +6496,2119 @@
         </p:nvSpPr>
         <p:spPr/>
         <p:txBody>
-          <a:bodyPr>
-            <a:normAutofit/>
-          </a:bodyPr>
-          <a:lstStyle/>
-          <a:p>
-            <a:r>
-              <a:rPr lang="mn-MN" dirty="0" smtClean="0">
-                <a:latin typeface="Times New Roman" panose="02020603050405020304" pitchFamily="18" charset="0"/>
-                <a:cs typeface="Times New Roman" panose="02020603050405020304" pitchFamily="18" charset="0"/>
-              </a:rPr>
-              <a:t>Дүгнэлт</a:t>
-            </a:r>
-            <a:endParaRPr lang="en-US" dirty="0"/>
-          </a:p>
-        </p:txBody>
-      </p:sp>
-      <p:sp>
-        <p:nvSpPr>
-          <p:cNvPr id="3" name="Content Placeholder 2"/>
-          <p:cNvSpPr>
-            <a:spLocks noGrp="1"/>
-          </p:cNvSpPr>
+          <a:bodyPr/>
+          <a:lstStyle/>
+          <a:p>
+            <a:r>
+              <a:rPr lang="en-US" dirty="0" smtClean="0">
+                <a:latin typeface="Arial" panose="020B0604020202020204" pitchFamily="34" charset="0"/>
+                <a:cs typeface="Arial" panose="020B0604020202020204" pitchFamily="34" charset="0"/>
+              </a:rPr>
+              <a:t>SQL Injection </a:t>
+            </a:r>
+            <a:endParaRPr lang="en-US" dirty="0">
+              <a:latin typeface="Arial" panose="020B0604020202020204" pitchFamily="34" charset="0"/>
+              <a:cs typeface="Arial" panose="020B0604020202020204" pitchFamily="34" charset="0"/>
+            </a:endParaRPr>
+          </a:p>
+        </p:txBody>
+      </p:sp>
+      <p:pic>
+        <p:nvPicPr>
+          <p:cNvPr id="4" name="Content Placeholder 3"/>
+          <p:cNvPicPr>
+            <a:picLocks noGrp="1" noChangeAspect="1"/>
+          </p:cNvPicPr>
           <p:nvPr>
             <p:ph idx="1"/>
           </p:nvPr>
-        </p:nvSpPr>
-        <p:spPr/>
-        <p:txBody>
-          <a:bodyPr/>
-          <a:lstStyle/>
-          <a:p>
-            <a:endParaRPr lang="en-US" dirty="0"/>
-          </a:p>
-        </p:txBody>
-      </p:sp>
+        </p:nvPicPr>
+        <p:blipFill>
+          <a:blip r:embed="rId2">
+            <a:extLst>
+              <a:ext uri="{28A0092B-C50C-407E-A947-70E740481C1C}">
+                <a14:useLocalDpi xmlns:a14="http://schemas.microsoft.com/office/drawing/2010/main" val="0"/>
+              </a:ext>
+            </a:extLst>
+          </a:blip>
+          <a:stretch>
+            <a:fillRect/>
+          </a:stretch>
+        </p:blipFill>
+        <p:spPr>
+          <a:xfrm>
+            <a:off x="1295402" y="2624698"/>
+            <a:ext cx="2321857" cy="3317875"/>
+          </a:xfrm>
+        </p:spPr>
+      </p:pic>
+      <p:pic>
+        <p:nvPicPr>
+          <p:cNvPr id="5" name="Picture 4"/>
+          <p:cNvPicPr>
+            <a:picLocks noChangeAspect="1"/>
+          </p:cNvPicPr>
+          <p:nvPr/>
+        </p:nvPicPr>
+        <p:blipFill>
+          <a:blip r:embed="rId3">
+            <a:extLst>
+              <a:ext uri="{28A0092B-C50C-407E-A947-70E740481C1C}">
+                <a14:useLocalDpi xmlns:a14="http://schemas.microsoft.com/office/drawing/2010/main" val="0"/>
+              </a:ext>
+            </a:extLst>
+          </a:blip>
+          <a:stretch>
+            <a:fillRect/>
+          </a:stretch>
+        </p:blipFill>
+        <p:spPr>
+          <a:xfrm>
+            <a:off x="3899647" y="2624698"/>
+            <a:ext cx="4061011" cy="3317875"/>
+          </a:xfrm>
+          <a:prstGeom prst="rect">
+            <a:avLst/>
+          </a:prstGeom>
+        </p:spPr>
+      </p:pic>
+      <p:pic>
+        <p:nvPicPr>
+          <p:cNvPr id="6" name="Picture 5"/>
+          <p:cNvPicPr>
+            <a:picLocks noChangeAspect="1"/>
+          </p:cNvPicPr>
+          <p:nvPr/>
+        </p:nvPicPr>
+        <p:blipFill>
+          <a:blip r:embed="rId4">
+            <a:extLst>
+              <a:ext uri="{28A0092B-C50C-407E-A947-70E740481C1C}">
+                <a14:useLocalDpi xmlns:a14="http://schemas.microsoft.com/office/drawing/2010/main" val="0"/>
+              </a:ext>
+            </a:extLst>
+          </a:blip>
+          <a:stretch>
+            <a:fillRect/>
+          </a:stretch>
+        </p:blipFill>
+        <p:spPr>
+          <a:xfrm>
+            <a:off x="8323729" y="2624698"/>
+            <a:ext cx="2756647" cy="3317875"/>
+          </a:xfrm>
+          <a:prstGeom prst="rect">
+            <a:avLst/>
+          </a:prstGeom>
+        </p:spPr>
+      </p:pic>
     </p:spTree>
     <p:extLst>
       <p:ext uri="{BB962C8B-B14F-4D97-AF65-F5344CB8AC3E}">
-        <p14:creationId xmlns:p14="http://schemas.microsoft.com/office/powerpoint/2010/main" val="945992117"/>
+        <p14:creationId xmlns:p14="http://schemas.microsoft.com/office/powerpoint/2010/main" val="2178253567"/>
       </p:ext>
     </p:extLst>
   </p:cSld>
   <p:clrMapOvr>
     <a:masterClrMapping/>
   </p:clrMapOvr>
+  <p:timing>
+    <p:tnLst>
+      <p:par>
+        <p:cTn id="1" dur="indefinite" restart="never" nodeType="tmRoot"/>
+      </p:par>
+    </p:tnLst>
+  </p:timing>
+</p:sld>
+</file>
+
+<file path=ppt/slides/slide13.xml><?xml version="1.0" encoding="utf-8"?>
+<p:sld xmlns:a="http://schemas.openxmlformats.org/drawingml/2006/main" xmlns:r="http://schemas.openxmlformats.org/officeDocument/2006/relationships" xmlns:p="http://schemas.openxmlformats.org/presentationml/2006/main">
+  <p:cSld>
+    <p:spTree>
+      <p:nvGrpSpPr>
+        <p:cNvPr id="1" name=""/>
+        <p:cNvGrpSpPr/>
+        <p:nvPr/>
+      </p:nvGrpSpPr>
+      <p:grpSpPr>
+        <a:xfrm>
+          <a:off x="0" y="0"/>
+          <a:ext cx="0" cy="0"/>
+          <a:chOff x="0" y="0"/>
+          <a:chExt cx="0" cy="0"/>
+        </a:xfrm>
+      </p:grpSpPr>
+      <p:sp>
+        <p:nvSpPr>
+          <p:cNvPr id="2" name="Title 1"/>
+          <p:cNvSpPr>
+            <a:spLocks noGrp="1"/>
+          </p:cNvSpPr>
+          <p:nvPr>
+            <p:ph type="title"/>
+          </p:nvPr>
+        </p:nvSpPr>
+        <p:spPr/>
+        <p:txBody>
+          <a:bodyPr/>
+          <a:lstStyle/>
+          <a:p>
+            <a:r>
+              <a:rPr lang="en-US" dirty="0">
+                <a:latin typeface="Arial" panose="020B0604020202020204" pitchFamily="34" charset="0"/>
+                <a:cs typeface="Arial" panose="020B0604020202020204" pitchFamily="34" charset="0"/>
+              </a:rPr>
+              <a:t>SQL </a:t>
+            </a:r>
+            <a:r>
+              <a:rPr lang="en-US" dirty="0" smtClean="0">
+                <a:latin typeface="Arial" panose="020B0604020202020204" pitchFamily="34" charset="0"/>
+                <a:cs typeface="Arial" panose="020B0604020202020204" pitchFamily="34" charset="0"/>
+              </a:rPr>
+              <a:t>Injection </a:t>
+            </a:r>
+            <a:r>
+              <a:rPr lang="mn-MN" dirty="0" smtClean="0">
+                <a:latin typeface="Arial" panose="020B0604020202020204" pitchFamily="34" charset="0"/>
+                <a:cs typeface="Arial" panose="020B0604020202020204" pitchFamily="34" charset="0"/>
+              </a:rPr>
+              <a:t>сэргийлэх аргууд </a:t>
+            </a:r>
+            <a:endParaRPr lang="en-US" dirty="0"/>
+          </a:p>
+        </p:txBody>
+      </p:sp>
+      <p:sp>
+        <p:nvSpPr>
+          <p:cNvPr id="3" name="Content Placeholder 2"/>
+          <p:cNvSpPr>
+            <a:spLocks noGrp="1"/>
+          </p:cNvSpPr>
+          <p:nvPr>
+            <p:ph idx="1"/>
+          </p:nvPr>
+        </p:nvSpPr>
+        <p:spPr/>
+        <p:txBody>
+          <a:bodyPr/>
+          <a:lstStyle/>
+          <a:p>
+            <a:r>
+              <a:rPr lang="en-US" dirty="0"/>
+              <a:t>  </a:t>
+            </a:r>
+            <a:r>
+              <a:rPr lang="en-US" dirty="0" err="1">
+                <a:latin typeface="Arial" panose="020B0604020202020204" pitchFamily="34" charset="0"/>
+                <a:cs typeface="Arial" panose="020B0604020202020204" pitchFamily="34" charset="0"/>
+              </a:rPr>
+              <a:t>Өгөгдлийн</a:t>
+            </a:r>
+            <a:r>
+              <a:rPr lang="en-US" dirty="0">
+                <a:latin typeface="Arial" panose="020B0604020202020204" pitchFamily="34" charset="0"/>
+                <a:cs typeface="Arial" panose="020B0604020202020204" pitchFamily="34" charset="0"/>
+              </a:rPr>
+              <a:t> </a:t>
+            </a:r>
+            <a:r>
+              <a:rPr lang="en-US" dirty="0" err="1">
+                <a:latin typeface="Arial" panose="020B0604020202020204" pitchFamily="34" charset="0"/>
+                <a:cs typeface="Arial" panose="020B0604020202020204" pitchFamily="34" charset="0"/>
+              </a:rPr>
+              <a:t>сантай</a:t>
+            </a:r>
+            <a:r>
+              <a:rPr lang="en-US" dirty="0">
+                <a:latin typeface="Arial" panose="020B0604020202020204" pitchFamily="34" charset="0"/>
+                <a:cs typeface="Arial" panose="020B0604020202020204" pitchFamily="34" charset="0"/>
+              </a:rPr>
+              <a:t> </a:t>
+            </a:r>
+            <a:r>
+              <a:rPr lang="en-US" dirty="0" err="1">
+                <a:latin typeface="Arial" panose="020B0604020202020204" pitchFamily="34" charset="0"/>
+                <a:cs typeface="Arial" panose="020B0604020202020204" pitchFamily="34" charset="0"/>
+              </a:rPr>
+              <a:t>ажиллахдаа</a:t>
+            </a:r>
+            <a:r>
+              <a:rPr lang="en-US" dirty="0">
+                <a:latin typeface="Arial" panose="020B0604020202020204" pitchFamily="34" charset="0"/>
+                <a:cs typeface="Arial" panose="020B0604020202020204" pitchFamily="34" charset="0"/>
+              </a:rPr>
+              <a:t> stored procedure </a:t>
+            </a:r>
+            <a:r>
+              <a:rPr lang="en-US" dirty="0" err="1">
+                <a:latin typeface="Arial" panose="020B0604020202020204" pitchFamily="34" charset="0"/>
+                <a:cs typeface="Arial" panose="020B0604020202020204" pitchFamily="34" charset="0"/>
+              </a:rPr>
+              <a:t>ашиглах</a:t>
+            </a:r>
+            <a:endParaRPr lang="en-US" dirty="0">
+              <a:latin typeface="Arial" panose="020B0604020202020204" pitchFamily="34" charset="0"/>
+              <a:cs typeface="Arial" panose="020B0604020202020204" pitchFamily="34" charset="0"/>
+            </a:endParaRPr>
+          </a:p>
+          <a:p>
+            <a:r>
+              <a:rPr lang="en-US" dirty="0">
+                <a:latin typeface="Arial" panose="020B0604020202020204" pitchFamily="34" charset="0"/>
+                <a:cs typeface="Arial" panose="020B0604020202020204" pitchFamily="34" charset="0"/>
+              </a:rPr>
+              <a:t> </a:t>
+            </a:r>
+            <a:r>
+              <a:rPr lang="mn-MN" dirty="0">
+                <a:latin typeface="Arial" panose="020B0604020202020204" pitchFamily="34" charset="0"/>
+                <a:cs typeface="Arial" panose="020B0604020202020204" pitchFamily="34" charset="0"/>
+              </a:rPr>
+              <a:t>О</a:t>
+            </a:r>
+            <a:r>
+              <a:rPr lang="en-US" dirty="0" err="1">
+                <a:latin typeface="Arial" panose="020B0604020202020204" pitchFamily="34" charset="0"/>
+                <a:cs typeface="Arial" panose="020B0604020202020204" pitchFamily="34" charset="0"/>
+              </a:rPr>
+              <a:t>руулах</a:t>
+            </a:r>
+            <a:r>
+              <a:rPr lang="en-US" dirty="0">
+                <a:latin typeface="Arial" panose="020B0604020202020204" pitchFamily="34" charset="0"/>
+                <a:cs typeface="Arial" panose="020B0604020202020204" pitchFamily="34" charset="0"/>
+              </a:rPr>
+              <a:t> </a:t>
+            </a:r>
+            <a:r>
+              <a:rPr lang="mn-MN" dirty="0">
+                <a:latin typeface="Arial" panose="020B0604020202020204" pitchFamily="34" charset="0"/>
+                <a:cs typeface="Arial" panose="020B0604020202020204" pitchFamily="34" charset="0"/>
+              </a:rPr>
+              <a:t>бүх </a:t>
+            </a:r>
+            <a:r>
+              <a:rPr lang="en-US" dirty="0" err="1">
+                <a:latin typeface="Arial" panose="020B0604020202020204" pitchFamily="34" charset="0"/>
+                <a:cs typeface="Arial" panose="020B0604020202020204" pitchFamily="34" charset="0"/>
+              </a:rPr>
+              <a:t>өгөгдлий</a:t>
+            </a:r>
+            <a:r>
+              <a:rPr lang="mn-MN" dirty="0">
+                <a:latin typeface="Arial" panose="020B0604020202020204" pitchFamily="34" charset="0"/>
+                <a:cs typeface="Arial" panose="020B0604020202020204" pitchFamily="34" charset="0"/>
+              </a:rPr>
+              <a:t>г </a:t>
+            </a:r>
+            <a:r>
+              <a:rPr lang="en-US" dirty="0" err="1">
+                <a:latin typeface="Arial" panose="020B0604020202020204" pitchFamily="34" charset="0"/>
+                <a:cs typeface="Arial" panose="020B0604020202020204" pitchFamily="34" charset="0"/>
+              </a:rPr>
+              <a:t>тусгай</a:t>
+            </a:r>
+            <a:r>
+              <a:rPr lang="en-US" dirty="0">
+                <a:latin typeface="Arial" panose="020B0604020202020204" pitchFamily="34" charset="0"/>
+                <a:cs typeface="Arial" panose="020B0604020202020204" pitchFamily="34" charset="0"/>
+              </a:rPr>
+              <a:t> </a:t>
+            </a:r>
+            <a:r>
+              <a:rPr lang="en-US" dirty="0" err="1">
+                <a:latin typeface="Arial" panose="020B0604020202020204" pitchFamily="34" charset="0"/>
+                <a:cs typeface="Arial" panose="020B0604020202020204" pitchFamily="34" charset="0"/>
+              </a:rPr>
+              <a:t>арга</a:t>
+            </a:r>
+            <a:r>
+              <a:rPr lang="en-US" dirty="0">
+                <a:latin typeface="Arial" panose="020B0604020202020204" pitchFamily="34" charset="0"/>
+                <a:cs typeface="Arial" panose="020B0604020202020204" pitchFamily="34" charset="0"/>
+              </a:rPr>
+              <a:t> </a:t>
+            </a:r>
+            <a:r>
+              <a:rPr lang="en-US" dirty="0" err="1">
+                <a:latin typeface="Arial" panose="020B0604020202020204" pitchFamily="34" charset="0"/>
+                <a:cs typeface="Arial" panose="020B0604020202020204" pitchFamily="34" charset="0"/>
+              </a:rPr>
+              <a:t>замаар</a:t>
+            </a:r>
+            <a:r>
+              <a:rPr lang="en-US" dirty="0">
+                <a:latin typeface="Arial" panose="020B0604020202020204" pitchFamily="34" charset="0"/>
+                <a:cs typeface="Arial" panose="020B0604020202020204" pitchFamily="34" charset="0"/>
+              </a:rPr>
+              <a:t> </a:t>
+            </a:r>
+            <a:r>
+              <a:rPr lang="en-US" dirty="0" err="1">
+                <a:latin typeface="Arial" panose="020B0604020202020204" pitchFamily="34" charset="0"/>
+                <a:cs typeface="Arial" panose="020B0604020202020204" pitchFamily="34" charset="0"/>
+              </a:rPr>
+              <a:t>шалгах</a:t>
+            </a:r>
+            <a:endParaRPr lang="en-US" dirty="0">
+              <a:latin typeface="Arial" panose="020B0604020202020204" pitchFamily="34" charset="0"/>
+              <a:cs typeface="Arial" panose="020B0604020202020204" pitchFamily="34" charset="0"/>
+            </a:endParaRPr>
+          </a:p>
+          <a:p>
+            <a:r>
+              <a:rPr lang="mn-MN" dirty="0" err="1">
+                <a:latin typeface="Arial" panose="020B0604020202020204" pitchFamily="34" charset="0"/>
+                <a:cs typeface="Arial" panose="020B0604020202020204" pitchFamily="34" charset="0"/>
+              </a:rPr>
+              <a:t> </a:t>
+            </a:r>
+            <a:r>
+              <a:rPr lang="en-US" dirty="0" err="1" smtClean="0">
+                <a:latin typeface="Arial" panose="020B0604020202020204" pitchFamily="34" charset="0"/>
+                <a:cs typeface="Arial" panose="020B0604020202020204" pitchFamily="34" charset="0"/>
+              </a:rPr>
+              <a:t>Оруулах</a:t>
+            </a:r>
+            <a:r>
+              <a:rPr lang="en-US" dirty="0" smtClean="0">
+                <a:latin typeface="Arial" panose="020B0604020202020204" pitchFamily="34" charset="0"/>
+                <a:cs typeface="Arial" panose="020B0604020202020204" pitchFamily="34" charset="0"/>
+              </a:rPr>
+              <a:t> </a:t>
+            </a:r>
+            <a:r>
+              <a:rPr lang="en-US" dirty="0" err="1">
+                <a:latin typeface="Arial" panose="020B0604020202020204" pitchFamily="34" charset="0"/>
+                <a:cs typeface="Arial" panose="020B0604020202020204" pitchFamily="34" charset="0"/>
+              </a:rPr>
+              <a:t>өгөгд</a:t>
+            </a:r>
+            <a:r>
+              <a:rPr lang="mn-MN" dirty="0">
+                <a:latin typeface="Arial" panose="020B0604020202020204" pitchFamily="34" charset="0"/>
+                <a:cs typeface="Arial" panose="020B0604020202020204" pitchFamily="34" charset="0"/>
+              </a:rPr>
+              <a:t>лийг</a:t>
+            </a:r>
+            <a:r>
+              <a:rPr lang="en-US" dirty="0">
+                <a:latin typeface="Arial" panose="020B0604020202020204" pitchFamily="34" charset="0"/>
+                <a:cs typeface="Arial" panose="020B0604020202020204" pitchFamily="34" charset="0"/>
+              </a:rPr>
+              <a:t> </a:t>
+            </a:r>
+            <a:r>
+              <a:rPr lang="en-US" dirty="0" err="1">
+                <a:latin typeface="Arial" panose="020B0604020202020204" pitchFamily="34" charset="0"/>
+                <a:cs typeface="Arial" panose="020B0604020202020204" pitchFamily="34" charset="0"/>
+              </a:rPr>
+              <a:t>шалгах</a:t>
+            </a:r>
+            <a:r>
+              <a:rPr lang="en-US" dirty="0">
+                <a:latin typeface="Arial" panose="020B0604020202020204" pitchFamily="34" charset="0"/>
+                <a:cs typeface="Arial" panose="020B0604020202020204" pitchFamily="34" charset="0"/>
+              </a:rPr>
+              <a:t> </a:t>
+            </a:r>
+            <a:endParaRPr lang="en-US" dirty="0" smtClean="0">
+              <a:latin typeface="Arial" panose="020B0604020202020204" pitchFamily="34" charset="0"/>
+              <a:cs typeface="Arial" panose="020B0604020202020204" pitchFamily="34" charset="0"/>
+            </a:endParaRPr>
+          </a:p>
+          <a:p>
+            <a:r>
+              <a:rPr lang="en-US" dirty="0" err="1" smtClean="0">
+                <a:latin typeface="Arial" panose="020B0604020202020204" pitchFamily="34" charset="0"/>
+                <a:cs typeface="Arial" panose="020B0604020202020204" pitchFamily="34" charset="0"/>
+              </a:rPr>
+              <a:t>Сервер</a:t>
+            </a:r>
+            <a:r>
+              <a:rPr lang="en-US" dirty="0" smtClean="0">
+                <a:latin typeface="Arial" panose="020B0604020202020204" pitchFamily="34" charset="0"/>
+                <a:cs typeface="Arial" panose="020B0604020202020204" pitchFamily="34" charset="0"/>
+              </a:rPr>
+              <a:t> </a:t>
+            </a:r>
+            <a:r>
+              <a:rPr lang="mn-MN" dirty="0" smtClean="0">
+                <a:latin typeface="Arial" panose="020B0604020202020204" pitchFamily="34" charset="0"/>
+                <a:cs typeface="Arial" panose="020B0604020202020204" pitchFamily="34" charset="0"/>
+              </a:rPr>
+              <a:t>дээр шалгах гэх мэт </a:t>
+            </a:r>
+            <a:endParaRPr lang="en-US" dirty="0">
+              <a:latin typeface="Arial" panose="020B0604020202020204" pitchFamily="34" charset="0"/>
+              <a:cs typeface="Arial" panose="020B0604020202020204" pitchFamily="34" charset="0"/>
+            </a:endParaRPr>
+          </a:p>
+          <a:p>
+            <a:endParaRPr lang="en-US" dirty="0"/>
+          </a:p>
+        </p:txBody>
+      </p:sp>
+    </p:spTree>
+    <p:extLst>
+      <p:ext uri="{BB962C8B-B14F-4D97-AF65-F5344CB8AC3E}">
+        <p14:creationId xmlns:p14="http://schemas.microsoft.com/office/powerpoint/2010/main" val="3751649412"/>
+      </p:ext>
+    </p:extLst>
+  </p:cSld>
+  <p:clrMapOvr>
+    <a:masterClrMapping/>
+  </p:clrMapOvr>
+  <p:timing>
+    <p:tnLst>
+      <p:par>
+        <p:cTn id="1" dur="indefinite" restart="never" nodeType="tmRoot"/>
+      </p:par>
+    </p:tnLst>
+  </p:timing>
+</p:sld>
+</file>
+
+<file path=ppt/slides/slide14.xml><?xml version="1.0" encoding="utf-8"?>
+<p:sld xmlns:a="http://schemas.openxmlformats.org/drawingml/2006/main" xmlns:r="http://schemas.openxmlformats.org/officeDocument/2006/relationships" xmlns:p="http://schemas.openxmlformats.org/presentationml/2006/main">
+  <p:cSld>
+    <p:spTree>
+      <p:nvGrpSpPr>
+        <p:cNvPr id="1" name=""/>
+        <p:cNvGrpSpPr/>
+        <p:nvPr/>
+      </p:nvGrpSpPr>
+      <p:grpSpPr>
+        <a:xfrm>
+          <a:off x="0" y="0"/>
+          <a:ext cx="0" cy="0"/>
+          <a:chOff x="0" y="0"/>
+          <a:chExt cx="0" cy="0"/>
+        </a:xfrm>
+      </p:grpSpPr>
+      <p:sp>
+        <p:nvSpPr>
+          <p:cNvPr id="2" name="Title 1"/>
+          <p:cNvSpPr>
+            <a:spLocks noGrp="1"/>
+          </p:cNvSpPr>
+          <p:nvPr>
+            <p:ph type="title"/>
+          </p:nvPr>
+        </p:nvSpPr>
+        <p:spPr/>
+        <p:txBody>
+          <a:bodyPr>
+            <a:normAutofit/>
+          </a:bodyPr>
+          <a:lstStyle/>
+          <a:p>
+            <a:r>
+              <a:rPr lang="mn-MN" dirty="0">
+                <a:latin typeface="Arial" panose="020B0604020202020204" pitchFamily="34" charset="0"/>
+                <a:cs typeface="Arial" panose="020B0604020202020204" pitchFamily="34" charset="0"/>
+              </a:rPr>
+              <a:t>Технологийн </a:t>
+            </a:r>
+            <a:r>
+              <a:rPr lang="mn-MN" dirty="0" smtClean="0">
+                <a:latin typeface="Arial" panose="020B0604020202020204" pitchFamily="34" charset="0"/>
+                <a:cs typeface="Arial" panose="020B0604020202020204" pitchFamily="34" charset="0"/>
+              </a:rPr>
+              <a:t>судалгаа</a:t>
+            </a:r>
+            <a:endParaRPr lang="en-US" dirty="0">
+              <a:latin typeface="Arial" panose="020B0604020202020204" pitchFamily="34" charset="0"/>
+              <a:cs typeface="Arial" panose="020B0604020202020204" pitchFamily="34" charset="0"/>
+            </a:endParaRPr>
+          </a:p>
+        </p:txBody>
+      </p:sp>
+      <p:sp>
+        <p:nvSpPr>
+          <p:cNvPr id="3" name="Content Placeholder 2"/>
+          <p:cNvSpPr>
+            <a:spLocks noGrp="1"/>
+          </p:cNvSpPr>
+          <p:nvPr>
+            <p:ph idx="1"/>
+          </p:nvPr>
+        </p:nvSpPr>
+        <p:spPr/>
+        <p:txBody>
+          <a:bodyPr/>
+          <a:lstStyle/>
+          <a:p>
+            <a:r>
+              <a:rPr lang="en-US" dirty="0" smtClean="0">
+                <a:latin typeface="Arial" panose="020B0604020202020204" pitchFamily="34" charset="0"/>
+                <a:cs typeface="Arial" panose="020B0604020202020204" pitchFamily="34" charset="0"/>
+              </a:rPr>
+              <a:t>MYSQL</a:t>
+            </a:r>
+          </a:p>
+          <a:p>
+            <a:r>
+              <a:rPr lang="en-US" dirty="0" smtClean="0">
+                <a:latin typeface="Arial" panose="020B0604020202020204" pitchFamily="34" charset="0"/>
+                <a:cs typeface="Arial" panose="020B0604020202020204" pitchFamily="34" charset="0"/>
+              </a:rPr>
+              <a:t>SQLite</a:t>
+            </a:r>
+          </a:p>
+          <a:p>
+            <a:r>
+              <a:rPr lang="en-US" dirty="0" smtClean="0">
+                <a:latin typeface="Arial" panose="020B0604020202020204" pitchFamily="34" charset="0"/>
+                <a:cs typeface="Arial" panose="020B0604020202020204" pitchFamily="34" charset="0"/>
+              </a:rPr>
+              <a:t>Bootstrap</a:t>
+            </a:r>
+          </a:p>
+          <a:p>
+            <a:r>
+              <a:rPr lang="en-US" dirty="0" smtClean="0">
+                <a:latin typeface="Arial" panose="020B0604020202020204" pitchFamily="34" charset="0"/>
+                <a:cs typeface="Arial" panose="020B0604020202020204" pitchFamily="34" charset="0"/>
+              </a:rPr>
+              <a:t>Jquery</a:t>
+            </a:r>
+          </a:p>
+          <a:p>
+            <a:r>
+              <a:rPr lang="en-US" dirty="0" smtClean="0">
+                <a:latin typeface="Arial" panose="020B0604020202020204" pitchFamily="34" charset="0"/>
+                <a:cs typeface="Arial" panose="020B0604020202020204" pitchFamily="34" charset="0"/>
+              </a:rPr>
+              <a:t>NodeJs</a:t>
+            </a:r>
+          </a:p>
+          <a:p>
+            <a:r>
+              <a:rPr lang="en-US" dirty="0" smtClean="0">
+                <a:latin typeface="Arial" panose="020B0604020202020204" pitchFamily="34" charset="0"/>
+                <a:cs typeface="Arial" panose="020B0604020202020204" pitchFamily="34" charset="0"/>
+              </a:rPr>
+              <a:t>Android</a:t>
+            </a:r>
+            <a:endParaRPr lang="en-US" dirty="0">
+              <a:latin typeface="Arial" panose="020B0604020202020204" pitchFamily="34" charset="0"/>
+              <a:cs typeface="Arial" panose="020B0604020202020204" pitchFamily="34" charset="0"/>
+            </a:endParaRPr>
+          </a:p>
+        </p:txBody>
+      </p:sp>
+    </p:spTree>
+    <p:extLst>
+      <p:ext uri="{BB962C8B-B14F-4D97-AF65-F5344CB8AC3E}">
+        <p14:creationId xmlns:p14="http://schemas.microsoft.com/office/powerpoint/2010/main" val="2166555399"/>
+      </p:ext>
+    </p:extLst>
+  </p:cSld>
+  <p:clrMapOvr>
+    <a:masterClrMapping/>
+  </p:clrMapOvr>
+  <p:timing>
+    <p:tnLst>
+      <p:par>
+        <p:cTn id="1" dur="indefinite" restart="never" nodeType="tmRoot"/>
+      </p:par>
+    </p:tnLst>
+  </p:timing>
+</p:sld>
+</file>
+
+<file path=ppt/slides/slide15.xml><?xml version="1.0" encoding="utf-8"?>
+<p:sld xmlns:a="http://schemas.openxmlformats.org/drawingml/2006/main" xmlns:r="http://schemas.openxmlformats.org/officeDocument/2006/relationships" xmlns:p="http://schemas.openxmlformats.org/presentationml/2006/main">
+  <p:cSld>
+    <p:spTree>
+      <p:nvGrpSpPr>
+        <p:cNvPr id="1" name=""/>
+        <p:cNvGrpSpPr/>
+        <p:nvPr/>
+      </p:nvGrpSpPr>
+      <p:grpSpPr>
+        <a:xfrm>
+          <a:off x="0" y="0"/>
+          <a:ext cx="0" cy="0"/>
+          <a:chOff x="0" y="0"/>
+          <a:chExt cx="0" cy="0"/>
+        </a:xfrm>
+      </p:grpSpPr>
+      <p:sp>
+        <p:nvSpPr>
+          <p:cNvPr id="2" name="Title 1"/>
+          <p:cNvSpPr>
+            <a:spLocks noGrp="1"/>
+          </p:cNvSpPr>
+          <p:nvPr>
+            <p:ph type="title"/>
+          </p:nvPr>
+        </p:nvSpPr>
+        <p:spPr/>
+        <p:txBody>
+          <a:bodyPr>
+            <a:normAutofit/>
+          </a:bodyPr>
+          <a:lstStyle/>
+          <a:p>
+            <a:r>
+              <a:rPr lang="mn-MN" dirty="0">
+                <a:latin typeface="Arial" panose="020B0604020202020204" pitchFamily="34" charset="0"/>
+                <a:cs typeface="Arial" panose="020B0604020202020204" pitchFamily="34" charset="0"/>
+              </a:rPr>
+              <a:t>Системийн шинжилгээ </a:t>
+            </a:r>
+            <a:r>
+              <a:rPr lang="mn-MN" dirty="0" smtClean="0">
+                <a:latin typeface="Arial" panose="020B0604020202020204" pitchFamily="34" charset="0"/>
+                <a:cs typeface="Arial" panose="020B0604020202020204" pitchFamily="34" charset="0"/>
+              </a:rPr>
+              <a:t>зохиомж</a:t>
+            </a:r>
+            <a:endParaRPr lang="en-US" dirty="0">
+              <a:latin typeface="Arial" panose="020B0604020202020204" pitchFamily="34" charset="0"/>
+              <a:cs typeface="Arial" panose="020B0604020202020204" pitchFamily="34" charset="0"/>
+            </a:endParaRPr>
+          </a:p>
+        </p:txBody>
+      </p:sp>
+      <p:sp>
+        <p:nvSpPr>
+          <p:cNvPr id="3" name="Content Placeholder 2"/>
+          <p:cNvSpPr>
+            <a:spLocks noGrp="1"/>
+          </p:cNvSpPr>
+          <p:nvPr>
+            <p:ph idx="1"/>
+          </p:nvPr>
+        </p:nvSpPr>
+        <p:spPr/>
+        <p:txBody>
+          <a:bodyPr>
+            <a:normAutofit fontScale="92500" lnSpcReduction="10000"/>
+          </a:bodyPr>
+          <a:lstStyle/>
+          <a:p>
+            <a:pPr marL="342900" indent="-342900" algn="just">
+              <a:buFont typeface="Wingdings" panose="05000000000000000000" pitchFamily="2" charset="2"/>
+              <a:buChar char="§"/>
+            </a:pPr>
+            <a:r>
+              <a:rPr lang="mn-MN" dirty="0" smtClean="0">
+                <a:latin typeface="Times New Roman" panose="02020603050405020304" pitchFamily="18" charset="0"/>
+                <a:cs typeface="Times New Roman" panose="02020603050405020304" pitchFamily="18" charset="0"/>
+              </a:rPr>
+              <a:t>Хэрэглэгчийн шаардлага</a:t>
+            </a:r>
+            <a:endParaRPr lang="mn-MN" dirty="0">
+              <a:latin typeface="Times New Roman" panose="02020603050405020304" pitchFamily="18" charset="0"/>
+              <a:cs typeface="Times New Roman" panose="02020603050405020304" pitchFamily="18" charset="0"/>
+            </a:endParaRPr>
+          </a:p>
+          <a:p>
+            <a:pPr marL="342900" indent="-342900" algn="just">
+              <a:buFont typeface="Wingdings" panose="05000000000000000000" pitchFamily="2" charset="2"/>
+              <a:buChar char="§"/>
+            </a:pPr>
+            <a:r>
+              <a:rPr lang="mn-MN" dirty="0">
+                <a:latin typeface="Times New Roman" panose="02020603050405020304" pitchFamily="18" charset="0"/>
+                <a:cs typeface="Times New Roman" panose="02020603050405020304" pitchFamily="18" charset="0"/>
+              </a:rPr>
+              <a:t>Шинжилгээ болон </a:t>
+            </a:r>
+            <a:r>
+              <a:rPr lang="en-US" dirty="0">
+                <a:latin typeface="Times New Roman" panose="02020603050405020304" pitchFamily="18" charset="0"/>
+                <a:cs typeface="Times New Roman" panose="02020603050405020304" pitchFamily="18" charset="0"/>
+              </a:rPr>
+              <a:t>UML </a:t>
+            </a:r>
+            <a:r>
+              <a:rPr lang="mn-MN" dirty="0" smtClean="0">
+                <a:latin typeface="Times New Roman" panose="02020603050405020304" pitchFamily="18" charset="0"/>
+                <a:cs typeface="Times New Roman" panose="02020603050405020304" pitchFamily="18" charset="0"/>
+              </a:rPr>
+              <a:t>диаграмын </a:t>
+            </a:r>
+            <a:r>
+              <a:rPr lang="mn-MN" dirty="0">
+                <a:latin typeface="Times New Roman" panose="02020603050405020304" pitchFamily="18" charset="0"/>
+                <a:cs typeface="Times New Roman" panose="02020603050405020304" pitchFamily="18" charset="0"/>
+              </a:rPr>
+              <a:t>дагуу зохиомж гаргах</a:t>
+            </a:r>
+            <a:endParaRPr lang="en-US" dirty="0">
+              <a:latin typeface="Times New Roman" panose="02020603050405020304" pitchFamily="18" charset="0"/>
+              <a:cs typeface="Times New Roman" panose="02020603050405020304" pitchFamily="18" charset="0"/>
+            </a:endParaRPr>
+          </a:p>
+          <a:p>
+            <a:pPr marL="800100" lvl="1" indent="-342900" algn="just">
+              <a:buFont typeface="Wingdings" panose="05000000000000000000" pitchFamily="2" charset="2"/>
+              <a:buChar char="Ø"/>
+            </a:pPr>
+            <a:r>
+              <a:rPr lang="mn-MN" dirty="0">
+                <a:latin typeface="Times New Roman" panose="02020603050405020304" pitchFamily="18" charset="0"/>
+                <a:cs typeface="Times New Roman" panose="02020603050405020304" pitchFamily="18" charset="0"/>
+              </a:rPr>
+              <a:t>Ажлын явцын </a:t>
+            </a:r>
+            <a:r>
+              <a:rPr lang="mn-MN" dirty="0" smtClean="0">
+                <a:latin typeface="Times New Roman" panose="02020603050405020304" pitchFamily="18" charset="0"/>
+                <a:cs typeface="Times New Roman" panose="02020603050405020304" pitchFamily="18" charset="0"/>
+              </a:rPr>
+              <a:t>диаграм</a:t>
+            </a:r>
+            <a:endParaRPr lang="mn-MN" dirty="0">
+              <a:latin typeface="Times New Roman" panose="02020603050405020304" pitchFamily="18" charset="0"/>
+              <a:cs typeface="Times New Roman" panose="02020603050405020304" pitchFamily="18" charset="0"/>
+            </a:endParaRPr>
+          </a:p>
+          <a:p>
+            <a:pPr marL="800100" lvl="1" indent="-342900" algn="just">
+              <a:buFont typeface="Wingdings" panose="05000000000000000000" pitchFamily="2" charset="2"/>
+              <a:buChar char="Ø"/>
+            </a:pPr>
+            <a:r>
+              <a:rPr lang="mn-MN" dirty="0">
+                <a:latin typeface="Times New Roman" panose="02020603050405020304" pitchFamily="18" charset="0"/>
+                <a:cs typeface="Times New Roman" panose="02020603050405020304" pitchFamily="18" charset="0"/>
+              </a:rPr>
+              <a:t>Үйл идэвхжилтийн </a:t>
+            </a:r>
+            <a:r>
+              <a:rPr lang="mn-MN" dirty="0" smtClean="0">
+                <a:latin typeface="Times New Roman" panose="02020603050405020304" pitchFamily="18" charset="0"/>
+                <a:cs typeface="Times New Roman" panose="02020603050405020304" pitchFamily="18" charset="0"/>
+              </a:rPr>
+              <a:t>диаграм</a:t>
+            </a:r>
+            <a:endParaRPr lang="mn-MN" dirty="0">
+              <a:latin typeface="Times New Roman" panose="02020603050405020304" pitchFamily="18" charset="0"/>
+              <a:cs typeface="Times New Roman" panose="02020603050405020304" pitchFamily="18" charset="0"/>
+            </a:endParaRPr>
+          </a:p>
+          <a:p>
+            <a:pPr marL="800100" lvl="1" indent="-342900" algn="just">
+              <a:buFont typeface="Wingdings" panose="05000000000000000000" pitchFamily="2" charset="2"/>
+              <a:buChar char="Ø"/>
+            </a:pPr>
+            <a:r>
+              <a:rPr lang="mn-MN" dirty="0">
+                <a:latin typeface="Times New Roman" panose="02020603050405020304" pitchFamily="18" charset="0"/>
+                <a:cs typeface="Times New Roman" panose="02020603050405020304" pitchFamily="18" charset="0"/>
+              </a:rPr>
+              <a:t>Класс </a:t>
+            </a:r>
+            <a:r>
+              <a:rPr lang="mn-MN" dirty="0" smtClean="0">
+                <a:latin typeface="Times New Roman" panose="02020603050405020304" pitchFamily="18" charset="0"/>
+                <a:cs typeface="Times New Roman" panose="02020603050405020304" pitchFamily="18" charset="0"/>
+              </a:rPr>
+              <a:t>диаграм</a:t>
+            </a:r>
+            <a:endParaRPr lang="mn-MN" dirty="0">
+              <a:latin typeface="Times New Roman" panose="02020603050405020304" pitchFamily="18" charset="0"/>
+              <a:cs typeface="Times New Roman" panose="02020603050405020304" pitchFamily="18" charset="0"/>
+            </a:endParaRPr>
+          </a:p>
+          <a:p>
+            <a:pPr marL="800100" lvl="1" indent="-342900" algn="just">
+              <a:buFont typeface="Wingdings" panose="05000000000000000000" pitchFamily="2" charset="2"/>
+              <a:buChar char="Ø"/>
+            </a:pPr>
+            <a:r>
+              <a:rPr lang="mn-MN" dirty="0" smtClean="0">
+                <a:latin typeface="Times New Roman" panose="02020603050405020304" pitchFamily="18" charset="0"/>
+                <a:cs typeface="Times New Roman" panose="02020603050405020304" pitchFamily="18" charset="0"/>
+              </a:rPr>
+              <a:t>Өгөгдлийн </a:t>
+            </a:r>
+            <a:r>
+              <a:rPr lang="mn-MN" dirty="0">
+                <a:latin typeface="Times New Roman" panose="02020603050405020304" pitchFamily="18" charset="0"/>
+                <a:cs typeface="Times New Roman" panose="02020603050405020304" pitchFamily="18" charset="0"/>
+              </a:rPr>
+              <a:t>сангийн </a:t>
+            </a:r>
+            <a:r>
+              <a:rPr lang="mn-MN" dirty="0" smtClean="0">
+                <a:latin typeface="Times New Roman" panose="02020603050405020304" pitchFamily="18" charset="0"/>
+                <a:cs typeface="Times New Roman" panose="02020603050405020304" pitchFamily="18" charset="0"/>
+              </a:rPr>
+              <a:t>диаграм</a:t>
+            </a:r>
+            <a:endParaRPr lang="mn-MN" dirty="0">
+              <a:latin typeface="Times New Roman" panose="02020603050405020304" pitchFamily="18" charset="0"/>
+              <a:cs typeface="Times New Roman" panose="02020603050405020304" pitchFamily="18" charset="0"/>
+            </a:endParaRPr>
+          </a:p>
+          <a:p>
+            <a:pPr marL="800100" lvl="1" indent="-342900" algn="just">
+              <a:buFont typeface="Wingdings" panose="05000000000000000000" pitchFamily="2" charset="2"/>
+              <a:buChar char="Ø"/>
+            </a:pPr>
+            <a:r>
+              <a:rPr lang="mn-MN" dirty="0">
+                <a:latin typeface="Times New Roman" panose="02020603050405020304" pitchFamily="18" charset="0"/>
+                <a:cs typeface="Times New Roman" panose="02020603050405020304" pitchFamily="18" charset="0"/>
+              </a:rPr>
+              <a:t>Шилжилтийн </a:t>
+            </a:r>
+            <a:r>
+              <a:rPr lang="mn-MN" dirty="0" smtClean="0">
+                <a:latin typeface="Times New Roman" panose="02020603050405020304" pitchFamily="18" charset="0"/>
+                <a:cs typeface="Times New Roman" panose="02020603050405020304" pitchFamily="18" charset="0"/>
+              </a:rPr>
+              <a:t>диаграм</a:t>
+            </a:r>
+            <a:endParaRPr lang="en-US" dirty="0" smtClean="0">
+              <a:latin typeface="Times New Roman" panose="02020603050405020304" pitchFamily="18" charset="0"/>
+              <a:cs typeface="Times New Roman" panose="02020603050405020304" pitchFamily="18" charset="0"/>
+            </a:endParaRPr>
+          </a:p>
+          <a:p>
+            <a:pPr marL="800100" lvl="1" indent="-342900" algn="just">
+              <a:buFont typeface="Wingdings" panose="05000000000000000000" pitchFamily="2" charset="2"/>
+              <a:buChar char="Ø"/>
+            </a:pPr>
+            <a:r>
+              <a:rPr lang="mn-MN" dirty="0" smtClean="0">
+                <a:latin typeface="Times New Roman" panose="02020603050405020304" pitchFamily="18" charset="0"/>
+                <a:cs typeface="Times New Roman" panose="02020603050405020304" pitchFamily="18" charset="0"/>
+              </a:rPr>
+              <a:t>Дарааллын диаграм</a:t>
+            </a:r>
+            <a:endParaRPr lang="en-US" dirty="0">
+              <a:latin typeface="Times New Roman" panose="02020603050405020304" pitchFamily="18" charset="0"/>
+              <a:cs typeface="Times New Roman" panose="02020603050405020304" pitchFamily="18" charset="0"/>
+            </a:endParaRPr>
+          </a:p>
+          <a:p>
+            <a:endParaRPr lang="en-US" dirty="0"/>
+          </a:p>
+        </p:txBody>
+      </p:sp>
+    </p:spTree>
+    <p:extLst>
+      <p:ext uri="{BB962C8B-B14F-4D97-AF65-F5344CB8AC3E}">
+        <p14:creationId xmlns:p14="http://schemas.microsoft.com/office/powerpoint/2010/main" val="2031346902"/>
+      </p:ext>
+    </p:extLst>
+  </p:cSld>
+  <p:clrMapOvr>
+    <a:masterClrMapping/>
+  </p:clrMapOvr>
+  <p:timing>
+    <p:tnLst>
+      <p:par>
+        <p:cTn id="1" dur="indefinite" restart="never" nodeType="tmRoot"/>
+      </p:par>
+    </p:tnLst>
+  </p:timing>
+</p:sld>
+</file>
+
+<file path=ppt/slides/slide16.xml><?xml version="1.0" encoding="utf-8"?>
+<p:sld xmlns:a="http://schemas.openxmlformats.org/drawingml/2006/main" xmlns:r="http://schemas.openxmlformats.org/officeDocument/2006/relationships" xmlns:p="http://schemas.openxmlformats.org/presentationml/2006/main">
+  <p:cSld>
+    <p:spTree>
+      <p:nvGrpSpPr>
+        <p:cNvPr id="1" name=""/>
+        <p:cNvGrpSpPr/>
+        <p:nvPr/>
+      </p:nvGrpSpPr>
+      <p:grpSpPr>
+        <a:xfrm>
+          <a:off x="0" y="0"/>
+          <a:ext cx="0" cy="0"/>
+          <a:chOff x="0" y="0"/>
+          <a:chExt cx="0" cy="0"/>
+        </a:xfrm>
+      </p:grpSpPr>
+      <p:sp>
+        <p:nvSpPr>
+          <p:cNvPr id="2" name="Title 1"/>
+          <p:cNvSpPr>
+            <a:spLocks noGrp="1"/>
+          </p:cNvSpPr>
+          <p:nvPr>
+            <p:ph type="title"/>
+          </p:nvPr>
+        </p:nvSpPr>
+        <p:spPr/>
+        <p:txBody>
+          <a:bodyPr>
+            <a:normAutofit/>
+          </a:bodyPr>
+          <a:lstStyle/>
+          <a:p>
+            <a:r>
+              <a:rPr lang="mn-MN" dirty="0">
+                <a:latin typeface="Arial" panose="020B0604020202020204" pitchFamily="34" charset="0"/>
+                <a:cs typeface="Arial" panose="020B0604020202020204" pitchFamily="34" charset="0"/>
+              </a:rPr>
+              <a:t>Хэрэглэгчийн </a:t>
+            </a:r>
+            <a:r>
+              <a:rPr lang="mn-MN" dirty="0" smtClean="0">
+                <a:latin typeface="Arial" panose="020B0604020202020204" pitchFamily="34" charset="0"/>
+                <a:cs typeface="Arial" panose="020B0604020202020204" pitchFamily="34" charset="0"/>
+              </a:rPr>
+              <a:t>шаардлага</a:t>
+            </a:r>
+            <a:endParaRPr lang="en-US" dirty="0">
+              <a:latin typeface="Arial" panose="020B0604020202020204" pitchFamily="34" charset="0"/>
+              <a:cs typeface="Arial" panose="020B0604020202020204" pitchFamily="34" charset="0"/>
+            </a:endParaRPr>
+          </a:p>
+        </p:txBody>
+      </p:sp>
+      <p:sp>
+        <p:nvSpPr>
+          <p:cNvPr id="3" name="Content Placeholder 2"/>
+          <p:cNvSpPr>
+            <a:spLocks noGrp="1"/>
+          </p:cNvSpPr>
+          <p:nvPr>
+            <p:ph idx="1"/>
+          </p:nvPr>
+        </p:nvSpPr>
+        <p:spPr>
+          <a:xfrm>
+            <a:off x="1295402" y="2750115"/>
+            <a:ext cx="9484215" cy="3318936"/>
+          </a:xfrm>
+        </p:spPr>
+        <p:txBody>
+          <a:bodyPr>
+            <a:normAutofit fontScale="85000" lnSpcReduction="20000"/>
+          </a:bodyPr>
+          <a:lstStyle/>
+          <a:p>
+            <a:pPr marL="0" indent="0" algn="just">
+              <a:buNone/>
+            </a:pPr>
+            <a:r>
+              <a:rPr lang="mn-MN" dirty="0">
+                <a:latin typeface="Arial" panose="020B0604020202020204" pitchFamily="34" charset="0"/>
+                <a:cs typeface="Arial" panose="020B0604020202020204" pitchFamily="34" charset="0"/>
+              </a:rPr>
+              <a:t>Хэрэглэгч нь гар утасны програм ашиглах бөгөөд дараах үйлдлүүдийг хийнэ.</a:t>
+            </a:r>
+            <a:endParaRPr lang="en-US" dirty="0">
+              <a:latin typeface="Arial" panose="020B0604020202020204" pitchFamily="34" charset="0"/>
+              <a:cs typeface="Arial" panose="020B0604020202020204" pitchFamily="34" charset="0"/>
+            </a:endParaRPr>
+          </a:p>
+          <a:p>
+            <a:pPr lvl="0" algn="just"/>
+            <a:r>
+              <a:rPr lang="mn-MN" dirty="0">
+                <a:latin typeface="Arial" panose="020B0604020202020204" pitchFamily="34" charset="0"/>
+                <a:cs typeface="Arial" panose="020B0604020202020204" pitchFamily="34" charset="0"/>
+              </a:rPr>
+              <a:t>Хичээл харах</a:t>
+            </a:r>
+            <a:endParaRPr lang="en-US" dirty="0">
+              <a:latin typeface="Arial" panose="020B0604020202020204" pitchFamily="34" charset="0"/>
+              <a:cs typeface="Arial" panose="020B0604020202020204" pitchFamily="34" charset="0"/>
+            </a:endParaRPr>
+          </a:p>
+          <a:p>
+            <a:pPr lvl="0" algn="just"/>
+            <a:r>
+              <a:rPr lang="mn-MN" dirty="0">
+                <a:latin typeface="Arial" panose="020B0604020202020204" pitchFamily="34" charset="0"/>
+                <a:cs typeface="Arial" panose="020B0604020202020204" pitchFamily="34" charset="0"/>
+              </a:rPr>
+              <a:t>Асуулт харах </a:t>
+            </a:r>
+            <a:endParaRPr lang="en-US" dirty="0">
+              <a:latin typeface="Arial" panose="020B0604020202020204" pitchFamily="34" charset="0"/>
+              <a:cs typeface="Arial" panose="020B0604020202020204" pitchFamily="34" charset="0"/>
+            </a:endParaRPr>
+          </a:p>
+          <a:p>
+            <a:pPr lvl="0" algn="just"/>
+            <a:r>
+              <a:rPr lang="mn-MN" dirty="0">
+                <a:latin typeface="Arial" panose="020B0604020202020204" pitchFamily="34" charset="0"/>
+                <a:cs typeface="Arial" panose="020B0604020202020204" pitchFamily="34" charset="0"/>
+              </a:rPr>
+              <a:t>Асуулт асуух</a:t>
+            </a:r>
+            <a:endParaRPr lang="en-US" dirty="0">
+              <a:latin typeface="Arial" panose="020B0604020202020204" pitchFamily="34" charset="0"/>
+              <a:cs typeface="Arial" panose="020B0604020202020204" pitchFamily="34" charset="0"/>
+            </a:endParaRPr>
+          </a:p>
+          <a:p>
+            <a:pPr lvl="0" algn="just"/>
+            <a:r>
+              <a:rPr lang="mn-MN" dirty="0">
+                <a:latin typeface="Arial" panose="020B0604020202020204" pitchFamily="34" charset="0"/>
+                <a:cs typeface="Arial" panose="020B0604020202020204" pitchFamily="34" charset="0"/>
+              </a:rPr>
+              <a:t>Асуулт хариулт тоглох</a:t>
+            </a:r>
+            <a:endParaRPr lang="en-US" dirty="0">
+              <a:latin typeface="Arial" panose="020B0604020202020204" pitchFamily="34" charset="0"/>
+              <a:cs typeface="Arial" panose="020B0604020202020204" pitchFamily="34" charset="0"/>
+            </a:endParaRPr>
+          </a:p>
+          <a:p>
+            <a:pPr lvl="0" algn="just"/>
+            <a:r>
+              <a:rPr lang="mn-MN" dirty="0">
+                <a:latin typeface="Arial" panose="020B0604020202020204" pitchFamily="34" charset="0"/>
+                <a:cs typeface="Arial" panose="020B0604020202020204" pitchFamily="34" charset="0"/>
+              </a:rPr>
+              <a:t>Жишээ харах</a:t>
+            </a:r>
+            <a:endParaRPr lang="en-US" dirty="0">
+              <a:latin typeface="Arial" panose="020B0604020202020204" pitchFamily="34" charset="0"/>
+              <a:cs typeface="Arial" panose="020B0604020202020204" pitchFamily="34" charset="0"/>
+            </a:endParaRPr>
+          </a:p>
+          <a:p>
+            <a:pPr lvl="0" algn="just"/>
+            <a:r>
+              <a:rPr lang="mn-MN" dirty="0">
+                <a:latin typeface="Arial" panose="020B0604020202020204" pitchFamily="34" charset="0"/>
+                <a:cs typeface="Arial" panose="020B0604020202020204" pitchFamily="34" charset="0"/>
+              </a:rPr>
+              <a:t>Тохиргоо хийх</a:t>
+            </a:r>
+            <a:endParaRPr lang="en-US" dirty="0">
+              <a:latin typeface="Arial" panose="020B0604020202020204" pitchFamily="34" charset="0"/>
+              <a:cs typeface="Arial" panose="020B0604020202020204" pitchFamily="34" charset="0"/>
+            </a:endParaRPr>
+          </a:p>
+          <a:p>
+            <a:pPr lvl="0" algn="just"/>
+            <a:r>
+              <a:rPr lang="mn-MN" dirty="0">
+                <a:latin typeface="Arial" panose="020B0604020202020204" pitchFamily="34" charset="0"/>
+                <a:cs typeface="Arial" panose="020B0604020202020204" pitchFamily="34" charset="0"/>
+              </a:rPr>
+              <a:t>Шинчлэл хийх</a:t>
+            </a:r>
+            <a:endParaRPr lang="en-US" dirty="0">
+              <a:latin typeface="Arial" panose="020B0604020202020204" pitchFamily="34" charset="0"/>
+              <a:cs typeface="Arial" panose="020B0604020202020204" pitchFamily="34" charset="0"/>
+            </a:endParaRPr>
+          </a:p>
+          <a:p>
+            <a:endParaRPr lang="en-US" dirty="0"/>
+          </a:p>
+        </p:txBody>
+      </p:sp>
+    </p:spTree>
+    <p:extLst>
+      <p:ext uri="{BB962C8B-B14F-4D97-AF65-F5344CB8AC3E}">
+        <p14:creationId xmlns:p14="http://schemas.microsoft.com/office/powerpoint/2010/main" val="2783266538"/>
+      </p:ext>
+    </p:extLst>
+  </p:cSld>
+  <p:clrMapOvr>
+    <a:masterClrMapping/>
+  </p:clrMapOvr>
+  <p:timing>
+    <p:tnLst>
+      <p:par>
+        <p:cTn id="1" dur="indefinite" restart="never" nodeType="tmRoot"/>
+      </p:par>
+    </p:tnLst>
+  </p:timing>
+</p:sld>
+</file>
+
+<file path=ppt/slides/slide17.xml><?xml version="1.0" encoding="utf-8"?>
+<p:sld xmlns:a="http://schemas.openxmlformats.org/drawingml/2006/main" xmlns:r="http://schemas.openxmlformats.org/officeDocument/2006/relationships" xmlns:p="http://schemas.openxmlformats.org/presentationml/2006/main">
+  <p:cSld>
+    <p:spTree>
+      <p:nvGrpSpPr>
+        <p:cNvPr id="1" name=""/>
+        <p:cNvGrpSpPr/>
+        <p:nvPr/>
+      </p:nvGrpSpPr>
+      <p:grpSpPr>
+        <a:xfrm>
+          <a:off x="0" y="0"/>
+          <a:ext cx="0" cy="0"/>
+          <a:chOff x="0" y="0"/>
+          <a:chExt cx="0" cy="0"/>
+        </a:xfrm>
+      </p:grpSpPr>
+      <p:sp>
+        <p:nvSpPr>
+          <p:cNvPr id="2" name="Title 1"/>
+          <p:cNvSpPr>
+            <a:spLocks noGrp="1"/>
+          </p:cNvSpPr>
+          <p:nvPr>
+            <p:ph type="title"/>
+          </p:nvPr>
+        </p:nvSpPr>
+        <p:spPr/>
+        <p:txBody>
+          <a:bodyPr/>
+          <a:lstStyle/>
+          <a:p>
+            <a:r>
+              <a:rPr lang="mn-MN" dirty="0">
+                <a:latin typeface="Arial" panose="020B0604020202020204" pitchFamily="34" charset="0"/>
+                <a:cs typeface="Arial" panose="020B0604020202020204" pitchFamily="34" charset="0"/>
+              </a:rPr>
+              <a:t>Хэрэглэгчийн шаардлага</a:t>
+            </a:r>
+            <a:endParaRPr lang="en-US" dirty="0"/>
+          </a:p>
+        </p:txBody>
+      </p:sp>
+      <p:sp>
+        <p:nvSpPr>
+          <p:cNvPr id="4" name="Content Placeholder 3"/>
+          <p:cNvSpPr>
+            <a:spLocks noGrp="1"/>
+          </p:cNvSpPr>
+          <p:nvPr>
+            <p:ph idx="1"/>
+          </p:nvPr>
+        </p:nvSpPr>
+        <p:spPr>
+          <a:xfrm>
+            <a:off x="1295401" y="2556932"/>
+            <a:ext cx="9601196" cy="3216265"/>
+          </a:xfrm>
+          <a:prstGeom prst="rect">
+            <a:avLst/>
+          </a:prstGeom>
+        </p:spPr>
+        <p:txBody>
+          <a:bodyPr wrap="square">
+            <a:spAutoFit/>
+          </a:bodyPr>
+          <a:lstStyle/>
+          <a:p>
+            <a:pPr marL="0" indent="0" algn="just">
+              <a:lnSpc>
+                <a:spcPct val="150000"/>
+              </a:lnSpc>
+              <a:buNone/>
+            </a:pPr>
+            <a:r>
+              <a:rPr lang="mn-MN" sz="1800" dirty="0">
+                <a:latin typeface="Arial" panose="020B0604020202020204" pitchFamily="34" charset="0"/>
+                <a:cs typeface="Arial" panose="020B0604020202020204" pitchFamily="34" charset="0"/>
+              </a:rPr>
+              <a:t>Системийг админ веб програмыг ашиглан удирдах бөгөөд админ нь дараах эрх үүргүүдтэй байна</a:t>
+            </a:r>
+            <a:r>
+              <a:rPr lang="mn-MN" sz="1800" dirty="0" smtClean="0">
+                <a:latin typeface="Arial" panose="020B0604020202020204" pitchFamily="34" charset="0"/>
+                <a:cs typeface="Arial" panose="020B0604020202020204" pitchFamily="34" charset="0"/>
+              </a:rPr>
+              <a:t>.</a:t>
+            </a:r>
+            <a:endParaRPr lang="mn-MN" sz="1800" dirty="0" smtClean="0">
+              <a:latin typeface="Arial" panose="020B0604020202020204" pitchFamily="34" charset="0"/>
+              <a:ea typeface="Times New Roman" panose="02020603050405020304" pitchFamily="18" charset="0"/>
+              <a:cs typeface="Arial" panose="020B0604020202020204" pitchFamily="34" charset="0"/>
+            </a:endParaRPr>
+          </a:p>
+          <a:p>
+            <a:pPr marL="342900" marR="0" lvl="0" indent="-342900" algn="just">
+              <a:lnSpc>
+                <a:spcPct val="150000"/>
+              </a:lnSpc>
+              <a:spcBef>
+                <a:spcPts val="0"/>
+              </a:spcBef>
+              <a:spcAft>
+                <a:spcPts val="0"/>
+              </a:spcAft>
+              <a:buFont typeface="Wingdings" panose="05000000000000000000" pitchFamily="2" charset="2"/>
+              <a:buChar char=""/>
+            </a:pPr>
+            <a:r>
+              <a:rPr lang="mn-MN" sz="1600" dirty="0" smtClean="0">
+                <a:latin typeface="Arial" panose="020B0604020202020204" pitchFamily="34" charset="0"/>
+                <a:ea typeface="Times New Roman" panose="02020603050405020304" pitchFamily="18" charset="0"/>
+                <a:cs typeface="Arial" panose="020B0604020202020204" pitchFamily="34" charset="0"/>
+              </a:rPr>
+              <a:t>Хичээл </a:t>
+            </a:r>
+            <a:r>
+              <a:rPr lang="mn-MN" sz="1600" dirty="0">
+                <a:latin typeface="Arial" panose="020B0604020202020204" pitchFamily="34" charset="0"/>
+                <a:ea typeface="Times New Roman" panose="02020603050405020304" pitchFamily="18" charset="0"/>
+                <a:cs typeface="Arial" panose="020B0604020202020204" pitchFamily="34" charset="0"/>
+              </a:rPr>
+              <a:t>нэмэх </a:t>
+            </a:r>
+            <a:r>
+              <a:rPr lang="en-US" sz="1600" dirty="0" smtClean="0">
+                <a:latin typeface="Arial" panose="020B0604020202020204" pitchFamily="34" charset="0"/>
+                <a:ea typeface="Times New Roman" panose="02020603050405020304" pitchFamily="18" charset="0"/>
+                <a:cs typeface="Arial" panose="020B0604020202020204" pitchFamily="34" charset="0"/>
+              </a:rPr>
+              <a:t>		</a:t>
+            </a:r>
+            <a:endParaRPr lang="mn-MN" sz="1600" dirty="0" smtClean="0">
+              <a:latin typeface="Arial" panose="020B0604020202020204" pitchFamily="34" charset="0"/>
+              <a:ea typeface="Times New Roman" panose="02020603050405020304" pitchFamily="18" charset="0"/>
+              <a:cs typeface="Arial" panose="020B0604020202020204" pitchFamily="34" charset="0"/>
+            </a:endParaRPr>
+          </a:p>
+          <a:p>
+            <a:pPr marL="342900" marR="0" lvl="0" indent="-342900" algn="just">
+              <a:lnSpc>
+                <a:spcPct val="150000"/>
+              </a:lnSpc>
+              <a:spcBef>
+                <a:spcPts val="0"/>
+              </a:spcBef>
+              <a:spcAft>
+                <a:spcPts val="0"/>
+              </a:spcAft>
+              <a:buFont typeface="Wingdings" panose="05000000000000000000" pitchFamily="2" charset="2"/>
+              <a:buChar char=""/>
+            </a:pPr>
+            <a:r>
+              <a:rPr lang="mn-MN" sz="1600" dirty="0" smtClean="0">
+                <a:latin typeface="Arial" panose="020B0604020202020204" pitchFamily="34" charset="0"/>
+                <a:ea typeface="Times New Roman" panose="02020603050405020304" pitchFamily="18" charset="0"/>
+                <a:cs typeface="Arial" panose="020B0604020202020204" pitchFamily="34" charset="0"/>
+              </a:rPr>
+              <a:t>Хичээл хасах 		</a:t>
+            </a:r>
+            <a:endParaRPr lang="en-US" sz="1600" dirty="0" smtClean="0">
+              <a:latin typeface="Arial" panose="020B0604020202020204" pitchFamily="34" charset="0"/>
+              <a:ea typeface="Times New Roman" panose="02020603050405020304" pitchFamily="18" charset="0"/>
+              <a:cs typeface="Arial" panose="020B0604020202020204" pitchFamily="34" charset="0"/>
+            </a:endParaRPr>
+          </a:p>
+          <a:p>
+            <a:pPr marL="342900" marR="0" lvl="0" indent="-342900" algn="just">
+              <a:lnSpc>
+                <a:spcPct val="150000"/>
+              </a:lnSpc>
+              <a:spcBef>
+                <a:spcPts val="0"/>
+              </a:spcBef>
+              <a:spcAft>
+                <a:spcPts val="0"/>
+              </a:spcAft>
+              <a:buFont typeface="Wingdings" panose="05000000000000000000" pitchFamily="2" charset="2"/>
+              <a:buChar char=""/>
+            </a:pPr>
+            <a:r>
+              <a:rPr lang="mn-MN" sz="1600" dirty="0" smtClean="0">
+                <a:latin typeface="Arial" panose="020B0604020202020204" pitchFamily="34" charset="0"/>
+                <a:ea typeface="Times New Roman" panose="02020603050405020304" pitchFamily="18" charset="0"/>
+                <a:cs typeface="Arial" panose="020B0604020202020204" pitchFamily="34" charset="0"/>
+              </a:rPr>
+              <a:t>Хичээл засах 		 </a:t>
+            </a:r>
+          </a:p>
+          <a:p>
+            <a:pPr marL="342900" marR="0" lvl="0" indent="-342900" algn="just">
+              <a:lnSpc>
+                <a:spcPct val="150000"/>
+              </a:lnSpc>
+              <a:spcBef>
+                <a:spcPts val="0"/>
+              </a:spcBef>
+              <a:spcAft>
+                <a:spcPts val="0"/>
+              </a:spcAft>
+              <a:buFont typeface="Wingdings" panose="05000000000000000000" pitchFamily="2" charset="2"/>
+              <a:buChar char=""/>
+            </a:pPr>
+            <a:r>
+              <a:rPr lang="mn-MN" sz="1600" dirty="0" smtClean="0">
+                <a:latin typeface="Arial" panose="020B0604020202020204" pitchFamily="34" charset="0"/>
+                <a:ea typeface="Times New Roman" panose="02020603050405020304" pitchFamily="18" charset="0"/>
+                <a:cs typeface="Arial" panose="020B0604020202020204" pitchFamily="34" charset="0"/>
+              </a:rPr>
+              <a:t>Асуулт нэмэх</a:t>
+            </a:r>
+            <a:endParaRPr lang="en-US" sz="1600" dirty="0" smtClean="0">
+              <a:latin typeface="Arial" panose="020B0604020202020204" pitchFamily="34" charset="0"/>
+              <a:ea typeface="Times New Roman" panose="02020603050405020304" pitchFamily="18" charset="0"/>
+              <a:cs typeface="Arial" panose="020B0604020202020204" pitchFamily="34" charset="0"/>
+            </a:endParaRPr>
+          </a:p>
+          <a:p>
+            <a:pPr marL="342900" marR="0" lvl="0" indent="-342900" algn="just">
+              <a:lnSpc>
+                <a:spcPct val="150000"/>
+              </a:lnSpc>
+              <a:spcBef>
+                <a:spcPts val="0"/>
+              </a:spcBef>
+              <a:spcAft>
+                <a:spcPts val="0"/>
+              </a:spcAft>
+              <a:buFont typeface="Wingdings" panose="05000000000000000000" pitchFamily="2" charset="2"/>
+              <a:buChar char=""/>
+            </a:pPr>
+            <a:r>
+              <a:rPr lang="mn-MN" sz="1600" dirty="0" smtClean="0">
+                <a:latin typeface="Arial" panose="020B0604020202020204" pitchFamily="34" charset="0"/>
+                <a:ea typeface="Times New Roman" panose="02020603050405020304" pitchFamily="18" charset="0"/>
+                <a:cs typeface="Arial" panose="020B0604020202020204" pitchFamily="34" charset="0"/>
+              </a:rPr>
+              <a:t>Асуулт хасах</a:t>
+            </a:r>
+          </a:p>
+          <a:p>
+            <a:pPr marL="342900" indent="-342900" algn="just">
+              <a:lnSpc>
+                <a:spcPct val="150000"/>
+              </a:lnSpc>
+              <a:spcBef>
+                <a:spcPts val="0"/>
+              </a:spcBef>
+              <a:spcAft>
+                <a:spcPts val="0"/>
+              </a:spcAft>
+              <a:buFont typeface="Wingdings" panose="05000000000000000000" pitchFamily="2" charset="2"/>
+              <a:buChar char=""/>
+            </a:pPr>
+            <a:r>
+              <a:rPr lang="mn-MN" sz="1600" dirty="0">
+                <a:latin typeface="Arial" panose="020B0604020202020204" pitchFamily="34" charset="0"/>
+                <a:ea typeface="Times New Roman" panose="02020603050405020304" pitchFamily="18" charset="0"/>
+                <a:cs typeface="Arial" panose="020B0604020202020204" pitchFamily="34" charset="0"/>
+              </a:rPr>
+              <a:t>Асуулт </a:t>
+            </a:r>
+            <a:r>
+              <a:rPr lang="mn-MN" sz="1600" dirty="0" smtClean="0">
+                <a:latin typeface="Arial" panose="020B0604020202020204" pitchFamily="34" charset="0"/>
+                <a:ea typeface="Times New Roman" panose="02020603050405020304" pitchFamily="18" charset="0"/>
+                <a:cs typeface="Arial" panose="020B0604020202020204" pitchFamily="34" charset="0"/>
+              </a:rPr>
+              <a:t>засах</a:t>
+            </a:r>
+            <a:endParaRPr lang="en-US" sz="1600" dirty="0">
+              <a:latin typeface="Arial" panose="020B0604020202020204" pitchFamily="34" charset="0"/>
+              <a:ea typeface="Times New Roman" panose="02020603050405020304" pitchFamily="18" charset="0"/>
+              <a:cs typeface="Arial" panose="020B0604020202020204" pitchFamily="34" charset="0"/>
+            </a:endParaRPr>
+          </a:p>
+        </p:txBody>
+      </p:sp>
+      <p:sp>
+        <p:nvSpPr>
+          <p:cNvPr id="5" name="Rectangle 4"/>
+          <p:cNvSpPr/>
+          <p:nvPr/>
+        </p:nvSpPr>
+        <p:spPr>
+          <a:xfrm>
+            <a:off x="4929544" y="3349390"/>
+            <a:ext cx="2642005" cy="1985159"/>
+          </a:xfrm>
+          <a:prstGeom prst="rect">
+            <a:avLst/>
+          </a:prstGeom>
+        </p:spPr>
+        <p:txBody>
+          <a:bodyPr wrap="none">
+            <a:spAutoFit/>
+          </a:bodyPr>
+          <a:lstStyle/>
+          <a:p>
+            <a:pPr marL="342900" marR="0" lvl="0" indent="-342900" algn="just">
+              <a:lnSpc>
+                <a:spcPct val="150000"/>
+              </a:lnSpc>
+              <a:spcBef>
+                <a:spcPts val="0"/>
+              </a:spcBef>
+              <a:spcAft>
+                <a:spcPts val="0"/>
+              </a:spcAft>
+              <a:buFont typeface="Wingdings" panose="05000000000000000000" pitchFamily="2" charset="2"/>
+              <a:buChar char=""/>
+            </a:pPr>
+            <a:r>
+              <a:rPr lang="mn-MN" sz="1600" dirty="0">
+                <a:latin typeface="Arial" panose="020B0604020202020204" pitchFamily="34" charset="0"/>
+                <a:ea typeface="Times New Roman" panose="02020603050405020304" pitchFamily="18" charset="0"/>
+                <a:cs typeface="Arial" panose="020B0604020202020204" pitchFamily="34" charset="0"/>
+              </a:rPr>
+              <a:t>Асуулт хариулт </a:t>
+            </a:r>
+            <a:r>
+              <a:rPr lang="mn-MN" sz="1600" dirty="0" smtClean="0">
+                <a:latin typeface="Arial" panose="020B0604020202020204" pitchFamily="34" charset="0"/>
+                <a:ea typeface="Times New Roman" panose="02020603050405020304" pitchFamily="18" charset="0"/>
+                <a:cs typeface="Arial" panose="020B0604020202020204" pitchFamily="34" charset="0"/>
+              </a:rPr>
+              <a:t>нэмэх</a:t>
+            </a:r>
+          </a:p>
+          <a:p>
+            <a:pPr marL="342900" marR="0" lvl="0" indent="-342900" algn="just">
+              <a:lnSpc>
+                <a:spcPct val="150000"/>
+              </a:lnSpc>
+              <a:spcBef>
+                <a:spcPts val="0"/>
+              </a:spcBef>
+              <a:spcAft>
+                <a:spcPts val="0"/>
+              </a:spcAft>
+              <a:buFont typeface="Wingdings" panose="05000000000000000000" pitchFamily="2" charset="2"/>
+              <a:buChar char=""/>
+            </a:pPr>
+            <a:r>
+              <a:rPr lang="mn-MN" sz="1600" dirty="0">
+                <a:latin typeface="Arial" panose="020B0604020202020204" pitchFamily="34" charset="0"/>
+                <a:ea typeface="Times New Roman" panose="02020603050405020304" pitchFamily="18" charset="0"/>
+                <a:cs typeface="Arial" panose="020B0604020202020204" pitchFamily="34" charset="0"/>
+              </a:rPr>
+              <a:t>Асуулт хариулт </a:t>
+            </a:r>
+            <a:r>
+              <a:rPr lang="mn-MN" sz="1600" dirty="0" smtClean="0">
+                <a:latin typeface="Arial" panose="020B0604020202020204" pitchFamily="34" charset="0"/>
+                <a:ea typeface="Times New Roman" panose="02020603050405020304" pitchFamily="18" charset="0"/>
+                <a:cs typeface="Arial" panose="020B0604020202020204" pitchFamily="34" charset="0"/>
+              </a:rPr>
+              <a:t>хасах</a:t>
+            </a:r>
+          </a:p>
+          <a:p>
+            <a:pPr marL="342900" indent="-342900" algn="just">
+              <a:lnSpc>
+                <a:spcPct val="150000"/>
+              </a:lnSpc>
+              <a:buFont typeface="Wingdings" panose="05000000000000000000" pitchFamily="2" charset="2"/>
+              <a:buChar char=""/>
+            </a:pPr>
+            <a:r>
+              <a:rPr lang="mn-MN" sz="1600" dirty="0">
+                <a:latin typeface="Arial" panose="020B0604020202020204" pitchFamily="34" charset="0"/>
+                <a:ea typeface="Times New Roman" panose="02020603050405020304" pitchFamily="18" charset="0"/>
+                <a:cs typeface="Arial" panose="020B0604020202020204" pitchFamily="34" charset="0"/>
+              </a:rPr>
+              <a:t>Асуулт хариулт засах </a:t>
+            </a:r>
+            <a:endParaRPr lang="en-US" sz="1600" dirty="0">
+              <a:latin typeface="Arial" panose="020B0604020202020204" pitchFamily="34" charset="0"/>
+              <a:ea typeface="Times New Roman" panose="02020603050405020304" pitchFamily="18" charset="0"/>
+              <a:cs typeface="Arial" panose="020B0604020202020204" pitchFamily="34" charset="0"/>
+            </a:endParaRPr>
+          </a:p>
+          <a:p>
+            <a:pPr marL="342900" indent="-342900" algn="just">
+              <a:lnSpc>
+                <a:spcPct val="150000"/>
+              </a:lnSpc>
+              <a:buFont typeface="Wingdings" panose="05000000000000000000" pitchFamily="2" charset="2"/>
+              <a:buChar char=""/>
+            </a:pPr>
+            <a:r>
+              <a:rPr lang="mn-MN" sz="1600" dirty="0" smtClean="0">
+                <a:latin typeface="Arial" panose="020B0604020202020204" pitchFamily="34" charset="0"/>
+                <a:ea typeface="Times New Roman" panose="02020603050405020304" pitchFamily="18" charset="0"/>
+                <a:cs typeface="Arial" panose="020B0604020202020204" pitchFamily="34" charset="0"/>
+              </a:rPr>
+              <a:t> </a:t>
+            </a:r>
+            <a:r>
+              <a:rPr lang="mn-MN" sz="1600" dirty="0">
+                <a:latin typeface="Arial" panose="020B0604020202020204" pitchFamily="34" charset="0"/>
+                <a:ea typeface="Times New Roman" panose="02020603050405020304" pitchFamily="18" charset="0"/>
+                <a:cs typeface="Arial" panose="020B0604020202020204" pitchFamily="34" charset="0"/>
+              </a:rPr>
+              <a:t>Асуултанд хариулах </a:t>
+            </a:r>
+            <a:endParaRPr lang="en-US" sz="1600" dirty="0">
+              <a:latin typeface="Arial" panose="020B0604020202020204" pitchFamily="34" charset="0"/>
+              <a:ea typeface="Times New Roman" panose="02020603050405020304" pitchFamily="18" charset="0"/>
+              <a:cs typeface="Arial" panose="020B0604020202020204" pitchFamily="34" charset="0"/>
+            </a:endParaRPr>
+          </a:p>
+          <a:p>
+            <a:pPr marL="342900" marR="0" lvl="0" indent="-342900" algn="just">
+              <a:lnSpc>
+                <a:spcPct val="150000"/>
+              </a:lnSpc>
+              <a:spcBef>
+                <a:spcPts val="0"/>
+              </a:spcBef>
+              <a:spcAft>
+                <a:spcPts val="0"/>
+              </a:spcAft>
+              <a:buFont typeface="Wingdings" panose="05000000000000000000" pitchFamily="2" charset="2"/>
+              <a:buChar char=""/>
+            </a:pPr>
+            <a:endParaRPr lang="en-US" dirty="0">
+              <a:latin typeface="Arial" panose="020B0604020202020204" pitchFamily="34" charset="0"/>
+              <a:ea typeface="Times New Roman" panose="02020603050405020304" pitchFamily="18" charset="0"/>
+              <a:cs typeface="Arial" panose="020B0604020202020204" pitchFamily="34" charset="0"/>
+            </a:endParaRPr>
+          </a:p>
+        </p:txBody>
+      </p:sp>
+    </p:spTree>
+    <p:extLst>
+      <p:ext uri="{BB962C8B-B14F-4D97-AF65-F5344CB8AC3E}">
+        <p14:creationId xmlns:p14="http://schemas.microsoft.com/office/powerpoint/2010/main" val="2652382866"/>
+      </p:ext>
+    </p:extLst>
+  </p:cSld>
+  <p:clrMapOvr>
+    <a:masterClrMapping/>
+  </p:clrMapOvr>
+  <p:timing>
+    <p:tnLst>
+      <p:par>
+        <p:cTn id="1" dur="indefinite" restart="never" nodeType="tmRoot"/>
+      </p:par>
+    </p:tnLst>
+  </p:timing>
+</p:sld>
+</file>
+
+<file path=ppt/slides/slide18.xml><?xml version="1.0" encoding="utf-8"?>
+<p:sld xmlns:a="http://schemas.openxmlformats.org/drawingml/2006/main" xmlns:r="http://schemas.openxmlformats.org/officeDocument/2006/relationships" xmlns:p="http://schemas.openxmlformats.org/presentationml/2006/main">
+  <p:cSld>
+    <p:spTree>
+      <p:nvGrpSpPr>
+        <p:cNvPr id="1" name=""/>
+        <p:cNvGrpSpPr/>
+        <p:nvPr/>
+      </p:nvGrpSpPr>
+      <p:grpSpPr>
+        <a:xfrm>
+          <a:off x="0" y="0"/>
+          <a:ext cx="0" cy="0"/>
+          <a:chOff x="0" y="0"/>
+          <a:chExt cx="0" cy="0"/>
+        </a:xfrm>
+      </p:grpSpPr>
+      <p:sp>
+        <p:nvSpPr>
+          <p:cNvPr id="2" name="Title 1"/>
+          <p:cNvSpPr>
+            <a:spLocks noGrp="1"/>
+          </p:cNvSpPr>
+          <p:nvPr>
+            <p:ph type="title"/>
+          </p:nvPr>
+        </p:nvSpPr>
+        <p:spPr/>
+        <p:txBody>
+          <a:bodyPr>
+            <a:normAutofit/>
+          </a:bodyPr>
+          <a:lstStyle/>
+          <a:p>
+            <a:r>
+              <a:rPr lang="mn-MN" dirty="0">
+                <a:latin typeface="Arial" panose="020B0604020202020204" pitchFamily="34" charset="0"/>
+                <a:cs typeface="Arial" panose="020B0604020202020204" pitchFamily="34" charset="0"/>
+              </a:rPr>
+              <a:t>Ажлын явцын </a:t>
+            </a:r>
+            <a:r>
+              <a:rPr lang="mn-MN" dirty="0" smtClean="0">
+                <a:latin typeface="Arial" panose="020B0604020202020204" pitchFamily="34" charset="0"/>
+                <a:cs typeface="Arial" panose="020B0604020202020204" pitchFamily="34" charset="0"/>
+              </a:rPr>
+              <a:t>диаграм</a:t>
+            </a:r>
+            <a:endParaRPr lang="en-US" dirty="0">
+              <a:latin typeface="Arial" panose="020B0604020202020204" pitchFamily="34" charset="0"/>
+              <a:cs typeface="Arial" panose="020B0604020202020204" pitchFamily="34" charset="0"/>
+            </a:endParaRPr>
+          </a:p>
+        </p:txBody>
+      </p:sp>
+      <p:sp>
+        <p:nvSpPr>
+          <p:cNvPr id="3" name="Rectangle 2"/>
+          <p:cNvSpPr/>
+          <p:nvPr/>
+        </p:nvSpPr>
+        <p:spPr>
+          <a:xfrm>
+            <a:off x="3969231" y="5875338"/>
+            <a:ext cx="4253537" cy="307777"/>
+          </a:xfrm>
+          <a:prstGeom prst="rect">
+            <a:avLst/>
+          </a:prstGeom>
+        </p:spPr>
+        <p:txBody>
+          <a:bodyPr wrap="none">
+            <a:spAutoFit/>
+          </a:bodyPr>
+          <a:lstStyle/>
+          <a:p>
+            <a:r>
+              <a:rPr lang="mn-MN" sz="1400" dirty="0" smtClean="0">
+                <a:latin typeface="Arial" panose="020B0604020202020204" pitchFamily="34" charset="0"/>
+                <a:ea typeface="Times New Roman" panose="02020603050405020304" pitchFamily="18" charset="0"/>
+                <a:cs typeface="Times New Roman" panose="02020603050405020304" pitchFamily="18" charset="0"/>
+              </a:rPr>
+              <a:t>Хэрэглэгч болон админы а</a:t>
+            </a:r>
+            <a:r>
+              <a:rPr lang="en-US" sz="1400" dirty="0" err="1" smtClean="0">
+                <a:latin typeface="Arial" panose="020B0604020202020204" pitchFamily="34" charset="0"/>
+                <a:ea typeface="Times New Roman" panose="02020603050405020304" pitchFamily="18" charset="0"/>
+                <a:cs typeface="Times New Roman" panose="02020603050405020304" pitchFamily="18" charset="0"/>
+              </a:rPr>
+              <a:t>жлын</a:t>
+            </a:r>
+            <a:r>
+              <a:rPr lang="en-US" sz="1400" dirty="0" smtClean="0">
+                <a:latin typeface="Arial" panose="020B0604020202020204" pitchFamily="34" charset="0"/>
+                <a:ea typeface="Times New Roman" panose="02020603050405020304" pitchFamily="18" charset="0"/>
+                <a:cs typeface="Times New Roman" panose="02020603050405020304" pitchFamily="18" charset="0"/>
+              </a:rPr>
+              <a:t> </a:t>
+            </a:r>
+            <a:r>
+              <a:rPr lang="en-US" sz="1400" dirty="0" err="1">
+                <a:latin typeface="Arial" panose="020B0604020202020204" pitchFamily="34" charset="0"/>
+                <a:ea typeface="Times New Roman" panose="02020603050405020304" pitchFamily="18" charset="0"/>
+                <a:cs typeface="Times New Roman" panose="02020603050405020304" pitchFamily="18" charset="0"/>
+              </a:rPr>
+              <a:t>явцын</a:t>
+            </a:r>
+            <a:r>
+              <a:rPr lang="en-US" sz="1400" dirty="0">
+                <a:latin typeface="Arial" panose="020B0604020202020204" pitchFamily="34" charset="0"/>
+                <a:ea typeface="Times New Roman" panose="02020603050405020304" pitchFamily="18" charset="0"/>
+                <a:cs typeface="Times New Roman" panose="02020603050405020304" pitchFamily="18" charset="0"/>
+              </a:rPr>
+              <a:t> </a:t>
+            </a:r>
+            <a:r>
+              <a:rPr lang="en-US" sz="1400" dirty="0" err="1">
+                <a:latin typeface="Arial" panose="020B0604020202020204" pitchFamily="34" charset="0"/>
+                <a:ea typeface="Times New Roman" panose="02020603050405020304" pitchFamily="18" charset="0"/>
+                <a:cs typeface="Times New Roman" panose="02020603050405020304" pitchFamily="18" charset="0"/>
+              </a:rPr>
+              <a:t>диаграм</a:t>
+            </a:r>
+            <a:r>
+              <a:rPr lang="en-US" sz="1400" dirty="0">
+                <a:latin typeface="Arial" panose="020B0604020202020204" pitchFamily="34" charset="0"/>
+                <a:ea typeface="Times New Roman" panose="02020603050405020304" pitchFamily="18" charset="0"/>
+                <a:cs typeface="Times New Roman" panose="02020603050405020304" pitchFamily="18" charset="0"/>
+              </a:rPr>
+              <a:t> </a:t>
+            </a:r>
+            <a:endParaRPr lang="en-US" sz="1400" dirty="0"/>
+          </a:p>
+        </p:txBody>
+      </p:sp>
+      <p:pic>
+        <p:nvPicPr>
+          <p:cNvPr id="4" name="Content Placeholder 3"/>
+          <p:cNvPicPr>
+            <a:picLocks noGrp="1" noChangeAspect="1"/>
+          </p:cNvPicPr>
+          <p:nvPr>
+            <p:ph idx="1"/>
+          </p:nvPr>
+        </p:nvPicPr>
+        <p:blipFill>
+          <a:blip r:embed="rId2">
+            <a:extLst>
+              <a:ext uri="{28A0092B-C50C-407E-A947-70E740481C1C}">
+                <a14:useLocalDpi xmlns:a14="http://schemas.microsoft.com/office/drawing/2010/main" val="0"/>
+              </a:ext>
+            </a:extLst>
+          </a:blip>
+          <a:stretch>
+            <a:fillRect/>
+          </a:stretch>
+        </p:blipFill>
+        <p:spPr>
+          <a:xfrm>
+            <a:off x="2728357" y="2557463"/>
+            <a:ext cx="6735286" cy="3317875"/>
+          </a:xfrm>
+        </p:spPr>
+      </p:pic>
+    </p:spTree>
+    <p:extLst>
+      <p:ext uri="{BB962C8B-B14F-4D97-AF65-F5344CB8AC3E}">
+        <p14:creationId xmlns:p14="http://schemas.microsoft.com/office/powerpoint/2010/main" val="224909515"/>
+      </p:ext>
+    </p:extLst>
+  </p:cSld>
+  <p:clrMapOvr>
+    <a:masterClrMapping/>
+  </p:clrMapOvr>
+  <p:timing>
+    <p:tnLst>
+      <p:par>
+        <p:cTn id="1" dur="indefinite" restart="never" nodeType="tmRoot"/>
+      </p:par>
+    </p:tnLst>
+  </p:timing>
+</p:sld>
+</file>
+
+<file path=ppt/slides/slide19.xml><?xml version="1.0" encoding="utf-8"?>
+<p:sld xmlns:a="http://schemas.openxmlformats.org/drawingml/2006/main" xmlns:r="http://schemas.openxmlformats.org/officeDocument/2006/relationships" xmlns:p="http://schemas.openxmlformats.org/presentationml/2006/main">
+  <p:cSld>
+    <p:spTree>
+      <p:nvGrpSpPr>
+        <p:cNvPr id="1" name=""/>
+        <p:cNvGrpSpPr/>
+        <p:nvPr/>
+      </p:nvGrpSpPr>
+      <p:grpSpPr>
+        <a:xfrm>
+          <a:off x="0" y="0"/>
+          <a:ext cx="0" cy="0"/>
+          <a:chOff x="0" y="0"/>
+          <a:chExt cx="0" cy="0"/>
+        </a:xfrm>
+      </p:grpSpPr>
+      <p:sp>
+        <p:nvSpPr>
+          <p:cNvPr id="2" name="Title 1"/>
+          <p:cNvSpPr>
+            <a:spLocks noGrp="1"/>
+          </p:cNvSpPr>
+          <p:nvPr>
+            <p:ph type="title"/>
+          </p:nvPr>
+        </p:nvSpPr>
+        <p:spPr/>
+        <p:txBody>
+          <a:bodyPr>
+            <a:normAutofit/>
+          </a:bodyPr>
+          <a:lstStyle/>
+          <a:p>
+            <a:pPr lvl="1" algn="ctr" defTabSz="457200" rtl="0">
+              <a:spcBef>
+                <a:spcPct val="0"/>
+              </a:spcBef>
+            </a:pPr>
+            <a:r>
+              <a:rPr lang="mn-MN" sz="4400" dirty="0">
+                <a:latin typeface="Arial" panose="020B0604020202020204" pitchFamily="34" charset="0"/>
+                <a:cs typeface="Arial" panose="020B0604020202020204" pitchFamily="34" charset="0"/>
+              </a:rPr>
+              <a:t>Үйл идэвхжилтийн </a:t>
+            </a:r>
+            <a:r>
+              <a:rPr lang="mn-MN" sz="4400" dirty="0" smtClean="0">
+                <a:latin typeface="Arial" panose="020B0604020202020204" pitchFamily="34" charset="0"/>
+                <a:cs typeface="Arial" panose="020B0604020202020204" pitchFamily="34" charset="0"/>
+              </a:rPr>
+              <a:t>диаграм</a:t>
+            </a:r>
+            <a:endParaRPr lang="en-US" sz="4400" dirty="0">
+              <a:latin typeface="Arial" panose="020B0604020202020204" pitchFamily="34" charset="0"/>
+              <a:cs typeface="Arial" panose="020B0604020202020204" pitchFamily="34" charset="0"/>
+            </a:endParaRPr>
+          </a:p>
+        </p:txBody>
+      </p:sp>
+      <p:pic>
+        <p:nvPicPr>
+          <p:cNvPr id="4" name="Picture 3" descr="C:\Users\md_moogii0306\Desktop\adminLogin.png"/>
+          <p:cNvPicPr/>
+          <p:nvPr/>
+        </p:nvPicPr>
+        <p:blipFill>
+          <a:blip r:embed="rId2">
+            <a:extLst>
+              <a:ext uri="{28A0092B-C50C-407E-A947-70E740481C1C}">
+                <a14:useLocalDpi xmlns:a14="http://schemas.microsoft.com/office/drawing/2010/main" val="0"/>
+              </a:ext>
+            </a:extLst>
+          </a:blip>
+          <a:srcRect/>
+          <a:stretch>
+            <a:fillRect/>
+          </a:stretch>
+        </p:blipFill>
+        <p:spPr bwMode="auto">
+          <a:xfrm>
+            <a:off x="1295402" y="2556932"/>
+            <a:ext cx="3733165" cy="2867025"/>
+          </a:xfrm>
+          <a:prstGeom prst="rect">
+            <a:avLst/>
+          </a:prstGeom>
+          <a:noFill/>
+          <a:ln>
+            <a:noFill/>
+          </a:ln>
+        </p:spPr>
+      </p:pic>
+      <p:pic>
+        <p:nvPicPr>
+          <p:cNvPr id="5" name="Content Placeholder 4" descr="C:\Users\md_moogii0306\Desktop\appmenuAC.png"/>
+          <p:cNvPicPr>
+            <a:picLocks noGrp="1"/>
+          </p:cNvPicPr>
+          <p:nvPr>
+            <p:ph idx="1"/>
+          </p:nvPr>
+        </p:nvPicPr>
+        <p:blipFill>
+          <a:blip r:embed="rId3" cstate="print">
+            <a:extLst>
+              <a:ext uri="{28A0092B-C50C-407E-A947-70E740481C1C}">
+                <a14:useLocalDpi xmlns:a14="http://schemas.microsoft.com/office/drawing/2010/main" val="0"/>
+              </a:ext>
+            </a:extLst>
+          </a:blip>
+          <a:srcRect/>
+          <a:stretch>
+            <a:fillRect/>
+          </a:stretch>
+        </p:blipFill>
+        <p:spPr bwMode="auto">
+          <a:xfrm>
+            <a:off x="6204456" y="2556932"/>
+            <a:ext cx="4692142" cy="3092449"/>
+          </a:xfrm>
+          <a:prstGeom prst="rect">
+            <a:avLst/>
+          </a:prstGeom>
+          <a:noFill/>
+          <a:ln>
+            <a:noFill/>
+          </a:ln>
+        </p:spPr>
+      </p:pic>
+      <p:sp>
+        <p:nvSpPr>
+          <p:cNvPr id="6" name="Rectangle 5"/>
+          <p:cNvSpPr/>
+          <p:nvPr/>
+        </p:nvSpPr>
+        <p:spPr>
+          <a:xfrm>
+            <a:off x="936338" y="5632058"/>
+            <a:ext cx="3706527" cy="369332"/>
+          </a:xfrm>
+          <a:prstGeom prst="rect">
+            <a:avLst/>
+          </a:prstGeom>
+        </p:spPr>
+        <p:txBody>
+          <a:bodyPr wrap="none">
+            <a:spAutoFit/>
+          </a:bodyPr>
+          <a:lstStyle/>
+          <a:p>
+            <a:r>
+              <a:rPr lang="en-US" sz="1400" dirty="0" err="1">
+                <a:latin typeface="Arial" panose="020B0604020202020204" pitchFamily="34" charset="0"/>
+                <a:ea typeface="Times New Roman" panose="02020603050405020304" pitchFamily="18" charset="0"/>
+                <a:cs typeface="Times New Roman" panose="02020603050405020304" pitchFamily="18" charset="0"/>
+              </a:rPr>
+              <a:t>Админ</a:t>
+            </a:r>
+            <a:r>
+              <a:rPr lang="en-US" sz="1400" dirty="0">
+                <a:latin typeface="Arial" panose="020B0604020202020204" pitchFamily="34" charset="0"/>
+                <a:ea typeface="Times New Roman" panose="02020603050405020304" pitchFamily="18" charset="0"/>
+                <a:cs typeface="Times New Roman" panose="02020603050405020304" pitchFamily="18" charset="0"/>
+              </a:rPr>
+              <a:t> </a:t>
+            </a:r>
+            <a:r>
+              <a:rPr lang="en-US" sz="1400" dirty="0" err="1">
+                <a:latin typeface="Arial" panose="020B0604020202020204" pitchFamily="34" charset="0"/>
+                <a:ea typeface="Times New Roman" panose="02020603050405020304" pitchFamily="18" charset="0"/>
+                <a:cs typeface="Times New Roman" panose="02020603050405020304" pitchFamily="18" charset="0"/>
+              </a:rPr>
+              <a:t>системд</a:t>
+            </a:r>
+            <a:r>
+              <a:rPr lang="en-US" sz="1400" dirty="0">
+                <a:latin typeface="Arial" panose="020B0604020202020204" pitchFamily="34" charset="0"/>
+                <a:ea typeface="Times New Roman" panose="02020603050405020304" pitchFamily="18" charset="0"/>
+                <a:cs typeface="Times New Roman" panose="02020603050405020304" pitchFamily="18" charset="0"/>
+              </a:rPr>
+              <a:t> </a:t>
+            </a:r>
+            <a:r>
+              <a:rPr lang="en-US" sz="1400" dirty="0" err="1">
+                <a:latin typeface="Arial" panose="020B0604020202020204" pitchFamily="34" charset="0"/>
+                <a:ea typeface="Times New Roman" panose="02020603050405020304" pitchFamily="18" charset="0"/>
+                <a:cs typeface="Times New Roman" panose="02020603050405020304" pitchFamily="18" charset="0"/>
+              </a:rPr>
+              <a:t>нэвтрэх</a:t>
+            </a:r>
+            <a:r>
+              <a:rPr lang="en-US" sz="1400" dirty="0">
+                <a:latin typeface="Arial" panose="020B0604020202020204" pitchFamily="34" charset="0"/>
+                <a:ea typeface="Times New Roman" panose="02020603050405020304" pitchFamily="18" charset="0"/>
+                <a:cs typeface="Times New Roman" panose="02020603050405020304" pitchFamily="18" charset="0"/>
+              </a:rPr>
+              <a:t> </a:t>
+            </a:r>
+            <a:r>
+              <a:rPr lang="en-US" sz="1400" dirty="0" err="1" smtClean="0">
+                <a:latin typeface="Arial" panose="020B0604020202020204" pitchFamily="34" charset="0"/>
+                <a:ea typeface="Times New Roman" panose="02020603050405020304" pitchFamily="18" charset="0"/>
+                <a:cs typeface="Times New Roman" panose="02020603050405020304" pitchFamily="18" charset="0"/>
+              </a:rPr>
+              <a:t>хэсгийн</a:t>
+            </a:r>
+            <a:r>
+              <a:rPr lang="mn-MN" sz="1400" dirty="0" smtClean="0">
+                <a:latin typeface="Arial" panose="020B0604020202020204" pitchFamily="34" charset="0"/>
+                <a:ea typeface="Times New Roman" panose="02020603050405020304" pitchFamily="18" charset="0"/>
+                <a:cs typeface="Times New Roman" panose="02020603050405020304" pitchFamily="18" charset="0"/>
+              </a:rPr>
+              <a:t> диаграм </a:t>
+            </a:r>
+            <a:r>
+              <a:rPr lang="en-US" dirty="0" smtClean="0">
+                <a:latin typeface="Arial" panose="020B0604020202020204" pitchFamily="34" charset="0"/>
+                <a:ea typeface="Times New Roman" panose="02020603050405020304" pitchFamily="18" charset="0"/>
+                <a:cs typeface="Times New Roman" panose="02020603050405020304" pitchFamily="18" charset="0"/>
+              </a:rPr>
+              <a:t> </a:t>
+            </a:r>
+            <a:endParaRPr lang="en-US" dirty="0"/>
+          </a:p>
+        </p:txBody>
+      </p:sp>
+      <p:sp>
+        <p:nvSpPr>
+          <p:cNvPr id="7" name="Rectangle 6"/>
+          <p:cNvSpPr/>
+          <p:nvPr/>
+        </p:nvSpPr>
+        <p:spPr>
+          <a:xfrm>
+            <a:off x="6868572" y="5649381"/>
+            <a:ext cx="3936078" cy="369332"/>
+          </a:xfrm>
+          <a:prstGeom prst="rect">
+            <a:avLst/>
+          </a:prstGeom>
+        </p:spPr>
+        <p:txBody>
+          <a:bodyPr wrap="none">
+            <a:spAutoFit/>
+          </a:bodyPr>
+          <a:lstStyle/>
+          <a:p>
+            <a:r>
+              <a:rPr lang="en-US" sz="1400" dirty="0" err="1">
+                <a:latin typeface="Arial" panose="020B0604020202020204" pitchFamily="34" charset="0"/>
+                <a:ea typeface="Times New Roman" panose="02020603050405020304" pitchFamily="18" charset="0"/>
+                <a:cs typeface="Times New Roman" panose="02020603050405020304" pitchFamily="18" charset="0"/>
+              </a:rPr>
+              <a:t>Админий</a:t>
+            </a:r>
+            <a:r>
+              <a:rPr lang="en-US" sz="1400" dirty="0">
+                <a:latin typeface="Arial" panose="020B0604020202020204" pitchFamily="34" charset="0"/>
+                <a:ea typeface="Times New Roman" panose="02020603050405020304" pitchFamily="18" charset="0"/>
+                <a:cs typeface="Times New Roman" panose="02020603050405020304" pitchFamily="18" charset="0"/>
+              </a:rPr>
+              <a:t> </a:t>
+            </a:r>
+            <a:r>
+              <a:rPr lang="en-US" sz="1400" dirty="0" err="1">
+                <a:latin typeface="Arial" panose="020B0604020202020204" pitchFamily="34" charset="0"/>
+                <a:ea typeface="Times New Roman" panose="02020603050405020304" pitchFamily="18" charset="0"/>
+                <a:cs typeface="Times New Roman" panose="02020603050405020304" pitchFamily="18" charset="0"/>
+              </a:rPr>
+              <a:t>хийх</a:t>
+            </a:r>
+            <a:r>
+              <a:rPr lang="en-US" sz="1400" dirty="0">
+                <a:latin typeface="Arial" panose="020B0604020202020204" pitchFamily="34" charset="0"/>
+                <a:ea typeface="Times New Roman" panose="02020603050405020304" pitchFamily="18" charset="0"/>
+                <a:cs typeface="Times New Roman" panose="02020603050405020304" pitchFamily="18" charset="0"/>
+              </a:rPr>
+              <a:t> </a:t>
+            </a:r>
+            <a:r>
+              <a:rPr lang="en-US" sz="1400" dirty="0" err="1">
+                <a:latin typeface="Arial" panose="020B0604020202020204" pitchFamily="34" charset="0"/>
+                <a:ea typeface="Times New Roman" panose="02020603050405020304" pitchFamily="18" charset="0"/>
+                <a:cs typeface="Times New Roman" panose="02020603050405020304" pitchFamily="18" charset="0"/>
+              </a:rPr>
+              <a:t>үндсэн</a:t>
+            </a:r>
+            <a:r>
+              <a:rPr lang="en-US" sz="1400" dirty="0">
+                <a:latin typeface="Arial" panose="020B0604020202020204" pitchFamily="34" charset="0"/>
+                <a:ea typeface="Times New Roman" panose="02020603050405020304" pitchFamily="18" charset="0"/>
+                <a:cs typeface="Times New Roman" panose="02020603050405020304" pitchFamily="18" charset="0"/>
+              </a:rPr>
+              <a:t> </a:t>
+            </a:r>
+            <a:r>
+              <a:rPr lang="en-US" sz="1400" dirty="0" err="1" smtClean="0">
+                <a:latin typeface="Arial" panose="020B0604020202020204" pitchFamily="34" charset="0"/>
+                <a:ea typeface="Times New Roman" panose="02020603050405020304" pitchFamily="18" charset="0"/>
+                <a:cs typeface="Times New Roman" panose="02020603050405020304" pitchFamily="18" charset="0"/>
+              </a:rPr>
+              <a:t>үйлдлүүдийн</a:t>
+            </a:r>
+            <a:r>
+              <a:rPr lang="mn-MN" sz="1400" dirty="0" smtClean="0">
+                <a:latin typeface="Arial" panose="020B0604020202020204" pitchFamily="34" charset="0"/>
+                <a:ea typeface="Times New Roman" panose="02020603050405020304" pitchFamily="18" charset="0"/>
+                <a:cs typeface="Times New Roman" panose="02020603050405020304" pitchFamily="18" charset="0"/>
+              </a:rPr>
+              <a:t> диаграм</a:t>
+            </a:r>
+            <a:r>
+              <a:rPr lang="en-US" dirty="0" smtClean="0">
+                <a:latin typeface="Arial" panose="020B0604020202020204" pitchFamily="34" charset="0"/>
+                <a:ea typeface="Times New Roman" panose="02020603050405020304" pitchFamily="18" charset="0"/>
+                <a:cs typeface="Times New Roman" panose="02020603050405020304" pitchFamily="18" charset="0"/>
+              </a:rPr>
+              <a:t> </a:t>
+            </a:r>
+            <a:endParaRPr lang="en-US" dirty="0"/>
+          </a:p>
+        </p:txBody>
+      </p:sp>
+    </p:spTree>
+    <p:extLst>
+      <p:ext uri="{BB962C8B-B14F-4D97-AF65-F5344CB8AC3E}">
+        <p14:creationId xmlns:p14="http://schemas.microsoft.com/office/powerpoint/2010/main" val="663002617"/>
+      </p:ext>
+    </p:extLst>
+  </p:cSld>
+  <p:clrMapOvr>
+    <a:masterClrMapping/>
+  </p:clrMapOvr>
+  <p:timing>
+    <p:tnLst>
+      <p:par>
+        <p:cTn id="1" dur="indefinite" restart="never" nodeType="tmRoot"/>
+      </p:par>
+    </p:tnLst>
+  </p:timing>
 </p:sld>
 </file>
 
@@ -6226,132 +8645,1842 @@
           <a:lstStyle/>
           <a:p>
             <a:r>
-              <a:rPr lang="mn-MN" dirty="0">
-                <a:latin typeface="Times New Roman" panose="02020603050405020304" pitchFamily="18" charset="0"/>
-                <a:cs typeface="Times New Roman" panose="02020603050405020304" pitchFamily="18" charset="0"/>
-              </a:rPr>
-              <a:t>Агуулга</a:t>
-            </a:r>
-            <a:endParaRPr lang="en-US" dirty="0"/>
-          </a:p>
-        </p:txBody>
-      </p:sp>
-      <p:sp>
-        <p:nvSpPr>
-          <p:cNvPr id="3" name="Content Placeholder 2"/>
-          <p:cNvSpPr>
-            <a:spLocks noGrp="1"/>
-          </p:cNvSpPr>
+              <a:rPr lang="mn-MN" dirty="0" smtClean="0">
+                <a:latin typeface="Arial" panose="020B0604020202020204" pitchFamily="34" charset="0"/>
+                <a:cs typeface="Arial" panose="020B0604020202020204" pitchFamily="34" charset="0"/>
+              </a:rPr>
+              <a:t>Төлөвлөгөө</a:t>
+            </a:r>
+            <a:endParaRPr lang="en-US" dirty="0">
+              <a:latin typeface="Arial" panose="020B0604020202020204" pitchFamily="34" charset="0"/>
+              <a:cs typeface="Arial" panose="020B0604020202020204" pitchFamily="34" charset="0"/>
+            </a:endParaRPr>
+          </a:p>
+        </p:txBody>
+      </p:sp>
+      <p:pic>
+        <p:nvPicPr>
+          <p:cNvPr id="6" name="Content Placeholder 5"/>
+          <p:cNvPicPr>
+            <a:picLocks noGrp="1" noChangeAspect="1"/>
+          </p:cNvPicPr>
           <p:nvPr>
             <p:ph idx="1"/>
           </p:nvPr>
-        </p:nvSpPr>
-        <p:spPr/>
-        <p:txBody>
-          <a:bodyPr>
-            <a:normAutofit/>
-          </a:bodyPr>
-          <a:lstStyle/>
-          <a:p>
-            <a:pPr>
-              <a:buFont typeface="Wingdings" panose="05000000000000000000" pitchFamily="2" charset="2"/>
-              <a:buChar char="Ø"/>
-            </a:pPr>
-            <a:r>
-              <a:rPr lang="mn-MN" dirty="0">
-                <a:latin typeface="Times New Roman" panose="02020603050405020304" pitchFamily="18" charset="0"/>
-                <a:cs typeface="Times New Roman" panose="02020603050405020304" pitchFamily="18" charset="0"/>
-              </a:rPr>
-              <a:t>Оршил</a:t>
-            </a:r>
-          </a:p>
-          <a:p>
-            <a:pPr>
-              <a:buFont typeface="Wingdings" panose="05000000000000000000" pitchFamily="2" charset="2"/>
-              <a:buChar char="Ø"/>
-            </a:pPr>
-            <a:r>
-              <a:rPr lang="mn-MN" dirty="0">
-                <a:latin typeface="Times New Roman" panose="02020603050405020304" pitchFamily="18" charset="0"/>
-                <a:cs typeface="Times New Roman" panose="02020603050405020304" pitchFamily="18" charset="0"/>
-              </a:rPr>
-              <a:t>Зорилго</a:t>
-            </a:r>
-          </a:p>
-          <a:p>
-            <a:pPr>
-              <a:buFont typeface="Wingdings" panose="05000000000000000000" pitchFamily="2" charset="2"/>
-              <a:buChar char="Ø"/>
-            </a:pPr>
-            <a:r>
-              <a:rPr lang="mn-MN" dirty="0">
-                <a:latin typeface="Times New Roman" panose="02020603050405020304" pitchFamily="18" charset="0"/>
-                <a:cs typeface="Times New Roman" panose="02020603050405020304" pitchFamily="18" charset="0"/>
-              </a:rPr>
-              <a:t>Сэдвийн судалгаа</a:t>
-            </a:r>
-          </a:p>
-          <a:p>
-            <a:pPr>
-              <a:buFont typeface="Wingdings" panose="05000000000000000000" pitchFamily="2" charset="2"/>
-              <a:buChar char="Ø"/>
-            </a:pPr>
-            <a:r>
-              <a:rPr lang="mn-MN" dirty="0" smtClean="0">
-                <a:latin typeface="Times New Roman" panose="02020603050405020304" pitchFamily="18" charset="0"/>
-                <a:cs typeface="Times New Roman" panose="02020603050405020304" pitchFamily="18" charset="0"/>
-              </a:rPr>
-              <a:t>Технологийн </a:t>
-            </a:r>
-            <a:r>
-              <a:rPr lang="mn-MN" dirty="0">
-                <a:latin typeface="Times New Roman" panose="02020603050405020304" pitchFamily="18" charset="0"/>
-                <a:cs typeface="Times New Roman" panose="02020603050405020304" pitchFamily="18" charset="0"/>
-              </a:rPr>
-              <a:t>судалгаа</a:t>
-            </a:r>
-          </a:p>
-          <a:p>
-            <a:pPr>
-              <a:buFont typeface="Wingdings" panose="05000000000000000000" pitchFamily="2" charset="2"/>
-              <a:buChar char="Ø"/>
-            </a:pPr>
-            <a:r>
-              <a:rPr lang="mn-MN" dirty="0">
-                <a:latin typeface="Times New Roman" panose="02020603050405020304" pitchFamily="18" charset="0"/>
-                <a:cs typeface="Times New Roman" panose="02020603050405020304" pitchFamily="18" charset="0"/>
-              </a:rPr>
-              <a:t>Системийн шинжилгээ зохиомж</a:t>
-            </a:r>
-          </a:p>
-          <a:p>
-            <a:pPr>
-              <a:buFont typeface="Wingdings" panose="05000000000000000000" pitchFamily="2" charset="2"/>
-              <a:buChar char="Ø"/>
-            </a:pPr>
-            <a:r>
-              <a:rPr lang="mn-MN" dirty="0">
-                <a:latin typeface="Times New Roman" panose="02020603050405020304" pitchFamily="18" charset="0"/>
-                <a:cs typeface="Times New Roman" panose="02020603050405020304" pitchFamily="18" charset="0"/>
-              </a:rPr>
-              <a:t>Дүгнэлт</a:t>
-            </a:r>
-          </a:p>
-          <a:p>
-            <a:endParaRPr lang="en-US" dirty="0"/>
-          </a:p>
-        </p:txBody>
-      </p:sp>
+        </p:nvPicPr>
+        <p:blipFill>
+          <a:blip r:embed="rId2">
+            <a:extLst>
+              <a:ext uri="{28A0092B-C50C-407E-A947-70E740481C1C}">
+                <a14:useLocalDpi xmlns:a14="http://schemas.microsoft.com/office/drawing/2010/main" val="0"/>
+              </a:ext>
+            </a:extLst>
+          </a:blip>
+          <a:stretch>
+            <a:fillRect/>
+          </a:stretch>
+        </p:blipFill>
+        <p:spPr>
+          <a:xfrm>
+            <a:off x="475752" y="389965"/>
+            <a:ext cx="10810183" cy="5902234"/>
+          </a:xfrm>
+        </p:spPr>
+      </p:pic>
     </p:spTree>
     <p:extLst>
       <p:ext uri="{BB962C8B-B14F-4D97-AF65-F5344CB8AC3E}">
-        <p14:creationId xmlns:p14="http://schemas.microsoft.com/office/powerpoint/2010/main" val="953542728"/>
+        <p14:creationId xmlns:p14="http://schemas.microsoft.com/office/powerpoint/2010/main" val="456500461"/>
       </p:ext>
     </p:extLst>
   </p:cSld>
   <p:clrMapOvr>
     <a:masterClrMapping/>
   </p:clrMapOvr>
+  <p:timing>
+    <p:tnLst>
+      <p:par>
+        <p:cTn id="1" dur="indefinite" restart="never" nodeType="tmRoot"/>
+      </p:par>
+    </p:tnLst>
+  </p:timing>
+</p:sld>
+</file>
+
+<file path=ppt/slides/slide20.xml><?xml version="1.0" encoding="utf-8"?>
+<p:sld xmlns:a="http://schemas.openxmlformats.org/drawingml/2006/main" xmlns:r="http://schemas.openxmlformats.org/officeDocument/2006/relationships" xmlns:p="http://schemas.openxmlformats.org/presentationml/2006/main">
+  <p:cSld>
+    <p:spTree>
+      <p:nvGrpSpPr>
+        <p:cNvPr id="1" name=""/>
+        <p:cNvGrpSpPr/>
+        <p:nvPr/>
+      </p:nvGrpSpPr>
+      <p:grpSpPr>
+        <a:xfrm>
+          <a:off x="0" y="0"/>
+          <a:ext cx="0" cy="0"/>
+          <a:chOff x="0" y="0"/>
+          <a:chExt cx="0" cy="0"/>
+        </a:xfrm>
+      </p:grpSpPr>
+      <p:sp>
+        <p:nvSpPr>
+          <p:cNvPr id="2" name="Title 1"/>
+          <p:cNvSpPr>
+            <a:spLocks noGrp="1"/>
+          </p:cNvSpPr>
+          <p:nvPr>
+            <p:ph type="title"/>
+          </p:nvPr>
+        </p:nvSpPr>
+        <p:spPr/>
+        <p:txBody>
+          <a:bodyPr/>
+          <a:lstStyle/>
+          <a:p>
+            <a:pPr lvl="1" algn="ctr" defTabSz="457200" rtl="0">
+              <a:spcBef>
+                <a:spcPct val="0"/>
+              </a:spcBef>
+            </a:pPr>
+            <a:r>
+              <a:rPr lang="mn-MN" sz="4400" dirty="0">
+                <a:latin typeface="Arial" panose="020B0604020202020204" pitchFamily="34" charset="0"/>
+                <a:cs typeface="Arial" panose="020B0604020202020204" pitchFamily="34" charset="0"/>
+              </a:rPr>
+              <a:t>Шилжилтийн </a:t>
+            </a:r>
+            <a:r>
+              <a:rPr lang="mn-MN" sz="4400" dirty="0" smtClean="0">
+                <a:latin typeface="Arial" panose="020B0604020202020204" pitchFamily="34" charset="0"/>
+                <a:cs typeface="Arial" panose="020B0604020202020204" pitchFamily="34" charset="0"/>
+              </a:rPr>
+              <a:t>диаграм</a:t>
+            </a:r>
+            <a:endParaRPr lang="en-US" dirty="0">
+              <a:latin typeface="Arial" panose="020B0604020202020204" pitchFamily="34" charset="0"/>
+              <a:cs typeface="Arial" panose="020B0604020202020204" pitchFamily="34" charset="0"/>
+            </a:endParaRPr>
+          </a:p>
+        </p:txBody>
+      </p:sp>
+      <p:sp>
+        <p:nvSpPr>
+          <p:cNvPr id="3" name="Content Placeholder 2"/>
+          <p:cNvSpPr>
+            <a:spLocks noGrp="1"/>
+          </p:cNvSpPr>
+          <p:nvPr>
+            <p:ph idx="1"/>
+          </p:nvPr>
+        </p:nvSpPr>
+        <p:spPr/>
+        <p:txBody>
+          <a:bodyPr/>
+          <a:lstStyle/>
+          <a:p>
+            <a:endParaRPr lang="en-US" dirty="0"/>
+          </a:p>
+        </p:txBody>
+      </p:sp>
+      <p:pic>
+        <p:nvPicPr>
+          <p:cNvPr id="4" name="Picture 3" descr="C:\Users\md_moogii0306\Desktop\Untitled Diagram(1).png"/>
+          <p:cNvPicPr/>
+          <p:nvPr/>
+        </p:nvPicPr>
+        <p:blipFill>
+          <a:blip r:embed="rId2">
+            <a:extLst>
+              <a:ext uri="{28A0092B-C50C-407E-A947-70E740481C1C}">
+                <a14:useLocalDpi xmlns:a14="http://schemas.microsoft.com/office/drawing/2010/main" val="0"/>
+              </a:ext>
+            </a:extLst>
+          </a:blip>
+          <a:srcRect/>
+          <a:stretch>
+            <a:fillRect/>
+          </a:stretch>
+        </p:blipFill>
+        <p:spPr bwMode="auto">
+          <a:xfrm>
+            <a:off x="1414007" y="2556932"/>
+            <a:ext cx="4136788" cy="3285490"/>
+          </a:xfrm>
+          <a:prstGeom prst="rect">
+            <a:avLst/>
+          </a:prstGeom>
+          <a:noFill/>
+          <a:ln>
+            <a:noFill/>
+          </a:ln>
+        </p:spPr>
+      </p:pic>
+      <p:pic>
+        <p:nvPicPr>
+          <p:cNvPr id="5" name="Picture 4" descr="C:\Users\md_moogii0306\Desktop\Untitled Diagram.png"/>
+          <p:cNvPicPr/>
+          <p:nvPr/>
+        </p:nvPicPr>
+        <p:blipFill>
+          <a:blip r:embed="rId3">
+            <a:extLst>
+              <a:ext uri="{28A0092B-C50C-407E-A947-70E740481C1C}">
+                <a14:useLocalDpi xmlns:a14="http://schemas.microsoft.com/office/drawing/2010/main" val="0"/>
+              </a:ext>
+            </a:extLst>
+          </a:blip>
+          <a:srcRect/>
+          <a:stretch>
+            <a:fillRect/>
+          </a:stretch>
+        </p:blipFill>
+        <p:spPr bwMode="auto">
+          <a:xfrm>
+            <a:off x="5911403" y="2556932"/>
+            <a:ext cx="4985194" cy="3318936"/>
+          </a:xfrm>
+          <a:prstGeom prst="rect">
+            <a:avLst/>
+          </a:prstGeom>
+          <a:noFill/>
+          <a:ln>
+            <a:noFill/>
+          </a:ln>
+        </p:spPr>
+      </p:pic>
+      <p:sp>
+        <p:nvSpPr>
+          <p:cNvPr id="7" name="Rectangle 6"/>
+          <p:cNvSpPr/>
+          <p:nvPr/>
+        </p:nvSpPr>
+        <p:spPr>
+          <a:xfrm>
+            <a:off x="2238310" y="5875868"/>
+            <a:ext cx="2488182" cy="307777"/>
+          </a:xfrm>
+          <a:prstGeom prst="rect">
+            <a:avLst/>
+          </a:prstGeom>
+        </p:spPr>
+        <p:txBody>
+          <a:bodyPr wrap="none">
+            <a:spAutoFit/>
+          </a:bodyPr>
+          <a:lstStyle/>
+          <a:p>
+            <a:r>
+              <a:rPr lang="en-US" sz="1400" dirty="0" err="1">
+                <a:latin typeface="Arial" panose="020B0604020202020204" pitchFamily="34" charset="0"/>
+                <a:ea typeface="Times New Roman" panose="02020603050405020304" pitchFamily="18" charset="0"/>
+                <a:cs typeface="Times New Roman" panose="02020603050405020304" pitchFamily="18" charset="0"/>
+              </a:rPr>
+              <a:t>Шилжилтийн</a:t>
+            </a:r>
+            <a:r>
+              <a:rPr lang="en-US" sz="1400" dirty="0">
+                <a:latin typeface="Arial" panose="020B0604020202020204" pitchFamily="34" charset="0"/>
+                <a:ea typeface="Times New Roman" panose="02020603050405020304" pitchFamily="18" charset="0"/>
+                <a:cs typeface="Times New Roman" panose="02020603050405020304" pitchFamily="18" charset="0"/>
+              </a:rPr>
+              <a:t> </a:t>
+            </a:r>
+            <a:r>
+              <a:rPr lang="en-US" sz="1400" dirty="0" err="1">
+                <a:latin typeface="Arial" panose="020B0604020202020204" pitchFamily="34" charset="0"/>
+                <a:ea typeface="Times New Roman" panose="02020603050405020304" pitchFamily="18" charset="0"/>
+                <a:cs typeface="Times New Roman" panose="02020603050405020304" pitchFamily="18" charset="0"/>
+              </a:rPr>
+              <a:t>диаграм</a:t>
+            </a:r>
+            <a:r>
+              <a:rPr lang="en-US" sz="1400" dirty="0">
+                <a:latin typeface="Arial" panose="020B0604020202020204" pitchFamily="34" charset="0"/>
+                <a:ea typeface="Times New Roman" panose="02020603050405020304" pitchFamily="18" charset="0"/>
+                <a:cs typeface="Times New Roman" panose="02020603050405020304" pitchFamily="18" charset="0"/>
+              </a:rPr>
+              <a:t> (</a:t>
+            </a:r>
+            <a:r>
+              <a:rPr lang="en-US" sz="1400" dirty="0" err="1">
+                <a:latin typeface="Arial" panose="020B0604020202020204" pitchFamily="34" charset="0"/>
+                <a:ea typeface="Times New Roman" panose="02020603050405020304" pitchFamily="18" charset="0"/>
+                <a:cs typeface="Times New Roman" panose="02020603050405020304" pitchFamily="18" charset="0"/>
+              </a:rPr>
+              <a:t>Вэб</a:t>
+            </a:r>
+            <a:r>
+              <a:rPr lang="en-US" sz="1400" dirty="0">
+                <a:latin typeface="Arial" panose="020B0604020202020204" pitchFamily="34" charset="0"/>
+                <a:ea typeface="Times New Roman" panose="02020603050405020304" pitchFamily="18" charset="0"/>
+                <a:cs typeface="Times New Roman" panose="02020603050405020304" pitchFamily="18" charset="0"/>
+              </a:rPr>
+              <a:t>)</a:t>
+            </a:r>
+            <a:endParaRPr lang="en-US" sz="1400" dirty="0"/>
+          </a:p>
+        </p:txBody>
+      </p:sp>
+      <p:sp>
+        <p:nvSpPr>
+          <p:cNvPr id="8" name="Rectangle 7"/>
+          <p:cNvSpPr/>
+          <p:nvPr/>
+        </p:nvSpPr>
+        <p:spPr>
+          <a:xfrm>
+            <a:off x="6957546" y="5875868"/>
+            <a:ext cx="2892908" cy="307777"/>
+          </a:xfrm>
+          <a:prstGeom prst="rect">
+            <a:avLst/>
+          </a:prstGeom>
+        </p:spPr>
+        <p:txBody>
+          <a:bodyPr wrap="none">
+            <a:spAutoFit/>
+          </a:bodyPr>
+          <a:lstStyle/>
+          <a:p>
+            <a:r>
+              <a:rPr lang="en-US" sz="1400" dirty="0" err="1">
+                <a:latin typeface="Arial" panose="020B0604020202020204" pitchFamily="34" charset="0"/>
+                <a:ea typeface="Times New Roman" panose="02020603050405020304" pitchFamily="18" charset="0"/>
+                <a:cs typeface="Times New Roman" panose="02020603050405020304" pitchFamily="18" charset="0"/>
+              </a:rPr>
+              <a:t>Шилжилтийн</a:t>
+            </a:r>
+            <a:r>
+              <a:rPr lang="en-US" sz="1400" dirty="0">
+                <a:latin typeface="Arial" panose="020B0604020202020204" pitchFamily="34" charset="0"/>
+                <a:ea typeface="Times New Roman" panose="02020603050405020304" pitchFamily="18" charset="0"/>
+                <a:cs typeface="Times New Roman" panose="02020603050405020304" pitchFamily="18" charset="0"/>
+              </a:rPr>
+              <a:t> </a:t>
+            </a:r>
+            <a:r>
+              <a:rPr lang="en-US" sz="1400" dirty="0" err="1">
+                <a:latin typeface="Arial" panose="020B0604020202020204" pitchFamily="34" charset="0"/>
+                <a:ea typeface="Times New Roman" panose="02020603050405020304" pitchFamily="18" charset="0"/>
+                <a:cs typeface="Times New Roman" panose="02020603050405020304" pitchFamily="18" charset="0"/>
+              </a:rPr>
+              <a:t>диаграм</a:t>
+            </a:r>
+            <a:r>
+              <a:rPr lang="en-US" sz="1400" dirty="0">
+                <a:latin typeface="Arial" panose="020B0604020202020204" pitchFamily="34" charset="0"/>
+                <a:ea typeface="Times New Roman" panose="02020603050405020304" pitchFamily="18" charset="0"/>
+                <a:cs typeface="Times New Roman" panose="02020603050405020304" pitchFamily="18" charset="0"/>
+              </a:rPr>
+              <a:t> (</a:t>
+            </a:r>
+            <a:r>
+              <a:rPr lang="mn-MN" sz="1400" dirty="0">
+                <a:latin typeface="Arial" panose="020B0604020202020204" pitchFamily="34" charset="0"/>
+                <a:ea typeface="Times New Roman" panose="02020603050405020304" pitchFamily="18" charset="0"/>
+                <a:cs typeface="Times New Roman" panose="02020603050405020304" pitchFamily="18" charset="0"/>
+              </a:rPr>
+              <a:t>Гар Утас)</a:t>
+            </a:r>
+            <a:endParaRPr lang="en-US" sz="1400" dirty="0"/>
+          </a:p>
+        </p:txBody>
+      </p:sp>
+    </p:spTree>
+    <p:extLst>
+      <p:ext uri="{BB962C8B-B14F-4D97-AF65-F5344CB8AC3E}">
+        <p14:creationId xmlns:p14="http://schemas.microsoft.com/office/powerpoint/2010/main" val="1591505757"/>
+      </p:ext>
+    </p:extLst>
+  </p:cSld>
+  <p:clrMapOvr>
+    <a:masterClrMapping/>
+  </p:clrMapOvr>
+  <p:timing>
+    <p:tnLst>
+      <p:par>
+        <p:cTn id="1" dur="indefinite" restart="never" nodeType="tmRoot"/>
+      </p:par>
+    </p:tnLst>
+  </p:timing>
+</p:sld>
+</file>
+
+<file path=ppt/slides/slide21.xml><?xml version="1.0" encoding="utf-8"?>
+<p:sld xmlns:a="http://schemas.openxmlformats.org/drawingml/2006/main" xmlns:r="http://schemas.openxmlformats.org/officeDocument/2006/relationships" xmlns:p="http://schemas.openxmlformats.org/presentationml/2006/main">
+  <p:cSld>
+    <p:spTree>
+      <p:nvGrpSpPr>
+        <p:cNvPr id="1" name=""/>
+        <p:cNvGrpSpPr/>
+        <p:nvPr/>
+      </p:nvGrpSpPr>
+      <p:grpSpPr>
+        <a:xfrm>
+          <a:off x="0" y="0"/>
+          <a:ext cx="0" cy="0"/>
+          <a:chOff x="0" y="0"/>
+          <a:chExt cx="0" cy="0"/>
+        </a:xfrm>
+      </p:grpSpPr>
+      <p:sp>
+        <p:nvSpPr>
+          <p:cNvPr id="2" name="Title 1"/>
+          <p:cNvSpPr>
+            <a:spLocks noGrp="1"/>
+          </p:cNvSpPr>
+          <p:nvPr>
+            <p:ph type="title"/>
+          </p:nvPr>
+        </p:nvSpPr>
+        <p:spPr/>
+        <p:txBody>
+          <a:bodyPr/>
+          <a:lstStyle/>
+          <a:p>
+            <a:r>
+              <a:rPr lang="mn-MN" dirty="0" smtClean="0">
+                <a:latin typeface="Arial" panose="020B0604020202020204" pitchFamily="34" charset="0"/>
+                <a:cs typeface="Arial" panose="020B0604020202020204" pitchFamily="34" charset="0"/>
+              </a:rPr>
+              <a:t>Дарааллын диаграм</a:t>
+            </a:r>
+            <a:endParaRPr lang="en-US" dirty="0">
+              <a:latin typeface="Arial" panose="020B0604020202020204" pitchFamily="34" charset="0"/>
+              <a:cs typeface="Arial" panose="020B0604020202020204" pitchFamily="34" charset="0"/>
+            </a:endParaRPr>
+          </a:p>
+        </p:txBody>
+      </p:sp>
+      <p:pic>
+        <p:nvPicPr>
+          <p:cNvPr id="4" name="Content Placeholder 3" descr="C:\Users\md_moogii0306\Desktop\1.png"/>
+          <p:cNvPicPr>
+            <a:picLocks noGrp="1"/>
+          </p:cNvPicPr>
+          <p:nvPr>
+            <p:ph idx="1"/>
+          </p:nvPr>
+        </p:nvPicPr>
+        <p:blipFill>
+          <a:blip r:embed="rId2">
+            <a:extLst>
+              <a:ext uri="{28A0092B-C50C-407E-A947-70E740481C1C}">
+                <a14:useLocalDpi xmlns:a14="http://schemas.microsoft.com/office/drawing/2010/main" val="0"/>
+              </a:ext>
+            </a:extLst>
+          </a:blip>
+          <a:srcRect/>
+          <a:stretch>
+            <a:fillRect/>
+          </a:stretch>
+        </p:blipFill>
+        <p:spPr bwMode="auto">
+          <a:xfrm>
+            <a:off x="1295402" y="2531705"/>
+            <a:ext cx="4731899" cy="3317875"/>
+          </a:xfrm>
+          <a:prstGeom prst="rect">
+            <a:avLst/>
+          </a:prstGeom>
+          <a:noFill/>
+          <a:ln>
+            <a:noFill/>
+          </a:ln>
+        </p:spPr>
+      </p:pic>
+      <p:pic>
+        <p:nvPicPr>
+          <p:cNvPr id="6" name="Picture 5" descr="C:\Users\md_moogii0306\Desktop\4.png"/>
+          <p:cNvPicPr/>
+          <p:nvPr/>
+        </p:nvPicPr>
+        <p:blipFill>
+          <a:blip r:embed="rId3">
+            <a:extLst>
+              <a:ext uri="{28A0092B-C50C-407E-A947-70E740481C1C}">
+                <a14:useLocalDpi xmlns:a14="http://schemas.microsoft.com/office/drawing/2010/main" val="0"/>
+              </a:ext>
+            </a:extLst>
+          </a:blip>
+          <a:srcRect/>
+          <a:stretch>
+            <a:fillRect/>
+          </a:stretch>
+        </p:blipFill>
+        <p:spPr bwMode="auto">
+          <a:xfrm>
+            <a:off x="5902817" y="2531705"/>
+            <a:ext cx="4876800" cy="3419475"/>
+          </a:xfrm>
+          <a:prstGeom prst="rect">
+            <a:avLst/>
+          </a:prstGeom>
+          <a:noFill/>
+          <a:ln>
+            <a:noFill/>
+          </a:ln>
+        </p:spPr>
+      </p:pic>
+      <p:sp>
+        <p:nvSpPr>
+          <p:cNvPr id="7" name="Rectangle 6"/>
+          <p:cNvSpPr/>
+          <p:nvPr/>
+        </p:nvSpPr>
+        <p:spPr>
+          <a:xfrm>
+            <a:off x="7695503" y="5951180"/>
+            <a:ext cx="3084114" cy="307777"/>
+          </a:xfrm>
+          <a:prstGeom prst="rect">
+            <a:avLst/>
+          </a:prstGeom>
+        </p:spPr>
+        <p:txBody>
+          <a:bodyPr wrap="none">
+            <a:spAutoFit/>
+          </a:bodyPr>
+          <a:lstStyle/>
+          <a:p>
+            <a:r>
+              <a:rPr lang="en-US" sz="1400" dirty="0" err="1">
+                <a:latin typeface="Arial" panose="020B0604020202020204" pitchFamily="34" charset="0"/>
+                <a:ea typeface="Times New Roman" panose="02020603050405020304" pitchFamily="18" charset="0"/>
+                <a:cs typeface="Times New Roman" panose="02020603050405020304" pitchFamily="18" charset="0"/>
+              </a:rPr>
+              <a:t>Жишээ</a:t>
+            </a:r>
+            <a:r>
+              <a:rPr lang="en-US" sz="1400" dirty="0">
+                <a:latin typeface="Arial" panose="020B0604020202020204" pitchFamily="34" charset="0"/>
+                <a:ea typeface="Times New Roman" panose="02020603050405020304" pitchFamily="18" charset="0"/>
+                <a:cs typeface="Times New Roman" panose="02020603050405020304" pitchFamily="18" charset="0"/>
+              </a:rPr>
+              <a:t> </a:t>
+            </a:r>
+            <a:r>
+              <a:rPr lang="en-US" sz="1400" dirty="0" err="1">
+                <a:latin typeface="Arial" panose="020B0604020202020204" pitchFamily="34" charset="0"/>
+                <a:ea typeface="Times New Roman" panose="02020603050405020304" pitchFamily="18" charset="0"/>
+                <a:cs typeface="Times New Roman" panose="02020603050405020304" pitchFamily="18" charset="0"/>
+              </a:rPr>
+              <a:t>харах</a:t>
+            </a:r>
+            <a:r>
+              <a:rPr lang="en-US" sz="1400" dirty="0">
+                <a:latin typeface="Arial" panose="020B0604020202020204" pitchFamily="34" charset="0"/>
+                <a:ea typeface="Times New Roman" panose="02020603050405020304" pitchFamily="18" charset="0"/>
+                <a:cs typeface="Times New Roman" panose="02020603050405020304" pitchFamily="18" charset="0"/>
+              </a:rPr>
+              <a:t> </a:t>
+            </a:r>
+            <a:r>
+              <a:rPr lang="en-US" sz="1400" dirty="0" err="1">
+                <a:latin typeface="Arial" panose="020B0604020202020204" pitchFamily="34" charset="0"/>
+                <a:ea typeface="Times New Roman" panose="02020603050405020304" pitchFamily="18" charset="0"/>
+                <a:cs typeface="Times New Roman" panose="02020603050405020304" pitchFamily="18" charset="0"/>
+              </a:rPr>
+              <a:t>дарааллын</a:t>
+            </a:r>
+            <a:r>
+              <a:rPr lang="en-US" sz="1400" dirty="0">
+                <a:latin typeface="Arial" panose="020B0604020202020204" pitchFamily="34" charset="0"/>
+                <a:ea typeface="Times New Roman" panose="02020603050405020304" pitchFamily="18" charset="0"/>
+                <a:cs typeface="Times New Roman" panose="02020603050405020304" pitchFamily="18" charset="0"/>
+              </a:rPr>
+              <a:t> </a:t>
+            </a:r>
+            <a:r>
+              <a:rPr lang="en-US" sz="1400" dirty="0" err="1">
+                <a:latin typeface="Arial" panose="020B0604020202020204" pitchFamily="34" charset="0"/>
+                <a:ea typeface="Times New Roman" panose="02020603050405020304" pitchFamily="18" charset="0"/>
+                <a:cs typeface="Times New Roman" panose="02020603050405020304" pitchFamily="18" charset="0"/>
+              </a:rPr>
+              <a:t>диаграм</a:t>
+            </a:r>
+            <a:r>
+              <a:rPr lang="en-US" sz="1400" dirty="0">
+                <a:latin typeface="Arial" panose="020B0604020202020204" pitchFamily="34" charset="0"/>
+                <a:ea typeface="Times New Roman" panose="02020603050405020304" pitchFamily="18" charset="0"/>
+                <a:cs typeface="Times New Roman" panose="02020603050405020304" pitchFamily="18" charset="0"/>
+              </a:rPr>
+              <a:t> </a:t>
+            </a:r>
+            <a:endParaRPr lang="en-US" sz="1400" dirty="0"/>
+          </a:p>
+        </p:txBody>
+      </p:sp>
+      <p:sp>
+        <p:nvSpPr>
+          <p:cNvPr id="8" name="Rectangle 7"/>
+          <p:cNvSpPr/>
+          <p:nvPr/>
+        </p:nvSpPr>
+        <p:spPr>
+          <a:xfrm>
+            <a:off x="2055033" y="5849580"/>
+            <a:ext cx="3088153" cy="307777"/>
+          </a:xfrm>
+          <a:prstGeom prst="rect">
+            <a:avLst/>
+          </a:prstGeom>
+        </p:spPr>
+        <p:txBody>
+          <a:bodyPr wrap="none">
+            <a:spAutoFit/>
+          </a:bodyPr>
+          <a:lstStyle/>
+          <a:p>
+            <a:r>
+              <a:rPr lang="en-US" sz="1400" dirty="0" err="1">
+                <a:latin typeface="Arial" panose="020B0604020202020204" pitchFamily="34" charset="0"/>
+                <a:ea typeface="Times New Roman" panose="02020603050405020304" pitchFamily="18" charset="0"/>
+                <a:cs typeface="Times New Roman" panose="02020603050405020304" pitchFamily="18" charset="0"/>
+              </a:rPr>
+              <a:t>Хичээл</a:t>
+            </a:r>
+            <a:r>
+              <a:rPr lang="en-US" sz="1400" dirty="0">
+                <a:latin typeface="Arial" panose="020B0604020202020204" pitchFamily="34" charset="0"/>
+                <a:ea typeface="Times New Roman" panose="02020603050405020304" pitchFamily="18" charset="0"/>
+                <a:cs typeface="Times New Roman" panose="02020603050405020304" pitchFamily="18" charset="0"/>
+              </a:rPr>
+              <a:t> </a:t>
+            </a:r>
+            <a:r>
+              <a:rPr lang="en-US" sz="1400" dirty="0" err="1">
+                <a:latin typeface="Arial" panose="020B0604020202020204" pitchFamily="34" charset="0"/>
+                <a:ea typeface="Times New Roman" panose="02020603050405020304" pitchFamily="18" charset="0"/>
+                <a:cs typeface="Times New Roman" panose="02020603050405020304" pitchFamily="18" charset="0"/>
+              </a:rPr>
+              <a:t>харах</a:t>
+            </a:r>
+            <a:r>
+              <a:rPr lang="en-US" sz="1400" dirty="0">
+                <a:latin typeface="Arial" panose="020B0604020202020204" pitchFamily="34" charset="0"/>
+                <a:ea typeface="Times New Roman" panose="02020603050405020304" pitchFamily="18" charset="0"/>
+                <a:cs typeface="Times New Roman" panose="02020603050405020304" pitchFamily="18" charset="0"/>
+              </a:rPr>
+              <a:t> </a:t>
+            </a:r>
+            <a:r>
+              <a:rPr lang="en-US" sz="1400" dirty="0" err="1">
+                <a:latin typeface="Arial" panose="020B0604020202020204" pitchFamily="34" charset="0"/>
+                <a:ea typeface="Times New Roman" panose="02020603050405020304" pitchFamily="18" charset="0"/>
+                <a:cs typeface="Times New Roman" panose="02020603050405020304" pitchFamily="18" charset="0"/>
+              </a:rPr>
+              <a:t>дарааллын</a:t>
+            </a:r>
+            <a:r>
+              <a:rPr lang="en-US" sz="1400" dirty="0">
+                <a:latin typeface="Arial" panose="020B0604020202020204" pitchFamily="34" charset="0"/>
+                <a:ea typeface="Times New Roman" panose="02020603050405020304" pitchFamily="18" charset="0"/>
+                <a:cs typeface="Times New Roman" panose="02020603050405020304" pitchFamily="18" charset="0"/>
+              </a:rPr>
+              <a:t> </a:t>
+            </a:r>
+            <a:r>
+              <a:rPr lang="en-US" sz="1400" dirty="0" err="1">
+                <a:latin typeface="Arial" panose="020B0604020202020204" pitchFamily="34" charset="0"/>
+                <a:ea typeface="Times New Roman" panose="02020603050405020304" pitchFamily="18" charset="0"/>
+                <a:cs typeface="Times New Roman" panose="02020603050405020304" pitchFamily="18" charset="0"/>
+              </a:rPr>
+              <a:t>диаграм</a:t>
+            </a:r>
+            <a:r>
+              <a:rPr lang="en-US" sz="1400" dirty="0">
+                <a:latin typeface="Arial" panose="020B0604020202020204" pitchFamily="34" charset="0"/>
+                <a:ea typeface="Times New Roman" panose="02020603050405020304" pitchFamily="18" charset="0"/>
+                <a:cs typeface="Times New Roman" panose="02020603050405020304" pitchFamily="18" charset="0"/>
+              </a:rPr>
+              <a:t> </a:t>
+            </a:r>
+            <a:endParaRPr lang="en-US" sz="1400" dirty="0"/>
+          </a:p>
+        </p:txBody>
+      </p:sp>
+    </p:spTree>
+    <p:extLst>
+      <p:ext uri="{BB962C8B-B14F-4D97-AF65-F5344CB8AC3E}">
+        <p14:creationId xmlns:p14="http://schemas.microsoft.com/office/powerpoint/2010/main" val="3178354677"/>
+      </p:ext>
+    </p:extLst>
+  </p:cSld>
+  <p:clrMapOvr>
+    <a:masterClrMapping/>
+  </p:clrMapOvr>
+  <p:timing>
+    <p:tnLst>
+      <p:par>
+        <p:cTn id="1" dur="indefinite" restart="never" nodeType="tmRoot"/>
+      </p:par>
+    </p:tnLst>
+  </p:timing>
+</p:sld>
+</file>
+
+<file path=ppt/slides/slide22.xml><?xml version="1.0" encoding="utf-8"?>
+<p:sld xmlns:a="http://schemas.openxmlformats.org/drawingml/2006/main" xmlns:r="http://schemas.openxmlformats.org/officeDocument/2006/relationships" xmlns:p="http://schemas.openxmlformats.org/presentationml/2006/main">
+  <p:cSld>
+    <p:spTree>
+      <p:nvGrpSpPr>
+        <p:cNvPr id="1" name=""/>
+        <p:cNvGrpSpPr/>
+        <p:nvPr/>
+      </p:nvGrpSpPr>
+      <p:grpSpPr>
+        <a:xfrm>
+          <a:off x="0" y="0"/>
+          <a:ext cx="0" cy="0"/>
+          <a:chOff x="0" y="0"/>
+          <a:chExt cx="0" cy="0"/>
+        </a:xfrm>
+      </p:grpSpPr>
+      <p:sp>
+        <p:nvSpPr>
+          <p:cNvPr id="2" name="Title 1"/>
+          <p:cNvSpPr>
+            <a:spLocks noGrp="1"/>
+          </p:cNvSpPr>
+          <p:nvPr>
+            <p:ph type="title"/>
+          </p:nvPr>
+        </p:nvSpPr>
+        <p:spPr/>
+        <p:txBody>
+          <a:bodyPr/>
+          <a:lstStyle/>
+          <a:p>
+            <a:r>
+              <a:rPr lang="mn-MN" dirty="0" smtClean="0">
+                <a:latin typeface="Arial" panose="020B0604020202020204" pitchFamily="34" charset="0"/>
+                <a:cs typeface="Arial" panose="020B0604020202020204" pitchFamily="34" charset="0"/>
+              </a:rPr>
+              <a:t>Өгөгдлийн сангийн зохиомж</a:t>
+            </a:r>
+            <a:endParaRPr lang="en-US" dirty="0">
+              <a:latin typeface="Arial" panose="020B0604020202020204" pitchFamily="34" charset="0"/>
+              <a:cs typeface="Arial" panose="020B0604020202020204" pitchFamily="34" charset="0"/>
+            </a:endParaRPr>
+          </a:p>
+        </p:txBody>
+      </p:sp>
+      <p:pic>
+        <p:nvPicPr>
+          <p:cNvPr id="5" name="Content Placeholder 4"/>
+          <p:cNvPicPr>
+            <a:picLocks noGrp="1" noChangeAspect="1"/>
+          </p:cNvPicPr>
+          <p:nvPr>
+            <p:ph idx="1"/>
+          </p:nvPr>
+        </p:nvPicPr>
+        <p:blipFill>
+          <a:blip r:embed="rId2">
+            <a:extLst>
+              <a:ext uri="{28A0092B-C50C-407E-A947-70E740481C1C}">
+                <a14:useLocalDpi xmlns:a14="http://schemas.microsoft.com/office/drawing/2010/main" val="0"/>
+              </a:ext>
+            </a:extLst>
+          </a:blip>
+          <a:stretch>
+            <a:fillRect/>
+          </a:stretch>
+        </p:blipFill>
+        <p:spPr>
+          <a:xfrm>
+            <a:off x="3032856" y="2557463"/>
+            <a:ext cx="6126287" cy="3317875"/>
+          </a:xfrm>
+        </p:spPr>
+      </p:pic>
+    </p:spTree>
+    <p:extLst>
+      <p:ext uri="{BB962C8B-B14F-4D97-AF65-F5344CB8AC3E}">
+        <p14:creationId xmlns:p14="http://schemas.microsoft.com/office/powerpoint/2010/main" val="3165540705"/>
+      </p:ext>
+    </p:extLst>
+  </p:cSld>
+  <p:clrMapOvr>
+    <a:masterClrMapping/>
+  </p:clrMapOvr>
+  <p:timing>
+    <p:tnLst>
+      <p:par>
+        <p:cTn id="1" dur="indefinite" restart="never" nodeType="tmRoot"/>
+      </p:par>
+    </p:tnLst>
+  </p:timing>
+</p:sld>
+</file>
+
+<file path=ppt/slides/slide23.xml><?xml version="1.0" encoding="utf-8"?>
+<p:sld xmlns:a="http://schemas.openxmlformats.org/drawingml/2006/main" xmlns:r="http://schemas.openxmlformats.org/officeDocument/2006/relationships" xmlns:p="http://schemas.openxmlformats.org/presentationml/2006/main">
+  <p:cSld>
+    <p:spTree>
+      <p:nvGrpSpPr>
+        <p:cNvPr id="1" name=""/>
+        <p:cNvGrpSpPr/>
+        <p:nvPr/>
+      </p:nvGrpSpPr>
+      <p:grpSpPr>
+        <a:xfrm>
+          <a:off x="0" y="0"/>
+          <a:ext cx="0" cy="0"/>
+          <a:chOff x="0" y="0"/>
+          <a:chExt cx="0" cy="0"/>
+        </a:xfrm>
+      </p:grpSpPr>
+      <p:sp>
+        <p:nvSpPr>
+          <p:cNvPr id="2" name="Title 1"/>
+          <p:cNvSpPr>
+            <a:spLocks noGrp="1"/>
+          </p:cNvSpPr>
+          <p:nvPr>
+            <p:ph type="title"/>
+          </p:nvPr>
+        </p:nvSpPr>
+        <p:spPr/>
+        <p:txBody>
+          <a:bodyPr/>
+          <a:lstStyle/>
+          <a:p>
+            <a:pPr lvl="2" algn="ctr" defTabSz="457200" rtl="0">
+              <a:spcBef>
+                <a:spcPct val="0"/>
+              </a:spcBef>
+            </a:pPr>
+            <a:r>
+              <a:rPr lang="mn-MN" sz="4400" dirty="0" smtClean="0">
+                <a:latin typeface="Arial" panose="020B0604020202020204" pitchFamily="34" charset="0"/>
+                <a:cs typeface="Arial" panose="020B0604020202020204" pitchFamily="34" charset="0"/>
+              </a:rPr>
+              <a:t>Архитектурын </a:t>
+            </a:r>
+            <a:r>
+              <a:rPr lang="mn-MN" sz="4400" dirty="0">
+                <a:latin typeface="Arial" panose="020B0604020202020204" pitchFamily="34" charset="0"/>
+                <a:cs typeface="Arial" panose="020B0604020202020204" pitchFamily="34" charset="0"/>
+              </a:rPr>
+              <a:t>зохиомж</a:t>
+            </a:r>
+            <a:r>
+              <a:rPr lang="mn-MN" dirty="0">
+                <a:latin typeface="Arial" panose="020B0604020202020204" pitchFamily="34" charset="0"/>
+                <a:cs typeface="Arial" panose="020B0604020202020204" pitchFamily="34" charset="0"/>
+              </a:rPr>
+              <a:t> </a:t>
+            </a:r>
+            <a:endParaRPr lang="en-US" dirty="0">
+              <a:latin typeface="Arial" panose="020B0604020202020204" pitchFamily="34" charset="0"/>
+              <a:cs typeface="Arial" panose="020B0604020202020204" pitchFamily="34" charset="0"/>
+            </a:endParaRPr>
+          </a:p>
+        </p:txBody>
+      </p:sp>
+      <p:pic>
+        <p:nvPicPr>
+          <p:cNvPr id="10" name="Content Placeholder 9"/>
+          <p:cNvPicPr>
+            <a:picLocks noGrp="1" noChangeAspect="1"/>
+          </p:cNvPicPr>
+          <p:nvPr>
+            <p:ph idx="1"/>
+          </p:nvPr>
+        </p:nvPicPr>
+        <p:blipFill>
+          <a:blip r:embed="rId2">
+            <a:extLst>
+              <a:ext uri="{28A0092B-C50C-407E-A947-70E740481C1C}">
+                <a14:useLocalDpi xmlns:a14="http://schemas.microsoft.com/office/drawing/2010/main" val="0"/>
+              </a:ext>
+            </a:extLst>
+          </a:blip>
+          <a:stretch>
+            <a:fillRect/>
+          </a:stretch>
+        </p:blipFill>
+        <p:spPr>
+          <a:xfrm>
+            <a:off x="2916625" y="2544584"/>
+            <a:ext cx="6358750" cy="3317875"/>
+          </a:xfrm>
+        </p:spPr>
+      </p:pic>
+    </p:spTree>
+    <p:extLst>
+      <p:ext uri="{BB962C8B-B14F-4D97-AF65-F5344CB8AC3E}">
+        <p14:creationId xmlns:p14="http://schemas.microsoft.com/office/powerpoint/2010/main" val="1582410143"/>
+      </p:ext>
+    </p:extLst>
+  </p:cSld>
+  <p:clrMapOvr>
+    <a:masterClrMapping/>
+  </p:clrMapOvr>
+  <p:timing>
+    <p:tnLst>
+      <p:par>
+        <p:cTn id="1" dur="indefinite" restart="never" nodeType="tmRoot"/>
+      </p:par>
+    </p:tnLst>
+  </p:timing>
+</p:sld>
+</file>
+
+<file path=ppt/slides/slide24.xml><?xml version="1.0" encoding="utf-8"?>
+<p:sld xmlns:a="http://schemas.openxmlformats.org/drawingml/2006/main" xmlns:r="http://schemas.openxmlformats.org/officeDocument/2006/relationships" xmlns:p="http://schemas.openxmlformats.org/presentationml/2006/main">
+  <p:cSld>
+    <p:spTree>
+      <p:nvGrpSpPr>
+        <p:cNvPr id="1" name=""/>
+        <p:cNvGrpSpPr/>
+        <p:nvPr/>
+      </p:nvGrpSpPr>
+      <p:grpSpPr>
+        <a:xfrm>
+          <a:off x="0" y="0"/>
+          <a:ext cx="0" cy="0"/>
+          <a:chOff x="0" y="0"/>
+          <a:chExt cx="0" cy="0"/>
+        </a:xfrm>
+      </p:grpSpPr>
+      <p:sp>
+        <p:nvSpPr>
+          <p:cNvPr id="2" name="Title 1"/>
+          <p:cNvSpPr>
+            <a:spLocks noGrp="1"/>
+          </p:cNvSpPr>
+          <p:nvPr>
+            <p:ph type="title"/>
+          </p:nvPr>
+        </p:nvSpPr>
+        <p:spPr/>
+        <p:txBody>
+          <a:bodyPr/>
+          <a:lstStyle/>
+          <a:p>
+            <a:r>
+              <a:rPr lang="mn-MN" dirty="0">
+                <a:latin typeface="Arial" panose="020B0604020202020204" pitchFamily="34" charset="0"/>
+                <a:cs typeface="Arial" panose="020B0604020202020204" pitchFamily="34" charset="0"/>
+              </a:rPr>
+              <a:t>Веб интерфейсийн зохиомж</a:t>
+            </a:r>
+            <a:endParaRPr lang="en-US" dirty="0">
+              <a:latin typeface="Arial" panose="020B0604020202020204" pitchFamily="34" charset="0"/>
+              <a:cs typeface="Arial" panose="020B0604020202020204" pitchFamily="34" charset="0"/>
+            </a:endParaRPr>
+          </a:p>
+        </p:txBody>
+      </p:sp>
+      <p:sp>
+        <p:nvSpPr>
+          <p:cNvPr id="7" name="Rectangle 6"/>
+          <p:cNvSpPr/>
+          <p:nvPr/>
+        </p:nvSpPr>
+        <p:spPr>
+          <a:xfrm>
+            <a:off x="4754385" y="5738338"/>
+            <a:ext cx="2257092" cy="456535"/>
+          </a:xfrm>
+          <a:prstGeom prst="rect">
+            <a:avLst/>
+          </a:prstGeom>
+        </p:spPr>
+        <p:txBody>
+          <a:bodyPr wrap="none">
+            <a:spAutoFit/>
+          </a:bodyPr>
+          <a:lstStyle/>
+          <a:p>
+            <a:pPr algn="ctr">
+              <a:lnSpc>
+                <a:spcPct val="150000"/>
+              </a:lnSpc>
+              <a:spcAft>
+                <a:spcPts val="1000"/>
+              </a:spcAft>
+            </a:pPr>
+            <a:r>
+              <a:rPr lang="mn-MN" dirty="0" smtClean="0">
+                <a:latin typeface="Arial" panose="020B0604020202020204" pitchFamily="34" charset="0"/>
+                <a:ea typeface="Times New Roman" panose="02020603050405020304" pitchFamily="18" charset="0"/>
+                <a:cs typeface="Times New Roman" panose="02020603050405020304" pitchFamily="18" charset="0"/>
+              </a:rPr>
+              <a:t>Нэвтрэх </a:t>
+            </a:r>
+            <a:r>
+              <a:rPr lang="mn-MN" dirty="0">
+                <a:latin typeface="Arial" panose="020B0604020202020204" pitchFamily="34" charset="0"/>
+                <a:ea typeface="Times New Roman" panose="02020603050405020304" pitchFamily="18" charset="0"/>
+                <a:cs typeface="Times New Roman" panose="02020603050405020304" pitchFamily="18" charset="0"/>
+              </a:rPr>
+              <a:t>хэсэг (вэб)</a:t>
+            </a:r>
+            <a:endParaRPr lang="en-US" dirty="0">
+              <a:effectLst/>
+              <a:latin typeface="Arial" panose="020B0604020202020204" pitchFamily="34" charset="0"/>
+              <a:ea typeface="Times New Roman" panose="02020603050405020304" pitchFamily="18" charset="0"/>
+              <a:cs typeface="Times New Roman" panose="02020603050405020304" pitchFamily="18" charset="0"/>
+            </a:endParaRPr>
+          </a:p>
+        </p:txBody>
+      </p:sp>
+      <p:pic>
+        <p:nvPicPr>
+          <p:cNvPr id="4" name="Content Placeholder 3"/>
+          <p:cNvPicPr>
+            <a:picLocks noGrp="1" noChangeAspect="1"/>
+          </p:cNvPicPr>
+          <p:nvPr>
+            <p:ph idx="1"/>
+          </p:nvPr>
+        </p:nvPicPr>
+        <p:blipFill>
+          <a:blip r:embed="rId2">
+            <a:extLst>
+              <a:ext uri="{28A0092B-C50C-407E-A947-70E740481C1C}">
+                <a14:useLocalDpi xmlns:a14="http://schemas.microsoft.com/office/drawing/2010/main" val="0"/>
+              </a:ext>
+            </a:extLst>
+          </a:blip>
+          <a:stretch>
+            <a:fillRect/>
+          </a:stretch>
+        </p:blipFill>
+        <p:spPr>
+          <a:xfrm>
+            <a:off x="3336187" y="2557463"/>
+            <a:ext cx="5519626" cy="3317875"/>
+          </a:xfrm>
+        </p:spPr>
+      </p:pic>
+    </p:spTree>
+    <p:extLst>
+      <p:ext uri="{BB962C8B-B14F-4D97-AF65-F5344CB8AC3E}">
+        <p14:creationId xmlns:p14="http://schemas.microsoft.com/office/powerpoint/2010/main" val="3497572291"/>
+      </p:ext>
+    </p:extLst>
+  </p:cSld>
+  <p:clrMapOvr>
+    <a:masterClrMapping/>
+  </p:clrMapOvr>
+  <p:timing>
+    <p:tnLst>
+      <p:par>
+        <p:cTn id="1" dur="indefinite" restart="never" nodeType="tmRoot"/>
+      </p:par>
+    </p:tnLst>
+  </p:timing>
+</p:sld>
+</file>
+
+<file path=ppt/slides/slide25.xml><?xml version="1.0" encoding="utf-8"?>
+<p:sld xmlns:a="http://schemas.openxmlformats.org/drawingml/2006/main" xmlns:r="http://schemas.openxmlformats.org/officeDocument/2006/relationships" xmlns:p="http://schemas.openxmlformats.org/presentationml/2006/main">
+  <p:cSld>
+    <p:spTree>
+      <p:nvGrpSpPr>
+        <p:cNvPr id="1" name=""/>
+        <p:cNvGrpSpPr/>
+        <p:nvPr/>
+      </p:nvGrpSpPr>
+      <p:grpSpPr>
+        <a:xfrm>
+          <a:off x="0" y="0"/>
+          <a:ext cx="0" cy="0"/>
+          <a:chOff x="0" y="0"/>
+          <a:chExt cx="0" cy="0"/>
+        </a:xfrm>
+      </p:grpSpPr>
+      <p:sp>
+        <p:nvSpPr>
+          <p:cNvPr id="2" name="Title 1"/>
+          <p:cNvSpPr>
+            <a:spLocks noGrp="1"/>
+          </p:cNvSpPr>
+          <p:nvPr>
+            <p:ph type="title"/>
+          </p:nvPr>
+        </p:nvSpPr>
+        <p:spPr/>
+        <p:txBody>
+          <a:bodyPr/>
+          <a:lstStyle/>
+          <a:p>
+            <a:r>
+              <a:rPr lang="mn-MN" dirty="0">
+                <a:latin typeface="Arial" panose="020B0604020202020204" pitchFamily="34" charset="0"/>
+                <a:cs typeface="Arial" panose="020B0604020202020204" pitchFamily="34" charset="0"/>
+              </a:rPr>
+              <a:t>Веб интерфейсийн зохиомж</a:t>
+            </a:r>
+            <a:endParaRPr lang="en-US" dirty="0">
+              <a:latin typeface="Arial" panose="020B0604020202020204" pitchFamily="34" charset="0"/>
+              <a:cs typeface="Arial" panose="020B0604020202020204" pitchFamily="34" charset="0"/>
+            </a:endParaRPr>
+          </a:p>
+        </p:txBody>
+      </p:sp>
+      <p:sp>
+        <p:nvSpPr>
+          <p:cNvPr id="5" name="Rectangle 4"/>
+          <p:cNvSpPr/>
+          <p:nvPr/>
+        </p:nvSpPr>
+        <p:spPr>
+          <a:xfrm>
+            <a:off x="5168262" y="5875338"/>
+            <a:ext cx="1491434" cy="369332"/>
+          </a:xfrm>
+          <a:prstGeom prst="rect">
+            <a:avLst/>
+          </a:prstGeom>
+        </p:spPr>
+        <p:txBody>
+          <a:bodyPr wrap="none">
+            <a:spAutoFit/>
+          </a:bodyPr>
+          <a:lstStyle/>
+          <a:p>
+            <a:r>
+              <a:rPr lang="mn-MN" dirty="0">
+                <a:latin typeface="Arial" panose="020B0604020202020204" pitchFamily="34" charset="0"/>
+                <a:cs typeface="Arial" panose="020B0604020202020204" pitchFamily="34" charset="0"/>
+              </a:rPr>
+              <a:t>Нүүр хуудас</a:t>
+            </a:r>
+            <a:endParaRPr lang="en-US" dirty="0">
+              <a:latin typeface="Arial" panose="020B0604020202020204" pitchFamily="34" charset="0"/>
+              <a:cs typeface="Arial" panose="020B0604020202020204" pitchFamily="34" charset="0"/>
+            </a:endParaRPr>
+          </a:p>
+        </p:txBody>
+      </p:sp>
+      <p:pic>
+        <p:nvPicPr>
+          <p:cNvPr id="6" name="Content Placeholder 5"/>
+          <p:cNvPicPr>
+            <a:picLocks noGrp="1" noChangeAspect="1"/>
+          </p:cNvPicPr>
+          <p:nvPr>
+            <p:ph idx="1"/>
+          </p:nvPr>
+        </p:nvPicPr>
+        <p:blipFill>
+          <a:blip r:embed="rId2">
+            <a:extLst>
+              <a:ext uri="{28A0092B-C50C-407E-A947-70E740481C1C}">
+                <a14:useLocalDpi xmlns:a14="http://schemas.microsoft.com/office/drawing/2010/main" val="0"/>
+              </a:ext>
+            </a:extLst>
+          </a:blip>
+          <a:stretch>
+            <a:fillRect/>
+          </a:stretch>
+        </p:blipFill>
+        <p:spPr>
+          <a:xfrm>
+            <a:off x="3460841" y="2557463"/>
+            <a:ext cx="5270317" cy="3317875"/>
+          </a:xfrm>
+        </p:spPr>
+      </p:pic>
+    </p:spTree>
+    <p:extLst>
+      <p:ext uri="{BB962C8B-B14F-4D97-AF65-F5344CB8AC3E}">
+        <p14:creationId xmlns:p14="http://schemas.microsoft.com/office/powerpoint/2010/main" val="2974634342"/>
+      </p:ext>
+    </p:extLst>
+  </p:cSld>
+  <p:clrMapOvr>
+    <a:masterClrMapping/>
+  </p:clrMapOvr>
+  <p:timing>
+    <p:tnLst>
+      <p:par>
+        <p:cTn id="1" dur="indefinite" restart="never" nodeType="tmRoot"/>
+      </p:par>
+    </p:tnLst>
+  </p:timing>
+</p:sld>
+</file>
+
+<file path=ppt/slides/slide26.xml><?xml version="1.0" encoding="utf-8"?>
+<p:sld xmlns:a="http://schemas.openxmlformats.org/drawingml/2006/main" xmlns:r="http://schemas.openxmlformats.org/officeDocument/2006/relationships" xmlns:p="http://schemas.openxmlformats.org/presentationml/2006/main">
+  <p:cSld>
+    <p:spTree>
+      <p:nvGrpSpPr>
+        <p:cNvPr id="1" name=""/>
+        <p:cNvGrpSpPr/>
+        <p:nvPr/>
+      </p:nvGrpSpPr>
+      <p:grpSpPr>
+        <a:xfrm>
+          <a:off x="0" y="0"/>
+          <a:ext cx="0" cy="0"/>
+          <a:chOff x="0" y="0"/>
+          <a:chExt cx="0" cy="0"/>
+        </a:xfrm>
+      </p:grpSpPr>
+      <p:sp>
+        <p:nvSpPr>
+          <p:cNvPr id="2" name="Title 1"/>
+          <p:cNvSpPr>
+            <a:spLocks noGrp="1"/>
+          </p:cNvSpPr>
+          <p:nvPr>
+            <p:ph type="title"/>
+          </p:nvPr>
+        </p:nvSpPr>
+        <p:spPr/>
+        <p:txBody>
+          <a:bodyPr/>
+          <a:lstStyle/>
+          <a:p>
+            <a:r>
+              <a:rPr lang="mn-MN" dirty="0" smtClean="0">
+                <a:latin typeface="Arial" panose="020B0604020202020204" pitchFamily="34" charset="0"/>
+                <a:cs typeface="Arial" panose="020B0604020202020204" pitchFamily="34" charset="0"/>
+              </a:rPr>
+              <a:t>Гар утасны </a:t>
+            </a:r>
+            <a:r>
+              <a:rPr lang="mn-MN" dirty="0">
+                <a:latin typeface="Arial" panose="020B0604020202020204" pitchFamily="34" charset="0"/>
+                <a:cs typeface="Arial" panose="020B0604020202020204" pitchFamily="34" charset="0"/>
+              </a:rPr>
+              <a:t>интерфейсийн зохиомж</a:t>
+            </a:r>
+            <a:r>
+              <a:rPr lang="mn-MN" dirty="0" smtClean="0">
+                <a:latin typeface="Arial" panose="020B0604020202020204" pitchFamily="34" charset="0"/>
+                <a:cs typeface="Arial" panose="020B0604020202020204" pitchFamily="34" charset="0"/>
+              </a:rPr>
+              <a:t> </a:t>
+            </a:r>
+            <a:endParaRPr lang="en-US" dirty="0">
+              <a:latin typeface="Arial" panose="020B0604020202020204" pitchFamily="34" charset="0"/>
+              <a:cs typeface="Arial" panose="020B0604020202020204" pitchFamily="34" charset="0"/>
+            </a:endParaRPr>
+          </a:p>
+        </p:txBody>
+      </p:sp>
+      <p:sp>
+        <p:nvSpPr>
+          <p:cNvPr id="10" name="Rectangle 9"/>
+          <p:cNvSpPr/>
+          <p:nvPr/>
+        </p:nvSpPr>
+        <p:spPr>
+          <a:xfrm>
+            <a:off x="5097334" y="5823008"/>
+            <a:ext cx="1488100" cy="375552"/>
+          </a:xfrm>
+          <a:prstGeom prst="rect">
+            <a:avLst/>
+          </a:prstGeom>
+        </p:spPr>
+        <p:txBody>
+          <a:bodyPr wrap="none">
+            <a:spAutoFit/>
+          </a:bodyPr>
+          <a:lstStyle/>
+          <a:p>
+            <a:pPr marL="320040" marR="0" algn="ctr">
+              <a:lnSpc>
+                <a:spcPct val="150000"/>
+              </a:lnSpc>
+              <a:spcBef>
+                <a:spcPts val="0"/>
+              </a:spcBef>
+              <a:spcAft>
+                <a:spcPts val="1000"/>
+              </a:spcAft>
+            </a:pPr>
+            <a:r>
+              <a:rPr lang="mn-MN" sz="1400" dirty="0">
+                <a:latin typeface="Arial" panose="020B0604020202020204" pitchFamily="34" charset="0"/>
+                <a:ea typeface="Times New Roman" panose="02020603050405020304" pitchFamily="18" charset="0"/>
+                <a:cs typeface="Times New Roman" panose="02020603050405020304" pitchFamily="18" charset="0"/>
+              </a:rPr>
+              <a:t>Хичээл цэс </a:t>
+            </a:r>
+            <a:endParaRPr lang="en-US" sz="1400" dirty="0">
+              <a:effectLst/>
+              <a:latin typeface="Arial" panose="020B0604020202020204" pitchFamily="34" charset="0"/>
+              <a:ea typeface="Times New Roman" panose="02020603050405020304" pitchFamily="18" charset="0"/>
+              <a:cs typeface="Times New Roman" panose="02020603050405020304" pitchFamily="18" charset="0"/>
+            </a:endParaRPr>
+          </a:p>
+        </p:txBody>
+      </p:sp>
+      <p:pic>
+        <p:nvPicPr>
+          <p:cNvPr id="14" name="Picture 13"/>
+          <p:cNvPicPr>
+            <a:picLocks noChangeAspect="1"/>
+          </p:cNvPicPr>
+          <p:nvPr/>
+        </p:nvPicPr>
+        <p:blipFill>
+          <a:blip r:embed="rId2">
+            <a:extLst>
+              <a:ext uri="{28A0092B-C50C-407E-A947-70E740481C1C}">
+                <a14:useLocalDpi xmlns:a14="http://schemas.microsoft.com/office/drawing/2010/main" val="0"/>
+              </a:ext>
+            </a:extLst>
+          </a:blip>
+          <a:stretch>
+            <a:fillRect/>
+          </a:stretch>
+        </p:blipFill>
+        <p:spPr>
+          <a:xfrm>
+            <a:off x="1919548" y="2447646"/>
+            <a:ext cx="2751440" cy="3375362"/>
+          </a:xfrm>
+          <a:prstGeom prst="rect">
+            <a:avLst/>
+          </a:prstGeom>
+        </p:spPr>
+      </p:pic>
+      <p:pic>
+        <p:nvPicPr>
+          <p:cNvPr id="15" name="Picture 14"/>
+          <p:cNvPicPr>
+            <a:picLocks noChangeAspect="1"/>
+          </p:cNvPicPr>
+          <p:nvPr/>
+        </p:nvPicPr>
+        <p:blipFill>
+          <a:blip r:embed="rId3">
+            <a:extLst>
+              <a:ext uri="{28A0092B-C50C-407E-A947-70E740481C1C}">
+                <a14:useLocalDpi xmlns:a14="http://schemas.microsoft.com/office/drawing/2010/main" val="0"/>
+              </a:ext>
+            </a:extLst>
+          </a:blip>
+          <a:stretch>
+            <a:fillRect/>
+          </a:stretch>
+        </p:blipFill>
+        <p:spPr>
+          <a:xfrm>
+            <a:off x="4720281" y="2482243"/>
+            <a:ext cx="2530526" cy="3340765"/>
+          </a:xfrm>
+          <a:prstGeom prst="rect">
+            <a:avLst/>
+          </a:prstGeom>
+        </p:spPr>
+      </p:pic>
+      <p:pic>
+        <p:nvPicPr>
+          <p:cNvPr id="16" name="Picture 15"/>
+          <p:cNvPicPr>
+            <a:picLocks noChangeAspect="1"/>
+          </p:cNvPicPr>
+          <p:nvPr/>
+        </p:nvPicPr>
+        <p:blipFill>
+          <a:blip r:embed="rId4">
+            <a:extLst>
+              <a:ext uri="{28A0092B-C50C-407E-A947-70E740481C1C}">
+                <a14:useLocalDpi xmlns:a14="http://schemas.microsoft.com/office/drawing/2010/main" val="0"/>
+              </a:ext>
+            </a:extLst>
+          </a:blip>
+          <a:stretch>
+            <a:fillRect/>
+          </a:stretch>
+        </p:blipFill>
+        <p:spPr>
+          <a:xfrm>
+            <a:off x="7475486" y="2448355"/>
+            <a:ext cx="2595793" cy="3408539"/>
+          </a:xfrm>
+          <a:prstGeom prst="rect">
+            <a:avLst/>
+          </a:prstGeom>
+        </p:spPr>
+      </p:pic>
+      <p:sp>
+        <p:nvSpPr>
+          <p:cNvPr id="17" name="Rectangle 16"/>
+          <p:cNvSpPr/>
+          <p:nvPr/>
+        </p:nvSpPr>
+        <p:spPr>
+          <a:xfrm>
+            <a:off x="8217781" y="5890782"/>
+            <a:ext cx="1111202" cy="307777"/>
+          </a:xfrm>
+          <a:prstGeom prst="rect">
+            <a:avLst/>
+          </a:prstGeom>
+        </p:spPr>
+        <p:txBody>
+          <a:bodyPr wrap="none">
+            <a:spAutoFit/>
+          </a:bodyPr>
+          <a:lstStyle/>
+          <a:p>
+            <a:r>
+              <a:rPr lang="mn-MN" sz="1400" dirty="0">
+                <a:latin typeface="Arial" panose="020B0604020202020204" pitchFamily="34" charset="0"/>
+                <a:cs typeface="Arial" panose="020B0604020202020204" pitchFamily="34" charset="0"/>
+              </a:rPr>
+              <a:t>Жишээ цэс</a:t>
+            </a:r>
+            <a:endParaRPr lang="en-US" sz="1400" dirty="0">
+              <a:latin typeface="Arial" panose="020B0604020202020204" pitchFamily="34" charset="0"/>
+              <a:cs typeface="Arial" panose="020B0604020202020204" pitchFamily="34" charset="0"/>
+            </a:endParaRPr>
+          </a:p>
+        </p:txBody>
+      </p:sp>
+    </p:spTree>
+    <p:extLst>
+      <p:ext uri="{BB962C8B-B14F-4D97-AF65-F5344CB8AC3E}">
+        <p14:creationId xmlns:p14="http://schemas.microsoft.com/office/powerpoint/2010/main" val="1960017979"/>
+      </p:ext>
+    </p:extLst>
+  </p:cSld>
+  <p:clrMapOvr>
+    <a:masterClrMapping/>
+  </p:clrMapOvr>
+  <p:timing>
+    <p:tnLst>
+      <p:par>
+        <p:cTn id="1" dur="indefinite" restart="never" nodeType="tmRoot"/>
+      </p:par>
+    </p:tnLst>
+  </p:timing>
+</p:sld>
+</file>
+
+<file path=ppt/slides/slide27.xml><?xml version="1.0" encoding="utf-8"?>
+<p:sld xmlns:a="http://schemas.openxmlformats.org/drawingml/2006/main" xmlns:r="http://schemas.openxmlformats.org/officeDocument/2006/relationships" xmlns:p="http://schemas.openxmlformats.org/presentationml/2006/main">
+  <p:cSld>
+    <p:spTree>
+      <p:nvGrpSpPr>
+        <p:cNvPr id="1" name=""/>
+        <p:cNvGrpSpPr/>
+        <p:nvPr/>
+      </p:nvGrpSpPr>
+      <p:grpSpPr>
+        <a:xfrm>
+          <a:off x="0" y="0"/>
+          <a:ext cx="0" cy="0"/>
+          <a:chOff x="0" y="0"/>
+          <a:chExt cx="0" cy="0"/>
+        </a:xfrm>
+      </p:grpSpPr>
+      <p:sp>
+        <p:nvSpPr>
+          <p:cNvPr id="2" name="Title 1"/>
+          <p:cNvSpPr>
+            <a:spLocks noGrp="1"/>
+          </p:cNvSpPr>
+          <p:nvPr>
+            <p:ph type="title"/>
+          </p:nvPr>
+        </p:nvSpPr>
+        <p:spPr/>
+        <p:txBody>
+          <a:bodyPr/>
+          <a:lstStyle/>
+          <a:p>
+            <a:r>
+              <a:rPr lang="mn-MN" dirty="0">
+                <a:latin typeface="Arial" panose="020B0604020202020204" pitchFamily="34" charset="0"/>
+                <a:cs typeface="Arial" panose="020B0604020202020204" pitchFamily="34" charset="0"/>
+              </a:rPr>
+              <a:t>Гар утасны интерфейсийн зохиомж </a:t>
+            </a:r>
+            <a:endParaRPr lang="en-US" dirty="0">
+              <a:latin typeface="Arial" panose="020B0604020202020204" pitchFamily="34" charset="0"/>
+              <a:cs typeface="Arial" panose="020B0604020202020204" pitchFamily="34" charset="0"/>
+            </a:endParaRPr>
+          </a:p>
+        </p:txBody>
+      </p:sp>
+      <p:pic>
+        <p:nvPicPr>
+          <p:cNvPr id="6" name="Content Placeholder 5"/>
+          <p:cNvPicPr>
+            <a:picLocks noGrp="1" noChangeAspect="1"/>
+          </p:cNvPicPr>
+          <p:nvPr>
+            <p:ph idx="1"/>
+          </p:nvPr>
+        </p:nvPicPr>
+        <p:blipFill>
+          <a:blip r:embed="rId2">
+            <a:extLst>
+              <a:ext uri="{28A0092B-C50C-407E-A947-70E740481C1C}">
+                <a14:useLocalDpi xmlns:a14="http://schemas.microsoft.com/office/drawing/2010/main" val="0"/>
+              </a:ext>
+            </a:extLst>
+          </a:blip>
+          <a:stretch>
+            <a:fillRect/>
+          </a:stretch>
+        </p:blipFill>
+        <p:spPr>
+          <a:xfrm>
+            <a:off x="2786953" y="2429453"/>
+            <a:ext cx="2136245" cy="3317875"/>
+          </a:xfrm>
+        </p:spPr>
+      </p:pic>
+      <p:sp>
+        <p:nvSpPr>
+          <p:cNvPr id="4" name="Rectangle 3"/>
+          <p:cNvSpPr/>
+          <p:nvPr/>
+        </p:nvSpPr>
+        <p:spPr>
+          <a:xfrm>
+            <a:off x="6942387" y="5857283"/>
+            <a:ext cx="1848263" cy="307777"/>
+          </a:xfrm>
+          <a:prstGeom prst="rect">
+            <a:avLst/>
+          </a:prstGeom>
+        </p:spPr>
+        <p:txBody>
+          <a:bodyPr wrap="none">
+            <a:spAutoFit/>
+          </a:bodyPr>
+          <a:lstStyle/>
+          <a:p>
+            <a:r>
+              <a:rPr lang="mn-MN" sz="1400" dirty="0">
+                <a:latin typeface="Arial" panose="020B0604020202020204" pitchFamily="34" charset="0"/>
+                <a:cs typeface="Arial" panose="020B0604020202020204" pitchFamily="34" charset="0"/>
+              </a:rPr>
+              <a:t>Асуулт хариулт цэс </a:t>
+            </a:r>
+            <a:endParaRPr lang="en-US" sz="1400" dirty="0">
+              <a:latin typeface="Arial" panose="020B0604020202020204" pitchFamily="34" charset="0"/>
+              <a:cs typeface="Arial" panose="020B0604020202020204" pitchFamily="34" charset="0"/>
+            </a:endParaRPr>
+          </a:p>
+        </p:txBody>
+      </p:sp>
+      <p:sp>
+        <p:nvSpPr>
+          <p:cNvPr id="5" name="Rectangle 4"/>
+          <p:cNvSpPr/>
+          <p:nvPr/>
+        </p:nvSpPr>
+        <p:spPr>
+          <a:xfrm>
+            <a:off x="3299474" y="5857283"/>
+            <a:ext cx="1089594" cy="307777"/>
+          </a:xfrm>
+          <a:prstGeom prst="rect">
+            <a:avLst/>
+          </a:prstGeom>
+        </p:spPr>
+        <p:txBody>
+          <a:bodyPr wrap="none">
+            <a:spAutoFit/>
+          </a:bodyPr>
+          <a:lstStyle/>
+          <a:p>
+            <a:r>
+              <a:rPr lang="mn-MN" sz="1400" dirty="0" smtClean="0">
+                <a:latin typeface="Arial" panose="020B0604020202020204" pitchFamily="34" charset="0"/>
+                <a:cs typeface="Arial" panose="020B0604020202020204" pitchFamily="34" charset="0"/>
+              </a:rPr>
+              <a:t>Асуулт </a:t>
+            </a:r>
+            <a:r>
+              <a:rPr lang="mn-MN" sz="1400" dirty="0">
+                <a:latin typeface="Arial" panose="020B0604020202020204" pitchFamily="34" charset="0"/>
+                <a:cs typeface="Arial" panose="020B0604020202020204" pitchFamily="34" charset="0"/>
+              </a:rPr>
+              <a:t>цэс</a:t>
+            </a:r>
+            <a:endParaRPr lang="en-US" sz="1400" dirty="0">
+              <a:latin typeface="Arial" panose="020B0604020202020204" pitchFamily="34" charset="0"/>
+              <a:cs typeface="Arial" panose="020B0604020202020204" pitchFamily="34" charset="0"/>
+            </a:endParaRPr>
+          </a:p>
+        </p:txBody>
+      </p:sp>
+      <p:pic>
+        <p:nvPicPr>
+          <p:cNvPr id="7" name="Picture 6"/>
+          <p:cNvPicPr>
+            <a:picLocks noChangeAspect="1"/>
+          </p:cNvPicPr>
+          <p:nvPr/>
+        </p:nvPicPr>
+        <p:blipFill>
+          <a:blip r:embed="rId3">
+            <a:extLst>
+              <a:ext uri="{28A0092B-C50C-407E-A947-70E740481C1C}">
+                <a14:useLocalDpi xmlns:a14="http://schemas.microsoft.com/office/drawing/2010/main" val="0"/>
+              </a:ext>
+            </a:extLst>
+          </a:blip>
+          <a:stretch>
+            <a:fillRect/>
+          </a:stretch>
+        </p:blipFill>
+        <p:spPr>
+          <a:xfrm>
+            <a:off x="6519270" y="2429453"/>
+            <a:ext cx="2694495" cy="3427830"/>
+          </a:xfrm>
+          <a:prstGeom prst="rect">
+            <a:avLst/>
+          </a:prstGeom>
+        </p:spPr>
+      </p:pic>
+    </p:spTree>
+    <p:extLst>
+      <p:ext uri="{BB962C8B-B14F-4D97-AF65-F5344CB8AC3E}">
+        <p14:creationId xmlns:p14="http://schemas.microsoft.com/office/powerpoint/2010/main" val="1541867521"/>
+      </p:ext>
+    </p:extLst>
+  </p:cSld>
+  <p:clrMapOvr>
+    <a:masterClrMapping/>
+  </p:clrMapOvr>
+  <p:timing>
+    <p:tnLst>
+      <p:par>
+        <p:cTn id="1" dur="indefinite" restart="never" nodeType="tmRoot"/>
+      </p:par>
+    </p:tnLst>
+  </p:timing>
+</p:sld>
+</file>
+
+<file path=ppt/slides/slide28.xml><?xml version="1.0" encoding="utf-8"?>
+<p:sld xmlns:a="http://schemas.openxmlformats.org/drawingml/2006/main" xmlns:r="http://schemas.openxmlformats.org/officeDocument/2006/relationships" xmlns:p="http://schemas.openxmlformats.org/presentationml/2006/main">
+  <p:cSld>
+    <p:spTree>
+      <p:nvGrpSpPr>
+        <p:cNvPr id="1" name=""/>
+        <p:cNvGrpSpPr/>
+        <p:nvPr/>
+      </p:nvGrpSpPr>
+      <p:grpSpPr>
+        <a:xfrm>
+          <a:off x="0" y="0"/>
+          <a:ext cx="0" cy="0"/>
+          <a:chOff x="0" y="0"/>
+          <a:chExt cx="0" cy="0"/>
+        </a:xfrm>
+      </p:grpSpPr>
+      <p:sp>
+        <p:nvSpPr>
+          <p:cNvPr id="2" name="Title 1"/>
+          <p:cNvSpPr>
+            <a:spLocks noGrp="1"/>
+          </p:cNvSpPr>
+          <p:nvPr>
+            <p:ph type="title"/>
+          </p:nvPr>
+        </p:nvSpPr>
+        <p:spPr/>
+        <p:txBody>
+          <a:bodyPr>
+            <a:normAutofit/>
+          </a:bodyPr>
+          <a:lstStyle/>
+          <a:p>
+            <a:r>
+              <a:rPr lang="mn-MN" dirty="0" smtClean="0">
+                <a:latin typeface="Times New Roman" panose="02020603050405020304" pitchFamily="18" charset="0"/>
+                <a:cs typeface="Times New Roman" panose="02020603050405020304" pitchFamily="18" charset="0"/>
+              </a:rPr>
+              <a:t>Дүгнэлт</a:t>
+            </a:r>
+            <a:endParaRPr lang="en-US" dirty="0"/>
+          </a:p>
+        </p:txBody>
+      </p:sp>
+      <p:sp>
+        <p:nvSpPr>
+          <p:cNvPr id="3" name="Content Placeholder 2"/>
+          <p:cNvSpPr>
+            <a:spLocks noGrp="1"/>
+          </p:cNvSpPr>
+          <p:nvPr>
+            <p:ph idx="1"/>
+          </p:nvPr>
+        </p:nvSpPr>
+        <p:spPr/>
+        <p:txBody>
+          <a:bodyPr/>
+          <a:lstStyle/>
+          <a:p>
+            <a:pPr algn="just"/>
+            <a:r>
+              <a:rPr lang="mn-MN" dirty="0" smtClean="0">
+                <a:latin typeface="Arial" panose="020B0604020202020204" pitchFamily="34" charset="0"/>
+                <a:cs typeface="Arial" panose="020B0604020202020204" pitchFamily="34" charset="0"/>
+              </a:rPr>
+              <a:t>Дипломын ажлын хугацааны төлөвлөгөөний дагуу ажлыг гүйцэтгэсэн болно. Өгөгдлийн </a:t>
+            </a:r>
+            <a:r>
+              <a:rPr lang="mn-MN" dirty="0">
+                <a:latin typeface="Arial" panose="020B0604020202020204" pitchFamily="34" charset="0"/>
+                <a:cs typeface="Arial" panose="020B0604020202020204" pitchFamily="34" charset="0"/>
+              </a:rPr>
+              <a:t>нууцлал, аюулгүй байдлын талаар болон систем хөгжүүлэхэд шаардлагатай гар утас болон вэб програм хийхэд </a:t>
+            </a:r>
+            <a:r>
+              <a:rPr lang="mn-MN" dirty="0" smtClean="0">
+                <a:latin typeface="Arial" panose="020B0604020202020204" pitchFamily="34" charset="0"/>
+                <a:cs typeface="Arial" panose="020B0604020202020204" pitchFamily="34" charset="0"/>
+              </a:rPr>
+              <a:t>шаардагдах онолын </a:t>
+            </a:r>
+            <a:r>
+              <a:rPr lang="mn-MN" dirty="0">
+                <a:latin typeface="Arial" panose="020B0604020202020204" pitchFamily="34" charset="0"/>
+                <a:cs typeface="Arial" panose="020B0604020202020204" pitchFamily="34" charset="0"/>
+              </a:rPr>
+              <a:t>мэдлэгийг олж авлаа</a:t>
+            </a:r>
+            <a:r>
+              <a:rPr lang="mn-MN" dirty="0" smtClean="0">
+                <a:latin typeface="Arial" panose="020B0604020202020204" pitchFamily="34" charset="0"/>
+                <a:cs typeface="Arial" panose="020B0604020202020204" pitchFamily="34" charset="0"/>
+              </a:rPr>
+              <a:t>. Мөн </a:t>
+            </a:r>
+            <a:r>
+              <a:rPr lang="mn-MN" dirty="0">
+                <a:latin typeface="Arial" panose="020B0604020202020204" pitchFamily="34" charset="0"/>
+                <a:cs typeface="Arial" panose="020B0604020202020204" pitchFamily="34" charset="0"/>
+              </a:rPr>
+              <a:t>өгөгдлийн нууцлал, аюулгүй байдалын тусламж програмыг хэрэгжүүлэхэд шаардлагатай системийн шинжилгээ зохиомжыг гаргалаа.</a:t>
+            </a:r>
+            <a:endParaRPr lang="en-US" dirty="0">
+              <a:latin typeface="Arial" panose="020B0604020202020204" pitchFamily="34" charset="0"/>
+              <a:cs typeface="Arial" panose="020B0604020202020204" pitchFamily="34" charset="0"/>
+            </a:endParaRPr>
+          </a:p>
+          <a:p>
+            <a:endParaRPr lang="en-US" dirty="0"/>
+          </a:p>
+        </p:txBody>
+      </p:sp>
+    </p:spTree>
+    <p:extLst>
+      <p:ext uri="{BB962C8B-B14F-4D97-AF65-F5344CB8AC3E}">
+        <p14:creationId xmlns:p14="http://schemas.microsoft.com/office/powerpoint/2010/main" val="945992117"/>
+      </p:ext>
+    </p:extLst>
+  </p:cSld>
+  <p:clrMapOvr>
+    <a:masterClrMapping/>
+  </p:clrMapOvr>
+  <p:timing>
+    <p:tnLst>
+      <p:par>
+        <p:cTn id="1" dur="indefinite" restart="never" nodeType="tmRoot"/>
+      </p:par>
+    </p:tnLst>
+  </p:timing>
+</p:sld>
+</file>
+
+<file path=ppt/slides/slide29.xml><?xml version="1.0" encoding="utf-8"?>
+<p:sld xmlns:a="http://schemas.openxmlformats.org/drawingml/2006/main" xmlns:r="http://schemas.openxmlformats.org/officeDocument/2006/relationships" xmlns:p="http://schemas.openxmlformats.org/presentationml/2006/main">
+  <p:cSld>
+    <p:spTree>
+      <p:nvGrpSpPr>
+        <p:cNvPr id="1" name=""/>
+        <p:cNvGrpSpPr/>
+        <p:nvPr/>
+      </p:nvGrpSpPr>
+      <p:grpSpPr>
+        <a:xfrm>
+          <a:off x="0" y="0"/>
+          <a:ext cx="0" cy="0"/>
+          <a:chOff x="0" y="0"/>
+          <a:chExt cx="0" cy="0"/>
+        </a:xfrm>
+      </p:grpSpPr>
+      <p:sp>
+        <p:nvSpPr>
+          <p:cNvPr id="2" name="Title 1"/>
+          <p:cNvSpPr>
+            <a:spLocks noGrp="1"/>
+          </p:cNvSpPr>
+          <p:nvPr>
+            <p:ph type="title"/>
+          </p:nvPr>
+        </p:nvSpPr>
+        <p:spPr>
+          <a:xfrm>
+            <a:off x="1295401" y="2257140"/>
+            <a:ext cx="9601196" cy="1303867"/>
+          </a:xfrm>
+        </p:spPr>
+        <p:txBody>
+          <a:bodyPr/>
+          <a:lstStyle/>
+          <a:p>
+            <a:r>
+              <a:rPr lang="mn-MN" dirty="0">
+                <a:latin typeface="Arial" panose="020B0604020202020204" pitchFamily="34" charset="0"/>
+                <a:cs typeface="Arial" panose="020B0604020202020204" pitchFamily="34" charset="0"/>
+              </a:rPr>
+              <a:t>Анхаарал </a:t>
+            </a:r>
+            <a:r>
+              <a:rPr lang="en" dirty="0">
+                <a:latin typeface="Arial" panose="020B0604020202020204" pitchFamily="34" charset="0"/>
+                <a:cs typeface="Arial" panose="020B0604020202020204" pitchFamily="34" charset="0"/>
+              </a:rPr>
+              <a:t>тавьсанд </a:t>
+            </a:r>
+            <a:r>
+              <a:rPr lang="mn-MN" dirty="0" smtClean="0">
+                <a:latin typeface="Arial" panose="020B0604020202020204" pitchFamily="34" charset="0"/>
+                <a:cs typeface="Arial" panose="020B0604020202020204" pitchFamily="34" charset="0"/>
+              </a:rPr>
+              <a:t>баярлалаа</a:t>
+            </a:r>
+            <a:endParaRPr lang="en-US" dirty="0">
+              <a:latin typeface="Arial" panose="020B0604020202020204" pitchFamily="34" charset="0"/>
+              <a:cs typeface="Arial" panose="020B0604020202020204" pitchFamily="34" charset="0"/>
+            </a:endParaRPr>
+          </a:p>
+        </p:txBody>
+      </p:sp>
+    </p:spTree>
+    <p:extLst>
+      <p:ext uri="{BB962C8B-B14F-4D97-AF65-F5344CB8AC3E}">
+        <p14:creationId xmlns:p14="http://schemas.microsoft.com/office/powerpoint/2010/main" val="3202526301"/>
+      </p:ext>
+    </p:extLst>
+  </p:cSld>
+  <p:clrMapOvr>
+    <a:masterClrMapping/>
+  </p:clrMapOvr>
+  <p:timing>
+    <p:tnLst>
+      <p:par>
+        <p:cTn id="1" dur="indefinite" restart="never" nodeType="tmRoot"/>
+      </p:par>
+    </p:tnLst>
+  </p:timing>
 </p:sld>
 </file>
 
@@ -6384,36 +10513,124 @@
         </p:nvSpPr>
         <p:spPr/>
         <p:txBody>
+          <a:bodyPr/>
+          <a:lstStyle/>
+          <a:p>
+            <a:r>
+              <a:rPr lang="mn-MN" dirty="0">
+                <a:latin typeface="Arial" panose="020B0604020202020204" pitchFamily="34" charset="0"/>
+                <a:cs typeface="Arial" panose="020B0604020202020204" pitchFamily="34" charset="0"/>
+              </a:rPr>
+              <a:t>Агуулга</a:t>
+            </a:r>
+            <a:endParaRPr lang="en-US" dirty="0">
+              <a:latin typeface="Arial" panose="020B0604020202020204" pitchFamily="34" charset="0"/>
+              <a:cs typeface="Arial" panose="020B0604020202020204" pitchFamily="34" charset="0"/>
+            </a:endParaRPr>
+          </a:p>
+        </p:txBody>
+      </p:sp>
+      <p:sp>
+        <p:nvSpPr>
+          <p:cNvPr id="3" name="Content Placeholder 2"/>
+          <p:cNvSpPr>
+            <a:spLocks noGrp="1"/>
+          </p:cNvSpPr>
+          <p:nvPr>
+            <p:ph idx="1"/>
+          </p:nvPr>
+        </p:nvSpPr>
+        <p:spPr/>
+        <p:txBody>
           <a:bodyPr>
             <a:normAutofit/>
           </a:bodyPr>
           <a:lstStyle/>
           <a:p>
+            <a:pPr>
+              <a:buFont typeface="Wingdings" panose="05000000000000000000" pitchFamily="2" charset="2"/>
+              <a:buChar char="Ø"/>
+            </a:pPr>
+            <a:r>
+              <a:rPr lang="mn-MN" dirty="0">
+                <a:latin typeface="Arial" panose="020B0604020202020204" pitchFamily="34" charset="0"/>
+                <a:cs typeface="Arial" panose="020B0604020202020204" pitchFamily="34" charset="0"/>
+              </a:rPr>
+              <a:t>Оршил</a:t>
+            </a:r>
+          </a:p>
+          <a:p>
+            <a:pPr>
+              <a:buFont typeface="Wingdings" panose="05000000000000000000" pitchFamily="2" charset="2"/>
+              <a:buChar char="Ø"/>
+            </a:pPr>
+            <a:r>
+              <a:rPr lang="mn-MN" dirty="0">
+                <a:latin typeface="Arial" panose="020B0604020202020204" pitchFamily="34" charset="0"/>
+                <a:cs typeface="Arial" panose="020B0604020202020204" pitchFamily="34" charset="0"/>
+              </a:rPr>
+              <a:t>Зорилго</a:t>
+            </a:r>
+          </a:p>
+          <a:p>
+            <a:pPr>
+              <a:buFont typeface="Wingdings" panose="05000000000000000000" pitchFamily="2" charset="2"/>
+              <a:buChar char="Ø"/>
+            </a:pPr>
+            <a:r>
+              <a:rPr lang="mn-MN" dirty="0">
+                <a:latin typeface="Arial" panose="020B0604020202020204" pitchFamily="34" charset="0"/>
+                <a:cs typeface="Arial" panose="020B0604020202020204" pitchFamily="34" charset="0"/>
+              </a:rPr>
+              <a:t>Сэдвийн судалгаа</a:t>
+            </a:r>
+          </a:p>
+          <a:p>
+            <a:pPr>
+              <a:buFont typeface="Wingdings" panose="05000000000000000000" pitchFamily="2" charset="2"/>
+              <a:buChar char="Ø"/>
+            </a:pPr>
             <a:r>
               <a:rPr lang="mn-MN" dirty="0" smtClean="0">
-                <a:latin typeface="Times New Roman" panose="02020603050405020304" pitchFamily="18" charset="0"/>
-                <a:cs typeface="Times New Roman" panose="02020603050405020304" pitchFamily="18" charset="0"/>
-              </a:rPr>
-              <a:t>Оршил</a:t>
-            </a:r>
-            <a:endParaRPr lang="en-US" dirty="0"/>
-          </a:p>
-        </p:txBody>
-      </p:sp>
-      <p:sp>
-        <p:nvSpPr>
-          <p:cNvPr id="3" name="Content Placeholder 2"/>
-          <p:cNvSpPr>
-            <a:spLocks noGrp="1"/>
-          </p:cNvSpPr>
-          <p:nvPr>
-            <p:ph idx="1"/>
-          </p:nvPr>
-        </p:nvSpPr>
-        <p:spPr/>
-        <p:txBody>
-          <a:bodyPr/>
-          <a:lstStyle/>
+                <a:latin typeface="Arial" panose="020B0604020202020204" pitchFamily="34" charset="0"/>
+                <a:cs typeface="Arial" panose="020B0604020202020204" pitchFamily="34" charset="0"/>
+              </a:rPr>
+              <a:t>Технологийн </a:t>
+            </a:r>
+            <a:r>
+              <a:rPr lang="mn-MN" dirty="0">
+                <a:latin typeface="Arial" panose="020B0604020202020204" pitchFamily="34" charset="0"/>
+                <a:cs typeface="Arial" panose="020B0604020202020204" pitchFamily="34" charset="0"/>
+              </a:rPr>
+              <a:t>судалгаа</a:t>
+            </a:r>
+          </a:p>
+          <a:p>
+            <a:pPr>
+              <a:buFont typeface="Wingdings" panose="05000000000000000000" pitchFamily="2" charset="2"/>
+              <a:buChar char="Ø"/>
+            </a:pPr>
+            <a:r>
+              <a:rPr lang="mn-MN" dirty="0">
+                <a:latin typeface="Arial" panose="020B0604020202020204" pitchFamily="34" charset="0"/>
+                <a:cs typeface="Arial" panose="020B0604020202020204" pitchFamily="34" charset="0"/>
+              </a:rPr>
+              <a:t>Системийн шинжилгээ зохиомж</a:t>
+            </a:r>
+          </a:p>
+          <a:p>
+            <a:pPr>
+              <a:buFont typeface="Wingdings" panose="05000000000000000000" pitchFamily="2" charset="2"/>
+              <a:buChar char="Ø"/>
+            </a:pPr>
+            <a:r>
+              <a:rPr lang="mn-MN" dirty="0">
+                <a:latin typeface="Arial" panose="020B0604020202020204" pitchFamily="34" charset="0"/>
+                <a:cs typeface="Arial" panose="020B0604020202020204" pitchFamily="34" charset="0"/>
+              </a:rPr>
+              <a:t>Дүгнэлт</a:t>
+            </a:r>
+          </a:p>
           <a:p>
             <a:endParaRPr lang="en-US" dirty="0"/>
           </a:p>
@@ -6422,13 +10639,20 @@
     </p:spTree>
     <p:extLst>
       <p:ext uri="{BB962C8B-B14F-4D97-AF65-F5344CB8AC3E}">
-        <p14:creationId xmlns:p14="http://schemas.microsoft.com/office/powerpoint/2010/main" val="36883193"/>
+        <p14:creationId xmlns:p14="http://schemas.microsoft.com/office/powerpoint/2010/main" val="953542728"/>
       </p:ext>
     </p:extLst>
   </p:cSld>
   <p:clrMapOvr>
     <a:masterClrMapping/>
   </p:clrMapOvr>
+  <p:timing>
+    <p:tnLst>
+      <p:par>
+        <p:cTn id="1" dur="indefinite" restart="never" nodeType="tmRoot"/>
+      </p:par>
+    </p:tnLst>
+  </p:timing>
 </p:sld>
 </file>
 
@@ -6468,12 +10692,15 @@
           <a:p>
             <a:r>
               <a:rPr lang="mn-MN" dirty="0" smtClean="0">
-                <a:latin typeface="Times New Roman" panose="02020603050405020304" pitchFamily="18" charset="0"/>
-                <a:cs typeface="Times New Roman" panose="02020603050405020304" pitchFamily="18" charset="0"/>
-              </a:rPr>
-              <a:t>Зорилго</a:t>
-            </a:r>
-            <a:endParaRPr lang="en-US" dirty="0"/>
+                <a:latin typeface="Arial" panose="020B0604020202020204" pitchFamily="34" charset="0"/>
+                <a:cs typeface="Arial" panose="020B0604020202020204" pitchFamily="34" charset="0"/>
+              </a:rPr>
+              <a:t>Оршил</a:t>
+            </a:r>
+            <a:endParaRPr lang="en-US" dirty="0">
+              <a:latin typeface="Arial" panose="020B0604020202020204" pitchFamily="34" charset="0"/>
+              <a:cs typeface="Arial" panose="020B0604020202020204" pitchFamily="34" charset="0"/>
+            </a:endParaRPr>
           </a:p>
         </p:txBody>
       </p:sp>
@@ -6492,44 +10719,38 @@
           <a:bodyPr/>
           <a:lstStyle/>
           <a:p>
-            <a:r>
-              <a:rPr lang="mn-MN" dirty="0"/>
-              <a:t>O</a:t>
-            </a:r>
-            <a:r>
-              <a:rPr lang="mn-MN" dirty="0" smtClean="0"/>
-              <a:t>юутан </a:t>
-            </a:r>
-            <a:r>
-              <a:rPr lang="mn-MN" dirty="0"/>
-              <a:t>сурагчидад өгөгдлийн нууцлал, аюулгүй байдалын </a:t>
-            </a:r>
-            <a:r>
-              <a:rPr lang="mn-MN" dirty="0" smtClean="0"/>
-              <a:t>талаар </a:t>
-            </a:r>
-            <a:r>
-              <a:rPr lang="mn-MN" dirty="0"/>
-              <a:t>мэдлэг </a:t>
-            </a:r>
-            <a:r>
-              <a:rPr lang="mn-MN" dirty="0" smtClean="0"/>
-              <a:t>олгох, өгөгдлийг хамгаалахад нь туслах зорилгоор гар утасны  тусламжийн програм хөгжүүлэх юм.</a:t>
-            </a:r>
-            <a:endParaRPr lang="en-US" dirty="0"/>
+            <a:pPr algn="just"/>
+            <a:r>
+              <a:rPr lang="mn-MN" dirty="0">
+                <a:latin typeface="Arial" panose="020B0604020202020204" pitchFamily="34" charset="0"/>
+                <a:cs typeface="Arial" panose="020B0604020202020204" pitchFamily="34" charset="0"/>
+              </a:rPr>
+              <a:t>Мэдээлэл технологи харилцаа холбоо асар өндөр хөгжсөн өнөө үед хүний хэрэгцээнд нийцсэн програм хангамж болон техник хангамжуудыг бараг л бүгдийг үйлдвэрлэсэн байна. Үүнийг дагаад програм хангамжид ашиглагдах маш их өгөгдөл бий болсон бөгөөд түүний нууцлал болон аюулгүй байдалын талаар асуудлууд үүсч байна. Иймд өгөгдлийн нууцлал, аюулгүй байдалын талаарх сэдвийг энэхүү баклаварын судалгааны ажилаараа сонгон авч судалгаа</a:t>
+            </a:r>
+            <a:endParaRPr lang="en-US" dirty="0">
+              <a:latin typeface="Arial" panose="020B0604020202020204" pitchFamily="34" charset="0"/>
+              <a:cs typeface="Arial" panose="020B0604020202020204" pitchFamily="34" charset="0"/>
+            </a:endParaRPr>
           </a:p>
         </p:txBody>
       </p:sp>
     </p:spTree>
     <p:extLst>
       <p:ext uri="{BB962C8B-B14F-4D97-AF65-F5344CB8AC3E}">
-        <p14:creationId xmlns:p14="http://schemas.microsoft.com/office/powerpoint/2010/main" val="1136160871"/>
+        <p14:creationId xmlns:p14="http://schemas.microsoft.com/office/powerpoint/2010/main" val="36883193"/>
       </p:ext>
     </p:extLst>
   </p:cSld>
   <p:clrMapOvr>
     <a:masterClrMapping/>
   </p:clrMapOvr>
+  <p:timing>
+    <p:tnLst>
+      <p:par>
+        <p:cTn id="1" dur="indefinite" restart="never" nodeType="tmRoot"/>
+      </p:par>
+    </p:tnLst>
+  </p:timing>
 </p:sld>
 </file>
 
@@ -6568,84 +10789,111 @@
           <a:lstStyle/>
           <a:p>
             <a:r>
+              <a:rPr lang="mn-MN" dirty="0" smtClean="0">
+                <a:latin typeface="Arial" panose="020B0604020202020204" pitchFamily="34" charset="0"/>
+                <a:cs typeface="Arial" panose="020B0604020202020204" pitchFamily="34" charset="0"/>
+              </a:rPr>
+              <a:t>Зорилго</a:t>
+            </a:r>
+            <a:endParaRPr lang="en-US" dirty="0">
+              <a:latin typeface="Arial" panose="020B0604020202020204" pitchFamily="34" charset="0"/>
+              <a:cs typeface="Arial" panose="020B0604020202020204" pitchFamily="34" charset="0"/>
+            </a:endParaRPr>
+          </a:p>
+        </p:txBody>
+      </p:sp>
+      <p:sp>
+        <p:nvSpPr>
+          <p:cNvPr id="3" name="Content Placeholder 2"/>
+          <p:cNvSpPr>
+            <a:spLocks noGrp="1"/>
+          </p:cNvSpPr>
+          <p:nvPr>
+            <p:ph idx="1"/>
+          </p:nvPr>
+        </p:nvSpPr>
+        <p:spPr/>
+        <p:txBody>
+          <a:bodyPr/>
+          <a:lstStyle/>
+          <a:p>
+            <a:pPr algn="just"/>
+            <a:r>
               <a:rPr lang="mn-MN" dirty="0">
-                <a:latin typeface="Times New Roman" panose="02020603050405020304" pitchFamily="18" charset="0"/>
-                <a:cs typeface="Times New Roman" panose="02020603050405020304" pitchFamily="18" charset="0"/>
-              </a:rPr>
-              <a:t>Сэдвийн </a:t>
+                <a:latin typeface="Arial" panose="020B0604020202020204" pitchFamily="34" charset="0"/>
+                <a:cs typeface="Arial" panose="020B0604020202020204" pitchFamily="34" charset="0"/>
+              </a:rPr>
+              <a:t>O</a:t>
             </a:r>
             <a:r>
               <a:rPr lang="mn-MN" dirty="0" smtClean="0">
-                <a:latin typeface="Times New Roman" panose="02020603050405020304" pitchFamily="18" charset="0"/>
-                <a:cs typeface="Times New Roman" panose="02020603050405020304" pitchFamily="18" charset="0"/>
-              </a:rPr>
-              <a:t>судалгаа</a:t>
-            </a:r>
-            <a:endParaRPr lang="en-US" dirty="0"/>
-          </a:p>
-        </p:txBody>
-      </p:sp>
-      <p:sp>
-        <p:nvSpPr>
-          <p:cNvPr id="3" name="Content Placeholder 2"/>
-          <p:cNvSpPr>
-            <a:spLocks noGrp="1"/>
-          </p:cNvSpPr>
-          <p:nvPr>
-            <p:ph idx="1"/>
-          </p:nvPr>
-        </p:nvSpPr>
-        <p:spPr/>
-        <p:txBody>
-          <a:bodyPr/>
-          <a:lstStyle/>
-          <a:p>
-            <a:r>
-              <a:rPr lang="mn-MN" dirty="0" smtClean="0"/>
-              <a:t>Аюулгүй байдал гэж юу вэ?</a:t>
-            </a:r>
-          </a:p>
-          <a:p>
-            <a:r>
-              <a:rPr lang="mn-MN" dirty="0" smtClean="0"/>
-              <a:t>Өгөгдлийн аюулгүй байдал гэж юу вэ?</a:t>
-            </a:r>
-          </a:p>
-          <a:p>
-            <a:r>
-              <a:rPr lang="mn-MN" dirty="0" smtClean="0"/>
-              <a:t>Өгөгдлийн сангийн аюулгүй байдал гэж юу вэ?</a:t>
-            </a:r>
-          </a:p>
-          <a:p>
-            <a:r>
-              <a:rPr lang="mn-MN" dirty="0" smtClean="0"/>
-              <a:t>Криптограф гэж юу вэ?</a:t>
-            </a:r>
-          </a:p>
-          <a:p>
-            <a:r>
-              <a:rPr lang="en-US" dirty="0" smtClean="0"/>
-              <a:t>SQL Injection </a:t>
-            </a:r>
-            <a:r>
-              <a:rPr lang="mn-MN" dirty="0" smtClean="0"/>
-              <a:t>гэж юу вэ?</a:t>
-            </a:r>
-            <a:endParaRPr lang="en-US" dirty="0"/>
+                <a:latin typeface="Arial" panose="020B0604020202020204" pitchFamily="34" charset="0"/>
+                <a:cs typeface="Arial" panose="020B0604020202020204" pitchFamily="34" charset="0"/>
+              </a:rPr>
+              <a:t>юутан </a:t>
+            </a:r>
+            <a:r>
+              <a:rPr lang="mn-MN" dirty="0">
+                <a:latin typeface="Arial" panose="020B0604020202020204" pitchFamily="34" charset="0"/>
+                <a:cs typeface="Arial" panose="020B0604020202020204" pitchFamily="34" charset="0"/>
+              </a:rPr>
+              <a:t>сурагчидад өгөгдлийн нууцлал, аюулгүй байдалын </a:t>
+            </a:r>
+            <a:r>
+              <a:rPr lang="mn-MN" dirty="0" smtClean="0">
+                <a:latin typeface="Arial" panose="020B0604020202020204" pitchFamily="34" charset="0"/>
+                <a:cs typeface="Arial" panose="020B0604020202020204" pitchFamily="34" charset="0"/>
+              </a:rPr>
+              <a:t>талаар </a:t>
+            </a:r>
+            <a:r>
+              <a:rPr lang="mn-MN" dirty="0">
+                <a:latin typeface="Arial" panose="020B0604020202020204" pitchFamily="34" charset="0"/>
+                <a:cs typeface="Arial" panose="020B0604020202020204" pitchFamily="34" charset="0"/>
+              </a:rPr>
+              <a:t>мэдлэг </a:t>
+            </a:r>
+            <a:r>
+              <a:rPr lang="mn-MN" dirty="0" smtClean="0">
+                <a:latin typeface="Arial" panose="020B0604020202020204" pitchFamily="34" charset="0"/>
+                <a:cs typeface="Arial" panose="020B0604020202020204" pitchFamily="34" charset="0"/>
+              </a:rPr>
+              <a:t>олгох, өгөгдлийг хамгаалахад нь туслах зорилгоор гар утасны  тусламжийн програм мөн админ хэрэглэгчид зориулсан вэб </a:t>
+            </a:r>
+            <a:r>
+              <a:rPr lang="mn-MN" dirty="0">
+                <a:latin typeface="Arial" panose="020B0604020202020204" pitchFamily="34" charset="0"/>
+                <a:cs typeface="Arial" panose="020B0604020202020204" pitchFamily="34" charset="0"/>
+              </a:rPr>
+              <a:t>хөгжүүлэх юм.</a:t>
+            </a:r>
+            <a:r>
+              <a:rPr lang="en-US" dirty="0">
+                <a:latin typeface="Arial" panose="020B0604020202020204" pitchFamily="34" charset="0"/>
+                <a:cs typeface="Arial" panose="020B0604020202020204" pitchFamily="34" charset="0"/>
+              </a:rPr>
+              <a:t> </a:t>
+            </a:r>
           </a:p>
         </p:txBody>
       </p:sp>
     </p:spTree>
     <p:extLst>
       <p:ext uri="{BB962C8B-B14F-4D97-AF65-F5344CB8AC3E}">
-        <p14:creationId xmlns:p14="http://schemas.microsoft.com/office/powerpoint/2010/main" val="3533962334"/>
+        <p14:creationId xmlns:p14="http://schemas.microsoft.com/office/powerpoint/2010/main" val="1136160871"/>
       </p:ext>
     </p:extLst>
   </p:cSld>
   <p:clrMapOvr>
     <a:masterClrMapping/>
   </p:clrMapOvr>
+  <p:timing>
+    <p:tnLst>
+      <p:par>
+        <p:cTn id="1" dur="indefinite" restart="never" nodeType="tmRoot"/>
+      </p:par>
+    </p:tnLst>
+  </p:timing>
 </p:sld>
 </file>
 
@@ -6684,46 +10932,129 @@
           <a:lstStyle/>
           <a:p>
             <a:r>
-              <a:rPr lang="mn-MN" dirty="0"/>
-              <a:t>Аюулгүй байдал гэж юу вэ</a:t>
-            </a:r>
-            <a:r>
-              <a:rPr lang="mn-MN" dirty="0" smtClean="0"/>
+              <a:rPr lang="mn-MN" dirty="0">
+                <a:latin typeface="Arial" panose="020B0604020202020204" pitchFamily="34" charset="0"/>
+                <a:cs typeface="Arial" panose="020B0604020202020204" pitchFamily="34" charset="0"/>
+              </a:rPr>
+              <a:t>Сэдвийн </a:t>
+            </a:r>
+            <a:r>
+              <a:rPr lang="mn-MN" dirty="0" smtClean="0">
+                <a:latin typeface="Arial" panose="020B0604020202020204" pitchFamily="34" charset="0"/>
+                <a:cs typeface="Arial" panose="020B0604020202020204" pitchFamily="34" charset="0"/>
+              </a:rPr>
+              <a:t>судалгаа</a:t>
+            </a:r>
+            <a:endParaRPr lang="en-US" dirty="0">
+              <a:latin typeface="Arial" panose="020B0604020202020204" pitchFamily="34" charset="0"/>
+              <a:cs typeface="Arial" panose="020B0604020202020204" pitchFamily="34" charset="0"/>
+            </a:endParaRPr>
+          </a:p>
+        </p:txBody>
+      </p:sp>
+      <p:sp>
+        <p:nvSpPr>
+          <p:cNvPr id="3" name="Content Placeholder 2"/>
+          <p:cNvSpPr>
+            <a:spLocks noGrp="1"/>
+          </p:cNvSpPr>
+          <p:nvPr>
+            <p:ph idx="1"/>
+          </p:nvPr>
+        </p:nvSpPr>
+        <p:spPr/>
+        <p:txBody>
+          <a:bodyPr/>
+          <a:lstStyle/>
+          <a:p>
+            <a:r>
+              <a:rPr lang="mn-MN" dirty="0" smtClean="0">
+                <a:latin typeface="Arial" panose="020B0604020202020204" pitchFamily="34" charset="0"/>
+                <a:cs typeface="Arial" panose="020B0604020202020204" pitchFamily="34" charset="0"/>
+              </a:rPr>
+              <a:t>Аюулгүй байдал гэж юу вэ?</a:t>
+            </a:r>
+          </a:p>
+          <a:p>
+            <a:r>
+              <a:rPr lang="mn-MN" dirty="0" smtClean="0">
+                <a:latin typeface="Arial" panose="020B0604020202020204" pitchFamily="34" charset="0"/>
+                <a:cs typeface="Arial" panose="020B0604020202020204" pitchFamily="34" charset="0"/>
+              </a:rPr>
+              <a:t>Өгөгдлийн аюулгүй байдал гэж юу вэ?</a:t>
+            </a:r>
+          </a:p>
+          <a:p>
+            <a:r>
+              <a:rPr lang="mn-MN" dirty="0">
+                <a:latin typeface="Arial" panose="020B0604020202020204" pitchFamily="34" charset="0"/>
+                <a:cs typeface="Arial" panose="020B0604020202020204" pitchFamily="34" charset="0"/>
+              </a:rPr>
+              <a:t>Өгөгдлийн аюулгүй байдалын </a:t>
+            </a:r>
+            <a:r>
+              <a:rPr lang="mn-MN" dirty="0" smtClean="0">
+                <a:latin typeface="Arial" panose="020B0604020202020204" pitchFamily="34" charset="0"/>
+                <a:cs typeface="Arial" panose="020B0604020202020204" pitchFamily="34" charset="0"/>
+              </a:rPr>
+              <a:t>зорилго</a:t>
+            </a:r>
+            <a:r>
+              <a:rPr lang="en-US" dirty="0" smtClean="0">
+                <a:latin typeface="Arial" panose="020B0604020202020204" pitchFamily="34" charset="0"/>
+                <a:cs typeface="Arial" panose="020B0604020202020204" pitchFamily="34" charset="0"/>
+              </a:rPr>
               <a:t>?</a:t>
             </a:r>
-            <a:endParaRPr lang="en-US" dirty="0"/>
-          </a:p>
-        </p:txBody>
-      </p:sp>
-      <p:sp>
-        <p:nvSpPr>
-          <p:cNvPr id="3" name="Content Placeholder 2"/>
-          <p:cNvSpPr>
-            <a:spLocks noGrp="1"/>
-          </p:cNvSpPr>
-          <p:nvPr>
-            <p:ph idx="1"/>
-          </p:nvPr>
-        </p:nvSpPr>
-        <p:spPr/>
-        <p:txBody>
-          <a:bodyPr/>
-          <a:lstStyle/>
-          <a:p>
-            <a:endParaRPr lang="en-US"/>
+          </a:p>
+          <a:p>
+            <a:r>
+              <a:rPr lang="mn-MN" dirty="0" smtClean="0">
+                <a:latin typeface="Arial" panose="020B0604020202020204" pitchFamily="34" charset="0"/>
+                <a:cs typeface="Arial" panose="020B0604020202020204" pitchFamily="34" charset="0"/>
+              </a:rPr>
+              <a:t>Криптограф гэж юу вэ?</a:t>
+            </a:r>
+          </a:p>
+          <a:p>
+            <a:r>
+              <a:rPr lang="en-US" dirty="0" smtClean="0">
+                <a:latin typeface="Arial" panose="020B0604020202020204" pitchFamily="34" charset="0"/>
+                <a:cs typeface="Arial" panose="020B0604020202020204" pitchFamily="34" charset="0"/>
+              </a:rPr>
+              <a:t>SQL Injection </a:t>
+            </a:r>
+            <a:r>
+              <a:rPr lang="mn-MN" dirty="0" smtClean="0">
+                <a:latin typeface="Arial" panose="020B0604020202020204" pitchFamily="34" charset="0"/>
+                <a:cs typeface="Arial" panose="020B0604020202020204" pitchFamily="34" charset="0"/>
+              </a:rPr>
+              <a:t>гэж юу вэ?</a:t>
+            </a:r>
+            <a:endParaRPr lang="en-US" dirty="0">
+              <a:latin typeface="Arial" panose="020B0604020202020204" pitchFamily="34" charset="0"/>
+              <a:cs typeface="Arial" panose="020B0604020202020204" pitchFamily="34" charset="0"/>
+            </a:endParaRPr>
           </a:p>
         </p:txBody>
       </p:sp>
     </p:spTree>
     <p:extLst>
       <p:ext uri="{BB962C8B-B14F-4D97-AF65-F5344CB8AC3E}">
-        <p14:creationId xmlns:p14="http://schemas.microsoft.com/office/powerpoint/2010/main" val="3562853106"/>
+        <p14:creationId xmlns:p14="http://schemas.microsoft.com/office/powerpoint/2010/main" val="3533962334"/>
       </p:ext>
     </p:extLst>
   </p:cSld>
   <p:clrMapOvr>
     <a:masterClrMapping/>
   </p:clrMapOvr>
+  <p:timing>
+    <p:tnLst>
+      <p:par>
+        <p:cTn id="1" dur="indefinite" restart="never" nodeType="tmRoot"/>
+      </p:par>
+    </p:tnLst>
+  </p:timing>
 </p:sld>
 </file>
 
@@ -6762,14 +11093,23 @@
           <a:lstStyle/>
           <a:p>
             <a:r>
-              <a:rPr lang="mn-MN"/>
-              <a:t>Өгөгдлийн аюулгүй байдал гэж юу вэ</a:t>
-            </a:r>
-            <a:r>
-              <a:rPr lang="mn-MN" smtClean="0"/>
+              <a:rPr lang="mn-MN" dirty="0">
+                <a:latin typeface="Arial" panose="020B0604020202020204" pitchFamily="34" charset="0"/>
+                <a:cs typeface="Arial" panose="020B0604020202020204" pitchFamily="34" charset="0"/>
+              </a:rPr>
+              <a:t>Аюулгүй байдал гэж юу вэ</a:t>
+            </a:r>
+            <a:r>
+              <a:rPr lang="mn-MN" dirty="0" smtClean="0">
+                <a:latin typeface="Arial" panose="020B0604020202020204" pitchFamily="34" charset="0"/>
+                <a:cs typeface="Arial" panose="020B0604020202020204" pitchFamily="34" charset="0"/>
+              </a:rPr>
               <a:t>?</a:t>
             </a:r>
-            <a:endParaRPr lang="en-US"/>
+            <a:endParaRPr lang="en-US" dirty="0">
+              <a:latin typeface="Arial" panose="020B0604020202020204" pitchFamily="34" charset="0"/>
+              <a:cs typeface="Arial" panose="020B0604020202020204" pitchFamily="34" charset="0"/>
+            </a:endParaRPr>
           </a:p>
         </p:txBody>
       </p:sp>
@@ -6788,20 +11128,451 @@
           <a:bodyPr/>
           <a:lstStyle/>
           <a:p>
-            <a:endParaRPr lang="en-US"/>
+            <a:pPr algn="just"/>
+            <a:r>
+              <a:rPr lang="en-US" dirty="0" err="1">
+                <a:latin typeface="Arial" panose="020B0604020202020204" pitchFamily="34" charset="0"/>
+                <a:cs typeface="Arial" panose="020B0604020202020204" pitchFamily="34" charset="0"/>
+              </a:rPr>
+              <a:t>Аюулгүй</a:t>
+            </a:r>
+            <a:r>
+              <a:rPr lang="en-US" dirty="0">
+                <a:latin typeface="Arial" panose="020B0604020202020204" pitchFamily="34" charset="0"/>
+                <a:cs typeface="Arial" panose="020B0604020202020204" pitchFamily="34" charset="0"/>
+              </a:rPr>
+              <a:t> </a:t>
+            </a:r>
+            <a:r>
+              <a:rPr lang="en-US" dirty="0" err="1">
+                <a:latin typeface="Arial" panose="020B0604020202020204" pitchFamily="34" charset="0"/>
+                <a:cs typeface="Arial" panose="020B0604020202020204" pitchFamily="34" charset="0"/>
+              </a:rPr>
+              <a:t>байдал</a:t>
+            </a:r>
+            <a:r>
+              <a:rPr lang="en-US" dirty="0">
+                <a:latin typeface="Arial" panose="020B0604020202020204" pitchFamily="34" charset="0"/>
+                <a:cs typeface="Arial" panose="020B0604020202020204" pitchFamily="34" charset="0"/>
+              </a:rPr>
+              <a:t> </a:t>
+            </a:r>
+            <a:r>
+              <a:rPr lang="en-US" dirty="0" err="1">
+                <a:latin typeface="Arial" panose="020B0604020202020204" pitchFamily="34" charset="0"/>
+                <a:cs typeface="Arial" panose="020B0604020202020204" pitchFamily="34" charset="0"/>
+              </a:rPr>
+              <a:t>гэдэг</a:t>
+            </a:r>
+            <a:r>
+              <a:rPr lang="en-US" dirty="0">
+                <a:latin typeface="Arial" panose="020B0604020202020204" pitchFamily="34" charset="0"/>
+                <a:cs typeface="Arial" panose="020B0604020202020204" pitchFamily="34" charset="0"/>
+              </a:rPr>
+              <a:t> </a:t>
+            </a:r>
+            <a:r>
+              <a:rPr lang="en-US" dirty="0" err="1">
+                <a:latin typeface="Arial" panose="020B0604020202020204" pitchFamily="34" charset="0"/>
+                <a:cs typeface="Arial" panose="020B0604020202020204" pitchFamily="34" charset="0"/>
+              </a:rPr>
+              <a:t>нь</a:t>
+            </a:r>
+            <a:r>
+              <a:rPr lang="en-US" dirty="0">
+                <a:latin typeface="Arial" panose="020B0604020202020204" pitchFamily="34" charset="0"/>
+                <a:cs typeface="Arial" panose="020B0604020202020204" pitchFamily="34" charset="0"/>
+              </a:rPr>
+              <a:t> </a:t>
+            </a:r>
+            <a:r>
+              <a:rPr lang="en-US" dirty="0" err="1">
+                <a:latin typeface="Arial" panose="020B0604020202020204" pitchFamily="34" charset="0"/>
+                <a:cs typeface="Arial" panose="020B0604020202020204" pitchFamily="34" charset="0"/>
+              </a:rPr>
+              <a:t>хор</a:t>
+            </a:r>
+            <a:r>
+              <a:rPr lang="en-US" dirty="0">
+                <a:latin typeface="Arial" panose="020B0604020202020204" pitchFamily="34" charset="0"/>
+                <a:cs typeface="Arial" panose="020B0604020202020204" pitchFamily="34" charset="0"/>
+              </a:rPr>
+              <a:t> </a:t>
+            </a:r>
+            <a:r>
+              <a:rPr lang="en-US" dirty="0" err="1">
+                <a:latin typeface="Arial" panose="020B0604020202020204" pitchFamily="34" charset="0"/>
+                <a:cs typeface="Arial" panose="020B0604020202020204" pitchFamily="34" charset="0"/>
+              </a:rPr>
+              <a:t>хохирлоос</a:t>
+            </a:r>
+            <a:r>
+              <a:rPr lang="en-US" dirty="0">
+                <a:latin typeface="Arial" panose="020B0604020202020204" pitchFamily="34" charset="0"/>
+                <a:cs typeface="Arial" panose="020B0604020202020204" pitchFamily="34" charset="0"/>
+              </a:rPr>
+              <a:t> </a:t>
+            </a:r>
+            <a:r>
+              <a:rPr lang="en-US" dirty="0" err="1">
+                <a:latin typeface="Arial" panose="020B0604020202020204" pitchFamily="34" charset="0"/>
+                <a:cs typeface="Arial" panose="020B0604020202020204" pitchFamily="34" charset="0"/>
+              </a:rPr>
+              <a:t>хамгаалах</a:t>
+            </a:r>
+            <a:r>
+              <a:rPr lang="en-US" dirty="0">
+                <a:latin typeface="Arial" panose="020B0604020202020204" pitchFamily="34" charset="0"/>
+                <a:cs typeface="Arial" panose="020B0604020202020204" pitchFamily="34" charset="0"/>
+              </a:rPr>
+              <a:t> </a:t>
+            </a:r>
+            <a:r>
+              <a:rPr lang="en-US" dirty="0" err="1">
+                <a:latin typeface="Arial" panose="020B0604020202020204" pitchFamily="34" charset="0"/>
+                <a:cs typeface="Arial" panose="020B0604020202020204" pitchFamily="34" charset="0"/>
+              </a:rPr>
+              <a:t>эсвэл</a:t>
+            </a:r>
+            <a:r>
+              <a:rPr lang="en-US" dirty="0">
+                <a:latin typeface="Arial" panose="020B0604020202020204" pitchFamily="34" charset="0"/>
+                <a:cs typeface="Arial" panose="020B0604020202020204" pitchFamily="34" charset="0"/>
+              </a:rPr>
+              <a:t> </a:t>
+            </a:r>
+            <a:r>
+              <a:rPr lang="en-US" dirty="0" err="1">
+                <a:latin typeface="Arial" panose="020B0604020202020204" pitchFamily="34" charset="0"/>
+                <a:cs typeface="Arial" panose="020B0604020202020204" pitchFamily="34" charset="0"/>
+              </a:rPr>
+              <a:t>эсэргүүцэх</a:t>
+            </a:r>
+            <a:r>
+              <a:rPr lang="en-US" dirty="0">
+                <a:latin typeface="Arial" panose="020B0604020202020204" pitchFamily="34" charset="0"/>
+                <a:cs typeface="Arial" panose="020B0604020202020204" pitchFamily="34" charset="0"/>
+              </a:rPr>
+              <a:t> чадварын </a:t>
+            </a:r>
+            <a:r>
+              <a:rPr lang="en-US" dirty="0" err="1">
+                <a:latin typeface="Arial" panose="020B0604020202020204" pitchFamily="34" charset="0"/>
+                <a:cs typeface="Arial" panose="020B0604020202020204" pitchFamily="34" charset="0"/>
+              </a:rPr>
+              <a:t>чанар</a:t>
+            </a:r>
+            <a:r>
+              <a:rPr lang="en-US" dirty="0">
+                <a:latin typeface="Arial" panose="020B0604020202020204" pitchFamily="34" charset="0"/>
+                <a:cs typeface="Arial" panose="020B0604020202020204" pitchFamily="34" charset="0"/>
+              </a:rPr>
+              <a:t> </a:t>
+            </a:r>
+            <a:r>
+              <a:rPr lang="en-US" dirty="0" err="1">
+                <a:latin typeface="Arial" panose="020B0604020202020204" pitchFamily="34" charset="0"/>
+                <a:cs typeface="Arial" panose="020B0604020202020204" pitchFamily="34" charset="0"/>
+              </a:rPr>
+              <a:t>юм</a:t>
+            </a:r>
+            <a:r>
+              <a:rPr lang="en-US" dirty="0">
+                <a:latin typeface="Arial" panose="020B0604020202020204" pitchFamily="34" charset="0"/>
+                <a:cs typeface="Arial" panose="020B0604020202020204" pitchFamily="34" charset="0"/>
+              </a:rPr>
+              <a:t>. </a:t>
+            </a:r>
+            <a:r>
+              <a:rPr lang="en-US" dirty="0" err="1">
+                <a:latin typeface="Arial" panose="020B0604020202020204" pitchFamily="34" charset="0"/>
+                <a:cs typeface="Arial" panose="020B0604020202020204" pitchFamily="34" charset="0"/>
+              </a:rPr>
+              <a:t>Энэ</a:t>
+            </a:r>
+            <a:r>
+              <a:rPr lang="en-US" dirty="0">
+                <a:latin typeface="Arial" panose="020B0604020202020204" pitchFamily="34" charset="0"/>
+                <a:cs typeface="Arial" panose="020B0604020202020204" pitchFamily="34" charset="0"/>
+              </a:rPr>
+              <a:t> </a:t>
+            </a:r>
+            <a:r>
+              <a:rPr lang="en-US" dirty="0" err="1">
+                <a:latin typeface="Arial" panose="020B0604020202020204" pitchFamily="34" charset="0"/>
+                <a:cs typeface="Arial" panose="020B0604020202020204" pitchFamily="34" charset="0"/>
+              </a:rPr>
+              <a:t>нь</a:t>
+            </a:r>
+            <a:r>
+              <a:rPr lang="en-US" dirty="0">
+                <a:latin typeface="Arial" panose="020B0604020202020204" pitchFamily="34" charset="0"/>
+                <a:cs typeface="Arial" panose="020B0604020202020204" pitchFamily="34" charset="0"/>
+              </a:rPr>
+              <a:t> </a:t>
+            </a:r>
+            <a:r>
+              <a:rPr lang="en-US" dirty="0" err="1">
+                <a:latin typeface="Arial" panose="020B0604020202020204" pitchFamily="34" charset="0"/>
+                <a:cs typeface="Arial" panose="020B0604020202020204" pitchFamily="34" charset="0"/>
+              </a:rPr>
+              <a:t>хүн</a:t>
+            </a:r>
+            <a:r>
+              <a:rPr lang="en-US" dirty="0">
+                <a:latin typeface="Arial" panose="020B0604020202020204" pitchFamily="34" charset="0"/>
+                <a:cs typeface="Arial" panose="020B0604020202020204" pitchFamily="34" charset="0"/>
+              </a:rPr>
+              <a:t>, </a:t>
+            </a:r>
+            <a:r>
+              <a:rPr lang="en-US" dirty="0" err="1">
+                <a:latin typeface="Arial" panose="020B0604020202020204" pitchFamily="34" charset="0"/>
+                <a:cs typeface="Arial" panose="020B0604020202020204" pitchFamily="34" charset="0"/>
+              </a:rPr>
+              <a:t>орон</a:t>
+            </a:r>
+            <a:r>
+              <a:rPr lang="en-US" dirty="0">
+                <a:latin typeface="Arial" panose="020B0604020202020204" pitchFamily="34" charset="0"/>
+                <a:cs typeface="Arial" panose="020B0604020202020204" pitchFamily="34" charset="0"/>
+              </a:rPr>
+              <a:t> </a:t>
+            </a:r>
+            <a:r>
+              <a:rPr lang="en-US" dirty="0" err="1">
+                <a:latin typeface="Arial" panose="020B0604020202020204" pitchFamily="34" charset="0"/>
+                <a:cs typeface="Arial" panose="020B0604020202020204" pitchFamily="34" charset="0"/>
+              </a:rPr>
+              <a:t>гэр</a:t>
+            </a:r>
+            <a:r>
+              <a:rPr lang="en-US" dirty="0">
+                <a:latin typeface="Arial" panose="020B0604020202020204" pitchFamily="34" charset="0"/>
+                <a:cs typeface="Arial" panose="020B0604020202020204" pitchFamily="34" charset="0"/>
+              </a:rPr>
+              <a:t>, </a:t>
+            </a:r>
+            <a:r>
+              <a:rPr lang="en-US" dirty="0" err="1">
+                <a:latin typeface="Arial" panose="020B0604020202020204" pitchFamily="34" charset="0"/>
+                <a:cs typeface="Arial" panose="020B0604020202020204" pitchFamily="34" charset="0"/>
+              </a:rPr>
+              <a:t>эд</a:t>
+            </a:r>
+            <a:r>
+              <a:rPr lang="en-US" dirty="0">
+                <a:latin typeface="Arial" panose="020B0604020202020204" pitchFamily="34" charset="0"/>
+                <a:cs typeface="Arial" panose="020B0604020202020204" pitchFamily="34" charset="0"/>
+              </a:rPr>
+              <a:t> </a:t>
+            </a:r>
+            <a:r>
+              <a:rPr lang="en-US" dirty="0" err="1">
+                <a:latin typeface="Arial" panose="020B0604020202020204" pitchFamily="34" charset="0"/>
+                <a:cs typeface="Arial" panose="020B0604020202020204" pitchFamily="34" charset="0"/>
+              </a:rPr>
+              <a:t>зүйл</a:t>
+            </a:r>
+            <a:r>
+              <a:rPr lang="en-US" dirty="0">
+                <a:latin typeface="Arial" panose="020B0604020202020204" pitchFamily="34" charset="0"/>
+                <a:cs typeface="Arial" panose="020B0604020202020204" pitchFamily="34" charset="0"/>
+              </a:rPr>
+              <a:t>, </a:t>
+            </a:r>
+            <a:r>
+              <a:rPr lang="en-US" dirty="0" err="1">
+                <a:latin typeface="Arial" panose="020B0604020202020204" pitchFamily="34" charset="0"/>
+                <a:cs typeface="Arial" panose="020B0604020202020204" pitchFamily="34" charset="0"/>
+              </a:rPr>
+              <a:t>улс</a:t>
+            </a:r>
+            <a:r>
+              <a:rPr lang="en-US" dirty="0">
+                <a:latin typeface="Arial" panose="020B0604020202020204" pitchFamily="34" charset="0"/>
+                <a:cs typeface="Arial" panose="020B0604020202020204" pitchFamily="34" charset="0"/>
+              </a:rPr>
+              <a:t> </a:t>
+            </a:r>
+            <a:r>
+              <a:rPr lang="en-US" dirty="0" err="1">
+                <a:latin typeface="Arial" panose="020B0604020202020204" pitchFamily="34" charset="0"/>
+                <a:cs typeface="Arial" panose="020B0604020202020204" pitchFamily="34" charset="0"/>
+              </a:rPr>
+              <a:t>үндэстэн</a:t>
+            </a:r>
+            <a:r>
+              <a:rPr lang="en-US" dirty="0">
+                <a:latin typeface="Arial" panose="020B0604020202020204" pitchFamily="34" charset="0"/>
+                <a:cs typeface="Arial" panose="020B0604020202020204" pitchFamily="34" charset="0"/>
+              </a:rPr>
+              <a:t> </a:t>
+            </a:r>
+            <a:r>
+              <a:rPr lang="en-US" dirty="0" err="1">
+                <a:latin typeface="Arial" panose="020B0604020202020204" pitchFamily="34" charset="0"/>
+                <a:cs typeface="Arial" panose="020B0604020202020204" pitchFamily="34" charset="0"/>
+              </a:rPr>
+              <a:t>болон</a:t>
+            </a:r>
+            <a:r>
+              <a:rPr lang="en-US" dirty="0">
+                <a:latin typeface="Arial" panose="020B0604020202020204" pitchFamily="34" charset="0"/>
+                <a:cs typeface="Arial" panose="020B0604020202020204" pitchFamily="34" charset="0"/>
+              </a:rPr>
+              <a:t> байгуулга </a:t>
+            </a:r>
+            <a:r>
+              <a:rPr lang="en-US" dirty="0" err="1">
+                <a:latin typeface="Arial" panose="020B0604020202020204" pitchFamily="34" charset="0"/>
+                <a:cs typeface="Arial" panose="020B0604020202020204" pitchFamily="34" charset="0"/>
+              </a:rPr>
+              <a:t>гэх</a:t>
+            </a:r>
+            <a:r>
+              <a:rPr lang="en-US" dirty="0">
+                <a:latin typeface="Arial" panose="020B0604020202020204" pitchFamily="34" charset="0"/>
+                <a:cs typeface="Arial" panose="020B0604020202020204" pitchFamily="34" charset="0"/>
+              </a:rPr>
+              <a:t> </a:t>
+            </a:r>
+            <a:r>
+              <a:rPr lang="en-US" dirty="0" err="1">
+                <a:latin typeface="Arial" panose="020B0604020202020204" pitchFamily="34" charset="0"/>
+                <a:cs typeface="Arial" panose="020B0604020202020204" pitchFamily="34" charset="0"/>
+              </a:rPr>
+              <a:t>мэт</a:t>
+            </a:r>
+            <a:r>
+              <a:rPr lang="en-US" dirty="0">
+                <a:latin typeface="Arial" panose="020B0604020202020204" pitchFamily="34" charset="0"/>
+                <a:cs typeface="Arial" panose="020B0604020202020204" pitchFamily="34" charset="0"/>
+              </a:rPr>
+              <a:t> </a:t>
+            </a:r>
+            <a:r>
+              <a:rPr lang="en-US" dirty="0" err="1">
+                <a:latin typeface="Arial" panose="020B0604020202020204" pitchFamily="34" charset="0"/>
+                <a:cs typeface="Arial" panose="020B0604020202020204" pitchFamily="34" charset="0"/>
+              </a:rPr>
+              <a:t>эмзэг</a:t>
+            </a:r>
+            <a:r>
+              <a:rPr lang="en-US" dirty="0">
+                <a:latin typeface="Arial" panose="020B0604020202020204" pitchFamily="34" charset="0"/>
+                <a:cs typeface="Arial" panose="020B0604020202020204" pitchFamily="34" charset="0"/>
+              </a:rPr>
+              <a:t>, </a:t>
+            </a:r>
+            <a:r>
+              <a:rPr lang="en-US" dirty="0" err="1">
+                <a:latin typeface="Arial" panose="020B0604020202020204" pitchFamily="34" charset="0"/>
+                <a:cs typeface="Arial" panose="020B0604020202020204" pitchFamily="34" charset="0"/>
+              </a:rPr>
+              <a:t>үнэ</a:t>
+            </a:r>
+            <a:r>
+              <a:rPr lang="en-US" dirty="0">
+                <a:latin typeface="Arial" panose="020B0604020202020204" pitchFamily="34" charset="0"/>
+                <a:cs typeface="Arial" panose="020B0604020202020204" pitchFamily="34" charset="0"/>
+              </a:rPr>
+              <a:t> </a:t>
+            </a:r>
+            <a:r>
+              <a:rPr lang="en-US" dirty="0" err="1">
+                <a:latin typeface="Arial" panose="020B0604020202020204" pitchFamily="34" charset="0"/>
+                <a:cs typeface="Arial" panose="020B0604020202020204" pitchFamily="34" charset="0"/>
+              </a:rPr>
+              <a:t>цэнэтэй</a:t>
+            </a:r>
+            <a:r>
+              <a:rPr lang="en-US" dirty="0">
+                <a:latin typeface="Arial" panose="020B0604020202020204" pitchFamily="34" charset="0"/>
+                <a:cs typeface="Arial" panose="020B0604020202020204" pitchFamily="34" charset="0"/>
+              </a:rPr>
+              <a:t> </a:t>
+            </a:r>
+            <a:r>
+              <a:rPr lang="en-US" dirty="0" err="1">
+                <a:latin typeface="Arial" panose="020B0604020202020204" pitchFamily="34" charset="0"/>
+                <a:cs typeface="Arial" panose="020B0604020202020204" pitchFamily="34" charset="0"/>
+              </a:rPr>
+              <a:t>бүх</a:t>
+            </a:r>
+            <a:r>
+              <a:rPr lang="en-US" dirty="0">
+                <a:latin typeface="Arial" panose="020B0604020202020204" pitchFamily="34" charset="0"/>
+                <a:cs typeface="Arial" panose="020B0604020202020204" pitchFamily="34" charset="0"/>
+              </a:rPr>
+              <a:t> </a:t>
+            </a:r>
+            <a:r>
+              <a:rPr lang="en-US" dirty="0" err="1">
+                <a:latin typeface="Arial" panose="020B0604020202020204" pitchFamily="34" charset="0"/>
+                <a:cs typeface="Arial" panose="020B0604020202020204" pitchFamily="34" charset="0"/>
+              </a:rPr>
+              <a:t>зүйл</a:t>
+            </a:r>
+            <a:r>
+              <a:rPr lang="en-US" dirty="0">
+                <a:latin typeface="Arial" panose="020B0604020202020204" pitchFamily="34" charset="0"/>
+                <a:cs typeface="Arial" panose="020B0604020202020204" pitchFamily="34" charset="0"/>
+              </a:rPr>
+              <a:t> </a:t>
+            </a:r>
+            <a:r>
+              <a:rPr lang="en-US" dirty="0" err="1">
+                <a:latin typeface="Arial" panose="020B0604020202020204" pitchFamily="34" charset="0"/>
+                <a:cs typeface="Arial" panose="020B0604020202020204" pitchFamily="34" charset="0"/>
+              </a:rPr>
+              <a:t>дээр</a:t>
+            </a:r>
+            <a:r>
+              <a:rPr lang="en-US" dirty="0">
+                <a:latin typeface="Arial" panose="020B0604020202020204" pitchFamily="34" charset="0"/>
+                <a:cs typeface="Arial" panose="020B0604020202020204" pitchFamily="34" charset="0"/>
+              </a:rPr>
+              <a:t> </a:t>
+            </a:r>
+            <a:r>
+              <a:rPr lang="en-US" dirty="0" err="1" smtClean="0">
+                <a:latin typeface="Arial" panose="020B0604020202020204" pitchFamily="34" charset="0"/>
+                <a:cs typeface="Arial" panose="020B0604020202020204" pitchFamily="34" charset="0"/>
+              </a:rPr>
+              <a:t>хэрэглэгддэг</a:t>
+            </a:r>
+            <a:r>
+              <a:rPr lang="mn-MN" dirty="0" smtClean="0">
+                <a:latin typeface="Arial" panose="020B0604020202020204" pitchFamily="34" charset="0"/>
+                <a:cs typeface="Arial" panose="020B0604020202020204" pitchFamily="34" charset="0"/>
+              </a:rPr>
+              <a:t>.</a:t>
+            </a:r>
+            <a:endParaRPr lang="en-US" dirty="0">
+              <a:latin typeface="Arial" panose="020B0604020202020204" pitchFamily="34" charset="0"/>
+              <a:cs typeface="Arial" panose="020B0604020202020204" pitchFamily="34" charset="0"/>
+            </a:endParaRPr>
           </a:p>
         </p:txBody>
       </p:sp>
     </p:spTree>
     <p:extLst>
       <p:ext uri="{BB962C8B-B14F-4D97-AF65-F5344CB8AC3E}">
-        <p14:creationId xmlns:p14="http://schemas.microsoft.com/office/powerpoint/2010/main" val="2296861095"/>
+        <p14:creationId xmlns:p14="http://schemas.microsoft.com/office/powerpoint/2010/main" val="3562853106"/>
       </p:ext>
     </p:extLst>
   </p:cSld>
   <p:clrMapOvr>
     <a:masterClrMapping/>
   </p:clrMapOvr>
+  <p:timing>
+    <p:tnLst>
+      <p:par>
+        <p:cTn id="1" dur="indefinite" restart="never" nodeType="tmRoot"/>
+      </p:par>
+    </p:tnLst>
+  </p:timing>
 </p:sld>
 </file>
 
@@ -6835,19 +11606,28 @@
         <p:spPr/>
         <p:txBody>
           <a:bodyPr>
-            <a:normAutofit/>
+            <a:normAutofit fontScale="90000"/>
           </a:bodyPr>
           <a:lstStyle/>
           <a:p>
             <a:r>
-              <a:rPr lang="mn-MN" dirty="0"/>
-              <a:t>Криптограф гэж юу вэ</a:t>
-            </a:r>
-            <a:r>
-              <a:rPr lang="mn-MN" dirty="0" smtClean="0"/>
+              <a:rPr lang="mn-MN" dirty="0">
+                <a:latin typeface="Arial" panose="020B0604020202020204" pitchFamily="34" charset="0"/>
+                <a:cs typeface="Arial" panose="020B0604020202020204" pitchFamily="34" charset="0"/>
+              </a:rPr>
+              <a:t>Өгөгдлийн аюулгүй байдал гэж юу вэ</a:t>
+            </a:r>
+            <a:r>
+              <a:rPr lang="mn-MN" dirty="0" smtClean="0">
+                <a:latin typeface="Arial" panose="020B0604020202020204" pitchFamily="34" charset="0"/>
+                <a:cs typeface="Arial" panose="020B0604020202020204" pitchFamily="34" charset="0"/>
+              </a:rPr>
               <a:t>?</a:t>
             </a:r>
-            <a:endParaRPr lang="en-US" dirty="0"/>
+            <a:endParaRPr lang="en-US" dirty="0">
+              <a:latin typeface="Arial" panose="020B0604020202020204" pitchFamily="34" charset="0"/>
+              <a:cs typeface="Arial" panose="020B0604020202020204" pitchFamily="34" charset="0"/>
+            </a:endParaRPr>
           </a:p>
         </p:txBody>
       </p:sp>
@@ -6866,20 +11646,66 @@
           <a:bodyPr/>
           <a:lstStyle/>
           <a:p>
-            <a:endParaRPr lang="en-US" dirty="0"/>
+            <a:pPr algn="just"/>
+            <a:r>
+              <a:rPr lang="mn-MN" dirty="0" smtClean="0">
+                <a:latin typeface="Arial" panose="020B0604020202020204" pitchFamily="34" charset="0"/>
+                <a:cs typeface="Arial" panose="020B0604020202020204" pitchFamily="34" charset="0"/>
+              </a:rPr>
+              <a:t>Өгөгдлийн аюулгүй байдал гэдэг нь өгөгдөлд хандах зөвшөөрөлгүй хэрэглэгч өгөгдлийн хулгай</a:t>
+            </a:r>
+            <a:r>
+              <a:rPr lang="mn-MN" dirty="0">
+                <a:latin typeface="Arial" panose="020B0604020202020204" pitchFamily="34" charset="0"/>
+                <a:cs typeface="Arial" panose="020B0604020202020204" pitchFamily="34" charset="0"/>
+              </a:rPr>
+              <a:t>, буруу хэрэглэх, хүсээгүй халдлага болон </a:t>
+            </a:r>
+            <a:r>
+              <a:rPr lang="mn-MN" dirty="0" smtClean="0">
+                <a:latin typeface="Arial" panose="020B0604020202020204" pitchFamily="34" charset="0"/>
+                <a:cs typeface="Arial" panose="020B0604020202020204" pitchFamily="34" charset="0"/>
+              </a:rPr>
+              <a:t>эвдрэл</a:t>
+            </a:r>
+            <a:r>
+              <a:rPr lang="en-US" dirty="0" smtClean="0">
+                <a:latin typeface="Arial" panose="020B0604020202020204" pitchFamily="34" charset="0"/>
+                <a:cs typeface="Arial" panose="020B0604020202020204" pitchFamily="34" charset="0"/>
+              </a:rPr>
+              <a:t> </a:t>
+            </a:r>
+            <a:r>
+              <a:rPr lang="mn-MN" dirty="0" smtClean="0">
+                <a:latin typeface="Arial" panose="020B0604020202020204" pitchFamily="34" charset="0"/>
+                <a:cs typeface="Arial" panose="020B0604020202020204" pitchFamily="34" charset="0"/>
+              </a:rPr>
+              <a:t>үүсгэхээс хамгаалах юм. </a:t>
+            </a:r>
+            <a:endParaRPr lang="en-US" dirty="0">
+              <a:latin typeface="Arial" panose="020B0604020202020204" pitchFamily="34" charset="0"/>
+              <a:cs typeface="Arial" panose="020B0604020202020204" pitchFamily="34" charset="0"/>
+            </a:endParaRPr>
           </a:p>
         </p:txBody>
       </p:sp>
     </p:spTree>
     <p:extLst>
       <p:ext uri="{BB962C8B-B14F-4D97-AF65-F5344CB8AC3E}">
-        <p14:creationId xmlns:p14="http://schemas.microsoft.com/office/powerpoint/2010/main" val="3965535574"/>
+        <p14:creationId xmlns:p14="http://schemas.microsoft.com/office/powerpoint/2010/main" val="2296861095"/>
       </p:ext>
     </p:extLst>
   </p:cSld>
   <p:clrMapOvr>
     <a:masterClrMapping/>
   </p:clrMapOvr>
+  <p:timing>
+    <p:tnLst>
+      <p:par>
+        <p:cTn id="1" dur="indefinite" restart="never" nodeType="tmRoot"/>
+      </p:par>
+    </p:tnLst>
+  </p:timing>
 </p:sld>
 </file>
 
@@ -6913,23 +11739,28 @@
         <p:spPr/>
         <p:txBody>
           <a:bodyPr>
-            <a:normAutofit/>
+            <a:normAutofit fontScale="90000"/>
           </a:bodyPr>
           <a:lstStyle/>
           <a:p>
             <a:r>
-              <a:rPr lang="en-US" dirty="0"/>
-              <a:t>SQL Injection </a:t>
-            </a:r>
-            <a:r>
-              <a:rPr lang="mn-MN" dirty="0"/>
-              <a:t>гэж юу вэ</a:t>
-            </a:r>
-            <a:r>
-              <a:rPr lang="mn-MN" dirty="0" smtClean="0"/>
-              <a:t>?</a:t>
-            </a:r>
-            <a:endParaRPr lang="en-US" dirty="0"/>
+              <a:rPr lang="mn-MN" dirty="0">
+                <a:latin typeface="Arial" panose="020B0604020202020204" pitchFamily="34" charset="0"/>
+                <a:cs typeface="Arial" panose="020B0604020202020204" pitchFamily="34" charset="0"/>
+              </a:rPr>
+              <a:t>Өгөгдлийн аюулгүй </a:t>
+            </a:r>
+            <a:r>
+              <a:rPr lang="mn-MN" dirty="0" smtClean="0">
+                <a:latin typeface="Arial" panose="020B0604020202020204" pitchFamily="34" charset="0"/>
+                <a:cs typeface="Arial" panose="020B0604020202020204" pitchFamily="34" charset="0"/>
+              </a:rPr>
+              <a:t>байдалын зорилго</a:t>
+            </a:r>
+            <a:endParaRPr lang="en-US" dirty="0">
+              <a:latin typeface="Arial" panose="020B0604020202020204" pitchFamily="34" charset="0"/>
+              <a:cs typeface="Arial" panose="020B0604020202020204" pitchFamily="34" charset="0"/>
+            </a:endParaRPr>
           </a:p>
         </p:txBody>
       </p:sp>
@@ -6943,25 +11774,361 @@
             <p:ph idx="1"/>
           </p:nvPr>
         </p:nvSpPr>
-        <p:spPr/>
+        <p:spPr>
+          <a:xfrm>
+            <a:off x="1295401" y="2556932"/>
+            <a:ext cx="4757669" cy="3318936"/>
+          </a:xfrm>
+        </p:spPr>
         <p:txBody>
           <a:bodyPr/>
           <a:lstStyle/>
           <a:p>
-            <a:endParaRPr lang="en-US"/>
-          </a:p>
-        </p:txBody>
-      </p:sp>
+            <a:pPr algn="just"/>
+            <a:r>
+              <a:rPr lang="en-US" dirty="0" err="1">
+                <a:latin typeface="Arial" panose="020B0604020202020204" pitchFamily="34" charset="0"/>
+                <a:cs typeface="Arial" panose="020B0604020202020204" pitchFamily="34" charset="0"/>
+              </a:rPr>
+              <a:t>Аюулгүй</a:t>
+            </a:r>
+            <a:r>
+              <a:rPr lang="en-US" dirty="0">
+                <a:latin typeface="Arial" panose="020B0604020202020204" pitchFamily="34" charset="0"/>
+                <a:cs typeface="Arial" panose="020B0604020202020204" pitchFamily="34" charset="0"/>
+              </a:rPr>
+              <a:t> </a:t>
+            </a:r>
+            <a:r>
+              <a:rPr lang="en-US" dirty="0" err="1">
+                <a:latin typeface="Arial" panose="020B0604020202020204" pitchFamily="34" charset="0"/>
+                <a:cs typeface="Arial" panose="020B0604020202020204" pitchFamily="34" charset="0"/>
+              </a:rPr>
+              <a:t>байдлын</a:t>
+            </a:r>
+            <a:r>
+              <a:rPr lang="en-US" dirty="0">
+                <a:latin typeface="Arial" panose="020B0604020202020204" pitchFamily="34" charset="0"/>
+                <a:cs typeface="Arial" panose="020B0604020202020204" pitchFamily="34" charset="0"/>
+              </a:rPr>
+              <a:t> </a:t>
+            </a:r>
+            <a:r>
+              <a:rPr lang="en-US" dirty="0" err="1">
+                <a:latin typeface="Arial" panose="020B0604020202020204" pitchFamily="34" charset="0"/>
+                <a:cs typeface="Arial" panose="020B0604020202020204" pitchFamily="34" charset="0"/>
+              </a:rPr>
+              <a:t>хэмжүүр</a:t>
+            </a:r>
+            <a:r>
+              <a:rPr lang="en-US" dirty="0">
+                <a:latin typeface="Arial" panose="020B0604020202020204" pitchFamily="34" charset="0"/>
+                <a:cs typeface="Arial" panose="020B0604020202020204" pitchFamily="34" charset="0"/>
+              </a:rPr>
+              <a:t> </a:t>
+            </a:r>
+            <a:r>
+              <a:rPr lang="en-US" dirty="0" err="1">
+                <a:latin typeface="Arial" panose="020B0604020202020204" pitchFamily="34" charset="0"/>
+                <a:cs typeface="Arial" panose="020B0604020202020204" pitchFamily="34" charset="0"/>
+              </a:rPr>
+              <a:t>нь</a:t>
+            </a:r>
+            <a:r>
+              <a:rPr lang="en-US" dirty="0">
+                <a:latin typeface="Arial" panose="020B0604020202020204" pitchFamily="34" charset="0"/>
+                <a:cs typeface="Arial" panose="020B0604020202020204" pitchFamily="34" charset="0"/>
+              </a:rPr>
+              <a:t> </a:t>
+            </a:r>
+            <a:r>
+              <a:rPr lang="en-US" dirty="0" err="1">
+                <a:latin typeface="Arial" panose="020B0604020202020204" pitchFamily="34" charset="0"/>
+                <a:cs typeface="Arial" panose="020B0604020202020204" pitchFamily="34" charset="0"/>
+              </a:rPr>
+              <a:t>мэдээллийг</a:t>
+            </a:r>
+            <a:r>
+              <a:rPr lang="en-US" dirty="0">
+                <a:latin typeface="Arial" panose="020B0604020202020204" pitchFamily="34" charset="0"/>
+                <a:cs typeface="Arial" panose="020B0604020202020204" pitchFamily="34" charset="0"/>
+              </a:rPr>
+              <a:t> </a:t>
+            </a:r>
+            <a:r>
+              <a:rPr lang="en-US" dirty="0" err="1">
+                <a:latin typeface="Arial" panose="020B0604020202020204" pitchFamily="34" charset="0"/>
+                <a:cs typeface="Arial" panose="020B0604020202020204" pitchFamily="34" charset="0"/>
+              </a:rPr>
+              <a:t>гаднаас</a:t>
+            </a:r>
+            <a:r>
+              <a:rPr lang="en-US" dirty="0">
+                <a:latin typeface="Arial" panose="020B0604020202020204" pitchFamily="34" charset="0"/>
+                <a:cs typeface="Arial" panose="020B0604020202020204" pitchFamily="34" charset="0"/>
+              </a:rPr>
+              <a:t> </a:t>
+            </a:r>
+            <a:r>
+              <a:rPr lang="en-US" dirty="0" err="1">
+                <a:latin typeface="Arial" panose="020B0604020202020204" pitchFamily="34" charset="0"/>
+                <a:cs typeface="Arial" panose="020B0604020202020204" pitchFamily="34" charset="0"/>
+              </a:rPr>
+              <a:t>үзэхээс</a:t>
+            </a:r>
+            <a:r>
+              <a:rPr lang="en-US" dirty="0">
+                <a:latin typeface="Arial" panose="020B0604020202020204" pitchFamily="34" charset="0"/>
+                <a:cs typeface="Arial" panose="020B0604020202020204" pitchFamily="34" charset="0"/>
+              </a:rPr>
+              <a:t> </a:t>
+            </a:r>
+            <a:r>
+              <a:rPr lang="en-US" dirty="0" err="1">
+                <a:latin typeface="Arial" panose="020B0604020202020204" pitchFamily="34" charset="0"/>
+                <a:cs typeface="Arial" panose="020B0604020202020204" pitchFamily="34" charset="0"/>
+              </a:rPr>
+              <a:t>нууц</a:t>
+            </a:r>
+            <a:r>
+              <a:rPr lang="en-US" dirty="0">
+                <a:latin typeface="Arial" panose="020B0604020202020204" pitchFamily="34" charset="0"/>
+                <a:cs typeface="Arial" panose="020B0604020202020204" pitchFamily="34" charset="0"/>
+              </a:rPr>
+              <a:t> </a:t>
+            </a:r>
+            <a:r>
+              <a:rPr lang="en-US" dirty="0" err="1">
+                <a:latin typeface="Arial" panose="020B0604020202020204" pitchFamily="34" charset="0"/>
+                <a:cs typeface="Arial" panose="020B0604020202020204" pitchFamily="34" charset="0"/>
+              </a:rPr>
+              <a:t>байлгах</a:t>
+            </a:r>
+            <a:r>
+              <a:rPr lang="en-US" dirty="0">
+                <a:latin typeface="Arial" panose="020B0604020202020204" pitchFamily="34" charset="0"/>
+                <a:cs typeface="Arial" panose="020B0604020202020204" pitchFamily="34" charset="0"/>
+              </a:rPr>
+              <a:t>, </a:t>
+            </a:r>
+            <a:r>
+              <a:rPr lang="en-US" dirty="0" err="1">
+                <a:latin typeface="Arial" panose="020B0604020202020204" pitchFamily="34" charset="0"/>
+                <a:cs typeface="Arial" panose="020B0604020202020204" pitchFamily="34" charset="0"/>
+              </a:rPr>
+              <a:t>өгөгдлийн</a:t>
+            </a:r>
+            <a:r>
+              <a:rPr lang="en-US" dirty="0">
+                <a:latin typeface="Arial" panose="020B0604020202020204" pitchFamily="34" charset="0"/>
+                <a:cs typeface="Arial" panose="020B0604020202020204" pitchFamily="34" charset="0"/>
+              </a:rPr>
+              <a:t> </a:t>
+            </a:r>
+            <a:r>
+              <a:rPr lang="en-US" dirty="0" err="1">
+                <a:latin typeface="Arial" panose="020B0604020202020204" pitchFamily="34" charset="0"/>
+                <a:cs typeface="Arial" panose="020B0604020202020204" pitchFamily="34" charset="0"/>
+              </a:rPr>
+              <a:t>тогтвортой</a:t>
+            </a:r>
+            <a:r>
+              <a:rPr lang="en-US" dirty="0">
+                <a:latin typeface="Arial" panose="020B0604020202020204" pitchFamily="34" charset="0"/>
+                <a:cs typeface="Arial" panose="020B0604020202020204" pitchFamily="34" charset="0"/>
+              </a:rPr>
+              <a:t> </a:t>
+            </a:r>
+            <a:r>
+              <a:rPr lang="en-US" dirty="0" err="1">
+                <a:latin typeface="Arial" panose="020B0604020202020204" pitchFamily="34" charset="0"/>
+                <a:cs typeface="Arial" panose="020B0604020202020204" pitchFamily="34" charset="0"/>
+              </a:rPr>
+              <a:t>байдлыг</a:t>
+            </a:r>
+            <a:r>
+              <a:rPr lang="en-US" dirty="0">
+                <a:latin typeface="Arial" panose="020B0604020202020204" pitchFamily="34" charset="0"/>
+                <a:cs typeface="Arial" panose="020B0604020202020204" pitchFamily="34" charset="0"/>
+              </a:rPr>
+              <a:t> </a:t>
+            </a:r>
+            <a:r>
+              <a:rPr lang="en-US" dirty="0" err="1" smtClean="0">
+                <a:latin typeface="Arial" panose="020B0604020202020204" pitchFamily="34" charset="0"/>
+                <a:cs typeface="Arial" panose="020B0604020202020204" pitchFamily="34" charset="0"/>
+              </a:rPr>
+              <a:t>хадгалах</a:t>
+            </a:r>
+            <a:r>
+              <a:rPr lang="mn-MN" dirty="0" smtClean="0">
+                <a:latin typeface="Arial" panose="020B0604020202020204" pitchFamily="34" charset="0"/>
+                <a:cs typeface="Arial" panose="020B0604020202020204" pitchFamily="34" charset="0"/>
+              </a:rPr>
+              <a:t>,</a:t>
+            </a:r>
+            <a:r>
+              <a:rPr lang="en-US" dirty="0" smtClean="0">
+                <a:latin typeface="Arial" panose="020B0604020202020204" pitchFamily="34" charset="0"/>
+                <a:cs typeface="Arial" panose="020B0604020202020204" pitchFamily="34" charset="0"/>
+              </a:rPr>
+              <a:t> </a:t>
+            </a:r>
+            <a:r>
+              <a:rPr lang="en-US" dirty="0" err="1">
+                <a:latin typeface="Arial" panose="020B0604020202020204" pitchFamily="34" charset="0"/>
+                <a:cs typeface="Arial" panose="020B0604020202020204" pitchFamily="34" charset="0"/>
+              </a:rPr>
+              <a:t>нөөцийг</a:t>
+            </a:r>
+            <a:r>
+              <a:rPr lang="en-US" dirty="0">
+                <a:latin typeface="Arial" panose="020B0604020202020204" pitchFamily="34" charset="0"/>
+                <a:cs typeface="Arial" panose="020B0604020202020204" pitchFamily="34" charset="0"/>
+              </a:rPr>
+              <a:t> </a:t>
+            </a:r>
+            <a:r>
+              <a:rPr lang="en-US" dirty="0" err="1">
+                <a:latin typeface="Arial" panose="020B0604020202020204" pitchFamily="34" charset="0"/>
+                <a:cs typeface="Arial" panose="020B0604020202020204" pitchFamily="34" charset="0"/>
+              </a:rPr>
+              <a:t>дээд</a:t>
+            </a:r>
+            <a:r>
+              <a:rPr lang="en-US" dirty="0">
+                <a:latin typeface="Arial" panose="020B0604020202020204" pitchFamily="34" charset="0"/>
+                <a:cs typeface="Arial" panose="020B0604020202020204" pitchFamily="34" charset="0"/>
+              </a:rPr>
+              <a:t> </a:t>
+            </a:r>
+            <a:r>
+              <a:rPr lang="en-US" dirty="0" err="1">
+                <a:latin typeface="Arial" panose="020B0604020202020204" pitchFamily="34" charset="0"/>
+                <a:cs typeface="Arial" panose="020B0604020202020204" pitchFamily="34" charset="0"/>
+              </a:rPr>
+              <a:t>түвшинд</a:t>
+            </a:r>
+            <a:r>
+              <a:rPr lang="en-US" dirty="0">
+                <a:latin typeface="Arial" panose="020B0604020202020204" pitchFamily="34" charset="0"/>
+                <a:cs typeface="Arial" panose="020B0604020202020204" pitchFamily="34" charset="0"/>
+              </a:rPr>
+              <a:t> </a:t>
+            </a:r>
+            <a:r>
+              <a:rPr lang="en-US" dirty="0" err="1">
+                <a:latin typeface="Arial" panose="020B0604020202020204" pitchFamily="34" charset="0"/>
+                <a:cs typeface="Arial" panose="020B0604020202020204" pitchFamily="34" charset="0"/>
+              </a:rPr>
+              <a:t>бэлэн</a:t>
+            </a:r>
+            <a:r>
+              <a:rPr lang="en-US" dirty="0">
+                <a:latin typeface="Arial" panose="020B0604020202020204" pitchFamily="34" charset="0"/>
+                <a:cs typeface="Arial" panose="020B0604020202020204" pitchFamily="34" charset="0"/>
+              </a:rPr>
+              <a:t> </a:t>
+            </a:r>
+            <a:r>
+              <a:rPr lang="en-US" dirty="0" err="1">
+                <a:latin typeface="Arial" panose="020B0604020202020204" pitchFamily="34" charset="0"/>
+                <a:cs typeface="Arial" panose="020B0604020202020204" pitchFamily="34" charset="0"/>
+              </a:rPr>
+              <a:t>баталгаатай</a:t>
+            </a:r>
+            <a:r>
+              <a:rPr lang="en-US" dirty="0">
+                <a:latin typeface="Arial" panose="020B0604020202020204" pitchFamily="34" charset="0"/>
+                <a:cs typeface="Arial" panose="020B0604020202020204" pitchFamily="34" charset="0"/>
+              </a:rPr>
+              <a:t> </a:t>
+            </a:r>
+            <a:r>
+              <a:rPr lang="en-US" dirty="0" err="1">
+                <a:latin typeface="Arial" panose="020B0604020202020204" pitchFamily="34" charset="0"/>
+                <a:cs typeface="Arial" panose="020B0604020202020204" pitchFamily="34" charset="0"/>
+              </a:rPr>
+              <a:t>байлгах</a:t>
+            </a:r>
+            <a:r>
+              <a:rPr lang="en-US" dirty="0">
+                <a:latin typeface="Arial" panose="020B0604020202020204" pitchFamily="34" charset="0"/>
+                <a:cs typeface="Arial" panose="020B0604020202020204" pitchFamily="34" charset="0"/>
+              </a:rPr>
+              <a:t> </a:t>
+            </a:r>
+            <a:r>
+              <a:rPr lang="en-US" dirty="0" err="1">
+                <a:latin typeface="Arial" panose="020B0604020202020204" pitchFamily="34" charset="0"/>
+                <a:cs typeface="Arial" panose="020B0604020202020204" pitchFamily="34" charset="0"/>
+              </a:rPr>
+              <a:t>юм</a:t>
+            </a:r>
+            <a:r>
+              <a:rPr lang="mn-MN" dirty="0">
+                <a:latin typeface="Arial" panose="020B0604020202020204" pitchFamily="34" charset="0"/>
+                <a:cs typeface="Arial" panose="020B0604020202020204" pitchFamily="34" charset="0"/>
+              </a:rPr>
+              <a:t>.</a:t>
+            </a:r>
+            <a:endParaRPr lang="en-US" dirty="0">
+              <a:latin typeface="Arial" panose="020B0604020202020204" pitchFamily="34" charset="0"/>
+              <a:cs typeface="Arial" panose="020B0604020202020204" pitchFamily="34" charset="0"/>
+            </a:endParaRPr>
+          </a:p>
+        </p:txBody>
+      </p:sp>
+      <p:pic>
+        <p:nvPicPr>
+          <p:cNvPr id="4" name="Picture 3" descr="C:\Users\md_moogii0306\Pictures\The-CIA-triad-goals-of-confidentiality-integrity-and-availability-for-information-security-600x351.png"/>
+          <p:cNvPicPr/>
+          <p:nvPr/>
+        </p:nvPicPr>
+        <p:blipFill>
+          <a:blip r:embed="rId2">
+            <a:extLst>
+              <a:ext uri="{28A0092B-C50C-407E-A947-70E740481C1C}">
+                <a14:useLocalDpi xmlns:a14="http://schemas.microsoft.com/office/drawing/2010/main" val="0"/>
+              </a:ext>
+            </a:extLst>
+          </a:blip>
+          <a:srcRect/>
+          <a:stretch>
+            <a:fillRect/>
+          </a:stretch>
+        </p:blipFill>
+        <p:spPr bwMode="auto">
+          <a:xfrm>
+            <a:off x="6096000" y="2921303"/>
+            <a:ext cx="4110976" cy="2346155"/>
+          </a:xfrm>
+          <a:prstGeom prst="rect">
+            <a:avLst/>
+          </a:prstGeom>
+          <a:noFill/>
+          <a:ln>
+            <a:noFill/>
+          </a:ln>
+        </p:spPr>
+      </p:pic>
     </p:spTree>
     <p:extLst>
       <p:ext uri="{BB962C8B-B14F-4D97-AF65-F5344CB8AC3E}">
-        <p14:creationId xmlns:p14="http://schemas.microsoft.com/office/powerpoint/2010/main" val="1473520475"/>
+        <p14:creationId xmlns:p14="http://schemas.microsoft.com/office/powerpoint/2010/main" val="915305496"/>
       </p:ext>
     </p:extLst>
   </p:cSld>
   <p:clrMapOvr>
     <a:masterClrMapping/>
   </p:clrMapOvr>
+  <p:timing>
+    <p:tnLst>
+      <p:par>
+        <p:cTn id="1" dur="indefinite" restart="never" nodeType="tmRoot"/>
+      </p:par>
+    </p:tnLst>
+  </p:timing>
 </p:sld>
 </file>
 

--- a/Өгөгдлийн нууцлал,.pptx
+++ b/Өгөгдлийн нууцлал,.pptx
@@ -16,24 +16,21 @@
     <p:sldId id="274" r:id="rId10"/>
     <p:sldId id="266" r:id="rId11"/>
     <p:sldId id="267" r:id="rId12"/>
-    <p:sldId id="283" r:id="rId13"/>
-    <p:sldId id="284" r:id="rId14"/>
-    <p:sldId id="261" r:id="rId15"/>
-    <p:sldId id="262" r:id="rId16"/>
-    <p:sldId id="268" r:id="rId17"/>
-    <p:sldId id="280" r:id="rId18"/>
-    <p:sldId id="269" r:id="rId19"/>
+    <p:sldId id="284" r:id="rId13"/>
+    <p:sldId id="261" r:id="rId14"/>
+    <p:sldId id="262" r:id="rId15"/>
+    <p:sldId id="268" r:id="rId16"/>
+    <p:sldId id="280" r:id="rId17"/>
+    <p:sldId id="269" r:id="rId18"/>
+    <p:sldId id="286" r:id="rId19"/>
     <p:sldId id="275" r:id="rId20"/>
     <p:sldId id="276" r:id="rId21"/>
-    <p:sldId id="278" r:id="rId22"/>
-    <p:sldId id="270" r:id="rId23"/>
-    <p:sldId id="281" r:id="rId24"/>
-    <p:sldId id="271" r:id="rId25"/>
-    <p:sldId id="277" r:id="rId26"/>
-    <p:sldId id="272" r:id="rId27"/>
-    <p:sldId id="279" r:id="rId28"/>
-    <p:sldId id="263" r:id="rId29"/>
-    <p:sldId id="273" r:id="rId30"/>
+    <p:sldId id="270" r:id="rId22"/>
+    <p:sldId id="281" r:id="rId23"/>
+    <p:sldId id="287" r:id="rId24"/>
+    <p:sldId id="288" r:id="rId25"/>
+    <p:sldId id="263" r:id="rId26"/>
+    <p:sldId id="273" r:id="rId27"/>
   </p:sldIdLst>
   <p:sldSz cx="12192000" cy="6858000"/>
   <p:notesSz cx="6858000" cy="9144000"/>
@@ -471,7 +468,7 @@
           <a:p>
             <a:fld id="{CA9FA7F6-2FAF-40CB-94AF-60D557887C87}" type="datetimeFigureOut">
               <a:rPr lang="en-US" smtClean="0"/>
-              <a:t>5/3/2016</a:t>
+              <a:t>5/4/2016</a:t>
             </a:fld>
             <a:endParaRPr lang="en-US"/>
           </a:p>
@@ -795,7 +792,7 @@
           <a:p>
             <a:fld id="{CA9FA7F6-2FAF-40CB-94AF-60D557887C87}" type="datetimeFigureOut">
               <a:rPr lang="en-US" smtClean="0"/>
-              <a:t>5/3/2016</a:t>
+              <a:t>5/4/2016</a:t>
             </a:fld>
             <a:endParaRPr lang="en-US"/>
           </a:p>
@@ -1043,7 +1040,7 @@
           <a:p>
             <a:fld id="{CA9FA7F6-2FAF-40CB-94AF-60D557887C87}" type="datetimeFigureOut">
               <a:rPr lang="en-US" smtClean="0"/>
-              <a:t>5/3/2016</a:t>
+              <a:t>5/4/2016</a:t>
             </a:fld>
             <a:endParaRPr lang="en-US"/>
           </a:p>
@@ -1382,7 +1379,7 @@
           <a:p>
             <a:fld id="{CA9FA7F6-2FAF-40CB-94AF-60D557887C87}" type="datetimeFigureOut">
               <a:rPr lang="en-US" smtClean="0"/>
-              <a:t>5/3/2016</a:t>
+              <a:t>5/4/2016</a:t>
             </a:fld>
             <a:endParaRPr lang="en-US"/>
           </a:p>
@@ -1729,7 +1726,7 @@
           <a:p>
             <a:fld id="{CA9FA7F6-2FAF-40CB-94AF-60D557887C87}" type="datetimeFigureOut">
               <a:rPr lang="en-US" smtClean="0"/>
-              <a:t>5/3/2016</a:t>
+              <a:t>5/4/2016</a:t>
             </a:fld>
             <a:endParaRPr lang="en-US"/>
           </a:p>
@@ -2103,7 +2100,7 @@
           <a:p>
             <a:fld id="{CA9FA7F6-2FAF-40CB-94AF-60D557887C87}" type="datetimeFigureOut">
               <a:rPr lang="en-US" smtClean="0"/>
-              <a:t>5/3/2016</a:t>
+              <a:t>5/4/2016</a:t>
             </a:fld>
             <a:endParaRPr lang="en-US"/>
           </a:p>
@@ -2573,7 +2570,7 @@
           <a:p>
             <a:fld id="{CA9FA7F6-2FAF-40CB-94AF-60D557887C87}" type="datetimeFigureOut">
               <a:rPr lang="en-US" smtClean="0"/>
-              <a:t>5/3/2016</a:t>
+              <a:t>5/4/2016</a:t>
             </a:fld>
             <a:endParaRPr lang="en-US"/>
           </a:p>
@@ -2778,7 +2775,7 @@
           <a:p>
             <a:fld id="{CA9FA7F6-2FAF-40CB-94AF-60D557887C87}" type="datetimeFigureOut">
               <a:rPr lang="en-US" smtClean="0"/>
-              <a:t>5/3/2016</a:t>
+              <a:t>5/4/2016</a:t>
             </a:fld>
             <a:endParaRPr lang="en-US"/>
           </a:p>
@@ -2989,7 +2986,7 @@
           <a:p>
             <a:fld id="{CA9FA7F6-2FAF-40CB-94AF-60D557887C87}" type="datetimeFigureOut">
               <a:rPr lang="en-US" smtClean="0"/>
-              <a:t>5/3/2016</a:t>
+              <a:t>5/4/2016</a:t>
             </a:fld>
             <a:endParaRPr lang="en-US"/>
           </a:p>
@@ -3221,7 +3218,7 @@
           <a:p>
             <a:fld id="{CA9FA7F6-2FAF-40CB-94AF-60D557887C87}" type="datetimeFigureOut">
               <a:rPr lang="en-US" smtClean="0"/>
-              <a:t>5/3/2016</a:t>
+              <a:t>5/4/2016</a:t>
             </a:fld>
             <a:endParaRPr lang="en-US"/>
           </a:p>
@@ -3469,7 +3466,7 @@
           <a:p>
             <a:fld id="{CA9FA7F6-2FAF-40CB-94AF-60D557887C87}" type="datetimeFigureOut">
               <a:rPr lang="en-US" smtClean="0"/>
-              <a:t>5/3/2016</a:t>
+              <a:t>5/4/2016</a:t>
             </a:fld>
             <a:endParaRPr lang="en-US"/>
           </a:p>
@@ -3767,7 +3764,7 @@
           <a:p>
             <a:fld id="{CA9FA7F6-2FAF-40CB-94AF-60D557887C87}" type="datetimeFigureOut">
               <a:rPr lang="en-US" smtClean="0"/>
-              <a:t>5/3/2016</a:t>
+              <a:t>5/4/2016</a:t>
             </a:fld>
             <a:endParaRPr lang="en-US"/>
           </a:p>
@@ -4161,7 +4158,7 @@
           <a:p>
             <a:fld id="{CA9FA7F6-2FAF-40CB-94AF-60D557887C87}" type="datetimeFigureOut">
               <a:rPr lang="en-US" smtClean="0"/>
-              <a:t>5/3/2016</a:t>
+              <a:t>5/4/2016</a:t>
             </a:fld>
             <a:endParaRPr lang="en-US"/>
           </a:p>
@@ -4310,7 +4307,7 @@
           <a:p>
             <a:fld id="{CA9FA7F6-2FAF-40CB-94AF-60D557887C87}" type="datetimeFigureOut">
               <a:rPr lang="en-US" smtClean="0"/>
-              <a:t>5/3/2016</a:t>
+              <a:t>5/4/2016</a:t>
             </a:fld>
             <a:endParaRPr lang="en-US"/>
           </a:p>
@@ -4436,7 +4433,7 @@
           <a:p>
             <a:fld id="{CA9FA7F6-2FAF-40CB-94AF-60D557887C87}" type="datetimeFigureOut">
               <a:rPr lang="en-US" smtClean="0"/>
-              <a:t>5/3/2016</a:t>
+              <a:t>5/4/2016</a:t>
             </a:fld>
             <a:endParaRPr lang="en-US"/>
           </a:p>
@@ -4691,7 +4688,7 @@
           <a:p>
             <a:fld id="{CA9FA7F6-2FAF-40CB-94AF-60D557887C87}" type="datetimeFigureOut">
               <a:rPr lang="en-US" smtClean="0"/>
-              <a:t>5/3/2016</a:t>
+              <a:t>5/4/2016</a:t>
             </a:fld>
             <a:endParaRPr lang="en-US"/>
           </a:p>
@@ -5006,7 +5003,7 @@
           <a:p>
             <a:fld id="{CA9FA7F6-2FAF-40CB-94AF-60D557887C87}" type="datetimeFigureOut">
               <a:rPr lang="en-US" smtClean="0"/>
-              <a:t>5/3/2016</a:t>
+              <a:t>5/4/2016</a:t>
             </a:fld>
             <a:endParaRPr lang="en-US"/>
           </a:p>
@@ -5357,7 +5354,7 @@
           <a:p>
             <a:fld id="{CA9FA7F6-2FAF-40CB-94AF-60D557887C87}" type="datetimeFigureOut">
               <a:rPr lang="en-US" smtClean="0"/>
-              <a:t>5/3/2016</a:t>
+              <a:t>5/4/2016</a:t>
             </a:fld>
             <a:endParaRPr lang="en-US"/>
           </a:p>
@@ -5910,19 +5907,65 @@
             <p:ph type="ctrTitle"/>
           </p:nvPr>
         </p:nvSpPr>
-        <p:spPr/>
+        <p:spPr>
+          <a:xfrm>
+            <a:off x="2692398" y="1545464"/>
+            <a:ext cx="7366002" cy="2253323"/>
+          </a:xfrm>
+        </p:spPr>
         <p:txBody>
           <a:bodyPr/>
           <a:lstStyle/>
           <a:p>
             <a:r>
-              <a:rPr lang="mn-MN" dirty="0" smtClean="0">
-                <a:latin typeface="Arial" panose="020B0604020202020204" pitchFamily="34" charset="0"/>
-                <a:cs typeface="Arial" panose="020B0604020202020204" pitchFamily="34" charset="0"/>
-              </a:rPr>
-              <a:t>Өгөгдлийн нууцлал, 			аюулгүй байдал</a:t>
-            </a:r>
-            <a:endParaRPr lang="en-US" dirty="0">
+              <a:rPr lang="mn-MN" sz="3200" dirty="0">
+                <a:latin typeface="Arial" panose="020B0604020202020204" pitchFamily="34" charset="0"/>
+                <a:cs typeface="Arial" panose="020B0604020202020204" pitchFamily="34" charset="0"/>
+              </a:rPr>
+              <a:t>Өгөгдлийн нууцлал, аюулгүй байдалын тусламж </a:t>
+            </a:r>
+            <a:r>
+              <a:rPr lang="mn-MN" sz="3200" dirty="0" smtClean="0">
+                <a:latin typeface="Arial" panose="020B0604020202020204" pitchFamily="34" charset="0"/>
+                <a:cs typeface="Arial" panose="020B0604020202020204" pitchFamily="34" charset="0"/>
+              </a:rPr>
+              <a:t/>
+            </a:r>
+            <a:br>
+              <a:rPr lang="mn-MN" sz="3200" dirty="0" smtClean="0">
+                <a:latin typeface="Arial" panose="020B0604020202020204" pitchFamily="34" charset="0"/>
+                <a:cs typeface="Arial" panose="020B0604020202020204" pitchFamily="34" charset="0"/>
+              </a:rPr>
+            </a:br>
+            <a:r>
+              <a:rPr lang="mn-MN" sz="3200" dirty="0" smtClean="0">
+                <a:latin typeface="Arial" panose="020B0604020202020204" pitchFamily="34" charset="0"/>
+                <a:cs typeface="Arial" panose="020B0604020202020204" pitchFamily="34" charset="0"/>
+              </a:rPr>
+              <a:t>/</a:t>
+            </a:r>
+            <a:r>
+              <a:rPr lang="mn-MN" sz="3200" dirty="0">
+                <a:latin typeface="Arial" panose="020B0604020202020204" pitchFamily="34" charset="0"/>
+                <a:cs typeface="Arial" panose="020B0604020202020204" pitchFamily="34" charset="0"/>
+              </a:rPr>
+              <a:t>Гар утасны </a:t>
+            </a:r>
+            <a:r>
+              <a:rPr lang="mn-MN" sz="3200" dirty="0" smtClean="0">
+                <a:latin typeface="Arial" panose="020B0604020202020204" pitchFamily="34" charset="0"/>
+                <a:cs typeface="Arial" panose="020B0604020202020204" pitchFamily="34" charset="0"/>
+              </a:rPr>
+              <a:t>програм/</a:t>
+            </a:r>
+            <a:r>
+              <a:rPr lang="en-US" sz="3200" dirty="0"/>
+              <a:t/>
+            </a:r>
+            <a:br>
+              <a:rPr lang="en-US" sz="3200" dirty="0"/>
+            </a:br>
+            <a:endParaRPr lang="en-US" sz="3200" dirty="0">
               <a:latin typeface="Arial" panose="020B0604020202020204" pitchFamily="34" charset="0"/>
               <a:cs typeface="Arial" panose="020B0604020202020204" pitchFamily="34" charset="0"/>
             </a:endParaRPr>
@@ -6500,112 +6543,305 @@
           <a:lstStyle/>
           <a:p>
             <a:r>
+              <a:rPr lang="en-US" dirty="0">
+                <a:latin typeface="Arial" panose="020B0604020202020204" pitchFamily="34" charset="0"/>
+                <a:cs typeface="Arial" panose="020B0604020202020204" pitchFamily="34" charset="0"/>
+              </a:rPr>
+              <a:t>SQL </a:t>
+            </a:r>
+            <a:r>
               <a:rPr lang="en-US" dirty="0" smtClean="0">
                 <a:latin typeface="Arial" panose="020B0604020202020204" pitchFamily="34" charset="0"/>
                 <a:cs typeface="Arial" panose="020B0604020202020204" pitchFamily="34" charset="0"/>
               </a:rPr>
-              <a:t>SQL Injection </a:t>
+              <a:t>Injection </a:t>
+            </a:r>
+            <a:r>
+              <a:rPr lang="mn-MN" dirty="0" smtClean="0">
+                <a:latin typeface="Arial" panose="020B0604020202020204" pitchFamily="34" charset="0"/>
+                <a:cs typeface="Arial" panose="020B0604020202020204" pitchFamily="34" charset="0"/>
+              </a:rPr>
+              <a:t>сэргийлэх аргууд </a:t>
+            </a:r>
+            <a:endParaRPr lang="en-US" dirty="0"/>
+          </a:p>
+        </p:txBody>
+      </p:sp>
+      <p:sp>
+        <p:nvSpPr>
+          <p:cNvPr id="3" name="Content Placeholder 2"/>
+          <p:cNvSpPr>
+            <a:spLocks noGrp="1"/>
+          </p:cNvSpPr>
+          <p:nvPr>
+            <p:ph idx="1"/>
+          </p:nvPr>
+        </p:nvSpPr>
+        <p:spPr/>
+        <p:txBody>
+          <a:bodyPr/>
+          <a:lstStyle/>
+          <a:p>
+            <a:r>
+              <a:rPr lang="en-US" dirty="0"/>
+              <a:t>  </a:t>
+            </a:r>
+            <a:r>
+              <a:rPr lang="en-US" dirty="0" err="1">
+                <a:latin typeface="Arial" panose="020B0604020202020204" pitchFamily="34" charset="0"/>
+                <a:cs typeface="Arial" panose="020B0604020202020204" pitchFamily="34" charset="0"/>
+              </a:rPr>
+              <a:t>Өгөгдлийн</a:t>
+            </a:r>
+            <a:r>
+              <a:rPr lang="en-US" dirty="0">
+                <a:latin typeface="Arial" panose="020B0604020202020204" pitchFamily="34" charset="0"/>
+                <a:cs typeface="Arial" panose="020B0604020202020204" pitchFamily="34" charset="0"/>
+              </a:rPr>
+              <a:t> </a:t>
+            </a:r>
+            <a:r>
+              <a:rPr lang="en-US" dirty="0" err="1">
+                <a:latin typeface="Arial" panose="020B0604020202020204" pitchFamily="34" charset="0"/>
+                <a:cs typeface="Arial" panose="020B0604020202020204" pitchFamily="34" charset="0"/>
+              </a:rPr>
+              <a:t>сантай</a:t>
+            </a:r>
+            <a:r>
+              <a:rPr lang="en-US" dirty="0">
+                <a:latin typeface="Arial" panose="020B0604020202020204" pitchFamily="34" charset="0"/>
+                <a:cs typeface="Arial" panose="020B0604020202020204" pitchFamily="34" charset="0"/>
+              </a:rPr>
+              <a:t> </a:t>
+            </a:r>
+            <a:r>
+              <a:rPr lang="en-US" dirty="0" err="1">
+                <a:latin typeface="Arial" panose="020B0604020202020204" pitchFamily="34" charset="0"/>
+                <a:cs typeface="Arial" panose="020B0604020202020204" pitchFamily="34" charset="0"/>
+              </a:rPr>
+              <a:t>ажиллахдаа</a:t>
+            </a:r>
+            <a:r>
+              <a:rPr lang="en-US" dirty="0">
+                <a:latin typeface="Arial" panose="020B0604020202020204" pitchFamily="34" charset="0"/>
+                <a:cs typeface="Arial" panose="020B0604020202020204" pitchFamily="34" charset="0"/>
+              </a:rPr>
+              <a:t> stored procedure </a:t>
+            </a:r>
+            <a:r>
+              <a:rPr lang="en-US" dirty="0" err="1">
+                <a:latin typeface="Arial" panose="020B0604020202020204" pitchFamily="34" charset="0"/>
+                <a:cs typeface="Arial" panose="020B0604020202020204" pitchFamily="34" charset="0"/>
+              </a:rPr>
+              <a:t>ашиглах</a:t>
             </a:r>
             <a:endParaRPr lang="en-US" dirty="0">
               <a:latin typeface="Arial" panose="020B0604020202020204" pitchFamily="34" charset="0"/>
               <a:cs typeface="Arial" panose="020B0604020202020204" pitchFamily="34" charset="0"/>
             </a:endParaRPr>
           </a:p>
-        </p:txBody>
-      </p:sp>
-      <p:pic>
-        <p:nvPicPr>
-          <p:cNvPr id="4" name="Content Placeholder 3"/>
-          <p:cNvPicPr>
-            <a:picLocks noGrp="1" noChangeAspect="1"/>
-          </p:cNvPicPr>
-          <p:nvPr>
-            <p:ph idx="1"/>
-          </p:nvPr>
-        </p:nvPicPr>
-        <p:blipFill>
-          <a:blip r:embed="rId2">
-            <a:extLst>
-              <a:ext uri="{28A0092B-C50C-407E-A947-70E740481C1C}">
-                <a14:useLocalDpi xmlns:a14="http://schemas.microsoft.com/office/drawing/2010/main" val="0"/>
-              </a:ext>
-            </a:extLst>
-          </a:blip>
-          <a:stretch>
-            <a:fillRect/>
-          </a:stretch>
-        </p:blipFill>
-        <p:spPr>
-          <a:xfrm>
-            <a:off x="1295402" y="2624698"/>
-            <a:ext cx="2321857" cy="3317875"/>
-          </a:xfrm>
-        </p:spPr>
-      </p:pic>
-      <p:pic>
-        <p:nvPicPr>
-          <p:cNvPr id="5" name="Picture 4"/>
-          <p:cNvPicPr>
-            <a:picLocks noChangeAspect="1"/>
-          </p:cNvPicPr>
-          <p:nvPr/>
-        </p:nvPicPr>
-        <p:blipFill>
-          <a:blip r:embed="rId3">
-            <a:extLst>
-              <a:ext uri="{28A0092B-C50C-407E-A947-70E740481C1C}">
-                <a14:useLocalDpi xmlns:a14="http://schemas.microsoft.com/office/drawing/2010/main" val="0"/>
-              </a:ext>
-            </a:extLst>
-          </a:blip>
-          <a:stretch>
-            <a:fillRect/>
-          </a:stretch>
-        </p:blipFill>
-        <p:spPr>
-          <a:xfrm>
-            <a:off x="3899647" y="2624698"/>
-            <a:ext cx="4061011" cy="3317875"/>
-          </a:xfrm>
-          <a:prstGeom prst="rect">
-            <a:avLst/>
-          </a:prstGeom>
-        </p:spPr>
-      </p:pic>
-      <p:pic>
-        <p:nvPicPr>
-          <p:cNvPr id="6" name="Picture 5"/>
-          <p:cNvPicPr>
-            <a:picLocks noChangeAspect="1"/>
-          </p:cNvPicPr>
-          <p:nvPr/>
-        </p:nvPicPr>
-        <p:blipFill>
-          <a:blip r:embed="rId4">
-            <a:extLst>
-              <a:ext uri="{28A0092B-C50C-407E-A947-70E740481C1C}">
-                <a14:useLocalDpi xmlns:a14="http://schemas.microsoft.com/office/drawing/2010/main" val="0"/>
-              </a:ext>
-            </a:extLst>
-          </a:blip>
-          <a:stretch>
-            <a:fillRect/>
-          </a:stretch>
-        </p:blipFill>
-        <p:spPr>
-          <a:xfrm>
-            <a:off x="8323729" y="2624698"/>
-            <a:ext cx="2756647" cy="3317875"/>
-          </a:xfrm>
-          <a:prstGeom prst="rect">
-            <a:avLst/>
-          </a:prstGeom>
-        </p:spPr>
-      </p:pic>
+          <a:p>
+            <a:r>
+              <a:rPr lang="en-US" dirty="0">
+                <a:latin typeface="Arial" panose="020B0604020202020204" pitchFamily="34" charset="0"/>
+                <a:cs typeface="Arial" panose="020B0604020202020204" pitchFamily="34" charset="0"/>
+              </a:rPr>
+              <a:t> </a:t>
+            </a:r>
+            <a:r>
+              <a:rPr lang="mn-MN" dirty="0">
+                <a:latin typeface="Arial" panose="020B0604020202020204" pitchFamily="34" charset="0"/>
+                <a:cs typeface="Arial" panose="020B0604020202020204" pitchFamily="34" charset="0"/>
+              </a:rPr>
+              <a:t>О</a:t>
+            </a:r>
+            <a:r>
+              <a:rPr lang="en-US" dirty="0" err="1">
+                <a:latin typeface="Arial" panose="020B0604020202020204" pitchFamily="34" charset="0"/>
+                <a:cs typeface="Arial" panose="020B0604020202020204" pitchFamily="34" charset="0"/>
+              </a:rPr>
+              <a:t>руулах</a:t>
+            </a:r>
+            <a:r>
+              <a:rPr lang="en-US" dirty="0">
+                <a:latin typeface="Arial" panose="020B0604020202020204" pitchFamily="34" charset="0"/>
+                <a:cs typeface="Arial" panose="020B0604020202020204" pitchFamily="34" charset="0"/>
+              </a:rPr>
+              <a:t> </a:t>
+            </a:r>
+            <a:r>
+              <a:rPr lang="mn-MN" dirty="0">
+                <a:latin typeface="Arial" panose="020B0604020202020204" pitchFamily="34" charset="0"/>
+                <a:cs typeface="Arial" panose="020B0604020202020204" pitchFamily="34" charset="0"/>
+              </a:rPr>
+              <a:t>бүх </a:t>
+            </a:r>
+            <a:r>
+              <a:rPr lang="en-US" dirty="0" err="1">
+                <a:latin typeface="Arial" panose="020B0604020202020204" pitchFamily="34" charset="0"/>
+                <a:cs typeface="Arial" panose="020B0604020202020204" pitchFamily="34" charset="0"/>
+              </a:rPr>
+              <a:t>өгөгдлий</a:t>
+            </a:r>
+            <a:r>
+              <a:rPr lang="mn-MN" dirty="0">
+                <a:latin typeface="Arial" panose="020B0604020202020204" pitchFamily="34" charset="0"/>
+                <a:cs typeface="Arial" panose="020B0604020202020204" pitchFamily="34" charset="0"/>
+              </a:rPr>
+              <a:t>г </a:t>
+            </a:r>
+            <a:r>
+              <a:rPr lang="en-US" dirty="0" err="1">
+                <a:latin typeface="Arial" panose="020B0604020202020204" pitchFamily="34" charset="0"/>
+                <a:cs typeface="Arial" panose="020B0604020202020204" pitchFamily="34" charset="0"/>
+              </a:rPr>
+              <a:t>тусгай</a:t>
+            </a:r>
+            <a:r>
+              <a:rPr lang="en-US" dirty="0">
+                <a:latin typeface="Arial" panose="020B0604020202020204" pitchFamily="34" charset="0"/>
+                <a:cs typeface="Arial" panose="020B0604020202020204" pitchFamily="34" charset="0"/>
+              </a:rPr>
+              <a:t> </a:t>
+            </a:r>
+            <a:r>
+              <a:rPr lang="en-US" dirty="0" err="1">
+                <a:latin typeface="Arial" panose="020B0604020202020204" pitchFamily="34" charset="0"/>
+                <a:cs typeface="Arial" panose="020B0604020202020204" pitchFamily="34" charset="0"/>
+              </a:rPr>
+              <a:t>арга</a:t>
+            </a:r>
+            <a:r>
+              <a:rPr lang="en-US" dirty="0">
+                <a:latin typeface="Arial" panose="020B0604020202020204" pitchFamily="34" charset="0"/>
+                <a:cs typeface="Arial" panose="020B0604020202020204" pitchFamily="34" charset="0"/>
+              </a:rPr>
+              <a:t> </a:t>
+            </a:r>
+            <a:r>
+              <a:rPr lang="en-US" dirty="0" err="1">
+                <a:latin typeface="Arial" panose="020B0604020202020204" pitchFamily="34" charset="0"/>
+                <a:cs typeface="Arial" panose="020B0604020202020204" pitchFamily="34" charset="0"/>
+              </a:rPr>
+              <a:t>замаар</a:t>
+            </a:r>
+            <a:r>
+              <a:rPr lang="en-US" dirty="0">
+                <a:latin typeface="Arial" panose="020B0604020202020204" pitchFamily="34" charset="0"/>
+                <a:cs typeface="Arial" panose="020B0604020202020204" pitchFamily="34" charset="0"/>
+              </a:rPr>
+              <a:t> </a:t>
+            </a:r>
+            <a:r>
+              <a:rPr lang="en-US" dirty="0" err="1">
+                <a:latin typeface="Arial" panose="020B0604020202020204" pitchFamily="34" charset="0"/>
+                <a:cs typeface="Arial" panose="020B0604020202020204" pitchFamily="34" charset="0"/>
+              </a:rPr>
+              <a:t>шалгах</a:t>
+            </a:r>
+            <a:endParaRPr lang="en-US" dirty="0">
+              <a:latin typeface="Arial" panose="020B0604020202020204" pitchFamily="34" charset="0"/>
+              <a:cs typeface="Arial" panose="020B0604020202020204" pitchFamily="34" charset="0"/>
+            </a:endParaRPr>
+          </a:p>
+          <a:p>
+            <a:r>
+              <a:rPr lang="mn-MN" dirty="0" err="1">
+                <a:latin typeface="Arial" panose="020B0604020202020204" pitchFamily="34" charset="0"/>
+                <a:cs typeface="Arial" panose="020B0604020202020204" pitchFamily="34" charset="0"/>
+              </a:rPr>
+              <a:t> </a:t>
+            </a:r>
+            <a:r>
+              <a:rPr lang="en-US" dirty="0" err="1" smtClean="0">
+                <a:latin typeface="Arial" panose="020B0604020202020204" pitchFamily="34" charset="0"/>
+                <a:cs typeface="Arial" panose="020B0604020202020204" pitchFamily="34" charset="0"/>
+              </a:rPr>
+              <a:t>Оруулах</a:t>
+            </a:r>
+            <a:r>
+              <a:rPr lang="en-US" dirty="0" smtClean="0">
+                <a:latin typeface="Arial" panose="020B0604020202020204" pitchFamily="34" charset="0"/>
+                <a:cs typeface="Arial" panose="020B0604020202020204" pitchFamily="34" charset="0"/>
+              </a:rPr>
+              <a:t> </a:t>
+            </a:r>
+            <a:r>
+              <a:rPr lang="en-US" dirty="0" err="1">
+                <a:latin typeface="Arial" panose="020B0604020202020204" pitchFamily="34" charset="0"/>
+                <a:cs typeface="Arial" panose="020B0604020202020204" pitchFamily="34" charset="0"/>
+              </a:rPr>
+              <a:t>өгөгд</a:t>
+            </a:r>
+            <a:r>
+              <a:rPr lang="mn-MN" dirty="0">
+                <a:latin typeface="Arial" panose="020B0604020202020204" pitchFamily="34" charset="0"/>
+                <a:cs typeface="Arial" panose="020B0604020202020204" pitchFamily="34" charset="0"/>
+              </a:rPr>
+              <a:t>лийг</a:t>
+            </a:r>
+            <a:r>
+              <a:rPr lang="en-US" dirty="0">
+                <a:latin typeface="Arial" panose="020B0604020202020204" pitchFamily="34" charset="0"/>
+                <a:cs typeface="Arial" panose="020B0604020202020204" pitchFamily="34" charset="0"/>
+              </a:rPr>
+              <a:t> </a:t>
+            </a:r>
+            <a:r>
+              <a:rPr lang="en-US" dirty="0" err="1">
+                <a:latin typeface="Arial" panose="020B0604020202020204" pitchFamily="34" charset="0"/>
+                <a:cs typeface="Arial" panose="020B0604020202020204" pitchFamily="34" charset="0"/>
+              </a:rPr>
+              <a:t>шалгах</a:t>
+            </a:r>
+            <a:r>
+              <a:rPr lang="en-US" dirty="0">
+                <a:latin typeface="Arial" panose="020B0604020202020204" pitchFamily="34" charset="0"/>
+                <a:cs typeface="Arial" panose="020B0604020202020204" pitchFamily="34" charset="0"/>
+              </a:rPr>
+              <a:t> </a:t>
+            </a:r>
+            <a:endParaRPr lang="en-US" dirty="0" smtClean="0">
+              <a:latin typeface="Arial" panose="020B0604020202020204" pitchFamily="34" charset="0"/>
+              <a:cs typeface="Arial" panose="020B0604020202020204" pitchFamily="34" charset="0"/>
+            </a:endParaRPr>
+          </a:p>
+          <a:p>
+            <a:r>
+              <a:rPr lang="en-US" dirty="0" err="1" smtClean="0">
+                <a:latin typeface="Arial" panose="020B0604020202020204" pitchFamily="34" charset="0"/>
+                <a:cs typeface="Arial" panose="020B0604020202020204" pitchFamily="34" charset="0"/>
+              </a:rPr>
+              <a:t>Сервер</a:t>
+            </a:r>
+            <a:r>
+              <a:rPr lang="en-US" dirty="0" smtClean="0">
+                <a:latin typeface="Arial" panose="020B0604020202020204" pitchFamily="34" charset="0"/>
+                <a:cs typeface="Arial" panose="020B0604020202020204" pitchFamily="34" charset="0"/>
+              </a:rPr>
+              <a:t> </a:t>
+            </a:r>
+            <a:r>
+              <a:rPr lang="mn-MN" dirty="0" smtClean="0">
+                <a:latin typeface="Arial" panose="020B0604020202020204" pitchFamily="34" charset="0"/>
+                <a:cs typeface="Arial" panose="020B0604020202020204" pitchFamily="34" charset="0"/>
+              </a:rPr>
+              <a:t>дээр шалгах гэх мэт </a:t>
+            </a:r>
+            <a:endParaRPr lang="en-US" dirty="0">
+              <a:latin typeface="Arial" panose="020B0604020202020204" pitchFamily="34" charset="0"/>
+              <a:cs typeface="Arial" panose="020B0604020202020204" pitchFamily="34" charset="0"/>
+            </a:endParaRPr>
+          </a:p>
+          <a:p>
+            <a:endParaRPr lang="en-US" dirty="0"/>
+          </a:p>
+        </p:txBody>
+      </p:sp>
     </p:spTree>
     <p:extLst>
       <p:ext uri="{BB962C8B-B14F-4D97-AF65-F5344CB8AC3E}">
-        <p14:creationId xmlns:p14="http://schemas.microsoft.com/office/powerpoint/2010/main" val="2178253567"/>
+        <p14:creationId xmlns:p14="http://schemas.microsoft.com/office/powerpoint/2010/main" val="3751649412"/>
       </p:ext>
     </p:extLst>
   </p:cSld>
@@ -6651,309 +6887,101 @@
         </p:nvSpPr>
         <p:spPr/>
         <p:txBody>
-          <a:bodyPr/>
-          <a:lstStyle/>
-          <a:p>
-            <a:r>
-              <a:rPr lang="en-US" dirty="0">
-                <a:latin typeface="Arial" panose="020B0604020202020204" pitchFamily="34" charset="0"/>
-                <a:cs typeface="Arial" panose="020B0604020202020204" pitchFamily="34" charset="0"/>
-              </a:rPr>
-              <a:t>SQL </a:t>
-            </a:r>
-            <a:r>
-              <a:rPr lang="en-US" dirty="0" smtClean="0">
-                <a:latin typeface="Arial" panose="020B0604020202020204" pitchFamily="34" charset="0"/>
-                <a:cs typeface="Arial" panose="020B0604020202020204" pitchFamily="34" charset="0"/>
-              </a:rPr>
-              <a:t>Injection </a:t>
+          <a:bodyPr>
+            <a:normAutofit/>
+          </a:bodyPr>
+          <a:lstStyle/>
+          <a:p>
+            <a:r>
+              <a:rPr lang="mn-MN" dirty="0">
+                <a:latin typeface="Arial" panose="020B0604020202020204" pitchFamily="34" charset="0"/>
+                <a:cs typeface="Arial" panose="020B0604020202020204" pitchFamily="34" charset="0"/>
+              </a:rPr>
+              <a:t>Технологийн </a:t>
             </a:r>
             <a:r>
               <a:rPr lang="mn-MN" dirty="0" smtClean="0">
                 <a:latin typeface="Arial" panose="020B0604020202020204" pitchFamily="34" charset="0"/>
                 <a:cs typeface="Arial" panose="020B0604020202020204" pitchFamily="34" charset="0"/>
               </a:rPr>
-              <a:t>сэргийлэх аргууд </a:t>
-            </a:r>
-            <a:endParaRPr lang="en-US" dirty="0"/>
-          </a:p>
-        </p:txBody>
-      </p:sp>
-      <p:sp>
-        <p:nvSpPr>
-          <p:cNvPr id="3" name="Content Placeholder 2"/>
-          <p:cNvSpPr>
-            <a:spLocks noGrp="1"/>
-          </p:cNvSpPr>
-          <p:nvPr>
-            <p:ph idx="1"/>
-          </p:nvPr>
-        </p:nvSpPr>
-        <p:spPr/>
-        <p:txBody>
-          <a:bodyPr/>
-          <a:lstStyle/>
-          <a:p>
-            <a:r>
-              <a:rPr lang="en-US" dirty="0"/>
-              <a:t>  </a:t>
-            </a:r>
-            <a:r>
-              <a:rPr lang="en-US" dirty="0" err="1">
-                <a:latin typeface="Arial" panose="020B0604020202020204" pitchFamily="34" charset="0"/>
-                <a:cs typeface="Arial" panose="020B0604020202020204" pitchFamily="34" charset="0"/>
-              </a:rPr>
-              <a:t>Өгөгдлийн</a:t>
-            </a:r>
-            <a:r>
-              <a:rPr lang="en-US" dirty="0">
-                <a:latin typeface="Arial" panose="020B0604020202020204" pitchFamily="34" charset="0"/>
-                <a:cs typeface="Arial" panose="020B0604020202020204" pitchFamily="34" charset="0"/>
-              </a:rPr>
-              <a:t> </a:t>
-            </a:r>
-            <a:r>
-              <a:rPr lang="en-US" dirty="0" err="1">
-                <a:latin typeface="Arial" panose="020B0604020202020204" pitchFamily="34" charset="0"/>
-                <a:cs typeface="Arial" panose="020B0604020202020204" pitchFamily="34" charset="0"/>
-              </a:rPr>
-              <a:t>сантай</a:t>
-            </a:r>
-            <a:r>
-              <a:rPr lang="en-US" dirty="0">
-                <a:latin typeface="Arial" panose="020B0604020202020204" pitchFamily="34" charset="0"/>
-                <a:cs typeface="Arial" panose="020B0604020202020204" pitchFamily="34" charset="0"/>
-              </a:rPr>
-              <a:t> </a:t>
-            </a:r>
-            <a:r>
-              <a:rPr lang="en-US" dirty="0" err="1">
-                <a:latin typeface="Arial" panose="020B0604020202020204" pitchFamily="34" charset="0"/>
-                <a:cs typeface="Arial" panose="020B0604020202020204" pitchFamily="34" charset="0"/>
-              </a:rPr>
-              <a:t>ажиллахдаа</a:t>
-            </a:r>
-            <a:r>
-              <a:rPr lang="en-US" dirty="0">
-                <a:latin typeface="Arial" panose="020B0604020202020204" pitchFamily="34" charset="0"/>
-                <a:cs typeface="Arial" panose="020B0604020202020204" pitchFamily="34" charset="0"/>
-              </a:rPr>
-              <a:t> stored procedure </a:t>
-            </a:r>
-            <a:r>
-              <a:rPr lang="en-US" dirty="0" err="1">
-                <a:latin typeface="Arial" panose="020B0604020202020204" pitchFamily="34" charset="0"/>
-                <a:cs typeface="Arial" panose="020B0604020202020204" pitchFamily="34" charset="0"/>
-              </a:rPr>
-              <a:t>ашиглах</a:t>
+              <a:t>судалгаа</a:t>
             </a:r>
             <a:endParaRPr lang="en-US" dirty="0">
               <a:latin typeface="Arial" panose="020B0604020202020204" pitchFamily="34" charset="0"/>
               <a:cs typeface="Arial" panose="020B0604020202020204" pitchFamily="34" charset="0"/>
             </a:endParaRPr>
           </a:p>
-          <a:p>
-            <a:r>
-              <a:rPr lang="en-US" dirty="0">
-                <a:latin typeface="Arial" panose="020B0604020202020204" pitchFamily="34" charset="0"/>
-                <a:cs typeface="Arial" panose="020B0604020202020204" pitchFamily="34" charset="0"/>
-              </a:rPr>
-              <a:t> </a:t>
-            </a:r>
-            <a:r>
-              <a:rPr lang="mn-MN" dirty="0">
-                <a:latin typeface="Arial" panose="020B0604020202020204" pitchFamily="34" charset="0"/>
-                <a:cs typeface="Arial" panose="020B0604020202020204" pitchFamily="34" charset="0"/>
-              </a:rPr>
-              <a:t>О</a:t>
-            </a:r>
-            <a:r>
-              <a:rPr lang="en-US" dirty="0" err="1">
-                <a:latin typeface="Arial" panose="020B0604020202020204" pitchFamily="34" charset="0"/>
-                <a:cs typeface="Arial" panose="020B0604020202020204" pitchFamily="34" charset="0"/>
-              </a:rPr>
-              <a:t>руулах</a:t>
-            </a:r>
-            <a:r>
-              <a:rPr lang="en-US" dirty="0">
-                <a:latin typeface="Arial" panose="020B0604020202020204" pitchFamily="34" charset="0"/>
-                <a:cs typeface="Arial" panose="020B0604020202020204" pitchFamily="34" charset="0"/>
-              </a:rPr>
-              <a:t> </a:t>
-            </a:r>
-            <a:r>
-              <a:rPr lang="mn-MN" dirty="0">
-                <a:latin typeface="Arial" panose="020B0604020202020204" pitchFamily="34" charset="0"/>
-                <a:cs typeface="Arial" panose="020B0604020202020204" pitchFamily="34" charset="0"/>
-              </a:rPr>
-              <a:t>бүх </a:t>
-            </a:r>
-            <a:r>
-              <a:rPr lang="en-US" dirty="0" err="1">
-                <a:latin typeface="Arial" panose="020B0604020202020204" pitchFamily="34" charset="0"/>
-                <a:cs typeface="Arial" panose="020B0604020202020204" pitchFamily="34" charset="0"/>
-              </a:rPr>
-              <a:t>өгөгдлий</a:t>
-            </a:r>
-            <a:r>
-              <a:rPr lang="mn-MN" dirty="0">
-                <a:latin typeface="Arial" panose="020B0604020202020204" pitchFamily="34" charset="0"/>
-                <a:cs typeface="Arial" panose="020B0604020202020204" pitchFamily="34" charset="0"/>
-              </a:rPr>
-              <a:t>г </a:t>
-            </a:r>
-            <a:r>
-              <a:rPr lang="en-US" dirty="0" err="1">
-                <a:latin typeface="Arial" panose="020B0604020202020204" pitchFamily="34" charset="0"/>
-                <a:cs typeface="Arial" panose="020B0604020202020204" pitchFamily="34" charset="0"/>
-              </a:rPr>
-              <a:t>тусгай</a:t>
-            </a:r>
-            <a:r>
-              <a:rPr lang="en-US" dirty="0">
-                <a:latin typeface="Arial" panose="020B0604020202020204" pitchFamily="34" charset="0"/>
-                <a:cs typeface="Arial" panose="020B0604020202020204" pitchFamily="34" charset="0"/>
-              </a:rPr>
-              <a:t> </a:t>
-            </a:r>
-            <a:r>
-              <a:rPr lang="en-US" dirty="0" err="1">
-                <a:latin typeface="Arial" panose="020B0604020202020204" pitchFamily="34" charset="0"/>
-                <a:cs typeface="Arial" panose="020B0604020202020204" pitchFamily="34" charset="0"/>
-              </a:rPr>
-              <a:t>арга</a:t>
-            </a:r>
-            <a:r>
-              <a:rPr lang="en-US" dirty="0">
-                <a:latin typeface="Arial" panose="020B0604020202020204" pitchFamily="34" charset="0"/>
-                <a:cs typeface="Arial" panose="020B0604020202020204" pitchFamily="34" charset="0"/>
-              </a:rPr>
-              <a:t> </a:t>
-            </a:r>
-            <a:r>
-              <a:rPr lang="en-US" dirty="0" err="1">
-                <a:latin typeface="Arial" panose="020B0604020202020204" pitchFamily="34" charset="0"/>
-                <a:cs typeface="Arial" panose="020B0604020202020204" pitchFamily="34" charset="0"/>
-              </a:rPr>
-              <a:t>замаар</a:t>
-            </a:r>
-            <a:r>
-              <a:rPr lang="en-US" dirty="0">
-                <a:latin typeface="Arial" panose="020B0604020202020204" pitchFamily="34" charset="0"/>
-                <a:cs typeface="Arial" panose="020B0604020202020204" pitchFamily="34" charset="0"/>
-              </a:rPr>
-              <a:t> </a:t>
-            </a:r>
-            <a:r>
-              <a:rPr lang="en-US" dirty="0" err="1">
-                <a:latin typeface="Arial" panose="020B0604020202020204" pitchFamily="34" charset="0"/>
-                <a:cs typeface="Arial" panose="020B0604020202020204" pitchFamily="34" charset="0"/>
-              </a:rPr>
-              <a:t>шалгах</a:t>
+        </p:txBody>
+      </p:sp>
+      <p:sp>
+        <p:nvSpPr>
+          <p:cNvPr id="3" name="Content Placeholder 2"/>
+          <p:cNvSpPr>
+            <a:spLocks noGrp="1"/>
+          </p:cNvSpPr>
+          <p:nvPr>
+            <p:ph idx="1"/>
+          </p:nvPr>
+        </p:nvSpPr>
+        <p:spPr/>
+        <p:txBody>
+          <a:bodyPr/>
+          <a:lstStyle/>
+          <a:p>
+            <a:r>
+              <a:rPr lang="en-US" dirty="0" smtClean="0">
+                <a:latin typeface="Arial" panose="020B0604020202020204" pitchFamily="34" charset="0"/>
+                <a:cs typeface="Arial" panose="020B0604020202020204" pitchFamily="34" charset="0"/>
+              </a:rPr>
+              <a:t>MYSQL</a:t>
+            </a:r>
+          </a:p>
+          <a:p>
+            <a:r>
+              <a:rPr lang="en-US" dirty="0" smtClean="0">
+                <a:latin typeface="Arial" panose="020B0604020202020204" pitchFamily="34" charset="0"/>
+                <a:cs typeface="Arial" panose="020B0604020202020204" pitchFamily="34" charset="0"/>
+              </a:rPr>
+              <a:t>SQLite</a:t>
+            </a:r>
+          </a:p>
+          <a:p>
+            <a:r>
+              <a:rPr lang="en-US" dirty="0" smtClean="0">
+                <a:latin typeface="Arial" panose="020B0604020202020204" pitchFamily="34" charset="0"/>
+                <a:cs typeface="Arial" panose="020B0604020202020204" pitchFamily="34" charset="0"/>
+              </a:rPr>
+              <a:t>Bootstrap</a:t>
+            </a:r>
+          </a:p>
+          <a:p>
+            <a:r>
+              <a:rPr lang="en-US" dirty="0" smtClean="0">
+                <a:latin typeface="Arial" panose="020B0604020202020204" pitchFamily="34" charset="0"/>
+                <a:cs typeface="Arial" panose="020B0604020202020204" pitchFamily="34" charset="0"/>
+              </a:rPr>
+              <a:t>Jquery</a:t>
+            </a:r>
+          </a:p>
+          <a:p>
+            <a:r>
+              <a:rPr lang="en-US" dirty="0" smtClean="0">
+                <a:latin typeface="Arial" panose="020B0604020202020204" pitchFamily="34" charset="0"/>
+                <a:cs typeface="Arial" panose="020B0604020202020204" pitchFamily="34" charset="0"/>
+              </a:rPr>
+              <a:t>Android</a:t>
             </a:r>
             <a:endParaRPr lang="en-US" dirty="0">
               <a:latin typeface="Arial" panose="020B0604020202020204" pitchFamily="34" charset="0"/>
               <a:cs typeface="Arial" panose="020B0604020202020204" pitchFamily="34" charset="0"/>
             </a:endParaRPr>
           </a:p>
-          <a:p>
-            <a:r>
-              <a:rPr lang="mn-MN" dirty="0" err="1">
-                <a:latin typeface="Arial" panose="020B0604020202020204" pitchFamily="34" charset="0"/>
-                <a:cs typeface="Arial" panose="020B0604020202020204" pitchFamily="34" charset="0"/>
-              </a:rPr>
-              <a:t> </a:t>
-            </a:r>
-            <a:r>
-              <a:rPr lang="en-US" dirty="0" err="1" smtClean="0">
-                <a:latin typeface="Arial" panose="020B0604020202020204" pitchFamily="34" charset="0"/>
-                <a:cs typeface="Arial" panose="020B0604020202020204" pitchFamily="34" charset="0"/>
-              </a:rPr>
-              <a:t>Оруулах</a:t>
-            </a:r>
-            <a:r>
-              <a:rPr lang="en-US" dirty="0" smtClean="0">
-                <a:latin typeface="Arial" panose="020B0604020202020204" pitchFamily="34" charset="0"/>
-                <a:cs typeface="Arial" panose="020B0604020202020204" pitchFamily="34" charset="0"/>
-              </a:rPr>
-              <a:t> </a:t>
-            </a:r>
-            <a:r>
-              <a:rPr lang="en-US" dirty="0" err="1">
-                <a:latin typeface="Arial" panose="020B0604020202020204" pitchFamily="34" charset="0"/>
-                <a:cs typeface="Arial" panose="020B0604020202020204" pitchFamily="34" charset="0"/>
-              </a:rPr>
-              <a:t>өгөгд</a:t>
-            </a:r>
-            <a:r>
-              <a:rPr lang="mn-MN" dirty="0">
-                <a:latin typeface="Arial" panose="020B0604020202020204" pitchFamily="34" charset="0"/>
-                <a:cs typeface="Arial" panose="020B0604020202020204" pitchFamily="34" charset="0"/>
-              </a:rPr>
-              <a:t>лийг</a:t>
-            </a:r>
-            <a:r>
-              <a:rPr lang="en-US" dirty="0">
-                <a:latin typeface="Arial" panose="020B0604020202020204" pitchFamily="34" charset="0"/>
-                <a:cs typeface="Arial" panose="020B0604020202020204" pitchFamily="34" charset="0"/>
-              </a:rPr>
-              <a:t> </a:t>
-            </a:r>
-            <a:r>
-              <a:rPr lang="en-US" dirty="0" err="1">
-                <a:latin typeface="Arial" panose="020B0604020202020204" pitchFamily="34" charset="0"/>
-                <a:cs typeface="Arial" panose="020B0604020202020204" pitchFamily="34" charset="0"/>
-              </a:rPr>
-              <a:t>шалгах</a:t>
-            </a:r>
-            <a:r>
-              <a:rPr lang="en-US" dirty="0">
-                <a:latin typeface="Arial" panose="020B0604020202020204" pitchFamily="34" charset="0"/>
-                <a:cs typeface="Arial" panose="020B0604020202020204" pitchFamily="34" charset="0"/>
-              </a:rPr>
-              <a:t> </a:t>
-            </a:r>
-            <a:endParaRPr lang="en-US" dirty="0" smtClean="0">
-              <a:latin typeface="Arial" panose="020B0604020202020204" pitchFamily="34" charset="0"/>
-              <a:cs typeface="Arial" panose="020B0604020202020204" pitchFamily="34" charset="0"/>
-            </a:endParaRPr>
-          </a:p>
-          <a:p>
-            <a:r>
-              <a:rPr lang="en-US" dirty="0" err="1" smtClean="0">
-                <a:latin typeface="Arial" panose="020B0604020202020204" pitchFamily="34" charset="0"/>
-                <a:cs typeface="Arial" panose="020B0604020202020204" pitchFamily="34" charset="0"/>
-              </a:rPr>
-              <a:t>Сервер</a:t>
-            </a:r>
-            <a:r>
-              <a:rPr lang="en-US" dirty="0" smtClean="0">
-                <a:latin typeface="Arial" panose="020B0604020202020204" pitchFamily="34" charset="0"/>
-                <a:cs typeface="Arial" panose="020B0604020202020204" pitchFamily="34" charset="0"/>
-              </a:rPr>
-              <a:t> </a:t>
-            </a:r>
-            <a:r>
-              <a:rPr lang="mn-MN" dirty="0" smtClean="0">
-                <a:latin typeface="Arial" panose="020B0604020202020204" pitchFamily="34" charset="0"/>
-                <a:cs typeface="Arial" panose="020B0604020202020204" pitchFamily="34" charset="0"/>
-              </a:rPr>
-              <a:t>дээр шалгах гэх мэт </a:t>
-            </a:r>
-            <a:endParaRPr lang="en-US" dirty="0">
-              <a:latin typeface="Arial" panose="020B0604020202020204" pitchFamily="34" charset="0"/>
-              <a:cs typeface="Arial" panose="020B0604020202020204" pitchFamily="34" charset="0"/>
-            </a:endParaRPr>
-          </a:p>
-          <a:p>
-            <a:endParaRPr lang="en-US" dirty="0"/>
-          </a:p>
         </p:txBody>
       </p:sp>
     </p:spTree>
     <p:extLst>
       <p:ext uri="{BB962C8B-B14F-4D97-AF65-F5344CB8AC3E}">
-        <p14:creationId xmlns:p14="http://schemas.microsoft.com/office/powerpoint/2010/main" val="3751649412"/>
+        <p14:creationId xmlns:p14="http://schemas.microsoft.com/office/powerpoint/2010/main" val="2166555399"/>
       </p:ext>
     </p:extLst>
   </p:cSld>
@@ -7009,14 +7037,14 @@
                 <a:latin typeface="Arial" panose="020B0604020202020204" pitchFamily="34" charset="0"/>
                 <a:cs typeface="Arial" panose="020B0604020202020204" pitchFamily="34" charset="0"/>
               </a:rPr>
-              <a:t>Технологийн </a:t>
+              <a:t>Системийн шинжилгээ </a:t>
             </a:r>
             <a:r>
               <a:rPr lang="mn-MN" dirty="0" smtClean="0">
                 <a:latin typeface="Arial" panose="020B0604020202020204" pitchFamily="34" charset="0"/>
                 <a:cs typeface="Arial" panose="020B0604020202020204" pitchFamily="34" charset="0"/>
               </a:rPr>
-              <a:t>судалгаа</a:t>
+              <a:t>зохиомж</a:t>
             </a:r>
             <a:endParaRPr lang="en-US" dirty="0">
               <a:latin typeface="Arial" panose="020B0604020202020204" pitchFamily="34" charset="0"/>
@@ -7037,72 +7065,218 @@
         </p:nvSpPr>
         <p:spPr/>
         <p:txBody>
-          <a:bodyPr/>
-          <a:lstStyle/>
-          <a:p>
-            <a:r>
-              <a:rPr lang="en-US" dirty="0" smtClean="0">
-                <a:latin typeface="Arial" panose="020B0604020202020204" pitchFamily="34" charset="0"/>
-                <a:cs typeface="Arial" panose="020B0604020202020204" pitchFamily="34" charset="0"/>
-              </a:rPr>
-              <a:t>MYSQL</a:t>
-            </a:r>
-          </a:p>
-          <a:p>
-            <a:r>
-              <a:rPr lang="en-US" dirty="0" smtClean="0">
-                <a:latin typeface="Arial" panose="020B0604020202020204" pitchFamily="34" charset="0"/>
-                <a:cs typeface="Arial" panose="020B0604020202020204" pitchFamily="34" charset="0"/>
-              </a:rPr>
-              <a:t>SQLite</a:t>
-            </a:r>
-          </a:p>
-          <a:p>
-            <a:r>
-              <a:rPr lang="en-US" dirty="0" smtClean="0">
-                <a:latin typeface="Arial" panose="020B0604020202020204" pitchFamily="34" charset="0"/>
-                <a:cs typeface="Arial" panose="020B0604020202020204" pitchFamily="34" charset="0"/>
-              </a:rPr>
-              <a:t>Bootstrap</a:t>
-            </a:r>
-          </a:p>
-          <a:p>
-            <a:r>
-              <a:rPr lang="en-US" dirty="0" smtClean="0">
-                <a:latin typeface="Arial" panose="020B0604020202020204" pitchFamily="34" charset="0"/>
-                <a:cs typeface="Arial" panose="020B0604020202020204" pitchFamily="34" charset="0"/>
-              </a:rPr>
-              <a:t>Jquery</a:t>
-            </a:r>
-          </a:p>
-          <a:p>
-            <a:r>
-              <a:rPr lang="en-US" dirty="0" smtClean="0">
-                <a:latin typeface="Arial" panose="020B0604020202020204" pitchFamily="34" charset="0"/>
-                <a:cs typeface="Arial" panose="020B0604020202020204" pitchFamily="34" charset="0"/>
-              </a:rPr>
-              <a:t>NodeJs</a:t>
-            </a:r>
-          </a:p>
-          <a:p>
-            <a:r>
-              <a:rPr lang="en-US" dirty="0" smtClean="0">
-                <a:latin typeface="Arial" panose="020B0604020202020204" pitchFamily="34" charset="0"/>
-                <a:cs typeface="Arial" panose="020B0604020202020204" pitchFamily="34" charset="0"/>
-              </a:rPr>
-              <a:t>Android</a:t>
+          <a:bodyPr>
+            <a:normAutofit fontScale="92500" lnSpcReduction="10000"/>
+          </a:bodyPr>
+          <a:lstStyle/>
+          <a:p>
+            <a:pPr marL="342900" indent="-342900" algn="just">
+              <a:buFont typeface="Wingdings" panose="05000000000000000000" pitchFamily="2" charset="2"/>
+              <a:buChar char="§"/>
+            </a:pPr>
+            <a:r>
+              <a:rPr lang="mn-MN" dirty="0" smtClean="0">
+                <a:latin typeface="Times New Roman" panose="02020603050405020304" pitchFamily="18" charset="0"/>
+                <a:cs typeface="Times New Roman" panose="02020603050405020304" pitchFamily="18" charset="0"/>
+              </a:rPr>
+              <a:t>Хэрэглэгчийн шаардлага</a:t>
+            </a:r>
+            <a:endParaRPr lang="mn-MN" dirty="0">
+              <a:latin typeface="Times New Roman" panose="02020603050405020304" pitchFamily="18" charset="0"/>
+              <a:cs typeface="Times New Roman" panose="02020603050405020304" pitchFamily="18" charset="0"/>
+            </a:endParaRPr>
+          </a:p>
+          <a:p>
+            <a:pPr marL="342900" indent="-342900" algn="just">
+              <a:buFont typeface="Wingdings" panose="05000000000000000000" pitchFamily="2" charset="2"/>
+              <a:buChar char="§"/>
+            </a:pPr>
+            <a:r>
+              <a:rPr lang="mn-MN" dirty="0">
+                <a:latin typeface="Times New Roman" panose="02020603050405020304" pitchFamily="18" charset="0"/>
+                <a:cs typeface="Times New Roman" panose="02020603050405020304" pitchFamily="18" charset="0"/>
+              </a:rPr>
+              <a:t>Шинжилгээ болон </a:t>
+            </a:r>
+            <a:r>
+              <a:rPr lang="en-US" dirty="0">
+                <a:latin typeface="Times New Roman" panose="02020603050405020304" pitchFamily="18" charset="0"/>
+                <a:cs typeface="Times New Roman" panose="02020603050405020304" pitchFamily="18" charset="0"/>
+              </a:rPr>
+              <a:t>UML </a:t>
+            </a:r>
+            <a:r>
+              <a:rPr lang="mn-MN" dirty="0" smtClean="0">
+                <a:latin typeface="Times New Roman" panose="02020603050405020304" pitchFamily="18" charset="0"/>
+                <a:cs typeface="Times New Roman" panose="02020603050405020304" pitchFamily="18" charset="0"/>
+              </a:rPr>
+              <a:t>диаграмын </a:t>
+            </a:r>
+            <a:r>
+              <a:rPr lang="mn-MN" dirty="0">
+                <a:latin typeface="Times New Roman" panose="02020603050405020304" pitchFamily="18" charset="0"/>
+                <a:cs typeface="Times New Roman" panose="02020603050405020304" pitchFamily="18" charset="0"/>
+              </a:rPr>
+              <a:t>дагуу зохиомж гаргах</a:t>
             </a:r>
             <a:endParaRPr lang="en-US" dirty="0">
-              <a:latin typeface="Arial" panose="020B0604020202020204" pitchFamily="34" charset="0"/>
-              <a:cs typeface="Arial" panose="020B0604020202020204" pitchFamily="34" charset="0"/>
+              <a:latin typeface="Times New Roman" panose="02020603050405020304" pitchFamily="18" charset="0"/>
+              <a:cs typeface="Times New Roman" panose="02020603050405020304" pitchFamily="18" charset="0"/>
             </a:endParaRPr>
+          </a:p>
+          <a:p>
+            <a:pPr marL="800100" lvl="1" indent="-342900" algn="just">
+              <a:buFont typeface="Wingdings" panose="05000000000000000000" pitchFamily="2" charset="2"/>
+              <a:buChar char="Ø"/>
+            </a:pPr>
+            <a:r>
+              <a:rPr lang="mn-MN" dirty="0">
+                <a:latin typeface="Times New Roman" panose="02020603050405020304" pitchFamily="18" charset="0"/>
+                <a:cs typeface="Times New Roman" panose="02020603050405020304" pitchFamily="18" charset="0"/>
+              </a:rPr>
+              <a:t>Ажлын явцын </a:t>
+            </a:r>
+            <a:r>
+              <a:rPr lang="mn-MN" dirty="0" smtClean="0">
+                <a:latin typeface="Times New Roman" panose="02020603050405020304" pitchFamily="18" charset="0"/>
+                <a:cs typeface="Times New Roman" panose="02020603050405020304" pitchFamily="18" charset="0"/>
+              </a:rPr>
+              <a:t>диаграм</a:t>
+            </a:r>
+            <a:endParaRPr lang="mn-MN" dirty="0">
+              <a:latin typeface="Times New Roman" panose="02020603050405020304" pitchFamily="18" charset="0"/>
+              <a:cs typeface="Times New Roman" panose="02020603050405020304" pitchFamily="18" charset="0"/>
+            </a:endParaRPr>
+          </a:p>
+          <a:p>
+            <a:pPr marL="800100" lvl="1" indent="-342900" algn="just">
+              <a:buFont typeface="Wingdings" panose="05000000000000000000" pitchFamily="2" charset="2"/>
+              <a:buChar char="Ø"/>
+            </a:pPr>
+            <a:r>
+              <a:rPr lang="mn-MN" dirty="0">
+                <a:latin typeface="Times New Roman" panose="02020603050405020304" pitchFamily="18" charset="0"/>
+                <a:cs typeface="Times New Roman" panose="02020603050405020304" pitchFamily="18" charset="0"/>
+              </a:rPr>
+              <a:t>Үйл идэвхжилтийн </a:t>
+            </a:r>
+            <a:r>
+              <a:rPr lang="mn-MN" dirty="0" smtClean="0">
+                <a:latin typeface="Times New Roman" panose="02020603050405020304" pitchFamily="18" charset="0"/>
+                <a:cs typeface="Times New Roman" panose="02020603050405020304" pitchFamily="18" charset="0"/>
+              </a:rPr>
+              <a:t>диаграм</a:t>
+            </a:r>
+            <a:endParaRPr lang="mn-MN" dirty="0">
+              <a:latin typeface="Times New Roman" panose="02020603050405020304" pitchFamily="18" charset="0"/>
+              <a:cs typeface="Times New Roman" panose="02020603050405020304" pitchFamily="18" charset="0"/>
+            </a:endParaRPr>
+          </a:p>
+          <a:p>
+            <a:pPr marL="800100" lvl="1" indent="-342900" algn="just">
+              <a:buFont typeface="Wingdings" panose="05000000000000000000" pitchFamily="2" charset="2"/>
+              <a:buChar char="Ø"/>
+            </a:pPr>
+            <a:r>
+              <a:rPr lang="mn-MN" dirty="0">
+                <a:latin typeface="Times New Roman" panose="02020603050405020304" pitchFamily="18" charset="0"/>
+                <a:cs typeface="Times New Roman" panose="02020603050405020304" pitchFamily="18" charset="0"/>
+              </a:rPr>
+              <a:t>Класс </a:t>
+            </a:r>
+            <a:r>
+              <a:rPr lang="mn-MN" dirty="0" smtClean="0">
+                <a:latin typeface="Times New Roman" panose="02020603050405020304" pitchFamily="18" charset="0"/>
+                <a:cs typeface="Times New Roman" panose="02020603050405020304" pitchFamily="18" charset="0"/>
+              </a:rPr>
+              <a:t>диаграм</a:t>
+            </a:r>
+            <a:endParaRPr lang="mn-MN" dirty="0">
+              <a:latin typeface="Times New Roman" panose="02020603050405020304" pitchFamily="18" charset="0"/>
+              <a:cs typeface="Times New Roman" panose="02020603050405020304" pitchFamily="18" charset="0"/>
+            </a:endParaRPr>
+          </a:p>
+          <a:p>
+            <a:pPr marL="800100" lvl="1" indent="-342900" algn="just">
+              <a:buFont typeface="Wingdings" panose="05000000000000000000" pitchFamily="2" charset="2"/>
+              <a:buChar char="Ø"/>
+            </a:pPr>
+            <a:r>
+              <a:rPr lang="mn-MN" dirty="0" smtClean="0">
+                <a:latin typeface="Times New Roman" panose="02020603050405020304" pitchFamily="18" charset="0"/>
+                <a:cs typeface="Times New Roman" panose="02020603050405020304" pitchFamily="18" charset="0"/>
+              </a:rPr>
+              <a:t>Өгөгдлийн </a:t>
+            </a:r>
+            <a:r>
+              <a:rPr lang="mn-MN" dirty="0">
+                <a:latin typeface="Times New Roman" panose="02020603050405020304" pitchFamily="18" charset="0"/>
+                <a:cs typeface="Times New Roman" panose="02020603050405020304" pitchFamily="18" charset="0"/>
+              </a:rPr>
+              <a:t>сангийн </a:t>
+            </a:r>
+            <a:r>
+              <a:rPr lang="mn-MN" dirty="0" smtClean="0">
+                <a:latin typeface="Times New Roman" panose="02020603050405020304" pitchFamily="18" charset="0"/>
+                <a:cs typeface="Times New Roman" panose="02020603050405020304" pitchFamily="18" charset="0"/>
+              </a:rPr>
+              <a:t>диаграм</a:t>
+            </a:r>
+            <a:endParaRPr lang="mn-MN" dirty="0">
+              <a:latin typeface="Times New Roman" panose="02020603050405020304" pitchFamily="18" charset="0"/>
+              <a:cs typeface="Times New Roman" panose="02020603050405020304" pitchFamily="18" charset="0"/>
+            </a:endParaRPr>
+          </a:p>
+          <a:p>
+            <a:pPr marL="800100" lvl="1" indent="-342900" algn="just">
+              <a:buFont typeface="Wingdings" panose="05000000000000000000" pitchFamily="2" charset="2"/>
+              <a:buChar char="Ø"/>
+            </a:pPr>
+            <a:r>
+              <a:rPr lang="mn-MN" dirty="0">
+                <a:latin typeface="Times New Roman" panose="02020603050405020304" pitchFamily="18" charset="0"/>
+                <a:cs typeface="Times New Roman" panose="02020603050405020304" pitchFamily="18" charset="0"/>
+              </a:rPr>
+              <a:t>Шилжилтийн </a:t>
+            </a:r>
+            <a:r>
+              <a:rPr lang="mn-MN" dirty="0" smtClean="0">
+                <a:latin typeface="Times New Roman" panose="02020603050405020304" pitchFamily="18" charset="0"/>
+                <a:cs typeface="Times New Roman" panose="02020603050405020304" pitchFamily="18" charset="0"/>
+              </a:rPr>
+              <a:t>диаграм</a:t>
+            </a:r>
+            <a:endParaRPr lang="en-US" dirty="0" smtClean="0">
+              <a:latin typeface="Times New Roman" panose="02020603050405020304" pitchFamily="18" charset="0"/>
+              <a:cs typeface="Times New Roman" panose="02020603050405020304" pitchFamily="18" charset="0"/>
+            </a:endParaRPr>
+          </a:p>
+          <a:p>
+            <a:pPr marL="800100" lvl="1" indent="-342900" algn="just">
+              <a:buFont typeface="Wingdings" panose="05000000000000000000" pitchFamily="2" charset="2"/>
+              <a:buChar char="Ø"/>
+            </a:pPr>
+            <a:r>
+              <a:rPr lang="mn-MN" dirty="0" smtClean="0">
+                <a:latin typeface="Times New Roman" panose="02020603050405020304" pitchFamily="18" charset="0"/>
+                <a:cs typeface="Times New Roman" panose="02020603050405020304" pitchFamily="18" charset="0"/>
+              </a:rPr>
+              <a:t>Дарааллын диаграм</a:t>
+            </a:r>
+            <a:endParaRPr lang="en-US" dirty="0">
+              <a:latin typeface="Times New Roman" panose="02020603050405020304" pitchFamily="18" charset="0"/>
+              <a:cs typeface="Times New Roman" panose="02020603050405020304" pitchFamily="18" charset="0"/>
+            </a:endParaRPr>
+          </a:p>
+          <a:p>
+            <a:endParaRPr lang="en-US" dirty="0"/>
           </a:p>
         </p:txBody>
       </p:sp>
     </p:spTree>
     <p:extLst>
       <p:ext uri="{BB962C8B-B14F-4D97-AF65-F5344CB8AC3E}">
-        <p14:creationId xmlns:p14="http://schemas.microsoft.com/office/powerpoint/2010/main" val="2166555399"/>
+        <p14:creationId xmlns:p14="http://schemas.microsoft.com/office/powerpoint/2010/main" val="2031346902"/>
       </p:ext>
     </p:extLst>
   </p:cSld>
@@ -7158,14 +7332,14 @@
                 <a:latin typeface="Arial" panose="020B0604020202020204" pitchFamily="34" charset="0"/>
                 <a:cs typeface="Arial" panose="020B0604020202020204" pitchFamily="34" charset="0"/>
               </a:rPr>
-              <a:t>Системийн шинжилгээ </a:t>
+              <a:t>Хэрэглэгчийн </a:t>
             </a:r>
             <a:r>
               <a:rPr lang="mn-MN" dirty="0" smtClean="0">
                 <a:latin typeface="Arial" panose="020B0604020202020204" pitchFamily="34" charset="0"/>
                 <a:cs typeface="Arial" panose="020B0604020202020204" pitchFamily="34" charset="0"/>
               </a:rPr>
-              <a:t>зохиомж</a:t>
+              <a:t>шаардлага</a:t>
             </a:r>
             <a:endParaRPr lang="en-US" dirty="0">
               <a:latin typeface="Arial" panose="020B0604020202020204" pitchFamily="34" charset="0"/>
@@ -7184,209 +7358,122 @@
             <p:ph idx="1"/>
           </p:nvPr>
         </p:nvSpPr>
-        <p:spPr/>
+        <p:spPr>
+          <a:xfrm>
+            <a:off x="1295402" y="2750115"/>
+            <a:ext cx="9484215" cy="3318936"/>
+          </a:xfrm>
+        </p:spPr>
         <p:txBody>
           <a:bodyPr>
-            <a:normAutofit fontScale="92500" lnSpcReduction="10000"/>
+            <a:normAutofit fontScale="92500" lnSpcReduction="20000"/>
           </a:bodyPr>
           <a:lstStyle/>
           <a:p>
-            <a:pPr marL="342900" indent="-342900" algn="just">
-              <a:buFont typeface="Wingdings" panose="05000000000000000000" pitchFamily="2" charset="2"/>
-              <a:buChar char="§"/>
+            <a:pPr marL="0" indent="0" algn="just">
+              <a:buNone/>
             </a:pPr>
             <a:r>
+              <a:rPr lang="mn-MN" dirty="0">
+                <a:latin typeface="Arial" panose="020B0604020202020204" pitchFamily="34" charset="0"/>
+                <a:cs typeface="Arial" panose="020B0604020202020204" pitchFamily="34" charset="0"/>
+              </a:rPr>
+              <a:t>Хэрэглэгч нь гар утасны програм ашиглах бөгөөд дараах үйлдлүүдийг хийнэ.</a:t>
+            </a:r>
+            <a:endParaRPr lang="en-US" dirty="0">
+              <a:latin typeface="Arial" panose="020B0604020202020204" pitchFamily="34" charset="0"/>
+              <a:cs typeface="Arial" panose="020B0604020202020204" pitchFamily="34" charset="0"/>
+            </a:endParaRPr>
+          </a:p>
+          <a:p>
+            <a:pPr lvl="0" algn="just"/>
+            <a:r>
+              <a:rPr lang="mn-MN" dirty="0">
+                <a:latin typeface="Arial" panose="020B0604020202020204" pitchFamily="34" charset="0"/>
+                <a:cs typeface="Arial" panose="020B0604020202020204" pitchFamily="34" charset="0"/>
+              </a:rPr>
+              <a:t>Хичээл харах</a:t>
+            </a:r>
+            <a:endParaRPr lang="en-US" dirty="0">
+              <a:latin typeface="Arial" panose="020B0604020202020204" pitchFamily="34" charset="0"/>
+              <a:cs typeface="Arial" panose="020B0604020202020204" pitchFamily="34" charset="0"/>
+            </a:endParaRPr>
+          </a:p>
+          <a:p>
+            <a:pPr lvl="0" algn="just"/>
+            <a:r>
+              <a:rPr lang="mn-MN" dirty="0">
+                <a:latin typeface="Arial" panose="020B0604020202020204" pitchFamily="34" charset="0"/>
+                <a:cs typeface="Arial" panose="020B0604020202020204" pitchFamily="34" charset="0"/>
+              </a:rPr>
+              <a:t>Асуулт харах </a:t>
+            </a:r>
+            <a:endParaRPr lang="en-US" dirty="0">
+              <a:latin typeface="Arial" panose="020B0604020202020204" pitchFamily="34" charset="0"/>
+              <a:cs typeface="Arial" panose="020B0604020202020204" pitchFamily="34" charset="0"/>
+            </a:endParaRPr>
+          </a:p>
+          <a:p>
+            <a:pPr lvl="0" algn="just"/>
+            <a:r>
+              <a:rPr lang="mn-MN" dirty="0">
+                <a:latin typeface="Arial" panose="020B0604020202020204" pitchFamily="34" charset="0"/>
+                <a:cs typeface="Arial" panose="020B0604020202020204" pitchFamily="34" charset="0"/>
+              </a:rPr>
+              <a:t>Асуулт асуух</a:t>
+            </a:r>
+            <a:endParaRPr lang="en-US" dirty="0">
+              <a:latin typeface="Arial" panose="020B0604020202020204" pitchFamily="34" charset="0"/>
+              <a:cs typeface="Arial" panose="020B0604020202020204" pitchFamily="34" charset="0"/>
+            </a:endParaRPr>
+          </a:p>
+          <a:p>
+            <a:pPr lvl="0" algn="just"/>
+            <a:r>
               <a:rPr lang="mn-MN" dirty="0" smtClean="0">
-                <a:latin typeface="Times New Roman" panose="02020603050405020304" pitchFamily="18" charset="0"/>
-                <a:cs typeface="Times New Roman" panose="02020603050405020304" pitchFamily="18" charset="0"/>
-              </a:rPr>
-              <a:t>Хэрэглэгчийн шаардлага</a:t>
-            </a:r>
-            <a:endParaRPr lang="mn-MN" dirty="0">
-              <a:latin typeface="Times New Roman" panose="02020603050405020304" pitchFamily="18" charset="0"/>
-              <a:cs typeface="Times New Roman" panose="02020603050405020304" pitchFamily="18" charset="0"/>
+                <a:latin typeface="Arial" panose="020B0604020202020204" pitchFamily="34" charset="0"/>
+                <a:cs typeface="Arial" panose="020B0604020202020204" pitchFamily="34" charset="0"/>
+              </a:rPr>
+              <a:t>Жишээ </a:t>
+            </a:r>
+            <a:r>
+              <a:rPr lang="mn-MN" dirty="0">
+                <a:latin typeface="Arial" panose="020B0604020202020204" pitchFamily="34" charset="0"/>
+                <a:cs typeface="Arial" panose="020B0604020202020204" pitchFamily="34" charset="0"/>
+              </a:rPr>
+              <a:t>харах</a:t>
+            </a:r>
+            <a:endParaRPr lang="en-US" dirty="0">
+              <a:latin typeface="Arial" panose="020B0604020202020204" pitchFamily="34" charset="0"/>
+              <a:cs typeface="Arial" panose="020B0604020202020204" pitchFamily="34" charset="0"/>
             </a:endParaRPr>
           </a:p>
           <a:p>
-            <a:pPr marL="342900" indent="-342900" algn="just">
-              <a:buFont typeface="Wingdings" panose="05000000000000000000" pitchFamily="2" charset="2"/>
-              <a:buChar char="§"/>
-            </a:pPr>
+            <a:pPr lvl="0" algn="just"/>
             <a:r>
               <a:rPr lang="mn-MN" dirty="0">
-                <a:latin typeface="Times New Roman" panose="02020603050405020304" pitchFamily="18" charset="0"/>
-                <a:cs typeface="Times New Roman" panose="02020603050405020304" pitchFamily="18" charset="0"/>
-              </a:rPr>
-              <a:t>Шинжилгээ болон </a:t>
-            </a:r>
-            <a:r>
-              <a:rPr lang="en-US" dirty="0">
-                <a:latin typeface="Times New Roman" panose="02020603050405020304" pitchFamily="18" charset="0"/>
-                <a:cs typeface="Times New Roman" panose="02020603050405020304" pitchFamily="18" charset="0"/>
-              </a:rPr>
-              <a:t>UML </a:t>
-            </a:r>
-            <a:r>
-              <a:rPr lang="mn-MN" dirty="0" smtClean="0">
-                <a:latin typeface="Times New Roman" panose="02020603050405020304" pitchFamily="18" charset="0"/>
-                <a:cs typeface="Times New Roman" panose="02020603050405020304" pitchFamily="18" charset="0"/>
-              </a:rPr>
-              <a:t>диаграмын </a:t>
-            </a:r>
+                <a:latin typeface="Arial" panose="020B0604020202020204" pitchFamily="34" charset="0"/>
+                <a:cs typeface="Arial" panose="020B0604020202020204" pitchFamily="34" charset="0"/>
+              </a:rPr>
+              <a:t>Тохиргоо хийх</a:t>
+            </a:r>
+            <a:endParaRPr lang="en-US" dirty="0">
+              <a:latin typeface="Arial" panose="020B0604020202020204" pitchFamily="34" charset="0"/>
+              <a:cs typeface="Arial" panose="020B0604020202020204" pitchFamily="34" charset="0"/>
+            </a:endParaRPr>
+          </a:p>
+          <a:p>
+            <a:pPr lvl="0" algn="just"/>
             <a:r>
               <a:rPr lang="mn-MN" dirty="0">
-                <a:latin typeface="Times New Roman" panose="02020603050405020304" pitchFamily="18" charset="0"/>
-                <a:cs typeface="Times New Roman" panose="02020603050405020304" pitchFamily="18" charset="0"/>
-              </a:rPr>
-              <a:t>дагуу зохиомж гаргах</a:t>
+                <a:latin typeface="Arial" panose="020B0604020202020204" pitchFamily="34" charset="0"/>
+                <a:cs typeface="Arial" panose="020B0604020202020204" pitchFamily="34" charset="0"/>
+              </a:rPr>
+              <a:t>Шинчлэл хийх</a:t>
             </a:r>
             <a:endParaRPr lang="en-US" dirty="0">
-              <a:latin typeface="Times New Roman" panose="02020603050405020304" pitchFamily="18" charset="0"/>
-              <a:cs typeface="Times New Roman" panose="02020603050405020304" pitchFamily="18" charset="0"/>
-            </a:endParaRPr>
-          </a:p>
-          <a:p>
-            <a:pPr marL="800100" lvl="1" indent="-342900" algn="just">
-              <a:buFont typeface="Wingdings" panose="05000000000000000000" pitchFamily="2" charset="2"/>
-              <a:buChar char="Ø"/>
-            </a:pPr>
-            <a:r>
-              <a:rPr lang="mn-MN" dirty="0">
-                <a:latin typeface="Times New Roman" panose="02020603050405020304" pitchFamily="18" charset="0"/>
-                <a:cs typeface="Times New Roman" panose="02020603050405020304" pitchFamily="18" charset="0"/>
-              </a:rPr>
-              <a:t>Ажлын явцын </a:t>
-            </a:r>
-            <a:r>
-              <a:rPr lang="mn-MN" dirty="0" smtClean="0">
-                <a:latin typeface="Times New Roman" panose="02020603050405020304" pitchFamily="18" charset="0"/>
-                <a:cs typeface="Times New Roman" panose="02020603050405020304" pitchFamily="18" charset="0"/>
-              </a:rPr>
-              <a:t>диаграм</a:t>
-            </a:r>
-            <a:endParaRPr lang="mn-MN" dirty="0">
-              <a:latin typeface="Times New Roman" panose="02020603050405020304" pitchFamily="18" charset="0"/>
-              <a:cs typeface="Times New Roman" panose="02020603050405020304" pitchFamily="18" charset="0"/>
-            </a:endParaRPr>
-          </a:p>
-          <a:p>
-            <a:pPr marL="800100" lvl="1" indent="-342900" algn="just">
-              <a:buFont typeface="Wingdings" panose="05000000000000000000" pitchFamily="2" charset="2"/>
-              <a:buChar char="Ø"/>
-            </a:pPr>
-            <a:r>
-              <a:rPr lang="mn-MN" dirty="0">
-                <a:latin typeface="Times New Roman" panose="02020603050405020304" pitchFamily="18" charset="0"/>
-                <a:cs typeface="Times New Roman" panose="02020603050405020304" pitchFamily="18" charset="0"/>
-              </a:rPr>
-              <a:t>Үйл идэвхжилтийн </a:t>
-            </a:r>
-            <a:r>
-              <a:rPr lang="mn-MN" dirty="0" smtClean="0">
-                <a:latin typeface="Times New Roman" panose="02020603050405020304" pitchFamily="18" charset="0"/>
-                <a:cs typeface="Times New Roman" panose="02020603050405020304" pitchFamily="18" charset="0"/>
-              </a:rPr>
-              <a:t>диаграм</a:t>
-            </a:r>
-            <a:endParaRPr lang="mn-MN" dirty="0">
-              <a:latin typeface="Times New Roman" panose="02020603050405020304" pitchFamily="18" charset="0"/>
-              <a:cs typeface="Times New Roman" panose="02020603050405020304" pitchFamily="18" charset="0"/>
-            </a:endParaRPr>
-          </a:p>
-          <a:p>
-            <a:pPr marL="800100" lvl="1" indent="-342900" algn="just">
-              <a:buFont typeface="Wingdings" panose="05000000000000000000" pitchFamily="2" charset="2"/>
-              <a:buChar char="Ø"/>
-            </a:pPr>
-            <a:r>
-              <a:rPr lang="mn-MN" dirty="0">
-                <a:latin typeface="Times New Roman" panose="02020603050405020304" pitchFamily="18" charset="0"/>
-                <a:cs typeface="Times New Roman" panose="02020603050405020304" pitchFamily="18" charset="0"/>
-              </a:rPr>
-              <a:t>Класс </a:t>
-            </a:r>
-            <a:r>
-              <a:rPr lang="mn-MN" dirty="0" smtClean="0">
-                <a:latin typeface="Times New Roman" panose="02020603050405020304" pitchFamily="18" charset="0"/>
-                <a:cs typeface="Times New Roman" panose="02020603050405020304" pitchFamily="18" charset="0"/>
-              </a:rPr>
-              <a:t>диаграм</a:t>
-            </a:r>
-            <a:endParaRPr lang="mn-MN" dirty="0">
-              <a:latin typeface="Times New Roman" panose="02020603050405020304" pitchFamily="18" charset="0"/>
-              <a:cs typeface="Times New Roman" panose="02020603050405020304" pitchFamily="18" charset="0"/>
-            </a:endParaRPr>
-          </a:p>
-          <a:p>
-            <a:pPr marL="800100" lvl="1" indent="-342900" algn="just">
-              <a:buFont typeface="Wingdings" panose="05000000000000000000" pitchFamily="2" charset="2"/>
-              <a:buChar char="Ø"/>
-            </a:pPr>
-            <a:r>
-              <a:rPr lang="mn-MN" dirty="0" smtClean="0">
-                <a:latin typeface="Times New Roman" panose="02020603050405020304" pitchFamily="18" charset="0"/>
-                <a:cs typeface="Times New Roman" panose="02020603050405020304" pitchFamily="18" charset="0"/>
-              </a:rPr>
-              <a:t>Өгөгдлийн </a:t>
-            </a:r>
-            <a:r>
-              <a:rPr lang="mn-MN" dirty="0">
-                <a:latin typeface="Times New Roman" panose="02020603050405020304" pitchFamily="18" charset="0"/>
-                <a:cs typeface="Times New Roman" panose="02020603050405020304" pitchFamily="18" charset="0"/>
-              </a:rPr>
-              <a:t>сангийн </a:t>
-            </a:r>
-            <a:r>
-              <a:rPr lang="mn-MN" dirty="0" smtClean="0">
-                <a:latin typeface="Times New Roman" panose="02020603050405020304" pitchFamily="18" charset="0"/>
-                <a:cs typeface="Times New Roman" panose="02020603050405020304" pitchFamily="18" charset="0"/>
-              </a:rPr>
-              <a:t>диаграм</a:t>
-            </a:r>
-            <a:endParaRPr lang="mn-MN" dirty="0">
-              <a:latin typeface="Times New Roman" panose="02020603050405020304" pitchFamily="18" charset="0"/>
-              <a:cs typeface="Times New Roman" panose="02020603050405020304" pitchFamily="18" charset="0"/>
-            </a:endParaRPr>
-          </a:p>
-          <a:p>
-            <a:pPr marL="800100" lvl="1" indent="-342900" algn="just">
-              <a:buFont typeface="Wingdings" panose="05000000000000000000" pitchFamily="2" charset="2"/>
-              <a:buChar char="Ø"/>
-            </a:pPr>
-            <a:r>
-              <a:rPr lang="mn-MN" dirty="0">
-                <a:latin typeface="Times New Roman" panose="02020603050405020304" pitchFamily="18" charset="0"/>
-                <a:cs typeface="Times New Roman" panose="02020603050405020304" pitchFamily="18" charset="0"/>
-              </a:rPr>
-              <a:t>Шилжилтийн </a:t>
-            </a:r>
-            <a:r>
-              <a:rPr lang="mn-MN" dirty="0" smtClean="0">
-                <a:latin typeface="Times New Roman" panose="02020603050405020304" pitchFamily="18" charset="0"/>
-                <a:cs typeface="Times New Roman" panose="02020603050405020304" pitchFamily="18" charset="0"/>
-              </a:rPr>
-              <a:t>диаграм</a:t>
-            </a:r>
-            <a:endParaRPr lang="en-US" dirty="0" smtClean="0">
-              <a:latin typeface="Times New Roman" panose="02020603050405020304" pitchFamily="18" charset="0"/>
-              <a:cs typeface="Times New Roman" panose="02020603050405020304" pitchFamily="18" charset="0"/>
-            </a:endParaRPr>
-          </a:p>
-          <a:p>
-            <a:pPr marL="800100" lvl="1" indent="-342900" algn="just">
-              <a:buFont typeface="Wingdings" panose="05000000000000000000" pitchFamily="2" charset="2"/>
-              <a:buChar char="Ø"/>
-            </a:pPr>
-            <a:r>
-              <a:rPr lang="mn-MN" dirty="0" smtClean="0">
-                <a:latin typeface="Times New Roman" panose="02020603050405020304" pitchFamily="18" charset="0"/>
-                <a:cs typeface="Times New Roman" panose="02020603050405020304" pitchFamily="18" charset="0"/>
-              </a:rPr>
-              <a:t>Дарааллын диаграм</a:t>
-            </a:r>
-            <a:endParaRPr lang="en-US" dirty="0">
-              <a:latin typeface="Times New Roman" panose="02020603050405020304" pitchFamily="18" charset="0"/>
-              <a:cs typeface="Times New Roman" panose="02020603050405020304" pitchFamily="18" charset="0"/>
+              <a:latin typeface="Arial" panose="020B0604020202020204" pitchFamily="34" charset="0"/>
+              <a:cs typeface="Arial" panose="020B0604020202020204" pitchFamily="34" charset="0"/>
             </a:endParaRPr>
           </a:p>
           <a:p>
@@ -7397,7 +7484,7 @@
     </p:spTree>
     <p:extLst>
       <p:ext uri="{BB962C8B-B14F-4D97-AF65-F5344CB8AC3E}">
-        <p14:creationId xmlns:p14="http://schemas.microsoft.com/office/powerpoint/2010/main" val="2031346902"/>
+        <p14:creationId xmlns:p14="http://schemas.microsoft.com/office/powerpoint/2010/main" val="2783266538"/>
       </p:ext>
     </p:extLst>
   </p:cSld>
@@ -7443,176 +7530,334 @@
         </p:nvSpPr>
         <p:spPr/>
         <p:txBody>
-          <a:bodyPr>
-            <a:normAutofit/>
+          <a:bodyPr/>
+          <a:lstStyle/>
+          <a:p>
+            <a:r>
+              <a:rPr lang="mn-MN" dirty="0">
+                <a:latin typeface="Arial" panose="020B0604020202020204" pitchFamily="34" charset="0"/>
+                <a:cs typeface="Arial" panose="020B0604020202020204" pitchFamily="34" charset="0"/>
+              </a:rPr>
+              <a:t>Хэрэглэгчийн шаардлага</a:t>
+            </a:r>
+            <a:endParaRPr lang="en-US" dirty="0"/>
+          </a:p>
+        </p:txBody>
+      </p:sp>
+      <p:sp>
+        <p:nvSpPr>
+          <p:cNvPr id="4" name="Content Placeholder 3"/>
+          <p:cNvSpPr>
+            <a:spLocks noGrp="1"/>
+          </p:cNvSpPr>
+          <p:nvPr>
+            <p:ph idx="1"/>
+          </p:nvPr>
+        </p:nvSpPr>
+        <p:spPr>
+          <a:xfrm>
+            <a:off x="1295401" y="2556932"/>
+            <a:ext cx="9601196" cy="3216265"/>
+          </a:xfrm>
+          <a:prstGeom prst="rect">
+            <a:avLst/>
+          </a:prstGeom>
+        </p:spPr>
+        <p:txBody>
+          <a:bodyPr wrap="square">
+            <a:spAutoFit/>
           </a:bodyPr>
           <a:lstStyle/>
           <a:p>
-            <a:r>
-              <a:rPr lang="mn-MN" dirty="0">
-                <a:latin typeface="Arial" panose="020B0604020202020204" pitchFamily="34" charset="0"/>
-                <a:cs typeface="Arial" panose="020B0604020202020204" pitchFamily="34" charset="0"/>
-              </a:rPr>
-              <a:t>Хэрэглэгчийн </a:t>
-            </a:r>
-            <a:r>
-              <a:rPr lang="mn-MN" dirty="0" smtClean="0">
-                <a:latin typeface="Arial" panose="020B0604020202020204" pitchFamily="34" charset="0"/>
-                <a:cs typeface="Arial" panose="020B0604020202020204" pitchFamily="34" charset="0"/>
-              </a:rPr>
-              <a:t>шаардлага</a:t>
-            </a:r>
+            <a:pPr marL="0" indent="0" algn="just">
+              <a:lnSpc>
+                <a:spcPct val="150000"/>
+              </a:lnSpc>
+              <a:buNone/>
+            </a:pPr>
+            <a:r>
+              <a:rPr lang="mn-MN" sz="1800" dirty="0">
+                <a:latin typeface="Arial" panose="020B0604020202020204" pitchFamily="34" charset="0"/>
+                <a:cs typeface="Arial" panose="020B0604020202020204" pitchFamily="34" charset="0"/>
+              </a:rPr>
+              <a:t>Системийг админ веб програмыг ашиглан удирдах бөгөөд админ нь дараах эрх үүргүүдтэй байна</a:t>
+            </a:r>
+            <a:r>
+              <a:rPr lang="mn-MN" sz="1800" dirty="0" smtClean="0">
+                <a:latin typeface="Arial" panose="020B0604020202020204" pitchFamily="34" charset="0"/>
+                <a:cs typeface="Arial" panose="020B0604020202020204" pitchFamily="34" charset="0"/>
+              </a:rPr>
+              <a:t>.</a:t>
+            </a:r>
+            <a:endParaRPr lang="mn-MN" sz="1800" dirty="0" smtClean="0">
+              <a:latin typeface="Arial" panose="020B0604020202020204" pitchFamily="34" charset="0"/>
+              <a:ea typeface="Times New Roman" panose="02020603050405020304" pitchFamily="18" charset="0"/>
+              <a:cs typeface="Arial" panose="020B0604020202020204" pitchFamily="34" charset="0"/>
+            </a:endParaRPr>
+          </a:p>
+          <a:p>
+            <a:pPr marL="342900" marR="0" lvl="0" indent="-342900" algn="just">
+              <a:lnSpc>
+                <a:spcPct val="150000"/>
+              </a:lnSpc>
+              <a:spcBef>
+                <a:spcPts val="0"/>
+              </a:spcBef>
+              <a:spcAft>
+                <a:spcPts val="0"/>
+              </a:spcAft>
+              <a:buFont typeface="Wingdings" panose="05000000000000000000" pitchFamily="2" charset="2"/>
+              <a:buChar char=""/>
+            </a:pPr>
+            <a:r>
+              <a:rPr lang="mn-MN" sz="1600" dirty="0" smtClean="0">
+                <a:latin typeface="Arial" panose="020B0604020202020204" pitchFamily="34" charset="0"/>
+                <a:ea typeface="Times New Roman" panose="02020603050405020304" pitchFamily="18" charset="0"/>
+                <a:cs typeface="Arial" panose="020B0604020202020204" pitchFamily="34" charset="0"/>
+              </a:rPr>
+              <a:t>Хичээл </a:t>
+            </a:r>
+            <a:r>
+              <a:rPr lang="mn-MN" sz="1600" dirty="0">
+                <a:latin typeface="Arial" panose="020B0604020202020204" pitchFamily="34" charset="0"/>
+                <a:ea typeface="Times New Roman" panose="02020603050405020304" pitchFamily="18" charset="0"/>
+                <a:cs typeface="Arial" panose="020B0604020202020204" pitchFamily="34" charset="0"/>
+              </a:rPr>
+              <a:t>нэмэх </a:t>
+            </a:r>
+            <a:r>
+              <a:rPr lang="en-US" sz="1600" dirty="0" smtClean="0">
+                <a:latin typeface="Arial" panose="020B0604020202020204" pitchFamily="34" charset="0"/>
+                <a:ea typeface="Times New Roman" panose="02020603050405020304" pitchFamily="18" charset="0"/>
+                <a:cs typeface="Arial" panose="020B0604020202020204" pitchFamily="34" charset="0"/>
+              </a:rPr>
+              <a:t>		</a:t>
+            </a:r>
+            <a:endParaRPr lang="mn-MN" sz="1600" dirty="0" smtClean="0">
+              <a:latin typeface="Arial" panose="020B0604020202020204" pitchFamily="34" charset="0"/>
+              <a:ea typeface="Times New Roman" panose="02020603050405020304" pitchFamily="18" charset="0"/>
+              <a:cs typeface="Arial" panose="020B0604020202020204" pitchFamily="34" charset="0"/>
+            </a:endParaRPr>
+          </a:p>
+          <a:p>
+            <a:pPr marL="342900" marR="0" lvl="0" indent="-342900" algn="just">
+              <a:lnSpc>
+                <a:spcPct val="150000"/>
+              </a:lnSpc>
+              <a:spcBef>
+                <a:spcPts val="0"/>
+              </a:spcBef>
+              <a:spcAft>
+                <a:spcPts val="0"/>
+              </a:spcAft>
+              <a:buFont typeface="Wingdings" panose="05000000000000000000" pitchFamily="2" charset="2"/>
+              <a:buChar char=""/>
+            </a:pPr>
+            <a:r>
+              <a:rPr lang="mn-MN" sz="1600" dirty="0" smtClean="0">
+                <a:latin typeface="Arial" panose="020B0604020202020204" pitchFamily="34" charset="0"/>
+                <a:ea typeface="Times New Roman" panose="02020603050405020304" pitchFamily="18" charset="0"/>
+                <a:cs typeface="Arial" panose="020B0604020202020204" pitchFamily="34" charset="0"/>
+              </a:rPr>
+              <a:t>Хичээл хасах 		</a:t>
+            </a:r>
+            <a:endParaRPr lang="en-US" sz="1600" dirty="0" smtClean="0">
+              <a:latin typeface="Arial" panose="020B0604020202020204" pitchFamily="34" charset="0"/>
+              <a:ea typeface="Times New Roman" panose="02020603050405020304" pitchFamily="18" charset="0"/>
+              <a:cs typeface="Arial" panose="020B0604020202020204" pitchFamily="34" charset="0"/>
+            </a:endParaRPr>
+          </a:p>
+          <a:p>
+            <a:pPr marL="342900" marR="0" lvl="0" indent="-342900" algn="just">
+              <a:lnSpc>
+                <a:spcPct val="150000"/>
+              </a:lnSpc>
+              <a:spcBef>
+                <a:spcPts val="0"/>
+              </a:spcBef>
+              <a:spcAft>
+                <a:spcPts val="0"/>
+              </a:spcAft>
+              <a:buFont typeface="Wingdings" panose="05000000000000000000" pitchFamily="2" charset="2"/>
+              <a:buChar char=""/>
+            </a:pPr>
+            <a:r>
+              <a:rPr lang="mn-MN" sz="1600" dirty="0" smtClean="0">
+                <a:latin typeface="Arial" panose="020B0604020202020204" pitchFamily="34" charset="0"/>
+                <a:ea typeface="Times New Roman" panose="02020603050405020304" pitchFamily="18" charset="0"/>
+                <a:cs typeface="Arial" panose="020B0604020202020204" pitchFamily="34" charset="0"/>
+              </a:rPr>
+              <a:t>Хичээл засах 		 </a:t>
+            </a:r>
+          </a:p>
+          <a:p>
+            <a:pPr marL="342900" marR="0" lvl="0" indent="-342900" algn="just">
+              <a:lnSpc>
+                <a:spcPct val="150000"/>
+              </a:lnSpc>
+              <a:spcBef>
+                <a:spcPts val="0"/>
+              </a:spcBef>
+              <a:spcAft>
+                <a:spcPts val="0"/>
+              </a:spcAft>
+              <a:buFont typeface="Wingdings" panose="05000000000000000000" pitchFamily="2" charset="2"/>
+              <a:buChar char=""/>
+            </a:pPr>
+            <a:r>
+              <a:rPr lang="mn-MN" sz="1600" dirty="0" smtClean="0">
+                <a:latin typeface="Arial" panose="020B0604020202020204" pitchFamily="34" charset="0"/>
+                <a:ea typeface="Times New Roman" panose="02020603050405020304" pitchFamily="18" charset="0"/>
+                <a:cs typeface="Arial" panose="020B0604020202020204" pitchFamily="34" charset="0"/>
+              </a:rPr>
+              <a:t>Жишээ нэмэх</a:t>
+            </a:r>
+            <a:endParaRPr lang="en-US" sz="1600" dirty="0" smtClean="0">
+              <a:latin typeface="Arial" panose="020B0604020202020204" pitchFamily="34" charset="0"/>
+              <a:ea typeface="Times New Roman" panose="02020603050405020304" pitchFamily="18" charset="0"/>
+              <a:cs typeface="Arial" panose="020B0604020202020204" pitchFamily="34" charset="0"/>
+            </a:endParaRPr>
+          </a:p>
+          <a:p>
+            <a:pPr marL="342900" marR="0" lvl="0" indent="-342900" algn="just">
+              <a:lnSpc>
+                <a:spcPct val="150000"/>
+              </a:lnSpc>
+              <a:spcBef>
+                <a:spcPts val="0"/>
+              </a:spcBef>
+              <a:spcAft>
+                <a:spcPts val="0"/>
+              </a:spcAft>
+              <a:buFont typeface="Wingdings" panose="05000000000000000000" pitchFamily="2" charset="2"/>
+              <a:buChar char=""/>
+            </a:pPr>
+            <a:r>
+              <a:rPr lang="mn-MN" sz="1600" dirty="0">
+                <a:latin typeface="Arial" panose="020B0604020202020204" pitchFamily="34" charset="0"/>
+                <a:ea typeface="Times New Roman" panose="02020603050405020304" pitchFamily="18" charset="0"/>
+                <a:cs typeface="Arial" panose="020B0604020202020204" pitchFamily="34" charset="0"/>
+              </a:rPr>
+              <a:t>Жишээ хасах</a:t>
+            </a:r>
+            <a:endParaRPr lang="mn-MN" sz="1600" dirty="0" smtClean="0">
+              <a:latin typeface="Arial" panose="020B0604020202020204" pitchFamily="34" charset="0"/>
+              <a:ea typeface="Times New Roman" panose="02020603050405020304" pitchFamily="18" charset="0"/>
+              <a:cs typeface="Arial" panose="020B0604020202020204" pitchFamily="34" charset="0"/>
+            </a:endParaRPr>
+          </a:p>
+          <a:p>
+            <a:pPr marL="342900" indent="-342900" algn="just">
+              <a:lnSpc>
+                <a:spcPct val="150000"/>
+              </a:lnSpc>
+              <a:spcBef>
+                <a:spcPts val="0"/>
+              </a:spcBef>
+              <a:spcAft>
+                <a:spcPts val="0"/>
+              </a:spcAft>
+              <a:buFont typeface="Wingdings" panose="05000000000000000000" pitchFamily="2" charset="2"/>
+              <a:buChar char=""/>
+            </a:pPr>
+            <a:r>
+              <a:rPr lang="mn-MN" sz="1600" dirty="0">
+                <a:latin typeface="Arial" panose="020B0604020202020204" pitchFamily="34" charset="0"/>
+                <a:ea typeface="Times New Roman" panose="02020603050405020304" pitchFamily="18" charset="0"/>
+                <a:cs typeface="Arial" panose="020B0604020202020204" pitchFamily="34" charset="0"/>
+              </a:rPr>
+              <a:t>Жишээ засах</a:t>
+            </a:r>
+            <a:endParaRPr lang="en-US" sz="1600" dirty="0">
+              <a:latin typeface="Arial" panose="020B0604020202020204" pitchFamily="34" charset="0"/>
+              <a:ea typeface="Times New Roman" panose="02020603050405020304" pitchFamily="18" charset="0"/>
+              <a:cs typeface="Arial" panose="020B0604020202020204" pitchFamily="34" charset="0"/>
+            </a:endParaRPr>
+          </a:p>
+        </p:txBody>
+      </p:sp>
+      <p:sp>
+        <p:nvSpPr>
+          <p:cNvPr id="5" name="Rectangle 4"/>
+          <p:cNvSpPr/>
+          <p:nvPr/>
+        </p:nvSpPr>
+        <p:spPr>
+          <a:xfrm>
+            <a:off x="4988406" y="3349390"/>
+            <a:ext cx="2524281" cy="825867"/>
+          </a:xfrm>
+          <a:prstGeom prst="rect">
+            <a:avLst/>
+          </a:prstGeom>
+        </p:spPr>
+        <p:txBody>
+          <a:bodyPr wrap="none">
+            <a:spAutoFit/>
+          </a:bodyPr>
+          <a:lstStyle/>
+          <a:p>
+            <a:pPr marL="342900" marR="0" lvl="0" indent="-342900" algn="just">
+              <a:lnSpc>
+                <a:spcPct val="150000"/>
+              </a:lnSpc>
+              <a:spcBef>
+                <a:spcPts val="0"/>
+              </a:spcBef>
+              <a:spcAft>
+                <a:spcPts val="0"/>
+              </a:spcAft>
+              <a:buFont typeface="Wingdings" panose="05000000000000000000" pitchFamily="2" charset="2"/>
+              <a:buChar char=""/>
+            </a:pPr>
+            <a:r>
+              <a:rPr lang="mn-MN" sz="1600" dirty="0" smtClean="0">
+                <a:latin typeface="Arial" panose="020B0604020202020204" pitchFamily="34" charset="0"/>
+                <a:ea typeface="Times New Roman" panose="02020603050405020304" pitchFamily="18" charset="0"/>
+                <a:cs typeface="Arial" panose="020B0604020202020204" pitchFamily="34" charset="0"/>
+              </a:rPr>
+              <a:t>Асуултанд </a:t>
+            </a:r>
+            <a:r>
+              <a:rPr lang="mn-MN" sz="1600" dirty="0">
+                <a:latin typeface="Arial" panose="020B0604020202020204" pitchFamily="34" charset="0"/>
+                <a:ea typeface="Times New Roman" panose="02020603050405020304" pitchFamily="18" charset="0"/>
+                <a:cs typeface="Arial" panose="020B0604020202020204" pitchFamily="34" charset="0"/>
+              </a:rPr>
+              <a:t>хариулах </a:t>
+            </a:r>
+            <a:endParaRPr lang="en-US" sz="1600" dirty="0">
+              <a:latin typeface="Arial" panose="020B0604020202020204" pitchFamily="34" charset="0"/>
+              <a:ea typeface="Times New Roman" panose="02020603050405020304" pitchFamily="18" charset="0"/>
+              <a:cs typeface="Arial" panose="020B0604020202020204" pitchFamily="34" charset="0"/>
+            </a:endParaRPr>
+          </a:p>
+          <a:p>
+            <a:pPr marL="342900" marR="0" lvl="0" indent="-342900" algn="just">
+              <a:lnSpc>
+                <a:spcPct val="150000"/>
+              </a:lnSpc>
+              <a:spcBef>
+                <a:spcPts val="0"/>
+              </a:spcBef>
+              <a:spcAft>
+                <a:spcPts val="0"/>
+              </a:spcAft>
+              <a:buFont typeface="Wingdings" panose="05000000000000000000" pitchFamily="2" charset="2"/>
+              <a:buChar char=""/>
+            </a:pPr>
             <a:endParaRPr lang="en-US" dirty="0">
               <a:latin typeface="Arial" panose="020B0604020202020204" pitchFamily="34" charset="0"/>
+              <a:ea typeface="Times New Roman" panose="02020603050405020304" pitchFamily="18" charset="0"/>
               <a:cs typeface="Arial" panose="020B0604020202020204" pitchFamily="34" charset="0"/>
             </a:endParaRPr>
-          </a:p>
-        </p:txBody>
-      </p:sp>
-      <p:sp>
-        <p:nvSpPr>
-          <p:cNvPr id="3" name="Content Placeholder 2"/>
-          <p:cNvSpPr>
-            <a:spLocks noGrp="1"/>
-          </p:cNvSpPr>
-          <p:nvPr>
-            <p:ph idx="1"/>
-          </p:nvPr>
-        </p:nvSpPr>
-        <p:spPr>
-          <a:xfrm>
-            <a:off x="1295402" y="2750115"/>
-            <a:ext cx="9484215" cy="3318936"/>
-          </a:xfrm>
-        </p:spPr>
-        <p:txBody>
-          <a:bodyPr>
-            <a:normAutofit fontScale="85000" lnSpcReduction="20000"/>
-          </a:bodyPr>
-          <a:lstStyle/>
-          <a:p>
-            <a:pPr marL="0" indent="0" algn="just">
-              <a:buNone/>
-            </a:pPr>
-            <a:r>
-              <a:rPr lang="mn-MN" dirty="0">
-                <a:latin typeface="Arial" panose="020B0604020202020204" pitchFamily="34" charset="0"/>
-                <a:cs typeface="Arial" panose="020B0604020202020204" pitchFamily="34" charset="0"/>
-              </a:rPr>
-              <a:t>Хэрэглэгч нь гар утасны програм ашиглах бөгөөд дараах үйлдлүүдийг хийнэ.</a:t>
-            </a:r>
-            <a:endParaRPr lang="en-US" dirty="0">
-              <a:latin typeface="Arial" panose="020B0604020202020204" pitchFamily="34" charset="0"/>
-              <a:cs typeface="Arial" panose="020B0604020202020204" pitchFamily="34" charset="0"/>
-            </a:endParaRPr>
-          </a:p>
-          <a:p>
-            <a:pPr lvl="0" algn="just"/>
-            <a:r>
-              <a:rPr lang="mn-MN" dirty="0">
-                <a:latin typeface="Arial" panose="020B0604020202020204" pitchFamily="34" charset="0"/>
-                <a:cs typeface="Arial" panose="020B0604020202020204" pitchFamily="34" charset="0"/>
-              </a:rPr>
-              <a:t>Хичээл харах</a:t>
-            </a:r>
-            <a:endParaRPr lang="en-US" dirty="0">
-              <a:latin typeface="Arial" panose="020B0604020202020204" pitchFamily="34" charset="0"/>
-              <a:cs typeface="Arial" panose="020B0604020202020204" pitchFamily="34" charset="0"/>
-            </a:endParaRPr>
-          </a:p>
-          <a:p>
-            <a:pPr lvl="0" algn="just"/>
-            <a:r>
-              <a:rPr lang="mn-MN" dirty="0">
-                <a:latin typeface="Arial" panose="020B0604020202020204" pitchFamily="34" charset="0"/>
-                <a:cs typeface="Arial" panose="020B0604020202020204" pitchFamily="34" charset="0"/>
-              </a:rPr>
-              <a:t>Асуулт харах </a:t>
-            </a:r>
-            <a:endParaRPr lang="en-US" dirty="0">
-              <a:latin typeface="Arial" panose="020B0604020202020204" pitchFamily="34" charset="0"/>
-              <a:cs typeface="Arial" panose="020B0604020202020204" pitchFamily="34" charset="0"/>
-            </a:endParaRPr>
-          </a:p>
-          <a:p>
-            <a:pPr lvl="0" algn="just"/>
-            <a:r>
-              <a:rPr lang="mn-MN" dirty="0">
-                <a:latin typeface="Arial" panose="020B0604020202020204" pitchFamily="34" charset="0"/>
-                <a:cs typeface="Arial" panose="020B0604020202020204" pitchFamily="34" charset="0"/>
-              </a:rPr>
-              <a:t>Асуулт асуух</a:t>
-            </a:r>
-            <a:endParaRPr lang="en-US" dirty="0">
-              <a:latin typeface="Arial" panose="020B0604020202020204" pitchFamily="34" charset="0"/>
-              <a:cs typeface="Arial" panose="020B0604020202020204" pitchFamily="34" charset="0"/>
-            </a:endParaRPr>
-          </a:p>
-          <a:p>
-            <a:pPr lvl="0" algn="just"/>
-            <a:r>
-              <a:rPr lang="mn-MN" dirty="0">
-                <a:latin typeface="Arial" panose="020B0604020202020204" pitchFamily="34" charset="0"/>
-                <a:cs typeface="Arial" panose="020B0604020202020204" pitchFamily="34" charset="0"/>
-              </a:rPr>
-              <a:t>Асуулт хариулт тоглох</a:t>
-            </a:r>
-            <a:endParaRPr lang="en-US" dirty="0">
-              <a:latin typeface="Arial" panose="020B0604020202020204" pitchFamily="34" charset="0"/>
-              <a:cs typeface="Arial" panose="020B0604020202020204" pitchFamily="34" charset="0"/>
-            </a:endParaRPr>
-          </a:p>
-          <a:p>
-            <a:pPr lvl="0" algn="just"/>
-            <a:r>
-              <a:rPr lang="mn-MN" dirty="0">
-                <a:latin typeface="Arial" panose="020B0604020202020204" pitchFamily="34" charset="0"/>
-                <a:cs typeface="Arial" panose="020B0604020202020204" pitchFamily="34" charset="0"/>
-              </a:rPr>
-              <a:t>Жишээ харах</a:t>
-            </a:r>
-            <a:endParaRPr lang="en-US" dirty="0">
-              <a:latin typeface="Arial" panose="020B0604020202020204" pitchFamily="34" charset="0"/>
-              <a:cs typeface="Arial" panose="020B0604020202020204" pitchFamily="34" charset="0"/>
-            </a:endParaRPr>
-          </a:p>
-          <a:p>
-            <a:pPr lvl="0" algn="just"/>
-            <a:r>
-              <a:rPr lang="mn-MN" dirty="0">
-                <a:latin typeface="Arial" panose="020B0604020202020204" pitchFamily="34" charset="0"/>
-                <a:cs typeface="Arial" panose="020B0604020202020204" pitchFamily="34" charset="0"/>
-              </a:rPr>
-              <a:t>Тохиргоо хийх</a:t>
-            </a:r>
-            <a:endParaRPr lang="en-US" dirty="0">
-              <a:latin typeface="Arial" panose="020B0604020202020204" pitchFamily="34" charset="0"/>
-              <a:cs typeface="Arial" panose="020B0604020202020204" pitchFamily="34" charset="0"/>
-            </a:endParaRPr>
-          </a:p>
-          <a:p>
-            <a:pPr lvl="0" algn="just"/>
-            <a:r>
-              <a:rPr lang="mn-MN" dirty="0">
-                <a:latin typeface="Arial" panose="020B0604020202020204" pitchFamily="34" charset="0"/>
-                <a:cs typeface="Arial" panose="020B0604020202020204" pitchFamily="34" charset="0"/>
-              </a:rPr>
-              <a:t>Шинчлэл хийх</a:t>
-            </a:r>
-            <a:endParaRPr lang="en-US" dirty="0">
-              <a:latin typeface="Arial" panose="020B0604020202020204" pitchFamily="34" charset="0"/>
-              <a:cs typeface="Arial" panose="020B0604020202020204" pitchFamily="34" charset="0"/>
-            </a:endParaRPr>
-          </a:p>
-          <a:p>
-            <a:endParaRPr lang="en-US" dirty="0"/>
           </a:p>
         </p:txBody>
       </p:sp>
     </p:spTree>
     <p:extLst>
       <p:ext uri="{BB962C8B-B14F-4D97-AF65-F5344CB8AC3E}">
-        <p14:creationId xmlns:p14="http://schemas.microsoft.com/office/powerpoint/2010/main" val="2783266538"/>
+        <p14:creationId xmlns:p14="http://schemas.microsoft.com/office/powerpoint/2010/main" val="2652382866"/>
       </p:ext>
     </p:extLst>
   </p:cSld>
@@ -7658,7 +7903,9 @@
         </p:nvSpPr>
         <p:spPr/>
         <p:txBody>
-          <a:bodyPr/>
+          <a:bodyPr>
+            <a:normAutofit/>
+          </a:bodyPr>
           <a:lstStyle/>
           <a:p>
             <a:r>
@@ -7666,407 +7913,159 @@
                 <a:latin typeface="Arial" panose="020B0604020202020204" pitchFamily="34" charset="0"/>
                 <a:cs typeface="Arial" panose="020B0604020202020204" pitchFamily="34" charset="0"/>
               </a:rPr>
-              <a:t>Хэрэглэгчийн шаардлага</a:t>
-            </a:r>
-            <a:endParaRPr lang="en-US" dirty="0"/>
-          </a:p>
-        </p:txBody>
-      </p:sp>
-      <p:sp>
-        <p:nvSpPr>
-          <p:cNvPr id="4" name="Content Placeholder 3"/>
-          <p:cNvSpPr>
-            <a:spLocks noGrp="1"/>
-          </p:cNvSpPr>
-          <p:nvPr>
-            <p:ph idx="1"/>
-          </p:nvPr>
+              <a:t>Ажлын явцын </a:t>
+            </a:r>
+            <a:r>
+              <a:rPr lang="mn-MN" dirty="0" smtClean="0">
+                <a:latin typeface="Arial" panose="020B0604020202020204" pitchFamily="34" charset="0"/>
+                <a:cs typeface="Arial" panose="020B0604020202020204" pitchFamily="34" charset="0"/>
+              </a:rPr>
+              <a:t>диаграм</a:t>
+            </a:r>
+            <a:endParaRPr lang="en-US" dirty="0">
+              <a:latin typeface="Arial" panose="020B0604020202020204" pitchFamily="34" charset="0"/>
+              <a:cs typeface="Arial" panose="020B0604020202020204" pitchFamily="34" charset="0"/>
+            </a:endParaRPr>
+          </a:p>
+        </p:txBody>
+      </p:sp>
+      <p:sp>
+        <p:nvSpPr>
+          <p:cNvPr id="3" name="Rectangle 2"/>
+          <p:cNvSpPr/>
+          <p:nvPr/>
         </p:nvSpPr>
         <p:spPr>
           <a:xfrm>
-            <a:off x="1295401" y="2556932"/>
-            <a:ext cx="9601196" cy="3216265"/>
+            <a:off x="3969231" y="5875338"/>
+            <a:ext cx="4253537" cy="307777"/>
           </a:xfrm>
           <a:prstGeom prst="rect">
             <a:avLst/>
           </a:prstGeom>
         </p:spPr>
         <p:txBody>
-          <a:bodyPr wrap="square">
+          <a:bodyPr wrap="none">
             <a:spAutoFit/>
           </a:bodyPr>
           <a:lstStyle/>
           <a:p>
-            <a:pPr marL="0" indent="0" algn="just">
-              <a:lnSpc>
-                <a:spcPct val="150000"/>
-              </a:lnSpc>
-              <a:buNone/>
-            </a:pPr>
-            <a:r>
-              <a:rPr lang="mn-MN" sz="1800" dirty="0">
-                <a:latin typeface="Arial" panose="020B0604020202020204" pitchFamily="34" charset="0"/>
-                <a:cs typeface="Arial" panose="020B0604020202020204" pitchFamily="34" charset="0"/>
-              </a:rPr>
-              <a:t>Системийг админ веб програмыг ашиглан удирдах бөгөөд админ нь дараах эрх үүргүүдтэй байна</a:t>
-            </a:r>
-            <a:r>
-              <a:rPr lang="mn-MN" sz="1800" dirty="0" smtClean="0">
-                <a:latin typeface="Arial" panose="020B0604020202020204" pitchFamily="34" charset="0"/>
-                <a:cs typeface="Arial" panose="020B0604020202020204" pitchFamily="34" charset="0"/>
-              </a:rPr>
-              <a:t>.</a:t>
-            </a:r>
-            <a:endParaRPr lang="mn-MN" sz="1800" dirty="0" smtClean="0">
-              <a:latin typeface="Arial" panose="020B0604020202020204" pitchFamily="34" charset="0"/>
-              <a:ea typeface="Times New Roman" panose="02020603050405020304" pitchFamily="18" charset="0"/>
-              <a:cs typeface="Arial" panose="020B0604020202020204" pitchFamily="34" charset="0"/>
-            </a:endParaRPr>
-          </a:p>
-          <a:p>
-            <a:pPr marL="342900" marR="0" lvl="0" indent="-342900" algn="just">
-              <a:lnSpc>
-                <a:spcPct val="150000"/>
-              </a:lnSpc>
-              <a:spcBef>
-                <a:spcPts val="0"/>
-              </a:spcBef>
-              <a:spcAft>
-                <a:spcPts val="0"/>
-              </a:spcAft>
-              <a:buFont typeface="Wingdings" panose="05000000000000000000" pitchFamily="2" charset="2"/>
-              <a:buChar char=""/>
-            </a:pPr>
-            <a:r>
-              <a:rPr lang="mn-MN" sz="1600" dirty="0" smtClean="0">
+            <a:r>
+              <a:rPr lang="mn-MN" sz="1400" dirty="0" smtClean="0">
                 <a:latin typeface="Arial" panose="020B0604020202020204" pitchFamily="34" charset="0"/>
                 <a:ea typeface="Times New Roman" panose="02020603050405020304" pitchFamily="18" charset="0"/>
-                <a:cs typeface="Arial" panose="020B0604020202020204" pitchFamily="34" charset="0"/>
-              </a:rPr>
-              <a:t>Хичээл </a:t>
-            </a:r>
-            <a:r>
-              <a:rPr lang="mn-MN" sz="1600" dirty="0">
+                <a:cs typeface="Times New Roman" panose="02020603050405020304" pitchFamily="18" charset="0"/>
+              </a:rPr>
+              <a:t>Хэрэглэгч болон админы а</a:t>
+            </a:r>
+            <a:r>
+              <a:rPr lang="en-US" sz="1400" dirty="0" err="1" smtClean="0">
                 <a:latin typeface="Arial" panose="020B0604020202020204" pitchFamily="34" charset="0"/>
                 <a:ea typeface="Times New Roman" panose="02020603050405020304" pitchFamily="18" charset="0"/>
-                <a:cs typeface="Arial" panose="020B0604020202020204" pitchFamily="34" charset="0"/>
-              </a:rPr>
-              <a:t>нэмэх </a:t>
-            </a:r>
-            <a:r>
-              <a:rPr lang="en-US" sz="1600" dirty="0" smtClean="0">
+                <a:cs typeface="Times New Roman" panose="02020603050405020304" pitchFamily="18" charset="0"/>
+              </a:rPr>
+              <a:t>жлын</a:t>
+            </a:r>
+            <a:r>
+              <a:rPr lang="en-US" sz="1400" dirty="0" smtClean="0">
                 <a:latin typeface="Arial" panose="020B0604020202020204" pitchFamily="34" charset="0"/>
                 <a:ea typeface="Times New Roman" panose="02020603050405020304" pitchFamily="18" charset="0"/>
-                <a:cs typeface="Arial" panose="020B0604020202020204" pitchFamily="34" charset="0"/>
-              </a:rPr>
-              <a:t>		</a:t>
-            </a:r>
-            <a:endParaRPr lang="mn-MN" sz="1600" dirty="0" smtClean="0">
-              <a:latin typeface="Arial" panose="020B0604020202020204" pitchFamily="34" charset="0"/>
-              <a:ea typeface="Times New Roman" panose="02020603050405020304" pitchFamily="18" charset="0"/>
-              <a:cs typeface="Arial" panose="020B0604020202020204" pitchFamily="34" charset="0"/>
-            </a:endParaRPr>
-          </a:p>
-          <a:p>
-            <a:pPr marL="342900" marR="0" lvl="0" indent="-342900" algn="just">
-              <a:lnSpc>
-                <a:spcPct val="150000"/>
-              </a:lnSpc>
-              <a:spcBef>
-                <a:spcPts val="0"/>
-              </a:spcBef>
-              <a:spcAft>
-                <a:spcPts val="0"/>
-              </a:spcAft>
-              <a:buFont typeface="Wingdings" panose="05000000000000000000" pitchFamily="2" charset="2"/>
-              <a:buChar char=""/>
-            </a:pPr>
-            <a:r>
-              <a:rPr lang="mn-MN" sz="1600" dirty="0" smtClean="0">
+                <a:cs typeface="Times New Roman" panose="02020603050405020304" pitchFamily="18" charset="0"/>
+              </a:rPr>
+              <a:t> </a:t>
+            </a:r>
+            <a:r>
+              <a:rPr lang="en-US" sz="1400" dirty="0" err="1">
                 <a:latin typeface="Arial" panose="020B0604020202020204" pitchFamily="34" charset="0"/>
                 <a:ea typeface="Times New Roman" panose="02020603050405020304" pitchFamily="18" charset="0"/>
-                <a:cs typeface="Arial" panose="020B0604020202020204" pitchFamily="34" charset="0"/>
-              </a:rPr>
-              <a:t>Хичээл хасах 		</a:t>
-            </a:r>
-            <a:endParaRPr lang="en-US" sz="1600" dirty="0" smtClean="0">
-              <a:latin typeface="Arial" panose="020B0604020202020204" pitchFamily="34" charset="0"/>
-              <a:ea typeface="Times New Roman" panose="02020603050405020304" pitchFamily="18" charset="0"/>
-              <a:cs typeface="Arial" panose="020B0604020202020204" pitchFamily="34" charset="0"/>
-            </a:endParaRPr>
-          </a:p>
-          <a:p>
-            <a:pPr marL="342900" marR="0" lvl="0" indent="-342900" algn="just">
-              <a:lnSpc>
-                <a:spcPct val="150000"/>
-              </a:lnSpc>
-              <a:spcBef>
-                <a:spcPts val="0"/>
-              </a:spcBef>
-              <a:spcAft>
-                <a:spcPts val="0"/>
-              </a:spcAft>
-              <a:buFont typeface="Wingdings" panose="05000000000000000000" pitchFamily="2" charset="2"/>
-              <a:buChar char=""/>
-            </a:pPr>
-            <a:r>
-              <a:rPr lang="mn-MN" sz="1600" dirty="0" smtClean="0">
+                <a:cs typeface="Times New Roman" panose="02020603050405020304" pitchFamily="18" charset="0"/>
+              </a:rPr>
+              <a:t>явцын</a:t>
+            </a:r>
+            <a:r>
+              <a:rPr lang="en-US" sz="1400" dirty="0">
                 <a:latin typeface="Arial" panose="020B0604020202020204" pitchFamily="34" charset="0"/>
                 <a:ea typeface="Times New Roman" panose="02020603050405020304" pitchFamily="18" charset="0"/>
-                <a:cs typeface="Arial" panose="020B0604020202020204" pitchFamily="34" charset="0"/>
-              </a:rPr>
-              <a:t>Хичээл засах 		 </a:t>
-            </a:r>
-          </a:p>
-          <a:p>
-            <a:pPr marL="342900" marR="0" lvl="0" indent="-342900" algn="just">
-              <a:lnSpc>
-                <a:spcPct val="150000"/>
-              </a:lnSpc>
-              <a:spcBef>
-                <a:spcPts val="0"/>
-              </a:spcBef>
-              <a:spcAft>
-                <a:spcPts val="0"/>
-              </a:spcAft>
-              <a:buFont typeface="Wingdings" panose="05000000000000000000" pitchFamily="2" charset="2"/>
-              <a:buChar char=""/>
-            </a:pPr>
-            <a:r>
-              <a:rPr lang="mn-MN" sz="1600" dirty="0" smtClean="0">
+                <a:cs typeface="Times New Roman" panose="02020603050405020304" pitchFamily="18" charset="0"/>
+              </a:rPr>
+              <a:t> </a:t>
+            </a:r>
+            <a:r>
+              <a:rPr lang="en-US" sz="1400" dirty="0" err="1">
                 <a:latin typeface="Arial" panose="020B0604020202020204" pitchFamily="34" charset="0"/>
                 <a:ea typeface="Times New Roman" panose="02020603050405020304" pitchFamily="18" charset="0"/>
-                <a:cs typeface="Arial" panose="020B0604020202020204" pitchFamily="34" charset="0"/>
-              </a:rPr>
-              <a:t>Асуулт нэмэх</a:t>
-            </a:r>
-            <a:endParaRPr lang="en-US" sz="1600" dirty="0" smtClean="0">
-              <a:latin typeface="Arial" panose="020B0604020202020204" pitchFamily="34" charset="0"/>
-              <a:ea typeface="Times New Roman" panose="02020603050405020304" pitchFamily="18" charset="0"/>
-              <a:cs typeface="Arial" panose="020B0604020202020204" pitchFamily="34" charset="0"/>
-            </a:endParaRPr>
-          </a:p>
-          <a:p>
-            <a:pPr marL="342900" marR="0" lvl="0" indent="-342900" algn="just">
-              <a:lnSpc>
-                <a:spcPct val="150000"/>
-              </a:lnSpc>
-              <a:spcBef>
-                <a:spcPts val="0"/>
-              </a:spcBef>
-              <a:spcAft>
-                <a:spcPts val="0"/>
-              </a:spcAft>
-              <a:buFont typeface="Wingdings" panose="05000000000000000000" pitchFamily="2" charset="2"/>
-              <a:buChar char=""/>
-            </a:pPr>
-            <a:r>
-              <a:rPr lang="mn-MN" sz="1600" dirty="0" smtClean="0">
+                <a:cs typeface="Times New Roman" panose="02020603050405020304" pitchFamily="18" charset="0"/>
+              </a:rPr>
+              <a:t>диаграм</a:t>
+            </a:r>
+            <a:r>
+              <a:rPr lang="en-US" sz="1400" dirty="0">
                 <a:latin typeface="Arial" panose="020B0604020202020204" pitchFamily="34" charset="0"/>
                 <a:ea typeface="Times New Roman" panose="02020603050405020304" pitchFamily="18" charset="0"/>
-                <a:cs typeface="Arial" panose="020B0604020202020204" pitchFamily="34" charset="0"/>
-              </a:rPr>
-              <a:t>Асуулт хасах</a:t>
-            </a:r>
-          </a:p>
-          <a:p>
-            <a:pPr marL="342900" indent="-342900" algn="just">
-              <a:lnSpc>
-                <a:spcPct val="150000"/>
-              </a:lnSpc>
-              <a:spcBef>
-                <a:spcPts val="0"/>
-              </a:spcBef>
-              <a:spcAft>
-                <a:spcPts val="0"/>
-              </a:spcAft>
-              <a:buFont typeface="Wingdings" panose="05000000000000000000" pitchFamily="2" charset="2"/>
-              <a:buChar char=""/>
-            </a:pPr>
-            <a:r>
-              <a:rPr lang="mn-MN" sz="1600" dirty="0">
-                <a:latin typeface="Arial" panose="020B0604020202020204" pitchFamily="34" charset="0"/>
-                <a:ea typeface="Times New Roman" panose="02020603050405020304" pitchFamily="18" charset="0"/>
-                <a:cs typeface="Arial" panose="020B0604020202020204" pitchFamily="34" charset="0"/>
-              </a:rPr>
-              <a:t>Асуулт </a:t>
-            </a:r>
-            <a:r>
-              <a:rPr lang="mn-MN" sz="1600" dirty="0" smtClean="0">
-                <a:latin typeface="Arial" panose="020B0604020202020204" pitchFamily="34" charset="0"/>
-                <a:ea typeface="Times New Roman" panose="02020603050405020304" pitchFamily="18" charset="0"/>
-                <a:cs typeface="Arial" panose="020B0604020202020204" pitchFamily="34" charset="0"/>
-              </a:rPr>
-              <a:t>засах</a:t>
-            </a:r>
-            <a:endParaRPr lang="en-US" sz="1600" dirty="0">
-              <a:latin typeface="Arial" panose="020B0604020202020204" pitchFamily="34" charset="0"/>
-              <a:ea typeface="Times New Roman" panose="02020603050405020304" pitchFamily="18" charset="0"/>
-              <a:cs typeface="Arial" panose="020B0604020202020204" pitchFamily="34" charset="0"/>
-            </a:endParaRPr>
-          </a:p>
-        </p:txBody>
-      </p:sp>
-      <p:sp>
-        <p:nvSpPr>
-          <p:cNvPr id="5" name="Rectangle 4"/>
-          <p:cNvSpPr/>
+                <a:cs typeface="Times New Roman" panose="02020603050405020304" pitchFamily="18" charset="0"/>
+              </a:rPr>
+              <a:t> </a:t>
+            </a:r>
+            <a:endParaRPr lang="en-US" sz="1400" dirty="0"/>
+          </a:p>
+        </p:txBody>
+      </p:sp>
+      <p:sp>
+        <p:nvSpPr>
+          <p:cNvPr id="7" name="Content Placeholder 6"/>
+          <p:cNvSpPr>
+            <a:spLocks noGrp="1"/>
+          </p:cNvSpPr>
+          <p:nvPr>
+            <p:ph idx="1"/>
+          </p:nvPr>
+        </p:nvSpPr>
+        <p:spPr/>
+        <p:txBody>
+          <a:bodyPr/>
+          <a:lstStyle/>
+          <a:p>
+            <a:endParaRPr lang="en-US" dirty="0"/>
+          </a:p>
+        </p:txBody>
+      </p:sp>
+      <p:pic>
+        <p:nvPicPr>
+          <p:cNvPr id="8" name="Picture 7" descr="C:\Users\md_moogii0306\Desktop\usecase.png"/>
+          <p:cNvPicPr/>
           <p:nvPr/>
-        </p:nvSpPr>
-        <p:spPr>
+        </p:nvPicPr>
+        <p:blipFill>
+          <a:blip r:embed="rId2">
+            <a:extLst>
+              <a:ext uri="{28A0092B-C50C-407E-A947-70E740481C1C}">
+                <a14:useLocalDpi xmlns:a14="http://schemas.microsoft.com/office/drawing/2010/main" val="0"/>
+              </a:ext>
+            </a:extLst>
+          </a:blip>
+          <a:srcRect/>
+          <a:stretch>
+            <a:fillRect/>
+          </a:stretch>
+        </p:blipFill>
+        <p:spPr bwMode="auto">
           <a:xfrm>
-            <a:off x="4929544" y="3349390"/>
-            <a:ext cx="2642005" cy="1985159"/>
+            <a:off x="2792681" y="2556932"/>
+            <a:ext cx="6222531" cy="3096478"/>
           </a:xfrm>
           <a:prstGeom prst="rect">
             <a:avLst/>
           </a:prstGeom>
+          <a:noFill/>
+          <a:ln>
+            <a:noFill/>
+          </a:ln>
         </p:spPr>
-        <p:txBody>
-          <a:bodyPr wrap="none">
-            <a:spAutoFit/>
-          </a:bodyPr>
-          <a:lstStyle/>
-          <a:p>
-            <a:pPr marL="342900" marR="0" lvl="0" indent="-342900" algn="just">
-              <a:lnSpc>
-                <a:spcPct val="150000"/>
-              </a:lnSpc>
-              <a:spcBef>
-                <a:spcPts val="0"/>
-              </a:spcBef>
-              <a:spcAft>
-                <a:spcPts val="0"/>
-              </a:spcAft>
-              <a:buFont typeface="Wingdings" panose="05000000000000000000" pitchFamily="2" charset="2"/>
-              <a:buChar char=""/>
-            </a:pPr>
-            <a:r>
-              <a:rPr lang="mn-MN" sz="1600" dirty="0">
-                <a:latin typeface="Arial" panose="020B0604020202020204" pitchFamily="34" charset="0"/>
-                <a:ea typeface="Times New Roman" panose="02020603050405020304" pitchFamily="18" charset="0"/>
-                <a:cs typeface="Arial" panose="020B0604020202020204" pitchFamily="34" charset="0"/>
-              </a:rPr>
-              <a:t>Асуулт хариулт </a:t>
-            </a:r>
-            <a:r>
-              <a:rPr lang="mn-MN" sz="1600" dirty="0" smtClean="0">
-                <a:latin typeface="Arial" panose="020B0604020202020204" pitchFamily="34" charset="0"/>
-                <a:ea typeface="Times New Roman" panose="02020603050405020304" pitchFamily="18" charset="0"/>
-                <a:cs typeface="Arial" panose="020B0604020202020204" pitchFamily="34" charset="0"/>
-              </a:rPr>
-              <a:t>нэмэх</a:t>
-            </a:r>
-          </a:p>
-          <a:p>
-            <a:pPr marL="342900" marR="0" lvl="0" indent="-342900" algn="just">
-              <a:lnSpc>
-                <a:spcPct val="150000"/>
-              </a:lnSpc>
-              <a:spcBef>
-                <a:spcPts val="0"/>
-              </a:spcBef>
-              <a:spcAft>
-                <a:spcPts val="0"/>
-              </a:spcAft>
-              <a:buFont typeface="Wingdings" panose="05000000000000000000" pitchFamily="2" charset="2"/>
-              <a:buChar char=""/>
-            </a:pPr>
-            <a:r>
-              <a:rPr lang="mn-MN" sz="1600" dirty="0">
-                <a:latin typeface="Arial" panose="020B0604020202020204" pitchFamily="34" charset="0"/>
-                <a:ea typeface="Times New Roman" panose="02020603050405020304" pitchFamily="18" charset="0"/>
-                <a:cs typeface="Arial" panose="020B0604020202020204" pitchFamily="34" charset="0"/>
-              </a:rPr>
-              <a:t>Асуулт хариулт </a:t>
-            </a:r>
-            <a:r>
-              <a:rPr lang="mn-MN" sz="1600" dirty="0" smtClean="0">
-                <a:latin typeface="Arial" panose="020B0604020202020204" pitchFamily="34" charset="0"/>
-                <a:ea typeface="Times New Roman" panose="02020603050405020304" pitchFamily="18" charset="0"/>
-                <a:cs typeface="Arial" panose="020B0604020202020204" pitchFamily="34" charset="0"/>
-              </a:rPr>
-              <a:t>хасах</a:t>
-            </a:r>
-          </a:p>
-          <a:p>
-            <a:pPr marL="342900" indent="-342900" algn="just">
-              <a:lnSpc>
-                <a:spcPct val="150000"/>
-              </a:lnSpc>
-              <a:buFont typeface="Wingdings" panose="05000000000000000000" pitchFamily="2" charset="2"/>
-              <a:buChar char=""/>
-            </a:pPr>
-            <a:r>
-              <a:rPr lang="mn-MN" sz="1600" dirty="0">
-                <a:latin typeface="Arial" panose="020B0604020202020204" pitchFamily="34" charset="0"/>
-                <a:ea typeface="Times New Roman" panose="02020603050405020304" pitchFamily="18" charset="0"/>
-                <a:cs typeface="Arial" panose="020B0604020202020204" pitchFamily="34" charset="0"/>
-              </a:rPr>
-              <a:t>Асуулт хариулт засах </a:t>
-            </a:r>
-            <a:endParaRPr lang="en-US" sz="1600" dirty="0">
-              <a:latin typeface="Arial" panose="020B0604020202020204" pitchFamily="34" charset="0"/>
-              <a:ea typeface="Times New Roman" panose="02020603050405020304" pitchFamily="18" charset="0"/>
-              <a:cs typeface="Arial" panose="020B0604020202020204" pitchFamily="34" charset="0"/>
-            </a:endParaRPr>
-          </a:p>
-          <a:p>
-            <a:pPr marL="342900" indent="-342900" algn="just">
-              <a:lnSpc>
-                <a:spcPct val="150000"/>
-              </a:lnSpc>
-              <a:buFont typeface="Wingdings" panose="05000000000000000000" pitchFamily="2" charset="2"/>
-              <a:buChar char=""/>
-            </a:pPr>
-            <a:r>
-              <a:rPr lang="mn-MN" sz="1600" dirty="0" smtClean="0">
-                <a:latin typeface="Arial" panose="020B0604020202020204" pitchFamily="34" charset="0"/>
-                <a:ea typeface="Times New Roman" panose="02020603050405020304" pitchFamily="18" charset="0"/>
-                <a:cs typeface="Arial" panose="020B0604020202020204" pitchFamily="34" charset="0"/>
-              </a:rPr>
-              <a:t> </a:t>
-            </a:r>
-            <a:r>
-              <a:rPr lang="mn-MN" sz="1600" dirty="0">
-                <a:latin typeface="Arial" panose="020B0604020202020204" pitchFamily="34" charset="0"/>
-                <a:ea typeface="Times New Roman" panose="02020603050405020304" pitchFamily="18" charset="0"/>
-                <a:cs typeface="Arial" panose="020B0604020202020204" pitchFamily="34" charset="0"/>
-              </a:rPr>
-              <a:t>Асуултанд хариулах </a:t>
-            </a:r>
-            <a:endParaRPr lang="en-US" sz="1600" dirty="0">
-              <a:latin typeface="Arial" panose="020B0604020202020204" pitchFamily="34" charset="0"/>
-              <a:ea typeface="Times New Roman" panose="02020603050405020304" pitchFamily="18" charset="0"/>
-              <a:cs typeface="Arial" panose="020B0604020202020204" pitchFamily="34" charset="0"/>
-            </a:endParaRPr>
-          </a:p>
-          <a:p>
-            <a:pPr marL="342900" marR="0" lvl="0" indent="-342900" algn="just">
-              <a:lnSpc>
-                <a:spcPct val="150000"/>
-              </a:lnSpc>
-              <a:spcBef>
-                <a:spcPts val="0"/>
-              </a:spcBef>
-              <a:spcAft>
-                <a:spcPts val="0"/>
-              </a:spcAft>
-              <a:buFont typeface="Wingdings" panose="05000000000000000000" pitchFamily="2" charset="2"/>
-              <a:buChar char=""/>
-            </a:pPr>
-            <a:endParaRPr lang="en-US" dirty="0">
-              <a:latin typeface="Arial" panose="020B0604020202020204" pitchFamily="34" charset="0"/>
-              <a:ea typeface="Times New Roman" panose="02020603050405020304" pitchFamily="18" charset="0"/>
-              <a:cs typeface="Arial" panose="020B0604020202020204" pitchFamily="34" charset="0"/>
-            </a:endParaRPr>
-          </a:p>
-        </p:txBody>
-      </p:sp>
+      </p:pic>
     </p:spTree>
     <p:extLst>
       <p:ext uri="{BB962C8B-B14F-4D97-AF65-F5344CB8AC3E}">
-        <p14:creationId xmlns:p14="http://schemas.microsoft.com/office/powerpoint/2010/main" val="2652382866"/>
+        <p14:creationId xmlns:p14="http://schemas.microsoft.com/office/powerpoint/2010/main" val="224909515"/>
       </p:ext>
     </p:extLst>
   </p:cSld>
@@ -8112,110 +8111,14 @@
         </p:nvSpPr>
         <p:spPr/>
         <p:txBody>
-          <a:bodyPr>
-            <a:normAutofit/>
-          </a:bodyPr>
-          <a:lstStyle/>
-          <a:p>
-            <a:r>
-              <a:rPr lang="mn-MN" dirty="0">
-                <a:latin typeface="Arial" panose="020B0604020202020204" pitchFamily="34" charset="0"/>
-                <a:cs typeface="Arial" panose="020B0604020202020204" pitchFamily="34" charset="0"/>
-              </a:rPr>
-              <a:t>Ажлын явцын </a:t>
-            </a:r>
-            <a:r>
-              <a:rPr lang="mn-MN" dirty="0" smtClean="0">
-                <a:latin typeface="Arial" panose="020B0604020202020204" pitchFamily="34" charset="0"/>
-                <a:cs typeface="Arial" panose="020B0604020202020204" pitchFamily="34" charset="0"/>
-              </a:rPr>
-              <a:t>диаграм</a:t>
-            </a:r>
-            <a:endParaRPr lang="en-US" dirty="0">
-              <a:latin typeface="Arial" panose="020B0604020202020204" pitchFamily="34" charset="0"/>
-              <a:cs typeface="Arial" panose="020B0604020202020204" pitchFamily="34" charset="0"/>
-            </a:endParaRPr>
-          </a:p>
-        </p:txBody>
-      </p:sp>
-      <p:sp>
-        <p:nvSpPr>
-          <p:cNvPr id="3" name="Rectangle 2"/>
-          <p:cNvSpPr/>
-          <p:nvPr/>
-        </p:nvSpPr>
-        <p:spPr>
-          <a:xfrm>
-            <a:off x="3969231" y="5875338"/>
-            <a:ext cx="4253537" cy="307777"/>
-          </a:xfrm>
-          <a:prstGeom prst="rect">
-            <a:avLst/>
-          </a:prstGeom>
-        </p:spPr>
-        <p:txBody>
-          <a:bodyPr wrap="none">
-            <a:spAutoFit/>
-          </a:bodyPr>
-          <a:lstStyle/>
-          <a:p>
-            <a:r>
-              <a:rPr lang="mn-MN" sz="1400" dirty="0" smtClean="0">
-                <a:latin typeface="Arial" panose="020B0604020202020204" pitchFamily="34" charset="0"/>
-                <a:ea typeface="Times New Roman" panose="02020603050405020304" pitchFamily="18" charset="0"/>
-                <a:cs typeface="Times New Roman" panose="02020603050405020304" pitchFamily="18" charset="0"/>
-              </a:rPr>
-              <a:t>Хэрэглэгч болон админы а</a:t>
-            </a:r>
-            <a:r>
-              <a:rPr lang="en-US" sz="1400" dirty="0" err="1" smtClean="0">
-                <a:latin typeface="Arial" panose="020B0604020202020204" pitchFamily="34" charset="0"/>
-                <a:ea typeface="Times New Roman" panose="02020603050405020304" pitchFamily="18" charset="0"/>
-                <a:cs typeface="Times New Roman" panose="02020603050405020304" pitchFamily="18" charset="0"/>
-              </a:rPr>
-              <a:t>жлын</a:t>
-            </a:r>
-            <a:r>
-              <a:rPr lang="en-US" sz="1400" dirty="0" smtClean="0">
-                <a:latin typeface="Arial" panose="020B0604020202020204" pitchFamily="34" charset="0"/>
-                <a:ea typeface="Times New Roman" panose="02020603050405020304" pitchFamily="18" charset="0"/>
-                <a:cs typeface="Times New Roman" panose="02020603050405020304" pitchFamily="18" charset="0"/>
-              </a:rPr>
-              <a:t> </a:t>
-            </a:r>
-            <a:r>
-              <a:rPr lang="en-US" sz="1400" dirty="0" err="1">
-                <a:latin typeface="Arial" panose="020B0604020202020204" pitchFamily="34" charset="0"/>
-                <a:ea typeface="Times New Roman" panose="02020603050405020304" pitchFamily="18" charset="0"/>
-                <a:cs typeface="Times New Roman" panose="02020603050405020304" pitchFamily="18" charset="0"/>
-              </a:rPr>
-              <a:t>явцын</a:t>
-            </a:r>
-            <a:r>
-              <a:rPr lang="en-US" sz="1400" dirty="0">
-                <a:latin typeface="Arial" panose="020B0604020202020204" pitchFamily="34" charset="0"/>
-                <a:ea typeface="Times New Roman" panose="02020603050405020304" pitchFamily="18" charset="0"/>
-                <a:cs typeface="Times New Roman" panose="02020603050405020304" pitchFamily="18" charset="0"/>
-              </a:rPr>
-              <a:t> </a:t>
-            </a:r>
-            <a:r>
-              <a:rPr lang="en-US" sz="1400" dirty="0" err="1">
-                <a:latin typeface="Arial" panose="020B0604020202020204" pitchFamily="34" charset="0"/>
-                <a:ea typeface="Times New Roman" panose="02020603050405020304" pitchFamily="18" charset="0"/>
-                <a:cs typeface="Times New Roman" panose="02020603050405020304" pitchFamily="18" charset="0"/>
-              </a:rPr>
-              <a:t>диаграм</a:t>
-            </a:r>
-            <a:r>
-              <a:rPr lang="en-US" sz="1400" dirty="0">
-                <a:latin typeface="Arial" panose="020B0604020202020204" pitchFamily="34" charset="0"/>
-                <a:ea typeface="Times New Roman" panose="02020603050405020304" pitchFamily="18" charset="0"/>
-                <a:cs typeface="Times New Roman" panose="02020603050405020304" pitchFamily="18" charset="0"/>
-              </a:rPr>
-              <a:t> </a:t>
-            </a:r>
-            <a:endParaRPr lang="en-US" sz="1400" dirty="0"/>
+          <a:bodyPr/>
+          <a:lstStyle/>
+          <a:p>
+            <a:r>
+              <a:rPr lang="mn-MN" dirty="0" smtClean="0"/>
+              <a:t>Классын диаграм</a:t>
+            </a:r>
+            <a:endParaRPr lang="en-US" dirty="0"/>
           </a:p>
         </p:txBody>
       </p:sp>
@@ -8243,15 +8146,15 @@
         </p:blipFill>
         <p:spPr>
           <a:xfrm>
-            <a:off x="2728357" y="2557463"/>
-            <a:ext cx="6735286" cy="3317875"/>
+            <a:off x="2121108" y="1429555"/>
+            <a:ext cx="8318753" cy="4471541"/>
           </a:xfrm>
         </p:spPr>
       </p:pic>
     </p:spTree>
     <p:extLst>
       <p:ext uri="{BB962C8B-B14F-4D97-AF65-F5344CB8AC3E}">
-        <p14:creationId xmlns:p14="http://schemas.microsoft.com/office/powerpoint/2010/main" val="224909515"/>
+        <p14:creationId xmlns:p14="http://schemas.microsoft.com/office/powerpoint/2010/main" val="1918060567"/>
       </p:ext>
     </p:extLst>
   </p:cSld>
@@ -8784,9 +8687,147 @@
           </a:p>
         </p:txBody>
       </p:sp>
+      <p:sp>
+        <p:nvSpPr>
+          <p:cNvPr id="7" name="Rectangle 6"/>
+          <p:cNvSpPr/>
+          <p:nvPr/>
+        </p:nvSpPr>
+        <p:spPr>
+          <a:xfrm>
+            <a:off x="2238310" y="5875868"/>
+            <a:ext cx="2488182" cy="307777"/>
+          </a:xfrm>
+          <a:prstGeom prst="rect">
+            <a:avLst/>
+          </a:prstGeom>
+        </p:spPr>
+        <p:txBody>
+          <a:bodyPr wrap="none">
+            <a:spAutoFit/>
+          </a:bodyPr>
+          <a:lstStyle/>
+          <a:p>
+            <a:r>
+              <a:rPr lang="en-US" sz="1400" dirty="0" err="1">
+                <a:latin typeface="Arial" panose="020B0604020202020204" pitchFamily="34" charset="0"/>
+                <a:ea typeface="Times New Roman" panose="02020603050405020304" pitchFamily="18" charset="0"/>
+                <a:cs typeface="Times New Roman" panose="02020603050405020304" pitchFamily="18" charset="0"/>
+              </a:rPr>
+              <a:t>Шилжилтийн</a:t>
+            </a:r>
+            <a:r>
+              <a:rPr lang="en-US" sz="1400" dirty="0">
+                <a:latin typeface="Arial" panose="020B0604020202020204" pitchFamily="34" charset="0"/>
+                <a:ea typeface="Times New Roman" panose="02020603050405020304" pitchFamily="18" charset="0"/>
+                <a:cs typeface="Times New Roman" panose="02020603050405020304" pitchFamily="18" charset="0"/>
+              </a:rPr>
+              <a:t> </a:t>
+            </a:r>
+            <a:r>
+              <a:rPr lang="en-US" sz="1400" dirty="0" err="1">
+                <a:latin typeface="Arial" panose="020B0604020202020204" pitchFamily="34" charset="0"/>
+                <a:ea typeface="Times New Roman" panose="02020603050405020304" pitchFamily="18" charset="0"/>
+                <a:cs typeface="Times New Roman" panose="02020603050405020304" pitchFamily="18" charset="0"/>
+              </a:rPr>
+              <a:t>диаграм</a:t>
+            </a:r>
+            <a:r>
+              <a:rPr lang="en-US" sz="1400" dirty="0">
+                <a:latin typeface="Arial" panose="020B0604020202020204" pitchFamily="34" charset="0"/>
+                <a:ea typeface="Times New Roman" panose="02020603050405020304" pitchFamily="18" charset="0"/>
+                <a:cs typeface="Times New Roman" panose="02020603050405020304" pitchFamily="18" charset="0"/>
+              </a:rPr>
+              <a:t> (</a:t>
+            </a:r>
+            <a:r>
+              <a:rPr lang="en-US" sz="1400" dirty="0" err="1">
+                <a:latin typeface="Arial" panose="020B0604020202020204" pitchFamily="34" charset="0"/>
+                <a:ea typeface="Times New Roman" panose="02020603050405020304" pitchFamily="18" charset="0"/>
+                <a:cs typeface="Times New Roman" panose="02020603050405020304" pitchFamily="18" charset="0"/>
+              </a:rPr>
+              <a:t>Вэб</a:t>
+            </a:r>
+            <a:r>
+              <a:rPr lang="en-US" sz="1400" dirty="0">
+                <a:latin typeface="Arial" panose="020B0604020202020204" pitchFamily="34" charset="0"/>
+                <a:ea typeface="Times New Roman" panose="02020603050405020304" pitchFamily="18" charset="0"/>
+                <a:cs typeface="Times New Roman" panose="02020603050405020304" pitchFamily="18" charset="0"/>
+              </a:rPr>
+              <a:t>)</a:t>
+            </a:r>
+            <a:endParaRPr lang="en-US" sz="1400" dirty="0"/>
+          </a:p>
+        </p:txBody>
+      </p:sp>
+      <p:sp>
+        <p:nvSpPr>
+          <p:cNvPr id="8" name="Rectangle 7"/>
+          <p:cNvSpPr/>
+          <p:nvPr/>
+        </p:nvSpPr>
+        <p:spPr>
+          <a:xfrm>
+            <a:off x="6957546" y="5875868"/>
+            <a:ext cx="2892908" cy="307777"/>
+          </a:xfrm>
+          <a:prstGeom prst="rect">
+            <a:avLst/>
+          </a:prstGeom>
+        </p:spPr>
+        <p:txBody>
+          <a:bodyPr wrap="none">
+            <a:spAutoFit/>
+          </a:bodyPr>
+          <a:lstStyle/>
+          <a:p>
+            <a:r>
+              <a:rPr lang="en-US" sz="1400" dirty="0" err="1">
+                <a:latin typeface="Arial" panose="020B0604020202020204" pitchFamily="34" charset="0"/>
+                <a:ea typeface="Times New Roman" panose="02020603050405020304" pitchFamily="18" charset="0"/>
+                <a:cs typeface="Times New Roman" panose="02020603050405020304" pitchFamily="18" charset="0"/>
+              </a:rPr>
+              <a:t>Шилжилтийн</a:t>
+            </a:r>
+            <a:r>
+              <a:rPr lang="en-US" sz="1400" dirty="0">
+                <a:latin typeface="Arial" panose="020B0604020202020204" pitchFamily="34" charset="0"/>
+                <a:ea typeface="Times New Roman" panose="02020603050405020304" pitchFamily="18" charset="0"/>
+                <a:cs typeface="Times New Roman" panose="02020603050405020304" pitchFamily="18" charset="0"/>
+              </a:rPr>
+              <a:t> </a:t>
+            </a:r>
+            <a:r>
+              <a:rPr lang="en-US" sz="1400" dirty="0" err="1">
+                <a:latin typeface="Arial" panose="020B0604020202020204" pitchFamily="34" charset="0"/>
+                <a:ea typeface="Times New Roman" panose="02020603050405020304" pitchFamily="18" charset="0"/>
+                <a:cs typeface="Times New Roman" panose="02020603050405020304" pitchFamily="18" charset="0"/>
+              </a:rPr>
+              <a:t>диаграм</a:t>
+            </a:r>
+            <a:r>
+              <a:rPr lang="en-US" sz="1400" dirty="0">
+                <a:latin typeface="Arial" panose="020B0604020202020204" pitchFamily="34" charset="0"/>
+                <a:ea typeface="Times New Roman" panose="02020603050405020304" pitchFamily="18" charset="0"/>
+                <a:cs typeface="Times New Roman" panose="02020603050405020304" pitchFamily="18" charset="0"/>
+              </a:rPr>
+              <a:t> (</a:t>
+            </a:r>
+            <a:r>
+              <a:rPr lang="mn-MN" sz="1400" dirty="0">
+                <a:latin typeface="Arial" panose="020B0604020202020204" pitchFamily="34" charset="0"/>
+                <a:ea typeface="Times New Roman" panose="02020603050405020304" pitchFamily="18" charset="0"/>
+                <a:cs typeface="Times New Roman" panose="02020603050405020304" pitchFamily="18" charset="0"/>
+              </a:rPr>
+              <a:t>Гар Утас)</a:t>
+            </a:r>
+            <a:endParaRPr lang="en-US" sz="1400" dirty="0"/>
+          </a:p>
+        </p:txBody>
+      </p:sp>
       <p:pic>
         <p:nvPicPr>
-          <p:cNvPr id="4" name="Picture 3" descr="C:\Users\md_moogii0306\Desktop\Untitled Diagram(1).png"/>
+          <p:cNvPr id="9" name="Picture 8" descr="C:\Users\md_moogii0306\Desktop\Untitled Diagram.png"/>
           <p:cNvPicPr/>
           <p:nvPr/>
         </p:nvPicPr>
@@ -8805,8 +8846,8 @@
         </p:blipFill>
         <p:spPr bwMode="auto">
           <a:xfrm>
-            <a:off x="1414007" y="2556932"/>
-            <a:ext cx="4136788" cy="3285490"/>
+            <a:off x="1491280" y="2746658"/>
+            <a:ext cx="3982242" cy="2939485"/>
           </a:xfrm>
           <a:prstGeom prst="rect">
             <a:avLst/>
@@ -8819,7 +8860,7 @@
       </p:pic>
       <p:pic>
         <p:nvPicPr>
-          <p:cNvPr id="5" name="Picture 4" descr="C:\Users\md_moogii0306\Desktop\Untitled Diagram.png"/>
+          <p:cNvPr id="10" name="Picture 9" descr="C:\Users\md_moogii0306\Desktop\з.png"/>
           <p:cNvPicPr/>
           <p:nvPr/>
         </p:nvPicPr>
@@ -8838,8 +8879,8 @@
         </p:blipFill>
         <p:spPr bwMode="auto">
           <a:xfrm>
-            <a:off x="5911403" y="2556932"/>
-            <a:ext cx="4985194" cy="3318936"/>
+            <a:off x="5844338" y="2689860"/>
+            <a:ext cx="4613307" cy="3053080"/>
           </a:xfrm>
           <a:prstGeom prst="rect">
             <a:avLst/>
@@ -8850,144 +8891,6 @@
           </a:ln>
         </p:spPr>
       </p:pic>
-      <p:sp>
-        <p:nvSpPr>
-          <p:cNvPr id="7" name="Rectangle 6"/>
-          <p:cNvSpPr/>
-          <p:nvPr/>
-        </p:nvSpPr>
-        <p:spPr>
-          <a:xfrm>
-            <a:off x="2238310" y="5875868"/>
-            <a:ext cx="2488182" cy="307777"/>
-          </a:xfrm>
-          <a:prstGeom prst="rect">
-            <a:avLst/>
-          </a:prstGeom>
-        </p:spPr>
-        <p:txBody>
-          <a:bodyPr wrap="none">
-            <a:spAutoFit/>
-          </a:bodyPr>
-          <a:lstStyle/>
-          <a:p>
-            <a:r>
-              <a:rPr lang="en-US" sz="1400" dirty="0" err="1">
-                <a:latin typeface="Arial" panose="020B0604020202020204" pitchFamily="34" charset="0"/>
-                <a:ea typeface="Times New Roman" panose="02020603050405020304" pitchFamily="18" charset="0"/>
-                <a:cs typeface="Times New Roman" panose="02020603050405020304" pitchFamily="18" charset="0"/>
-              </a:rPr>
-              <a:t>Шилжилтийн</a:t>
-            </a:r>
-            <a:r>
-              <a:rPr lang="en-US" sz="1400" dirty="0">
-                <a:latin typeface="Arial" panose="020B0604020202020204" pitchFamily="34" charset="0"/>
-                <a:ea typeface="Times New Roman" panose="02020603050405020304" pitchFamily="18" charset="0"/>
-                <a:cs typeface="Times New Roman" panose="02020603050405020304" pitchFamily="18" charset="0"/>
-              </a:rPr>
-              <a:t> </a:t>
-            </a:r>
-            <a:r>
-              <a:rPr lang="en-US" sz="1400" dirty="0" err="1">
-                <a:latin typeface="Arial" panose="020B0604020202020204" pitchFamily="34" charset="0"/>
-                <a:ea typeface="Times New Roman" panose="02020603050405020304" pitchFamily="18" charset="0"/>
-                <a:cs typeface="Times New Roman" panose="02020603050405020304" pitchFamily="18" charset="0"/>
-              </a:rPr>
-              <a:t>диаграм</a:t>
-            </a:r>
-            <a:r>
-              <a:rPr lang="en-US" sz="1400" dirty="0">
-                <a:latin typeface="Arial" panose="020B0604020202020204" pitchFamily="34" charset="0"/>
-                <a:ea typeface="Times New Roman" panose="02020603050405020304" pitchFamily="18" charset="0"/>
-                <a:cs typeface="Times New Roman" panose="02020603050405020304" pitchFamily="18" charset="0"/>
-              </a:rPr>
-              <a:t> (</a:t>
-            </a:r>
-            <a:r>
-              <a:rPr lang="en-US" sz="1400" dirty="0" err="1">
-                <a:latin typeface="Arial" panose="020B0604020202020204" pitchFamily="34" charset="0"/>
-                <a:ea typeface="Times New Roman" panose="02020603050405020304" pitchFamily="18" charset="0"/>
-                <a:cs typeface="Times New Roman" panose="02020603050405020304" pitchFamily="18" charset="0"/>
-              </a:rPr>
-              <a:t>Вэб</a:t>
-            </a:r>
-            <a:r>
-              <a:rPr lang="en-US" sz="1400" dirty="0">
-                <a:latin typeface="Arial" panose="020B0604020202020204" pitchFamily="34" charset="0"/>
-                <a:ea typeface="Times New Roman" panose="02020603050405020304" pitchFamily="18" charset="0"/>
-                <a:cs typeface="Times New Roman" panose="02020603050405020304" pitchFamily="18" charset="0"/>
-              </a:rPr>
-              <a:t>)</a:t>
-            </a:r>
-            <a:endParaRPr lang="en-US" sz="1400" dirty="0"/>
-          </a:p>
-        </p:txBody>
-      </p:sp>
-      <p:sp>
-        <p:nvSpPr>
-          <p:cNvPr id="8" name="Rectangle 7"/>
-          <p:cNvSpPr/>
-          <p:nvPr/>
-        </p:nvSpPr>
-        <p:spPr>
-          <a:xfrm>
-            <a:off x="6957546" y="5875868"/>
-            <a:ext cx="2892908" cy="307777"/>
-          </a:xfrm>
-          <a:prstGeom prst="rect">
-            <a:avLst/>
-          </a:prstGeom>
-        </p:spPr>
-        <p:txBody>
-          <a:bodyPr wrap="none">
-            <a:spAutoFit/>
-          </a:bodyPr>
-          <a:lstStyle/>
-          <a:p>
-            <a:r>
-              <a:rPr lang="en-US" sz="1400" dirty="0" err="1">
-                <a:latin typeface="Arial" panose="020B0604020202020204" pitchFamily="34" charset="0"/>
-                <a:ea typeface="Times New Roman" panose="02020603050405020304" pitchFamily="18" charset="0"/>
-                <a:cs typeface="Times New Roman" panose="02020603050405020304" pitchFamily="18" charset="0"/>
-              </a:rPr>
-              <a:t>Шилжилтийн</a:t>
-            </a:r>
-            <a:r>
-              <a:rPr lang="en-US" sz="1400" dirty="0">
-                <a:latin typeface="Arial" panose="020B0604020202020204" pitchFamily="34" charset="0"/>
-                <a:ea typeface="Times New Roman" panose="02020603050405020304" pitchFamily="18" charset="0"/>
-                <a:cs typeface="Times New Roman" panose="02020603050405020304" pitchFamily="18" charset="0"/>
-              </a:rPr>
-              <a:t> </a:t>
-            </a:r>
-            <a:r>
-              <a:rPr lang="en-US" sz="1400" dirty="0" err="1">
-                <a:latin typeface="Arial" panose="020B0604020202020204" pitchFamily="34" charset="0"/>
-                <a:ea typeface="Times New Roman" panose="02020603050405020304" pitchFamily="18" charset="0"/>
-                <a:cs typeface="Times New Roman" panose="02020603050405020304" pitchFamily="18" charset="0"/>
-              </a:rPr>
-              <a:t>диаграм</a:t>
-            </a:r>
-            <a:r>
-              <a:rPr lang="en-US" sz="1400" dirty="0">
-                <a:latin typeface="Arial" panose="020B0604020202020204" pitchFamily="34" charset="0"/>
-                <a:ea typeface="Times New Roman" panose="02020603050405020304" pitchFamily="18" charset="0"/>
-                <a:cs typeface="Times New Roman" panose="02020603050405020304" pitchFamily="18" charset="0"/>
-              </a:rPr>
-              <a:t> (</a:t>
-            </a:r>
-            <a:r>
-              <a:rPr lang="mn-MN" sz="1400" dirty="0">
-                <a:latin typeface="Arial" panose="020B0604020202020204" pitchFamily="34" charset="0"/>
-                <a:ea typeface="Times New Roman" panose="02020603050405020304" pitchFamily="18" charset="0"/>
-                <a:cs typeface="Times New Roman" panose="02020603050405020304" pitchFamily="18" charset="0"/>
-              </a:rPr>
-              <a:t>Гар Утас)</a:t>
-            </a:r>
-            <a:endParaRPr lang="en-US" sz="1400" dirty="0"/>
-          </a:p>
-        </p:txBody>
-      </p:sp>
     </p:spTree>
     <p:extLst>
       <p:ext uri="{BB962C8B-B14F-4D97-AF65-F5344CB8AC3E}">
@@ -9045,7 +8948,7 @@
                 <a:latin typeface="Arial" panose="020B0604020202020204" pitchFamily="34" charset="0"/>
                 <a:cs typeface="Arial" panose="020B0604020202020204" pitchFamily="34" charset="0"/>
               </a:rPr>
-              <a:t>Дарааллын диаграм</a:t>
+              <a:t>Өгөгдлийн сангийн зохиомж</a:t>
             </a:r>
             <a:endParaRPr lang="en-US" dirty="0">
               <a:latin typeface="Arial" panose="020B0604020202020204" pitchFamily="34" charset="0"/>
@@ -9056,7 +8959,7 @@
       </p:sp>
       <p:pic>
         <p:nvPicPr>
-          <p:cNvPr id="4" name="Content Placeholder 3" descr="C:\Users\md_moogii0306\Desktop\1.png"/>
+          <p:cNvPr id="7" name="Content Placeholder 6" descr="C:\Users\md_moogii0306\Desktop\New folder (7)\db.png"/>
           <p:cNvPicPr>
             <a:picLocks noGrp="1"/>
           </p:cNvPicPr>
@@ -9079,8 +8982,8 @@
         </p:blipFill>
         <p:spPr bwMode="auto">
           <a:xfrm>
-            <a:off x="1295402" y="2531705"/>
-            <a:ext cx="4731899" cy="3317875"/>
+            <a:off x="2607512" y="2557463"/>
+            <a:ext cx="6976975" cy="3317875"/>
           </a:xfrm>
           <a:prstGeom prst="rect">
             <a:avLst/>
@@ -9091,221 +8994,10 @@
           </a:ln>
         </p:spPr>
       </p:pic>
-      <p:pic>
-        <p:nvPicPr>
-          <p:cNvPr id="6" name="Picture 5" descr="C:\Users\md_moogii0306\Desktop\4.png"/>
-          <p:cNvPicPr/>
-          <p:nvPr/>
-        </p:nvPicPr>
-        <p:blipFill>
-          <a:blip r:embed="rId3">
-            <a:extLst>
-              <a:ext uri="{28A0092B-C50C-407E-A947-70E740481C1C}">
-                <a14:useLocalDpi xmlns:a14="http://schemas.microsoft.com/office/drawing/2010/main" val="0"/>
-              </a:ext>
-            </a:extLst>
-          </a:blip>
-          <a:srcRect/>
-          <a:stretch>
-            <a:fillRect/>
-          </a:stretch>
-        </p:blipFill>
-        <p:spPr bwMode="auto">
-          <a:xfrm>
-            <a:off x="5902817" y="2531705"/>
-            <a:ext cx="4876800" cy="3419475"/>
-          </a:xfrm>
-          <a:prstGeom prst="rect">
-            <a:avLst/>
-          </a:prstGeom>
-          <a:noFill/>
-          <a:ln>
-            <a:noFill/>
-          </a:ln>
-        </p:spPr>
-      </p:pic>
-      <p:sp>
-        <p:nvSpPr>
-          <p:cNvPr id="7" name="Rectangle 6"/>
-          <p:cNvSpPr/>
-          <p:nvPr/>
-        </p:nvSpPr>
-        <p:spPr>
-          <a:xfrm>
-            <a:off x="7695503" y="5951180"/>
-            <a:ext cx="3084114" cy="307777"/>
-          </a:xfrm>
-          <a:prstGeom prst="rect">
-            <a:avLst/>
-          </a:prstGeom>
-        </p:spPr>
-        <p:txBody>
-          <a:bodyPr wrap="none">
-            <a:spAutoFit/>
-          </a:bodyPr>
-          <a:lstStyle/>
-          <a:p>
-            <a:r>
-              <a:rPr lang="en-US" sz="1400" dirty="0" err="1">
-                <a:latin typeface="Arial" panose="020B0604020202020204" pitchFamily="34" charset="0"/>
-                <a:ea typeface="Times New Roman" panose="02020603050405020304" pitchFamily="18" charset="0"/>
-                <a:cs typeface="Times New Roman" panose="02020603050405020304" pitchFamily="18" charset="0"/>
-              </a:rPr>
-              <a:t>Жишээ</a:t>
-            </a:r>
-            <a:r>
-              <a:rPr lang="en-US" sz="1400" dirty="0">
-                <a:latin typeface="Arial" panose="020B0604020202020204" pitchFamily="34" charset="0"/>
-                <a:ea typeface="Times New Roman" panose="02020603050405020304" pitchFamily="18" charset="0"/>
-                <a:cs typeface="Times New Roman" panose="02020603050405020304" pitchFamily="18" charset="0"/>
-              </a:rPr>
-              <a:t> </a:t>
-            </a:r>
-            <a:r>
-              <a:rPr lang="en-US" sz="1400" dirty="0" err="1">
-                <a:latin typeface="Arial" panose="020B0604020202020204" pitchFamily="34" charset="0"/>
-                <a:ea typeface="Times New Roman" panose="02020603050405020304" pitchFamily="18" charset="0"/>
-                <a:cs typeface="Times New Roman" panose="02020603050405020304" pitchFamily="18" charset="0"/>
-              </a:rPr>
-              <a:t>харах</a:t>
-            </a:r>
-            <a:r>
-              <a:rPr lang="en-US" sz="1400" dirty="0">
-                <a:latin typeface="Arial" panose="020B0604020202020204" pitchFamily="34" charset="0"/>
-                <a:ea typeface="Times New Roman" panose="02020603050405020304" pitchFamily="18" charset="0"/>
-                <a:cs typeface="Times New Roman" panose="02020603050405020304" pitchFamily="18" charset="0"/>
-              </a:rPr>
-              <a:t> </a:t>
-            </a:r>
-            <a:r>
-              <a:rPr lang="en-US" sz="1400" dirty="0" err="1">
-                <a:latin typeface="Arial" panose="020B0604020202020204" pitchFamily="34" charset="0"/>
-                <a:ea typeface="Times New Roman" panose="02020603050405020304" pitchFamily="18" charset="0"/>
-                <a:cs typeface="Times New Roman" panose="02020603050405020304" pitchFamily="18" charset="0"/>
-              </a:rPr>
-              <a:t>дарааллын</a:t>
-            </a:r>
-            <a:r>
-              <a:rPr lang="en-US" sz="1400" dirty="0">
-                <a:latin typeface="Arial" panose="020B0604020202020204" pitchFamily="34" charset="0"/>
-                <a:ea typeface="Times New Roman" panose="02020603050405020304" pitchFamily="18" charset="0"/>
-                <a:cs typeface="Times New Roman" panose="02020603050405020304" pitchFamily="18" charset="0"/>
-              </a:rPr>
-              <a:t> </a:t>
-            </a:r>
-            <a:r>
-              <a:rPr lang="en-US" sz="1400" dirty="0" err="1">
-                <a:latin typeface="Arial" panose="020B0604020202020204" pitchFamily="34" charset="0"/>
-                <a:ea typeface="Times New Roman" panose="02020603050405020304" pitchFamily="18" charset="0"/>
-                <a:cs typeface="Times New Roman" panose="02020603050405020304" pitchFamily="18" charset="0"/>
-              </a:rPr>
-              <a:t>диаграм</a:t>
-            </a:r>
-            <a:r>
-              <a:rPr lang="en-US" sz="1400" dirty="0">
-                <a:latin typeface="Arial" panose="020B0604020202020204" pitchFamily="34" charset="0"/>
-                <a:ea typeface="Times New Roman" panose="02020603050405020304" pitchFamily="18" charset="0"/>
-                <a:cs typeface="Times New Roman" panose="02020603050405020304" pitchFamily="18" charset="0"/>
-              </a:rPr>
-              <a:t> </a:t>
-            </a:r>
-            <a:endParaRPr lang="en-US" sz="1400" dirty="0"/>
-          </a:p>
-        </p:txBody>
-      </p:sp>
-      <p:sp>
-        <p:nvSpPr>
-          <p:cNvPr id="8" name="Rectangle 7"/>
-          <p:cNvSpPr/>
-          <p:nvPr/>
-        </p:nvSpPr>
-        <p:spPr>
-          <a:xfrm>
-            <a:off x="2055033" y="5849580"/>
-            <a:ext cx="3088153" cy="307777"/>
-          </a:xfrm>
-          <a:prstGeom prst="rect">
-            <a:avLst/>
-          </a:prstGeom>
-        </p:spPr>
-        <p:txBody>
-          <a:bodyPr wrap="none">
-            <a:spAutoFit/>
-          </a:bodyPr>
-          <a:lstStyle/>
-          <a:p>
-            <a:r>
-              <a:rPr lang="en-US" sz="1400" dirty="0" err="1">
-                <a:latin typeface="Arial" panose="020B0604020202020204" pitchFamily="34" charset="0"/>
-                <a:ea typeface="Times New Roman" panose="02020603050405020304" pitchFamily="18" charset="0"/>
-                <a:cs typeface="Times New Roman" panose="02020603050405020304" pitchFamily="18" charset="0"/>
-              </a:rPr>
-              <a:t>Хичээл</a:t>
-            </a:r>
-            <a:r>
-              <a:rPr lang="en-US" sz="1400" dirty="0">
-                <a:latin typeface="Arial" panose="020B0604020202020204" pitchFamily="34" charset="0"/>
-                <a:ea typeface="Times New Roman" panose="02020603050405020304" pitchFamily="18" charset="0"/>
-                <a:cs typeface="Times New Roman" panose="02020603050405020304" pitchFamily="18" charset="0"/>
-              </a:rPr>
-              <a:t> </a:t>
-            </a:r>
-            <a:r>
-              <a:rPr lang="en-US" sz="1400" dirty="0" err="1">
-                <a:latin typeface="Arial" panose="020B0604020202020204" pitchFamily="34" charset="0"/>
-                <a:ea typeface="Times New Roman" panose="02020603050405020304" pitchFamily="18" charset="0"/>
-                <a:cs typeface="Times New Roman" panose="02020603050405020304" pitchFamily="18" charset="0"/>
-              </a:rPr>
-              <a:t>харах</a:t>
-            </a:r>
-            <a:r>
-              <a:rPr lang="en-US" sz="1400" dirty="0">
-                <a:latin typeface="Arial" panose="020B0604020202020204" pitchFamily="34" charset="0"/>
-                <a:ea typeface="Times New Roman" panose="02020603050405020304" pitchFamily="18" charset="0"/>
-                <a:cs typeface="Times New Roman" panose="02020603050405020304" pitchFamily="18" charset="0"/>
-              </a:rPr>
-              <a:t> </a:t>
-            </a:r>
-            <a:r>
-              <a:rPr lang="en-US" sz="1400" dirty="0" err="1">
-                <a:latin typeface="Arial" panose="020B0604020202020204" pitchFamily="34" charset="0"/>
-                <a:ea typeface="Times New Roman" panose="02020603050405020304" pitchFamily="18" charset="0"/>
-                <a:cs typeface="Times New Roman" panose="02020603050405020304" pitchFamily="18" charset="0"/>
-              </a:rPr>
-              <a:t>дарааллын</a:t>
-            </a:r>
-            <a:r>
-              <a:rPr lang="en-US" sz="1400" dirty="0">
-                <a:latin typeface="Arial" panose="020B0604020202020204" pitchFamily="34" charset="0"/>
-                <a:ea typeface="Times New Roman" panose="02020603050405020304" pitchFamily="18" charset="0"/>
-                <a:cs typeface="Times New Roman" panose="02020603050405020304" pitchFamily="18" charset="0"/>
-              </a:rPr>
-              <a:t> </a:t>
-            </a:r>
-            <a:r>
-              <a:rPr lang="en-US" sz="1400" dirty="0" err="1">
-                <a:latin typeface="Arial" panose="020B0604020202020204" pitchFamily="34" charset="0"/>
-                <a:ea typeface="Times New Roman" panose="02020603050405020304" pitchFamily="18" charset="0"/>
-                <a:cs typeface="Times New Roman" panose="02020603050405020304" pitchFamily="18" charset="0"/>
-              </a:rPr>
-              <a:t>диаграм</a:t>
-            </a:r>
-            <a:r>
-              <a:rPr lang="en-US" sz="1400" dirty="0">
-                <a:latin typeface="Arial" panose="020B0604020202020204" pitchFamily="34" charset="0"/>
-                <a:ea typeface="Times New Roman" panose="02020603050405020304" pitchFamily="18" charset="0"/>
-                <a:cs typeface="Times New Roman" panose="02020603050405020304" pitchFamily="18" charset="0"/>
-              </a:rPr>
-              <a:t> </a:t>
-            </a:r>
-            <a:endParaRPr lang="en-US" sz="1400" dirty="0"/>
-          </a:p>
-        </p:txBody>
-      </p:sp>
     </p:spTree>
     <p:extLst>
       <p:ext uri="{BB962C8B-B14F-4D97-AF65-F5344CB8AC3E}">
-        <p14:creationId xmlns:p14="http://schemas.microsoft.com/office/powerpoint/2010/main" val="3178354677"/>
+        <p14:creationId xmlns:p14="http://schemas.microsoft.com/office/powerpoint/2010/main" val="3165540705"/>
       </p:ext>
     </p:extLst>
   </p:cSld>
@@ -9354,12 +9046,31 @@
           <a:bodyPr/>
           <a:lstStyle/>
           <a:p>
-            <a:r>
-              <a:rPr lang="mn-MN" dirty="0" smtClean="0">
-                <a:latin typeface="Arial" panose="020B0604020202020204" pitchFamily="34" charset="0"/>
-                <a:cs typeface="Arial" panose="020B0604020202020204" pitchFamily="34" charset="0"/>
-              </a:rPr>
-              <a:t>Өгөгдлийн сангийн зохиомж</a:t>
+            <a:pPr lvl="2" algn="ctr" defTabSz="457200" rtl="0">
+              <a:spcBef>
+                <a:spcPct val="0"/>
+              </a:spcBef>
+            </a:pPr>
+            <a:r>
+              <a:rPr lang="mn-MN" sz="4400" dirty="0" smtClean="0">
+                <a:latin typeface="Arial" panose="020B0604020202020204" pitchFamily="34" charset="0"/>
+                <a:cs typeface="Arial" panose="020B0604020202020204" pitchFamily="34" charset="0"/>
+              </a:rPr>
+              <a:t>Архитектурын </a:t>
+            </a:r>
+            <a:r>
+              <a:rPr lang="mn-MN" sz="4400" dirty="0">
+                <a:latin typeface="Arial" panose="020B0604020202020204" pitchFamily="34" charset="0"/>
+                <a:cs typeface="Arial" panose="020B0604020202020204" pitchFamily="34" charset="0"/>
+              </a:rPr>
+              <a:t>зохиомж</a:t>
+            </a:r>
+            <a:r>
+              <a:rPr lang="mn-MN" dirty="0">
+                <a:latin typeface="Arial" panose="020B0604020202020204" pitchFamily="34" charset="0"/>
+                <a:cs typeface="Arial" panose="020B0604020202020204" pitchFamily="34" charset="0"/>
+              </a:rPr>
+              <a:t> </a:t>
             </a:r>
             <a:endParaRPr lang="en-US" dirty="0">
               <a:latin typeface="Arial" panose="020B0604020202020204" pitchFamily="34" charset="0"/>
@@ -9370,9 +9081,9 @@
       </p:sp>
       <p:pic>
         <p:nvPicPr>
-          <p:cNvPr id="5" name="Content Placeholder 4"/>
+          <p:cNvPr id="5" name="Content Placeholder 4" descr="C:\Users\md_moogii0306\Desktop\archi.png"/>
           <p:cNvPicPr>
-            <a:picLocks noGrp="1" noChangeAspect="1"/>
+            <a:picLocks noGrp="1"/>
           </p:cNvPicPr>
           <p:nvPr>
             <p:ph idx="1"/>
@@ -9386,21 +9097,29 @@
               </a:ext>
             </a:extLst>
           </a:blip>
+          <a:srcRect/>
           <a:stretch>
             <a:fillRect/>
           </a:stretch>
         </p:blipFill>
-        <p:spPr>
+        <p:spPr bwMode="auto">
           <a:xfrm>
-            <a:off x="3032856" y="2557463"/>
-            <a:ext cx="6126287" cy="3317875"/>
+            <a:off x="3288567" y="2557463"/>
+            <a:ext cx="5614865" cy="3317875"/>
           </a:xfrm>
+          <a:prstGeom prst="rect">
+            <a:avLst/>
+          </a:prstGeom>
+          <a:noFill/>
+          <a:ln>
+            <a:noFill/>
+          </a:ln>
         </p:spPr>
       </p:pic>
     </p:spTree>
     <p:extLst>
       <p:ext uri="{BB962C8B-B14F-4D97-AF65-F5344CB8AC3E}">
-        <p14:creationId xmlns:p14="http://schemas.microsoft.com/office/powerpoint/2010/main" val="3165540705"/>
+        <p14:creationId xmlns:p14="http://schemas.microsoft.com/office/powerpoint/2010/main" val="1582410143"/>
       </p:ext>
     </p:extLst>
   </p:cSld>
@@ -9449,44 +9168,19 @@
           <a:bodyPr/>
           <a:lstStyle/>
           <a:p>
-            <a:pPr lvl="2" algn="ctr" defTabSz="457200" rtl="0">
-              <a:spcBef>
-                <a:spcPct val="0"/>
-              </a:spcBef>
-            </a:pPr>
-            <a:r>
-              <a:rPr lang="mn-MN" sz="4400" dirty="0" smtClean="0">
-                <a:latin typeface="Arial" panose="020B0604020202020204" pitchFamily="34" charset="0"/>
-                <a:cs typeface="Arial" panose="020B0604020202020204" pitchFamily="34" charset="0"/>
-              </a:rPr>
-              <a:t>Архитектурын </a:t>
-            </a:r>
-            <a:r>
-              <a:rPr lang="mn-MN" sz="4400" dirty="0">
-                <a:latin typeface="Arial" panose="020B0604020202020204" pitchFamily="34" charset="0"/>
-                <a:cs typeface="Arial" panose="020B0604020202020204" pitchFamily="34" charset="0"/>
-              </a:rPr>
-              <a:t>зохиомж</a:t>
-            </a:r>
-            <a:r>
-              <a:rPr lang="mn-MN" dirty="0">
-                <a:latin typeface="Arial" panose="020B0604020202020204" pitchFamily="34" charset="0"/>
-                <a:cs typeface="Arial" panose="020B0604020202020204" pitchFamily="34" charset="0"/>
-              </a:rPr>
-              <a:t> </a:t>
-            </a:r>
-            <a:endParaRPr lang="en-US" dirty="0">
-              <a:latin typeface="Arial" panose="020B0604020202020204" pitchFamily="34" charset="0"/>
-              <a:cs typeface="Arial" panose="020B0604020202020204" pitchFamily="34" charset="0"/>
-            </a:endParaRPr>
+            <a:r>
+              <a:rPr lang="mn-MN" dirty="0" smtClean="0"/>
+              <a:t>Хэрэглэгчийн харьцах хэсгийн зохиомж </a:t>
+            </a:r>
+            <a:endParaRPr lang="en-US" dirty="0"/>
           </a:p>
         </p:txBody>
       </p:sp>
       <p:pic>
         <p:nvPicPr>
-          <p:cNvPr id="10" name="Content Placeholder 9"/>
+          <p:cNvPr id="4" name="Content Placeholder 3" descr="C:\Users\md_moogii0306\Desktop\New folder (7)\z6.png"/>
           <p:cNvPicPr>
-            <a:picLocks noGrp="1" noChangeAspect="1"/>
+            <a:picLocks noGrp="1"/>
           </p:cNvPicPr>
           <p:nvPr>
             <p:ph idx="1"/>
@@ -9500,21 +9194,128 @@
               </a:ext>
             </a:extLst>
           </a:blip>
+          <a:srcRect/>
           <a:stretch>
             <a:fillRect/>
           </a:stretch>
         </p:blipFill>
-        <p:spPr>
+        <p:spPr bwMode="auto">
           <a:xfrm>
-            <a:off x="2916625" y="2544584"/>
-            <a:ext cx="6358750" cy="3317875"/>
+            <a:off x="1517450" y="2544584"/>
+            <a:ext cx="1996445" cy="3317875"/>
           </a:xfrm>
+          <a:prstGeom prst="rect">
+            <a:avLst/>
+          </a:prstGeom>
+          <a:noFill/>
+          <a:ln>
+            <a:noFill/>
+          </a:ln>
+        </p:spPr>
+      </p:pic>
+      <p:pic>
+        <p:nvPicPr>
+          <p:cNvPr id="5" name="Picture 4" descr="C:\Users\md_moogii0306\Desktop\New folder (7)\z7.png"/>
+          <p:cNvPicPr/>
+          <p:nvPr/>
+        </p:nvPicPr>
+        <p:blipFill>
+          <a:blip r:embed="rId3">
+            <a:extLst>
+              <a:ext uri="{28A0092B-C50C-407E-A947-70E740481C1C}">
+                <a14:useLocalDpi xmlns:a14="http://schemas.microsoft.com/office/drawing/2010/main" val="0"/>
+              </a:ext>
+            </a:extLst>
+          </a:blip>
+          <a:srcRect/>
+          <a:stretch>
+            <a:fillRect/>
+          </a:stretch>
+        </p:blipFill>
+        <p:spPr bwMode="auto">
+          <a:xfrm>
+            <a:off x="3912235" y="2544584"/>
+            <a:ext cx="2183765" cy="3418334"/>
+          </a:xfrm>
+          <a:prstGeom prst="rect">
+            <a:avLst/>
+          </a:prstGeom>
+          <a:noFill/>
+          <a:ln>
+            <a:noFill/>
+          </a:ln>
+        </p:spPr>
+      </p:pic>
+      <p:pic>
+        <p:nvPicPr>
+          <p:cNvPr id="6" name="Picture 5" descr="C:\Users\md_moogii0306\Desktop\New folder (7)\z8.png"/>
+          <p:cNvPicPr/>
+          <p:nvPr/>
+        </p:nvPicPr>
+        <p:blipFill>
+          <a:blip r:embed="rId4">
+            <a:extLst>
+              <a:ext uri="{28A0092B-C50C-407E-A947-70E740481C1C}">
+                <a14:useLocalDpi xmlns:a14="http://schemas.microsoft.com/office/drawing/2010/main" val="0"/>
+              </a:ext>
+            </a:extLst>
+          </a:blip>
+          <a:srcRect/>
+          <a:stretch>
+            <a:fillRect/>
+          </a:stretch>
+        </p:blipFill>
+        <p:spPr bwMode="auto">
+          <a:xfrm>
+            <a:off x="6316787" y="2544584"/>
+            <a:ext cx="1953895" cy="3418334"/>
+          </a:xfrm>
+          <a:prstGeom prst="rect">
+            <a:avLst/>
+          </a:prstGeom>
+          <a:noFill/>
+          <a:ln>
+            <a:noFill/>
+          </a:ln>
+        </p:spPr>
+      </p:pic>
+      <p:pic>
+        <p:nvPicPr>
+          <p:cNvPr id="7" name="Picture 6" descr="C:\Users\md_moogii0306\Desktop\New folder (7)\z9.png"/>
+          <p:cNvPicPr/>
+          <p:nvPr/>
+        </p:nvPicPr>
+        <p:blipFill>
+          <a:blip r:embed="rId5">
+            <a:extLst>
+              <a:ext uri="{28A0092B-C50C-407E-A947-70E740481C1C}">
+                <a14:useLocalDpi xmlns:a14="http://schemas.microsoft.com/office/drawing/2010/main" val="0"/>
+              </a:ext>
+            </a:extLst>
+          </a:blip>
+          <a:srcRect/>
+          <a:stretch>
+            <a:fillRect/>
+          </a:stretch>
+        </p:blipFill>
+        <p:spPr bwMode="auto">
+          <a:xfrm>
+            <a:off x="8588826" y="2544584"/>
+            <a:ext cx="1891665" cy="3317875"/>
+          </a:xfrm>
+          <a:prstGeom prst="rect">
+            <a:avLst/>
+          </a:prstGeom>
+          <a:noFill/>
+          <a:ln>
+            <a:noFill/>
+          </a:ln>
         </p:spPr>
       </p:pic>
     </p:spTree>
     <p:extLst>
       <p:ext uri="{BB962C8B-B14F-4D97-AF65-F5344CB8AC3E}">
-        <p14:creationId xmlns:p14="http://schemas.microsoft.com/office/powerpoint/2010/main" val="1582410143"/>
+        <p14:creationId xmlns:p14="http://schemas.microsoft.com/office/powerpoint/2010/main" val="407220819"/>
       </p:ext>
     </p:extLst>
   </p:cSld>
@@ -9564,78 +9365,18 @@
           <a:lstStyle/>
           <a:p>
             <a:r>
-              <a:rPr lang="mn-MN" dirty="0">
-                <a:latin typeface="Arial" panose="020B0604020202020204" pitchFamily="34" charset="0"/>
-                <a:cs typeface="Arial" panose="020B0604020202020204" pitchFamily="34" charset="0"/>
-              </a:rPr>
-              <a:t>Веб интерфейсийн зохиомж</a:t>
-            </a:r>
-            <a:endParaRPr lang="en-US" dirty="0">
-              <a:latin typeface="Arial" panose="020B0604020202020204" pitchFamily="34" charset="0"/>
-              <a:cs typeface="Arial" panose="020B0604020202020204" pitchFamily="34" charset="0"/>
-            </a:endParaRPr>
-          </a:p>
-        </p:txBody>
-      </p:sp>
-      <p:sp>
-        <p:nvSpPr>
-          <p:cNvPr id="7" name="Rectangle 6"/>
-          <p:cNvSpPr/>
-          <p:nvPr/>
-        </p:nvSpPr>
-        <p:spPr>
-          <a:xfrm>
-            <a:off x="4754385" y="5738338"/>
-            <a:ext cx="2257092" cy="456535"/>
-          </a:xfrm>
-          <a:prstGeom prst="rect">
-            <a:avLst/>
-          </a:prstGeom>
-        </p:spPr>
-        <p:txBody>
-          <a:bodyPr wrap="none">
-            <a:spAutoFit/>
-          </a:bodyPr>
-          <a:lstStyle/>
-          <a:p>
-            <a:pPr algn="ctr">
-              <a:lnSpc>
-                <a:spcPct val="150000"/>
-              </a:lnSpc>
-              <a:spcAft>
-                <a:spcPts val="1000"/>
-              </a:spcAft>
-            </a:pPr>
-            <a:r>
-              <a:rPr lang="mn-MN" dirty="0" smtClean="0">
-                <a:latin typeface="Arial" panose="020B0604020202020204" pitchFamily="34" charset="0"/>
-                <a:ea typeface="Times New Roman" panose="02020603050405020304" pitchFamily="18" charset="0"/>
-                <a:cs typeface="Times New Roman" panose="02020603050405020304" pitchFamily="18" charset="0"/>
-              </a:rPr>
-              <a:t>Нэвтрэх </a:t>
-            </a:r>
-            <a:r>
-              <a:rPr lang="mn-MN" dirty="0">
-                <a:latin typeface="Arial" panose="020B0604020202020204" pitchFamily="34" charset="0"/>
-                <a:ea typeface="Times New Roman" panose="02020603050405020304" pitchFamily="18" charset="0"/>
-                <a:cs typeface="Times New Roman" panose="02020603050405020304" pitchFamily="18" charset="0"/>
-              </a:rPr>
-              <a:t>хэсэг (вэб)</a:t>
-            </a:r>
-            <a:endParaRPr lang="en-US" dirty="0">
-              <a:effectLst/>
-              <a:latin typeface="Arial" panose="020B0604020202020204" pitchFamily="34" charset="0"/>
-              <a:ea typeface="Times New Roman" panose="02020603050405020304" pitchFamily="18" charset="0"/>
-              <a:cs typeface="Times New Roman" panose="02020603050405020304" pitchFamily="18" charset="0"/>
-            </a:endParaRPr>
+              <a:rPr lang="mn-MN" dirty="0"/>
+              <a:t>Хэрэглэгчийн харьцах хэсгийн зохиомж </a:t>
+            </a:r>
+            <a:endParaRPr lang="en-US" dirty="0"/>
           </a:p>
         </p:txBody>
       </p:sp>
       <p:pic>
         <p:nvPicPr>
-          <p:cNvPr id="4" name="Content Placeholder 3"/>
+          <p:cNvPr id="4" name="Content Placeholder 3" descr="C:\Users\md_moogii0306\Desktop\New folder (7)\z10.png"/>
           <p:cNvPicPr>
-            <a:picLocks noGrp="1" noChangeAspect="1"/>
+            <a:picLocks noGrp="1"/>
           </p:cNvPicPr>
           <p:nvPr>
             <p:ph idx="1"/>
@@ -9649,21 +9390,62 @@
               </a:ext>
             </a:extLst>
           </a:blip>
+          <a:srcRect/>
           <a:stretch>
             <a:fillRect/>
           </a:stretch>
         </p:blipFill>
-        <p:spPr>
+        <p:spPr bwMode="auto">
           <a:xfrm>
-            <a:off x="3336187" y="2557463"/>
-            <a:ext cx="5519626" cy="3317875"/>
+            <a:off x="1152249" y="2544584"/>
+            <a:ext cx="4694760" cy="3317875"/>
           </a:xfrm>
+          <a:prstGeom prst="rect">
+            <a:avLst/>
+          </a:prstGeom>
+          <a:noFill/>
+          <a:ln>
+            <a:noFill/>
+          </a:ln>
+        </p:spPr>
+      </p:pic>
+      <p:pic>
+        <p:nvPicPr>
+          <p:cNvPr id="5" name="Picture 4" descr="C:\Users\md_moogii0306\Desktop\New folder (7)\z11.png"/>
+          <p:cNvPicPr/>
+          <p:nvPr/>
+        </p:nvPicPr>
+        <p:blipFill>
+          <a:blip r:embed="rId3">
+            <a:extLst>
+              <a:ext uri="{28A0092B-C50C-407E-A947-70E740481C1C}">
+                <a14:useLocalDpi xmlns:a14="http://schemas.microsoft.com/office/drawing/2010/main" val="0"/>
+              </a:ext>
+            </a:extLst>
+          </a:blip>
+          <a:srcRect/>
+          <a:stretch>
+            <a:fillRect/>
+          </a:stretch>
+        </p:blipFill>
+        <p:spPr bwMode="auto">
+          <a:xfrm>
+            <a:off x="6272012" y="2494354"/>
+            <a:ext cx="4866590" cy="3418334"/>
+          </a:xfrm>
+          <a:prstGeom prst="rect">
+            <a:avLst/>
+          </a:prstGeom>
+          <a:noFill/>
+          <a:ln>
+            <a:noFill/>
+          </a:ln>
         </p:spPr>
       </p:pic>
     </p:spTree>
     <p:extLst>
       <p:ext uri="{BB962C8B-B14F-4D97-AF65-F5344CB8AC3E}">
-        <p14:creationId xmlns:p14="http://schemas.microsoft.com/office/powerpoint/2010/main" val="3497572291"/>
+        <p14:creationId xmlns:p14="http://schemas.microsoft.com/office/powerpoint/2010/main" val="254644637"/>
       </p:ext>
     </p:extLst>
   </p:cSld>
@@ -9709,592 +9491,6 @@
         </p:nvSpPr>
         <p:spPr/>
         <p:txBody>
-          <a:bodyPr/>
-          <a:lstStyle/>
-          <a:p>
-            <a:r>
-              <a:rPr lang="mn-MN" dirty="0">
-                <a:latin typeface="Arial" panose="020B0604020202020204" pitchFamily="34" charset="0"/>
-                <a:cs typeface="Arial" panose="020B0604020202020204" pitchFamily="34" charset="0"/>
-              </a:rPr>
-              <a:t>Веб интерфейсийн зохиомж</a:t>
-            </a:r>
-            <a:endParaRPr lang="en-US" dirty="0">
-              <a:latin typeface="Arial" panose="020B0604020202020204" pitchFamily="34" charset="0"/>
-              <a:cs typeface="Arial" panose="020B0604020202020204" pitchFamily="34" charset="0"/>
-            </a:endParaRPr>
-          </a:p>
-        </p:txBody>
-      </p:sp>
-      <p:sp>
-        <p:nvSpPr>
-          <p:cNvPr id="5" name="Rectangle 4"/>
-          <p:cNvSpPr/>
-          <p:nvPr/>
-        </p:nvSpPr>
-        <p:spPr>
-          <a:xfrm>
-            <a:off x="5168262" y="5875338"/>
-            <a:ext cx="1491434" cy="369332"/>
-          </a:xfrm>
-          <a:prstGeom prst="rect">
-            <a:avLst/>
-          </a:prstGeom>
-        </p:spPr>
-        <p:txBody>
-          <a:bodyPr wrap="none">
-            <a:spAutoFit/>
-          </a:bodyPr>
-          <a:lstStyle/>
-          <a:p>
-            <a:r>
-              <a:rPr lang="mn-MN" dirty="0">
-                <a:latin typeface="Arial" panose="020B0604020202020204" pitchFamily="34" charset="0"/>
-                <a:cs typeface="Arial" panose="020B0604020202020204" pitchFamily="34" charset="0"/>
-              </a:rPr>
-              <a:t>Нүүр хуудас</a:t>
-            </a:r>
-            <a:endParaRPr lang="en-US" dirty="0">
-              <a:latin typeface="Arial" panose="020B0604020202020204" pitchFamily="34" charset="0"/>
-              <a:cs typeface="Arial" panose="020B0604020202020204" pitchFamily="34" charset="0"/>
-            </a:endParaRPr>
-          </a:p>
-        </p:txBody>
-      </p:sp>
-      <p:pic>
-        <p:nvPicPr>
-          <p:cNvPr id="6" name="Content Placeholder 5"/>
-          <p:cNvPicPr>
-            <a:picLocks noGrp="1" noChangeAspect="1"/>
-          </p:cNvPicPr>
-          <p:nvPr>
-            <p:ph idx="1"/>
-          </p:nvPr>
-        </p:nvPicPr>
-        <p:blipFill>
-          <a:blip r:embed="rId2">
-            <a:extLst>
-              <a:ext uri="{28A0092B-C50C-407E-A947-70E740481C1C}">
-                <a14:useLocalDpi xmlns:a14="http://schemas.microsoft.com/office/drawing/2010/main" val="0"/>
-              </a:ext>
-            </a:extLst>
-          </a:blip>
-          <a:stretch>
-            <a:fillRect/>
-          </a:stretch>
-        </p:blipFill>
-        <p:spPr>
-          <a:xfrm>
-            <a:off x="3460841" y="2557463"/>
-            <a:ext cx="5270317" cy="3317875"/>
-          </a:xfrm>
-        </p:spPr>
-      </p:pic>
-    </p:spTree>
-    <p:extLst>
-      <p:ext uri="{BB962C8B-B14F-4D97-AF65-F5344CB8AC3E}">
-        <p14:creationId xmlns:p14="http://schemas.microsoft.com/office/powerpoint/2010/main" val="2974634342"/>
-      </p:ext>
-    </p:extLst>
-  </p:cSld>
-  <p:clrMapOvr>
-    <a:masterClrMapping/>
-  </p:clrMapOvr>
-  <p:timing>
-    <p:tnLst>
-      <p:par>
-        <p:cTn id="1" dur="indefinite" restart="never" nodeType="tmRoot"/>
-      </p:par>
-    </p:tnLst>
-  </p:timing>
-</p:sld>
-</file>
-
-<file path=ppt/slides/slide26.xml><?xml version="1.0" encoding="utf-8"?>
-<p:sld xmlns:a="http://schemas.openxmlformats.org/drawingml/2006/main" xmlns:r="http://schemas.openxmlformats.org/officeDocument/2006/relationships" xmlns:p="http://schemas.openxmlformats.org/presentationml/2006/main">
-  <p:cSld>
-    <p:spTree>
-      <p:nvGrpSpPr>
-        <p:cNvPr id="1" name=""/>
-        <p:cNvGrpSpPr/>
-        <p:nvPr/>
-      </p:nvGrpSpPr>
-      <p:grpSpPr>
-        <a:xfrm>
-          <a:off x="0" y="0"/>
-          <a:ext cx="0" cy="0"/>
-          <a:chOff x="0" y="0"/>
-          <a:chExt cx="0" cy="0"/>
-        </a:xfrm>
-      </p:grpSpPr>
-      <p:sp>
-        <p:nvSpPr>
-          <p:cNvPr id="2" name="Title 1"/>
-          <p:cNvSpPr>
-            <a:spLocks noGrp="1"/>
-          </p:cNvSpPr>
-          <p:nvPr>
-            <p:ph type="title"/>
-          </p:nvPr>
-        </p:nvSpPr>
-        <p:spPr/>
-        <p:txBody>
-          <a:bodyPr/>
-          <a:lstStyle/>
-          <a:p>
-            <a:r>
-              <a:rPr lang="mn-MN" dirty="0" smtClean="0">
-                <a:latin typeface="Arial" panose="020B0604020202020204" pitchFamily="34" charset="0"/>
-                <a:cs typeface="Arial" panose="020B0604020202020204" pitchFamily="34" charset="0"/>
-              </a:rPr>
-              <a:t>Гар утасны </a:t>
-            </a:r>
-            <a:r>
-              <a:rPr lang="mn-MN" dirty="0">
-                <a:latin typeface="Arial" panose="020B0604020202020204" pitchFamily="34" charset="0"/>
-                <a:cs typeface="Arial" panose="020B0604020202020204" pitchFamily="34" charset="0"/>
-              </a:rPr>
-              <a:t>интерфейсийн зохиомж</a:t>
-            </a:r>
-            <a:r>
-              <a:rPr lang="mn-MN" dirty="0" smtClean="0">
-                <a:latin typeface="Arial" panose="020B0604020202020204" pitchFamily="34" charset="0"/>
-                <a:cs typeface="Arial" panose="020B0604020202020204" pitchFamily="34" charset="0"/>
-              </a:rPr>
-              <a:t> </a:t>
-            </a:r>
-            <a:endParaRPr lang="en-US" dirty="0">
-              <a:latin typeface="Arial" panose="020B0604020202020204" pitchFamily="34" charset="0"/>
-              <a:cs typeface="Arial" panose="020B0604020202020204" pitchFamily="34" charset="0"/>
-            </a:endParaRPr>
-          </a:p>
-        </p:txBody>
-      </p:sp>
-      <p:sp>
-        <p:nvSpPr>
-          <p:cNvPr id="10" name="Rectangle 9"/>
-          <p:cNvSpPr/>
-          <p:nvPr/>
-        </p:nvSpPr>
-        <p:spPr>
-          <a:xfrm>
-            <a:off x="5097334" y="5823008"/>
-            <a:ext cx="1488100" cy="375552"/>
-          </a:xfrm>
-          <a:prstGeom prst="rect">
-            <a:avLst/>
-          </a:prstGeom>
-        </p:spPr>
-        <p:txBody>
-          <a:bodyPr wrap="none">
-            <a:spAutoFit/>
-          </a:bodyPr>
-          <a:lstStyle/>
-          <a:p>
-            <a:pPr marL="320040" marR="0" algn="ctr">
-              <a:lnSpc>
-                <a:spcPct val="150000"/>
-              </a:lnSpc>
-              <a:spcBef>
-                <a:spcPts val="0"/>
-              </a:spcBef>
-              <a:spcAft>
-                <a:spcPts val="1000"/>
-              </a:spcAft>
-            </a:pPr>
-            <a:r>
-              <a:rPr lang="mn-MN" sz="1400" dirty="0">
-                <a:latin typeface="Arial" panose="020B0604020202020204" pitchFamily="34" charset="0"/>
-                <a:ea typeface="Times New Roman" panose="02020603050405020304" pitchFamily="18" charset="0"/>
-                <a:cs typeface="Times New Roman" panose="02020603050405020304" pitchFamily="18" charset="0"/>
-              </a:rPr>
-              <a:t>Хичээл цэс </a:t>
-            </a:r>
-            <a:endParaRPr lang="en-US" sz="1400" dirty="0">
-              <a:effectLst/>
-              <a:latin typeface="Arial" panose="020B0604020202020204" pitchFamily="34" charset="0"/>
-              <a:ea typeface="Times New Roman" panose="02020603050405020304" pitchFamily="18" charset="0"/>
-              <a:cs typeface="Times New Roman" panose="02020603050405020304" pitchFamily="18" charset="0"/>
-            </a:endParaRPr>
-          </a:p>
-        </p:txBody>
-      </p:sp>
-      <p:pic>
-        <p:nvPicPr>
-          <p:cNvPr id="14" name="Picture 13"/>
-          <p:cNvPicPr>
-            <a:picLocks noChangeAspect="1"/>
-          </p:cNvPicPr>
-          <p:nvPr/>
-        </p:nvPicPr>
-        <p:blipFill>
-          <a:blip r:embed="rId2">
-            <a:extLst>
-              <a:ext uri="{28A0092B-C50C-407E-A947-70E740481C1C}">
-                <a14:useLocalDpi xmlns:a14="http://schemas.microsoft.com/office/drawing/2010/main" val="0"/>
-              </a:ext>
-            </a:extLst>
-          </a:blip>
-          <a:stretch>
-            <a:fillRect/>
-          </a:stretch>
-        </p:blipFill>
-        <p:spPr>
-          <a:xfrm>
-            <a:off x="1919548" y="2447646"/>
-            <a:ext cx="2751440" cy="3375362"/>
-          </a:xfrm>
-          <a:prstGeom prst="rect">
-            <a:avLst/>
-          </a:prstGeom>
-        </p:spPr>
-      </p:pic>
-      <p:pic>
-        <p:nvPicPr>
-          <p:cNvPr id="15" name="Picture 14"/>
-          <p:cNvPicPr>
-            <a:picLocks noChangeAspect="1"/>
-          </p:cNvPicPr>
-          <p:nvPr/>
-        </p:nvPicPr>
-        <p:blipFill>
-          <a:blip r:embed="rId3">
-            <a:extLst>
-              <a:ext uri="{28A0092B-C50C-407E-A947-70E740481C1C}">
-                <a14:useLocalDpi xmlns:a14="http://schemas.microsoft.com/office/drawing/2010/main" val="0"/>
-              </a:ext>
-            </a:extLst>
-          </a:blip>
-          <a:stretch>
-            <a:fillRect/>
-          </a:stretch>
-        </p:blipFill>
-        <p:spPr>
-          <a:xfrm>
-            <a:off x="4720281" y="2482243"/>
-            <a:ext cx="2530526" cy="3340765"/>
-          </a:xfrm>
-          <a:prstGeom prst="rect">
-            <a:avLst/>
-          </a:prstGeom>
-        </p:spPr>
-      </p:pic>
-      <p:pic>
-        <p:nvPicPr>
-          <p:cNvPr id="16" name="Picture 15"/>
-          <p:cNvPicPr>
-            <a:picLocks noChangeAspect="1"/>
-          </p:cNvPicPr>
-          <p:nvPr/>
-        </p:nvPicPr>
-        <p:blipFill>
-          <a:blip r:embed="rId4">
-            <a:extLst>
-              <a:ext uri="{28A0092B-C50C-407E-A947-70E740481C1C}">
-                <a14:useLocalDpi xmlns:a14="http://schemas.microsoft.com/office/drawing/2010/main" val="0"/>
-              </a:ext>
-            </a:extLst>
-          </a:blip>
-          <a:stretch>
-            <a:fillRect/>
-          </a:stretch>
-        </p:blipFill>
-        <p:spPr>
-          <a:xfrm>
-            <a:off x="7475486" y="2448355"/>
-            <a:ext cx="2595793" cy="3408539"/>
-          </a:xfrm>
-          <a:prstGeom prst="rect">
-            <a:avLst/>
-          </a:prstGeom>
-        </p:spPr>
-      </p:pic>
-      <p:sp>
-        <p:nvSpPr>
-          <p:cNvPr id="17" name="Rectangle 16"/>
-          <p:cNvSpPr/>
-          <p:nvPr/>
-        </p:nvSpPr>
-        <p:spPr>
-          <a:xfrm>
-            <a:off x="8217781" y="5890782"/>
-            <a:ext cx="1111202" cy="307777"/>
-          </a:xfrm>
-          <a:prstGeom prst="rect">
-            <a:avLst/>
-          </a:prstGeom>
-        </p:spPr>
-        <p:txBody>
-          <a:bodyPr wrap="none">
-            <a:spAutoFit/>
-          </a:bodyPr>
-          <a:lstStyle/>
-          <a:p>
-            <a:r>
-              <a:rPr lang="mn-MN" sz="1400" dirty="0">
-                <a:latin typeface="Arial" panose="020B0604020202020204" pitchFamily="34" charset="0"/>
-                <a:cs typeface="Arial" panose="020B0604020202020204" pitchFamily="34" charset="0"/>
-              </a:rPr>
-              <a:t>Жишээ цэс</a:t>
-            </a:r>
-            <a:endParaRPr lang="en-US" sz="1400" dirty="0">
-              <a:latin typeface="Arial" panose="020B0604020202020204" pitchFamily="34" charset="0"/>
-              <a:cs typeface="Arial" panose="020B0604020202020204" pitchFamily="34" charset="0"/>
-            </a:endParaRPr>
-          </a:p>
-        </p:txBody>
-      </p:sp>
-    </p:spTree>
-    <p:extLst>
-      <p:ext uri="{BB962C8B-B14F-4D97-AF65-F5344CB8AC3E}">
-        <p14:creationId xmlns:p14="http://schemas.microsoft.com/office/powerpoint/2010/main" val="1960017979"/>
-      </p:ext>
-    </p:extLst>
-  </p:cSld>
-  <p:clrMapOvr>
-    <a:masterClrMapping/>
-  </p:clrMapOvr>
-  <p:timing>
-    <p:tnLst>
-      <p:par>
-        <p:cTn id="1" dur="indefinite" restart="never" nodeType="tmRoot"/>
-      </p:par>
-    </p:tnLst>
-  </p:timing>
-</p:sld>
-</file>
-
-<file path=ppt/slides/slide27.xml><?xml version="1.0" encoding="utf-8"?>
-<p:sld xmlns:a="http://schemas.openxmlformats.org/drawingml/2006/main" xmlns:r="http://schemas.openxmlformats.org/officeDocument/2006/relationships" xmlns:p="http://schemas.openxmlformats.org/presentationml/2006/main">
-  <p:cSld>
-    <p:spTree>
-      <p:nvGrpSpPr>
-        <p:cNvPr id="1" name=""/>
-        <p:cNvGrpSpPr/>
-        <p:nvPr/>
-      </p:nvGrpSpPr>
-      <p:grpSpPr>
-        <a:xfrm>
-          <a:off x="0" y="0"/>
-          <a:ext cx="0" cy="0"/>
-          <a:chOff x="0" y="0"/>
-          <a:chExt cx="0" cy="0"/>
-        </a:xfrm>
-      </p:grpSpPr>
-      <p:sp>
-        <p:nvSpPr>
-          <p:cNvPr id="2" name="Title 1"/>
-          <p:cNvSpPr>
-            <a:spLocks noGrp="1"/>
-          </p:cNvSpPr>
-          <p:nvPr>
-            <p:ph type="title"/>
-          </p:nvPr>
-        </p:nvSpPr>
-        <p:spPr/>
-        <p:txBody>
-          <a:bodyPr/>
-          <a:lstStyle/>
-          <a:p>
-            <a:r>
-              <a:rPr lang="mn-MN" dirty="0">
-                <a:latin typeface="Arial" panose="020B0604020202020204" pitchFamily="34" charset="0"/>
-                <a:cs typeface="Arial" panose="020B0604020202020204" pitchFamily="34" charset="0"/>
-              </a:rPr>
-              <a:t>Гар утасны интерфейсийн зохиомж </a:t>
-            </a:r>
-            <a:endParaRPr lang="en-US" dirty="0">
-              <a:latin typeface="Arial" panose="020B0604020202020204" pitchFamily="34" charset="0"/>
-              <a:cs typeface="Arial" panose="020B0604020202020204" pitchFamily="34" charset="0"/>
-            </a:endParaRPr>
-          </a:p>
-        </p:txBody>
-      </p:sp>
-      <p:pic>
-        <p:nvPicPr>
-          <p:cNvPr id="6" name="Content Placeholder 5"/>
-          <p:cNvPicPr>
-            <a:picLocks noGrp="1" noChangeAspect="1"/>
-          </p:cNvPicPr>
-          <p:nvPr>
-            <p:ph idx="1"/>
-          </p:nvPr>
-        </p:nvPicPr>
-        <p:blipFill>
-          <a:blip r:embed="rId2">
-            <a:extLst>
-              <a:ext uri="{28A0092B-C50C-407E-A947-70E740481C1C}">
-                <a14:useLocalDpi xmlns:a14="http://schemas.microsoft.com/office/drawing/2010/main" val="0"/>
-              </a:ext>
-            </a:extLst>
-          </a:blip>
-          <a:stretch>
-            <a:fillRect/>
-          </a:stretch>
-        </p:blipFill>
-        <p:spPr>
-          <a:xfrm>
-            <a:off x="2786953" y="2429453"/>
-            <a:ext cx="2136245" cy="3317875"/>
-          </a:xfrm>
-        </p:spPr>
-      </p:pic>
-      <p:sp>
-        <p:nvSpPr>
-          <p:cNvPr id="4" name="Rectangle 3"/>
-          <p:cNvSpPr/>
-          <p:nvPr/>
-        </p:nvSpPr>
-        <p:spPr>
-          <a:xfrm>
-            <a:off x="6942387" y="5857283"/>
-            <a:ext cx="1848263" cy="307777"/>
-          </a:xfrm>
-          <a:prstGeom prst="rect">
-            <a:avLst/>
-          </a:prstGeom>
-        </p:spPr>
-        <p:txBody>
-          <a:bodyPr wrap="none">
-            <a:spAutoFit/>
-          </a:bodyPr>
-          <a:lstStyle/>
-          <a:p>
-            <a:r>
-              <a:rPr lang="mn-MN" sz="1400" dirty="0">
-                <a:latin typeface="Arial" panose="020B0604020202020204" pitchFamily="34" charset="0"/>
-                <a:cs typeface="Arial" panose="020B0604020202020204" pitchFamily="34" charset="0"/>
-              </a:rPr>
-              <a:t>Асуулт хариулт цэс </a:t>
-            </a:r>
-            <a:endParaRPr lang="en-US" sz="1400" dirty="0">
-              <a:latin typeface="Arial" panose="020B0604020202020204" pitchFamily="34" charset="0"/>
-              <a:cs typeface="Arial" panose="020B0604020202020204" pitchFamily="34" charset="0"/>
-            </a:endParaRPr>
-          </a:p>
-        </p:txBody>
-      </p:sp>
-      <p:sp>
-        <p:nvSpPr>
-          <p:cNvPr id="5" name="Rectangle 4"/>
-          <p:cNvSpPr/>
-          <p:nvPr/>
-        </p:nvSpPr>
-        <p:spPr>
-          <a:xfrm>
-            <a:off x="3299474" y="5857283"/>
-            <a:ext cx="1089594" cy="307777"/>
-          </a:xfrm>
-          <a:prstGeom prst="rect">
-            <a:avLst/>
-          </a:prstGeom>
-        </p:spPr>
-        <p:txBody>
-          <a:bodyPr wrap="none">
-            <a:spAutoFit/>
-          </a:bodyPr>
-          <a:lstStyle/>
-          <a:p>
-            <a:r>
-              <a:rPr lang="mn-MN" sz="1400" dirty="0" smtClean="0">
-                <a:latin typeface="Arial" panose="020B0604020202020204" pitchFamily="34" charset="0"/>
-                <a:cs typeface="Arial" panose="020B0604020202020204" pitchFamily="34" charset="0"/>
-              </a:rPr>
-              <a:t>Асуулт </a:t>
-            </a:r>
-            <a:r>
-              <a:rPr lang="mn-MN" sz="1400" dirty="0">
-                <a:latin typeface="Arial" panose="020B0604020202020204" pitchFamily="34" charset="0"/>
-                <a:cs typeface="Arial" panose="020B0604020202020204" pitchFamily="34" charset="0"/>
-              </a:rPr>
-              <a:t>цэс</a:t>
-            </a:r>
-            <a:endParaRPr lang="en-US" sz="1400" dirty="0">
-              <a:latin typeface="Arial" panose="020B0604020202020204" pitchFamily="34" charset="0"/>
-              <a:cs typeface="Arial" panose="020B0604020202020204" pitchFamily="34" charset="0"/>
-            </a:endParaRPr>
-          </a:p>
-        </p:txBody>
-      </p:sp>
-      <p:pic>
-        <p:nvPicPr>
-          <p:cNvPr id="7" name="Picture 6"/>
-          <p:cNvPicPr>
-            <a:picLocks noChangeAspect="1"/>
-          </p:cNvPicPr>
-          <p:nvPr/>
-        </p:nvPicPr>
-        <p:blipFill>
-          <a:blip r:embed="rId3">
-            <a:extLst>
-              <a:ext uri="{28A0092B-C50C-407E-A947-70E740481C1C}">
-                <a14:useLocalDpi xmlns:a14="http://schemas.microsoft.com/office/drawing/2010/main" val="0"/>
-              </a:ext>
-            </a:extLst>
-          </a:blip>
-          <a:stretch>
-            <a:fillRect/>
-          </a:stretch>
-        </p:blipFill>
-        <p:spPr>
-          <a:xfrm>
-            <a:off x="6519270" y="2429453"/>
-            <a:ext cx="2694495" cy="3427830"/>
-          </a:xfrm>
-          <a:prstGeom prst="rect">
-            <a:avLst/>
-          </a:prstGeom>
-        </p:spPr>
-      </p:pic>
-    </p:spTree>
-    <p:extLst>
-      <p:ext uri="{BB962C8B-B14F-4D97-AF65-F5344CB8AC3E}">
-        <p14:creationId xmlns:p14="http://schemas.microsoft.com/office/powerpoint/2010/main" val="1541867521"/>
-      </p:ext>
-    </p:extLst>
-  </p:cSld>
-  <p:clrMapOvr>
-    <a:masterClrMapping/>
-  </p:clrMapOvr>
-  <p:timing>
-    <p:tnLst>
-      <p:par>
-        <p:cTn id="1" dur="indefinite" restart="never" nodeType="tmRoot"/>
-      </p:par>
-    </p:tnLst>
-  </p:timing>
-</p:sld>
-</file>
-
-<file path=ppt/slides/slide28.xml><?xml version="1.0" encoding="utf-8"?>
-<p:sld xmlns:a="http://schemas.openxmlformats.org/drawingml/2006/main" xmlns:r="http://schemas.openxmlformats.org/officeDocument/2006/relationships" xmlns:p="http://schemas.openxmlformats.org/presentationml/2006/main">
-  <p:cSld>
-    <p:spTree>
-      <p:nvGrpSpPr>
-        <p:cNvPr id="1" name=""/>
-        <p:cNvGrpSpPr/>
-        <p:nvPr/>
-      </p:nvGrpSpPr>
-      <p:grpSpPr>
-        <a:xfrm>
-          <a:off x="0" y="0"/>
-          <a:ext cx="0" cy="0"/>
-          <a:chOff x="0" y="0"/>
-          <a:chExt cx="0" cy="0"/>
-        </a:xfrm>
-      </p:grpSpPr>
-      <p:sp>
-        <p:nvSpPr>
-          <p:cNvPr id="2" name="Title 1"/>
-          <p:cNvSpPr>
-            <a:spLocks noGrp="1"/>
-          </p:cNvSpPr>
-          <p:nvPr>
-            <p:ph type="title"/>
-          </p:nvPr>
-        </p:nvSpPr>
-        <p:spPr/>
-        <p:txBody>
           <a:bodyPr>
             <a:normAutofit/>
           </a:bodyPr>
@@ -10367,14 +9563,22 @@
                 <a:latin typeface="Arial" panose="020B0604020202020204" pitchFamily="34" charset="0"/>
                 <a:cs typeface="Arial" panose="020B0604020202020204" pitchFamily="34" charset="0"/>
               </a:rPr>
-              <a:t>өгөгдлийн нууцлал, аюулгүй байдалын тусламж програмыг хэрэгжүүлэхэд шаардлагатай системийн шинжилгээ зохиомжыг гаргалаа.</a:t>
-            </a:r>
-            <a:endParaRPr lang="en-US" dirty="0">
-              <a:latin typeface="Arial" panose="020B0604020202020204" pitchFamily="34" charset="0"/>
-              <a:cs typeface="Arial" panose="020B0604020202020204" pitchFamily="34" charset="0"/>
-            </a:endParaRPr>
-          </a:p>
-          <a:p>
+              <a:t>өгөгдлийн нууцлал, аюулгүй байдалын тусламж програмыг хэрэгжүүлэхэд шаардлагатай системийн шинжилгээ зохиомжыг </a:t>
+            </a:r>
+            <a:r>
+              <a:rPr lang="mn-MN" dirty="0" smtClean="0">
+                <a:latin typeface="Arial" panose="020B0604020202020204" pitchFamily="34" charset="0"/>
+                <a:cs typeface="Arial" panose="020B0604020202020204" pitchFamily="34" charset="0"/>
+              </a:rPr>
+              <a:t>гарган түүн дээр үндэслэн </a:t>
+            </a:r>
+            <a:r>
+              <a:rPr lang="mn-MN" smtClean="0">
+                <a:latin typeface="Arial" panose="020B0604020202020204" pitchFamily="34" charset="0"/>
+                <a:cs typeface="Arial" panose="020B0604020202020204" pitchFamily="34" charset="0"/>
+              </a:rPr>
+              <a:t>програм хөгжүүлж байна.</a:t>
+            </a:r>
             <a:endParaRPr lang="en-US" dirty="0"/>
           </a:p>
         </p:txBody>
@@ -10399,7 +9603,7 @@
 </p:sld>
 </file>
 
-<file path=ppt/slides/slide29.xml><?xml version="1.0" encoding="utf-8"?>
+<file path=ppt/slides/slide26.xml><?xml version="1.0" encoding="utf-8"?>
 <p:sld xmlns:a="http://schemas.openxmlformats.org/drawingml/2006/main" xmlns:r="http://schemas.openxmlformats.org/officeDocument/2006/relationships" xmlns:p="http://schemas.openxmlformats.org/presentationml/2006/main">
   <p:cSld>
     <p:spTree>
